--- a/Диссертация/Смотр 2 курс 2 семестр/Артамонова_презентация.pptx
+++ b/Диссертация/Смотр 2 курс 2 семестр/Артамонова_презентация.pptx
@@ -5,7 +5,7 @@
     <p:sldMasterId id="2147483660" r:id="rId1"/>
   </p:sldMasterIdLst>
   <p:notesMasterIdLst>
-    <p:notesMasterId r:id="rId9"/>
+    <p:notesMasterId r:id="rId17"/>
   </p:notesMasterIdLst>
   <p:sldIdLst>
     <p:sldId id="256" r:id="rId2"/>
@@ -14,7 +14,15 @@
     <p:sldId id="260" r:id="rId5"/>
     <p:sldId id="259" r:id="rId6"/>
     <p:sldId id="261" r:id="rId7"/>
-    <p:sldId id="262" r:id="rId8"/>
+    <p:sldId id="270" r:id="rId8"/>
+    <p:sldId id="269" r:id="rId9"/>
+    <p:sldId id="262" r:id="rId10"/>
+    <p:sldId id="263" r:id="rId11"/>
+    <p:sldId id="264" r:id="rId12"/>
+    <p:sldId id="265" r:id="rId13"/>
+    <p:sldId id="266" r:id="rId14"/>
+    <p:sldId id="267" r:id="rId15"/>
+    <p:sldId id="268" r:id="rId16"/>
   </p:sldIdLst>
   <p:sldSz cx="9906000" cy="6858000" type="A4"/>
   <p:notesSz cx="6858000" cy="9144000"/>
@@ -3557,7 +3565,7 @@
             <a:fld id="{7EA884AF-4C88-424D-ADB7-7848CE0D5563}" type="datetimeFigureOut">
               <a:rPr lang="ru-RU" smtClean="0"/>
               <a:pPr/>
-              <a:t>04.02.2025</a:t>
+              <a:t>30.04.2025</a:t>
             </a:fld>
             <a:endParaRPr lang="ru-RU"/>
           </a:p>
@@ -3927,7 +3935,7 @@
             <a:fld id="{38ED4DB7-AC7F-4A42-877D-9FD276944AEC}" type="datetime1">
               <a:rPr lang="ru-RU" smtClean="0"/>
               <a:pPr/>
-              <a:t>04.02.2025</a:t>
+              <a:t>30.04.2025</a:t>
             </a:fld>
             <a:endParaRPr lang="ru-RU"/>
           </a:p>
@@ -4131,7 +4139,7 @@
             <a:fld id="{EFA4A34B-65F3-406A-BC9E-C6FAF08B0E8B}" type="datetime1">
               <a:rPr lang="ru-RU" smtClean="0"/>
               <a:pPr/>
-              <a:t>04.02.2025</a:t>
+              <a:t>30.04.2025</a:t>
             </a:fld>
             <a:endParaRPr lang="ru-RU"/>
           </a:p>
@@ -4311,7 +4319,7 @@
             <a:fld id="{5BA1F008-62DC-4A23-BE89-996EF89291BF}" type="datetime1">
               <a:rPr lang="ru-RU" smtClean="0"/>
               <a:pPr/>
-              <a:t>04.02.2025</a:t>
+              <a:t>30.04.2025</a:t>
             </a:fld>
             <a:endParaRPr lang="ru-RU"/>
           </a:p>
@@ -4491,7 +4499,7 @@
             <a:fld id="{B3F6E369-3AF4-4F4F-905B-434A00AC4342}" type="datetime1">
               <a:rPr lang="ru-RU" smtClean="0"/>
               <a:pPr/>
-              <a:t>04.02.2025</a:t>
+              <a:t>30.04.2025</a:t>
             </a:fld>
             <a:endParaRPr lang="ru-RU"/>
           </a:p>
@@ -4738,7 +4746,7 @@
             <a:fld id="{463BB650-AFB8-4EB8-8969-2F959D8EAD4F}" type="datetime1">
               <a:rPr lang="ru-RU" smtClean="0"/>
               <a:pPr/>
-              <a:t>04.02.2025</a:t>
+              <a:t>30.04.2025</a:t>
             </a:fld>
             <a:endParaRPr lang="ru-RU"/>
           </a:p>
@@ -4969,7 +4977,7 @@
             <a:fld id="{79F2B9F4-0FDB-4F6F-8737-A82692AF2004}" type="datetime1">
               <a:rPr lang="ru-RU" smtClean="0"/>
               <a:pPr/>
-              <a:t>04.02.2025</a:t>
+              <a:t>30.04.2025</a:t>
             </a:fld>
             <a:endParaRPr lang="ru-RU"/>
           </a:p>
@@ -5335,7 +5343,7 @@
             <a:fld id="{B0ECDEB8-08B2-47E9-8D6E-8DF583962871}" type="datetime1">
               <a:rPr lang="ru-RU" smtClean="0"/>
               <a:pPr/>
-              <a:t>04.02.2025</a:t>
+              <a:t>30.04.2025</a:t>
             </a:fld>
             <a:endParaRPr lang="ru-RU"/>
           </a:p>
@@ -5454,7 +5462,7 @@
             <a:fld id="{0125CFBC-8A1E-4B88-8318-D1A46FE9274C}" type="datetime1">
               <a:rPr lang="ru-RU" smtClean="0"/>
               <a:pPr/>
-              <a:t>04.02.2025</a:t>
+              <a:t>30.04.2025</a:t>
             </a:fld>
             <a:endParaRPr lang="ru-RU"/>
           </a:p>
@@ -5551,7 +5559,7 @@
             <a:fld id="{387EE4BF-63A5-4437-AD9E-A7DB957F2D34}" type="datetime1">
               <a:rPr lang="ru-RU" smtClean="0"/>
               <a:pPr/>
-              <a:t>04.02.2025</a:t>
+              <a:t>30.04.2025</a:t>
             </a:fld>
             <a:endParaRPr lang="ru-RU"/>
           </a:p>
@@ -5828,7 +5836,7 @@
             <a:fld id="{A91547C4-783C-4D72-A274-36C5C4D4FDF8}" type="datetime1">
               <a:rPr lang="ru-RU" smtClean="0"/>
               <a:pPr/>
-              <a:t>04.02.2025</a:t>
+              <a:t>30.04.2025</a:t>
             </a:fld>
             <a:endParaRPr lang="ru-RU"/>
           </a:p>
@@ -6082,7 +6090,7 @@
             <a:fld id="{668A31C0-00A8-4167-8EC1-69433850E9EF}" type="datetime1">
               <a:rPr lang="ru-RU" smtClean="0"/>
               <a:pPr/>
-              <a:t>04.02.2025</a:t>
+              <a:t>30.04.2025</a:t>
             </a:fld>
             <a:endParaRPr lang="ru-RU"/>
           </a:p>
@@ -6295,7 +6303,7 @@
             <a:fld id="{72B28B62-43C0-48EE-AC9E-FDF4B84CC8ED}" type="datetime1">
               <a:rPr lang="ru-RU" smtClean="0"/>
               <a:pPr/>
-              <a:t>04.02.2025</a:t>
+              <a:t>30.04.2025</a:t>
             </a:fld>
             <a:endParaRPr lang="ru-RU"/>
           </a:p>
@@ -6763,30 +6771,6 @@
       </p:sp>
       <p:sp>
         <p:nvSpPr>
-          <p:cNvPr id="4" name="Номер слайда 3"/>
-          <p:cNvSpPr>
-            <a:spLocks noGrp="1"/>
-          </p:cNvSpPr>
-          <p:nvPr>
-            <p:ph type="sldNum" sz="quarter" idx="12"/>
-          </p:nvPr>
-        </p:nvSpPr>
-        <p:spPr/>
-        <p:txBody>
-          <a:bodyPr/>
-          <a:lstStyle/>
-          <a:p>
-            <a:fld id="{E61BA17C-8861-48C6-BD31-E6A55A1FA5BD}" type="slidenum">
-              <a:rPr lang="ru-RU" smtClean="0"/>
-              <a:pPr/>
-              <a:t>1</a:t>
-            </a:fld>
-            <a:endParaRPr lang="ru-RU"/>
-          </a:p>
-        </p:txBody>
-      </p:sp>
-      <p:sp>
-        <p:nvSpPr>
           <p:cNvPr id="2" name="Заголовок 1"/>
           <p:cNvSpPr>
             <a:spLocks noGrp="1"/>
@@ -6821,6 +6805,1756 @@
     <p:extLst>
       <p:ext uri="{BB962C8B-B14F-4D97-AF65-F5344CB8AC3E}">
         <p14:creationId xmlns:p14="http://schemas.microsoft.com/office/powerpoint/2010/main" val="940905240"/>
+      </p:ext>
+    </p:extLst>
+  </p:cSld>
+  <p:clrMapOvr>
+    <a:masterClrMapping/>
+  </p:clrMapOvr>
+</p:sld>
+</file>
+
+<file path=ppt/slides/slide10.xml><?xml version="1.0" encoding="utf-8"?>
+<p:sld xmlns:a="http://schemas.openxmlformats.org/drawingml/2006/main" xmlns:r="http://schemas.openxmlformats.org/officeDocument/2006/relationships" xmlns:p="http://schemas.openxmlformats.org/presentationml/2006/main">
+  <p:cSld>
+    <p:spTree>
+      <p:nvGrpSpPr>
+        <p:cNvPr id="1" name="">
+          <a:extLst>
+            <a:ext uri="{FF2B5EF4-FFF2-40B4-BE49-F238E27FC236}">
+              <a16:creationId xmlns:a16="http://schemas.microsoft.com/office/drawing/2014/main" id="{44586324-C1BB-7238-B2A8-C27BE7199EA8}"/>
+            </a:ext>
+          </a:extLst>
+        </p:cNvPr>
+        <p:cNvGrpSpPr/>
+        <p:nvPr/>
+      </p:nvGrpSpPr>
+      <p:grpSpPr>
+        <a:xfrm>
+          <a:off x="0" y="0"/>
+          <a:ext cx="0" cy="0"/>
+          <a:chOff x="0" y="0"/>
+          <a:chExt cx="0" cy="0"/>
+        </a:xfrm>
+      </p:grpSpPr>
+      <p:sp>
+        <p:nvSpPr>
+          <p:cNvPr id="2" name="Заголовок 1">
+            <a:extLst>
+              <a:ext uri="{FF2B5EF4-FFF2-40B4-BE49-F238E27FC236}">
+                <a16:creationId xmlns:a16="http://schemas.microsoft.com/office/drawing/2014/main" id="{E1DBAC95-BC49-9778-4B91-0AD61EADCE5C}"/>
+              </a:ext>
+            </a:extLst>
+          </p:cNvPr>
+          <p:cNvSpPr>
+            <a:spLocks noGrp="1"/>
+          </p:cNvSpPr>
+          <p:nvPr>
+            <p:ph type="title"/>
+          </p:nvPr>
+        </p:nvSpPr>
+        <p:spPr>
+          <a:xfrm>
+            <a:off x="0" y="1"/>
+            <a:ext cx="9906000" cy="1258956"/>
+          </a:xfrm>
+        </p:spPr>
+        <p:txBody>
+          <a:bodyPr/>
+          <a:lstStyle/>
+          <a:p>
+            <a:r>
+              <a:rPr lang="ru-RU" dirty="0">
+                <a:latin typeface="Times New Roman" panose="02020603050405020304" pitchFamily="18" charset="0"/>
+                <a:cs typeface="Times New Roman" panose="02020603050405020304" pitchFamily="18" charset="0"/>
+              </a:rPr>
+              <a:t>Программная реализация</a:t>
+            </a:r>
+          </a:p>
+        </p:txBody>
+      </p:sp>
+      <p:sp>
+        <p:nvSpPr>
+          <p:cNvPr id="7" name="Номер слайда 6">
+            <a:extLst>
+              <a:ext uri="{FF2B5EF4-FFF2-40B4-BE49-F238E27FC236}">
+                <a16:creationId xmlns:a16="http://schemas.microsoft.com/office/drawing/2014/main" id="{E3D0A598-7236-0733-C777-B0C404D3CD1F}"/>
+              </a:ext>
+            </a:extLst>
+          </p:cNvPr>
+          <p:cNvSpPr>
+            <a:spLocks noGrp="1"/>
+          </p:cNvSpPr>
+          <p:nvPr>
+            <p:ph type="sldNum" sz="quarter" idx="12"/>
+          </p:nvPr>
+        </p:nvSpPr>
+        <p:spPr/>
+        <p:txBody>
+          <a:bodyPr/>
+          <a:lstStyle/>
+          <a:p>
+            <a:fld id="{E61BA17C-8861-48C6-BD31-E6A55A1FA5BD}" type="slidenum">
+              <a:rPr lang="ru-RU" smtClean="0"/>
+              <a:pPr/>
+              <a:t>10</a:t>
+            </a:fld>
+            <a:endParaRPr lang="ru-RU"/>
+          </a:p>
+        </p:txBody>
+      </p:sp>
+      <p:pic>
+        <p:nvPicPr>
+          <p:cNvPr id="3" name="В презентацию">
+            <a:hlinkClick r:id="" action="ppaction://media"/>
+            <a:extLst>
+              <a:ext uri="{FF2B5EF4-FFF2-40B4-BE49-F238E27FC236}">
+                <a16:creationId xmlns:a16="http://schemas.microsoft.com/office/drawing/2014/main" id="{BE5B7A64-846B-DFB3-ED54-2549682D3545}"/>
+              </a:ext>
+            </a:extLst>
+          </p:cNvPr>
+          <p:cNvPicPr>
+            <a:picLocks noChangeAspect="1"/>
+          </p:cNvPicPr>
+          <p:nvPr>
+            <a:videoFile r:link="rId2"/>
+            <p:extLst>
+              <p:ext uri="{DAA4B4D4-6D71-4841-9C94-3DE7FCFB9230}">
+                <p14:media xmlns:p14="http://schemas.microsoft.com/office/powerpoint/2010/main" r:embed="rId1"/>
+              </p:ext>
+            </p:extLst>
+          </p:nvPr>
+        </p:nvPicPr>
+        <p:blipFill>
+          <a:blip r:embed="rId4"/>
+          <a:stretch>
+            <a:fillRect/>
+          </a:stretch>
+        </p:blipFill>
+        <p:spPr>
+          <a:xfrm>
+            <a:off x="846224" y="1191992"/>
+            <a:ext cx="8213551" cy="4474016"/>
+          </a:xfrm>
+          <a:prstGeom prst="rect">
+            <a:avLst/>
+          </a:prstGeom>
+        </p:spPr>
+      </p:pic>
+    </p:spTree>
+    <p:extLst>
+      <p:ext uri="{BB962C8B-B14F-4D97-AF65-F5344CB8AC3E}">
+        <p14:creationId xmlns:p14="http://schemas.microsoft.com/office/powerpoint/2010/main" val="4037739495"/>
+      </p:ext>
+    </p:extLst>
+  </p:cSld>
+  <p:clrMapOvr>
+    <a:masterClrMapping/>
+  </p:clrMapOvr>
+  <p:timing>
+    <p:tnLst>
+      <p:par>
+        <p:cTn id="1" dur="indefinite" restart="never" nodeType="tmRoot">
+          <p:childTnLst>
+            <p:seq concurrent="1" nextAc="seek">
+              <p:cTn id="2" dur="indefinite" nodeType="mainSeq">
+                <p:childTnLst>
+                  <p:par>
+                    <p:cTn id="3" fill="hold">
+                      <p:stCondLst>
+                        <p:cond delay="indefinite"/>
+                        <p:cond evt="onBegin" delay="0">
+                          <p:tn val="2"/>
+                        </p:cond>
+                      </p:stCondLst>
+                      <p:childTnLst>
+                        <p:par>
+                          <p:cTn id="4" fill="hold">
+                            <p:stCondLst>
+                              <p:cond delay="0"/>
+                            </p:stCondLst>
+                            <p:childTnLst>
+                              <p:par>
+                                <p:cTn id="5" presetID="1" presetClass="mediacall" presetSubtype="0" fill="hold" nodeType="afterEffect">
+                                  <p:stCondLst>
+                                    <p:cond delay="0"/>
+                                  </p:stCondLst>
+                                  <p:childTnLst>
+                                    <p:cmd type="call" cmd="playFrom(0.0)">
+                                      <p:cBhvr>
+                                        <p:cTn id="6" dur="21462" fill="hold"/>
+                                        <p:tgtEl>
+                                          <p:spTgt spid="3"/>
+                                        </p:tgtEl>
+                                      </p:cBhvr>
+                                    </p:cmd>
+                                  </p:childTnLst>
+                                </p:cTn>
+                              </p:par>
+                            </p:childTnLst>
+                          </p:cTn>
+                        </p:par>
+                      </p:childTnLst>
+                    </p:cTn>
+                  </p:par>
+                </p:childTnLst>
+              </p:cTn>
+              <p:prevCondLst>
+                <p:cond evt="onPrev" delay="0">
+                  <p:tgtEl>
+                    <p:sldTgt/>
+                  </p:tgtEl>
+                </p:cond>
+              </p:prevCondLst>
+              <p:nextCondLst>
+                <p:cond evt="onNext" delay="0">
+                  <p:tgtEl>
+                    <p:sldTgt/>
+                  </p:tgtEl>
+                </p:cond>
+              </p:nextCondLst>
+            </p:seq>
+            <p:video>
+              <p:cMediaNode vol="80000">
+                <p:cTn id="7" fill="hold" display="0">
+                  <p:stCondLst>
+                    <p:cond delay="indefinite"/>
+                  </p:stCondLst>
+                </p:cTn>
+                <p:tgtEl>
+                  <p:spTgt spid="3"/>
+                </p:tgtEl>
+              </p:cMediaNode>
+            </p:video>
+            <p:seq concurrent="1" nextAc="seek">
+              <p:cTn id="8" restart="whenNotActive" fill="hold" evtFilter="cancelBubble" nodeType="interactiveSeq">
+                <p:stCondLst>
+                  <p:cond evt="onClick" delay="0">
+                    <p:tgtEl>
+                      <p:spTgt spid="3"/>
+                    </p:tgtEl>
+                  </p:cond>
+                </p:stCondLst>
+                <p:endSync evt="end" delay="0">
+                  <p:rtn val="all"/>
+                </p:endSync>
+                <p:childTnLst>
+                  <p:par>
+                    <p:cTn id="9" fill="hold">
+                      <p:stCondLst>
+                        <p:cond delay="0"/>
+                      </p:stCondLst>
+                      <p:childTnLst>
+                        <p:par>
+                          <p:cTn id="10" fill="hold">
+                            <p:stCondLst>
+                              <p:cond delay="0"/>
+                            </p:stCondLst>
+                            <p:childTnLst>
+                              <p:par>
+                                <p:cTn id="11" presetID="2" presetClass="mediacall" presetSubtype="0" fill="hold" nodeType="clickEffect">
+                                  <p:stCondLst>
+                                    <p:cond delay="0"/>
+                                  </p:stCondLst>
+                                  <p:childTnLst>
+                                    <p:cmd type="call" cmd="togglePause">
+                                      <p:cBhvr>
+                                        <p:cTn id="12" dur="1" fill="hold"/>
+                                        <p:tgtEl>
+                                          <p:spTgt spid="3"/>
+                                        </p:tgtEl>
+                                      </p:cBhvr>
+                                    </p:cmd>
+                                  </p:childTnLst>
+                                </p:cTn>
+                              </p:par>
+                            </p:childTnLst>
+                          </p:cTn>
+                        </p:par>
+                      </p:childTnLst>
+                    </p:cTn>
+                  </p:par>
+                </p:childTnLst>
+              </p:cTn>
+              <p:nextCondLst>
+                <p:cond evt="onClick" delay="0">
+                  <p:tgtEl>
+                    <p:spTgt spid="3"/>
+                  </p:tgtEl>
+                </p:cond>
+              </p:nextCondLst>
+            </p:seq>
+          </p:childTnLst>
+        </p:cTn>
+      </p:par>
+    </p:tnLst>
+  </p:timing>
+</p:sld>
+</file>
+
+<file path=ppt/slides/slide11.xml><?xml version="1.0" encoding="utf-8"?>
+<p:sld xmlns:a="http://schemas.openxmlformats.org/drawingml/2006/main" xmlns:r="http://schemas.openxmlformats.org/officeDocument/2006/relationships" xmlns:p="http://schemas.openxmlformats.org/presentationml/2006/main">
+  <p:cSld>
+    <p:spTree>
+      <p:nvGrpSpPr>
+        <p:cNvPr id="1" name="">
+          <a:extLst>
+            <a:ext uri="{FF2B5EF4-FFF2-40B4-BE49-F238E27FC236}">
+              <a16:creationId xmlns:a16="http://schemas.microsoft.com/office/drawing/2014/main" id="{44586324-C1BB-7238-B2A8-C27BE7199EA8}"/>
+            </a:ext>
+          </a:extLst>
+        </p:cNvPr>
+        <p:cNvGrpSpPr/>
+        <p:nvPr/>
+      </p:nvGrpSpPr>
+      <p:grpSpPr>
+        <a:xfrm>
+          <a:off x="0" y="0"/>
+          <a:ext cx="0" cy="0"/>
+          <a:chOff x="0" y="0"/>
+          <a:chExt cx="0" cy="0"/>
+        </a:xfrm>
+      </p:grpSpPr>
+      <p:sp>
+        <p:nvSpPr>
+          <p:cNvPr id="2" name="Заголовок 1">
+            <a:extLst>
+              <a:ext uri="{FF2B5EF4-FFF2-40B4-BE49-F238E27FC236}">
+                <a16:creationId xmlns:a16="http://schemas.microsoft.com/office/drawing/2014/main" id="{E1DBAC95-BC49-9778-4B91-0AD61EADCE5C}"/>
+              </a:ext>
+            </a:extLst>
+          </p:cNvPr>
+          <p:cNvSpPr>
+            <a:spLocks noGrp="1"/>
+          </p:cNvSpPr>
+          <p:nvPr>
+            <p:ph type="title"/>
+          </p:nvPr>
+        </p:nvSpPr>
+        <p:spPr>
+          <a:xfrm>
+            <a:off x="0" y="1"/>
+            <a:ext cx="9906000" cy="1258956"/>
+          </a:xfrm>
+        </p:spPr>
+        <p:txBody>
+          <a:bodyPr/>
+          <a:lstStyle/>
+          <a:p>
+            <a:r>
+              <a:rPr lang="ru-RU" dirty="0">
+                <a:latin typeface="Times New Roman" panose="02020603050405020304" pitchFamily="18" charset="0"/>
+                <a:cs typeface="Times New Roman" panose="02020603050405020304" pitchFamily="18" charset="0"/>
+              </a:rPr>
+              <a:t>Программная реализация</a:t>
+            </a:r>
+          </a:p>
+        </p:txBody>
+      </p:sp>
+      <p:sp>
+        <p:nvSpPr>
+          <p:cNvPr id="7" name="Номер слайда 6">
+            <a:extLst>
+              <a:ext uri="{FF2B5EF4-FFF2-40B4-BE49-F238E27FC236}">
+                <a16:creationId xmlns:a16="http://schemas.microsoft.com/office/drawing/2014/main" id="{E3D0A598-7236-0733-C777-B0C404D3CD1F}"/>
+              </a:ext>
+            </a:extLst>
+          </p:cNvPr>
+          <p:cNvSpPr>
+            <a:spLocks noGrp="1"/>
+          </p:cNvSpPr>
+          <p:nvPr>
+            <p:ph type="sldNum" sz="quarter" idx="12"/>
+          </p:nvPr>
+        </p:nvSpPr>
+        <p:spPr/>
+        <p:txBody>
+          <a:bodyPr/>
+          <a:lstStyle/>
+          <a:p>
+            <a:fld id="{E61BA17C-8861-48C6-BD31-E6A55A1FA5BD}" type="slidenum">
+              <a:rPr lang="ru-RU" smtClean="0"/>
+              <a:pPr/>
+              <a:t>11</a:t>
+            </a:fld>
+            <a:endParaRPr lang="ru-RU"/>
+          </a:p>
+        </p:txBody>
+      </p:sp>
+      <p:pic>
+        <p:nvPicPr>
+          <p:cNvPr id="3" name="В презентацию 2">
+            <a:hlinkClick r:id="" action="ppaction://media"/>
+            <a:extLst>
+              <a:ext uri="{FF2B5EF4-FFF2-40B4-BE49-F238E27FC236}">
+                <a16:creationId xmlns:a16="http://schemas.microsoft.com/office/drawing/2014/main" id="{91C3A338-30CD-3E09-72DF-231B89688844}"/>
+              </a:ext>
+            </a:extLst>
+          </p:cNvPr>
+          <p:cNvPicPr>
+            <a:picLocks noChangeAspect="1"/>
+          </p:cNvPicPr>
+          <p:nvPr>
+            <a:videoFile r:link="rId2"/>
+            <p:extLst>
+              <p:ext uri="{DAA4B4D4-6D71-4841-9C94-3DE7FCFB9230}">
+                <p14:media xmlns:p14="http://schemas.microsoft.com/office/powerpoint/2010/main" r:embed="rId1"/>
+              </p:ext>
+            </p:extLst>
+          </p:nvPr>
+        </p:nvPicPr>
+        <p:blipFill>
+          <a:blip r:embed="rId4"/>
+          <a:stretch>
+            <a:fillRect/>
+          </a:stretch>
+        </p:blipFill>
+        <p:spPr>
+          <a:xfrm>
+            <a:off x="922090" y="1258957"/>
+            <a:ext cx="8061820" cy="4414622"/>
+          </a:xfrm>
+          <a:prstGeom prst="rect">
+            <a:avLst/>
+          </a:prstGeom>
+        </p:spPr>
+      </p:pic>
+    </p:spTree>
+    <p:extLst>
+      <p:ext uri="{BB962C8B-B14F-4D97-AF65-F5344CB8AC3E}">
+        <p14:creationId xmlns:p14="http://schemas.microsoft.com/office/powerpoint/2010/main" val="3931215192"/>
+      </p:ext>
+    </p:extLst>
+  </p:cSld>
+  <p:clrMapOvr>
+    <a:masterClrMapping/>
+  </p:clrMapOvr>
+  <p:timing>
+    <p:tnLst>
+      <p:par>
+        <p:cTn id="1" dur="indefinite" restart="never" nodeType="tmRoot">
+          <p:childTnLst>
+            <p:seq concurrent="1" nextAc="seek">
+              <p:cTn id="2" dur="indefinite" nodeType="mainSeq">
+                <p:childTnLst>
+                  <p:par>
+                    <p:cTn id="3" fill="hold">
+                      <p:stCondLst>
+                        <p:cond delay="indefinite"/>
+                        <p:cond evt="onBegin" delay="0">
+                          <p:tn val="2"/>
+                        </p:cond>
+                      </p:stCondLst>
+                      <p:childTnLst>
+                        <p:par>
+                          <p:cTn id="4" fill="hold">
+                            <p:stCondLst>
+                              <p:cond delay="0"/>
+                            </p:stCondLst>
+                            <p:childTnLst>
+                              <p:par>
+                                <p:cTn id="5" presetID="1" presetClass="mediacall" presetSubtype="0" fill="hold" nodeType="afterEffect">
+                                  <p:stCondLst>
+                                    <p:cond delay="0"/>
+                                  </p:stCondLst>
+                                  <p:childTnLst>
+                                    <p:cmd type="call" cmd="playFrom(0.0)">
+                                      <p:cBhvr>
+                                        <p:cTn id="6" dur="14699" fill="hold"/>
+                                        <p:tgtEl>
+                                          <p:spTgt spid="3"/>
+                                        </p:tgtEl>
+                                      </p:cBhvr>
+                                    </p:cmd>
+                                  </p:childTnLst>
+                                </p:cTn>
+                              </p:par>
+                            </p:childTnLst>
+                          </p:cTn>
+                        </p:par>
+                      </p:childTnLst>
+                    </p:cTn>
+                  </p:par>
+                </p:childTnLst>
+              </p:cTn>
+              <p:prevCondLst>
+                <p:cond evt="onPrev" delay="0">
+                  <p:tgtEl>
+                    <p:sldTgt/>
+                  </p:tgtEl>
+                </p:cond>
+              </p:prevCondLst>
+              <p:nextCondLst>
+                <p:cond evt="onNext" delay="0">
+                  <p:tgtEl>
+                    <p:sldTgt/>
+                  </p:tgtEl>
+                </p:cond>
+              </p:nextCondLst>
+            </p:seq>
+            <p:video>
+              <p:cMediaNode vol="80000">
+                <p:cTn id="7" fill="hold" display="0">
+                  <p:stCondLst>
+                    <p:cond delay="indefinite"/>
+                  </p:stCondLst>
+                </p:cTn>
+                <p:tgtEl>
+                  <p:spTgt spid="3"/>
+                </p:tgtEl>
+              </p:cMediaNode>
+            </p:video>
+            <p:seq concurrent="1" nextAc="seek">
+              <p:cTn id="8" restart="whenNotActive" fill="hold" evtFilter="cancelBubble" nodeType="interactiveSeq">
+                <p:stCondLst>
+                  <p:cond evt="onClick" delay="0">
+                    <p:tgtEl>
+                      <p:spTgt spid="3"/>
+                    </p:tgtEl>
+                  </p:cond>
+                </p:stCondLst>
+                <p:endSync evt="end" delay="0">
+                  <p:rtn val="all"/>
+                </p:endSync>
+                <p:childTnLst>
+                  <p:par>
+                    <p:cTn id="9" fill="hold">
+                      <p:stCondLst>
+                        <p:cond delay="0"/>
+                      </p:stCondLst>
+                      <p:childTnLst>
+                        <p:par>
+                          <p:cTn id="10" fill="hold">
+                            <p:stCondLst>
+                              <p:cond delay="0"/>
+                            </p:stCondLst>
+                            <p:childTnLst>
+                              <p:par>
+                                <p:cTn id="11" presetID="2" presetClass="mediacall" presetSubtype="0" fill="hold" nodeType="clickEffect">
+                                  <p:stCondLst>
+                                    <p:cond delay="0"/>
+                                  </p:stCondLst>
+                                  <p:childTnLst>
+                                    <p:cmd type="call" cmd="togglePause">
+                                      <p:cBhvr>
+                                        <p:cTn id="12" dur="1" fill="hold"/>
+                                        <p:tgtEl>
+                                          <p:spTgt spid="3"/>
+                                        </p:tgtEl>
+                                      </p:cBhvr>
+                                    </p:cmd>
+                                  </p:childTnLst>
+                                </p:cTn>
+                              </p:par>
+                            </p:childTnLst>
+                          </p:cTn>
+                        </p:par>
+                      </p:childTnLst>
+                    </p:cTn>
+                  </p:par>
+                </p:childTnLst>
+              </p:cTn>
+              <p:nextCondLst>
+                <p:cond evt="onClick" delay="0">
+                  <p:tgtEl>
+                    <p:spTgt spid="3"/>
+                  </p:tgtEl>
+                </p:cond>
+              </p:nextCondLst>
+            </p:seq>
+          </p:childTnLst>
+        </p:cTn>
+      </p:par>
+    </p:tnLst>
+  </p:timing>
+</p:sld>
+</file>
+
+<file path=ppt/slides/slide12.xml><?xml version="1.0" encoding="utf-8"?>
+<p:sld xmlns:a="http://schemas.openxmlformats.org/drawingml/2006/main" xmlns:r="http://schemas.openxmlformats.org/officeDocument/2006/relationships" xmlns:p="http://schemas.openxmlformats.org/presentationml/2006/main">
+  <p:cSld>
+    <p:spTree>
+      <p:nvGrpSpPr>
+        <p:cNvPr id="1" name="">
+          <a:extLst>
+            <a:ext uri="{FF2B5EF4-FFF2-40B4-BE49-F238E27FC236}">
+              <a16:creationId xmlns:a16="http://schemas.microsoft.com/office/drawing/2014/main" id="{44586324-C1BB-7238-B2A8-C27BE7199EA8}"/>
+            </a:ext>
+          </a:extLst>
+        </p:cNvPr>
+        <p:cNvGrpSpPr/>
+        <p:nvPr/>
+      </p:nvGrpSpPr>
+      <p:grpSpPr>
+        <a:xfrm>
+          <a:off x="0" y="0"/>
+          <a:ext cx="0" cy="0"/>
+          <a:chOff x="0" y="0"/>
+          <a:chExt cx="0" cy="0"/>
+        </a:xfrm>
+      </p:grpSpPr>
+      <p:sp>
+        <p:nvSpPr>
+          <p:cNvPr id="2" name="Заголовок 1">
+            <a:extLst>
+              <a:ext uri="{FF2B5EF4-FFF2-40B4-BE49-F238E27FC236}">
+                <a16:creationId xmlns:a16="http://schemas.microsoft.com/office/drawing/2014/main" id="{E1DBAC95-BC49-9778-4B91-0AD61EADCE5C}"/>
+              </a:ext>
+            </a:extLst>
+          </p:cNvPr>
+          <p:cNvSpPr>
+            <a:spLocks noGrp="1"/>
+          </p:cNvSpPr>
+          <p:nvPr>
+            <p:ph type="title"/>
+          </p:nvPr>
+        </p:nvSpPr>
+        <p:spPr>
+          <a:xfrm>
+            <a:off x="0" y="1"/>
+            <a:ext cx="9906000" cy="1258956"/>
+          </a:xfrm>
+        </p:spPr>
+        <p:txBody>
+          <a:bodyPr/>
+          <a:lstStyle/>
+          <a:p>
+            <a:r>
+              <a:rPr lang="ru-RU" dirty="0">
+                <a:latin typeface="Times New Roman" panose="02020603050405020304" pitchFamily="18" charset="0"/>
+                <a:cs typeface="Times New Roman" panose="02020603050405020304" pitchFamily="18" charset="0"/>
+              </a:rPr>
+              <a:t>Оценка точности полученных результатов</a:t>
+            </a:r>
+          </a:p>
+        </p:txBody>
+      </p:sp>
+      <p:sp>
+        <p:nvSpPr>
+          <p:cNvPr id="7" name="Номер слайда 6">
+            <a:extLst>
+              <a:ext uri="{FF2B5EF4-FFF2-40B4-BE49-F238E27FC236}">
+                <a16:creationId xmlns:a16="http://schemas.microsoft.com/office/drawing/2014/main" id="{E3D0A598-7236-0733-C777-B0C404D3CD1F}"/>
+              </a:ext>
+            </a:extLst>
+          </p:cNvPr>
+          <p:cNvSpPr>
+            <a:spLocks noGrp="1"/>
+          </p:cNvSpPr>
+          <p:nvPr>
+            <p:ph type="sldNum" sz="quarter" idx="12"/>
+          </p:nvPr>
+        </p:nvSpPr>
+        <p:spPr/>
+        <p:txBody>
+          <a:bodyPr/>
+          <a:lstStyle/>
+          <a:p>
+            <a:fld id="{E61BA17C-8861-48C6-BD31-E6A55A1FA5BD}" type="slidenum">
+              <a:rPr lang="ru-RU" smtClean="0"/>
+              <a:pPr/>
+              <a:t>12</a:t>
+            </a:fld>
+            <a:endParaRPr lang="ru-RU"/>
+          </a:p>
+        </p:txBody>
+      </p:sp>
+      <p:pic>
+        <p:nvPicPr>
+          <p:cNvPr id="3" name="Рисунок 2">
+            <a:extLst>
+              <a:ext uri="{FF2B5EF4-FFF2-40B4-BE49-F238E27FC236}">
+                <a16:creationId xmlns:a16="http://schemas.microsoft.com/office/drawing/2014/main" id="{E6A13995-3C64-8E3B-7ADD-A0CDDF6C4041}"/>
+              </a:ext>
+            </a:extLst>
+          </p:cNvPr>
+          <p:cNvPicPr>
+            <a:picLocks noChangeAspect="1"/>
+          </p:cNvPicPr>
+          <p:nvPr/>
+        </p:nvPicPr>
+        <p:blipFill>
+          <a:blip r:embed="rId2">
+            <a:extLst>
+              <a:ext uri="{28A0092B-C50C-407E-A947-70E740481C1C}">
+                <a14:useLocalDpi xmlns:a14="http://schemas.microsoft.com/office/drawing/2010/main" val="0"/>
+              </a:ext>
+            </a:extLst>
+          </a:blip>
+          <a:srcRect/>
+          <a:stretch>
+            <a:fillRect/>
+          </a:stretch>
+        </p:blipFill>
+        <p:spPr bwMode="auto">
+          <a:xfrm>
+            <a:off x="1983105" y="1258957"/>
+            <a:ext cx="5939790" cy="3169285"/>
+          </a:xfrm>
+          <a:prstGeom prst="rect">
+            <a:avLst/>
+          </a:prstGeom>
+          <a:noFill/>
+          <a:ln>
+            <a:noFill/>
+          </a:ln>
+        </p:spPr>
+      </p:pic>
+      <p:sp>
+        <p:nvSpPr>
+          <p:cNvPr id="6" name="TextBox 5">
+            <a:extLst>
+              <a:ext uri="{FF2B5EF4-FFF2-40B4-BE49-F238E27FC236}">
+                <a16:creationId xmlns:a16="http://schemas.microsoft.com/office/drawing/2014/main" id="{5B676A5C-94BC-2B69-32AF-84732F488FBD}"/>
+              </a:ext>
+            </a:extLst>
+          </p:cNvPr>
+          <p:cNvSpPr txBox="1"/>
+          <p:nvPr/>
+        </p:nvSpPr>
+        <p:spPr>
+          <a:xfrm>
+            <a:off x="2434336" y="4539235"/>
+            <a:ext cx="6361339" cy="923330"/>
+          </a:xfrm>
+          <a:prstGeom prst="rect">
+            <a:avLst/>
+          </a:prstGeom>
+          <a:noFill/>
+        </p:spPr>
+        <p:txBody>
+          <a:bodyPr wrap="square">
+            <a:spAutoFit/>
+          </a:bodyPr>
+          <a:lstStyle/>
+          <a:p>
+            <a:pPr algn="just"/>
+            <a:r>
+              <a:rPr lang="ru-RU" sz="1800" dirty="0">
+                <a:effectLst/>
+                <a:latin typeface="Times New Roman" panose="02020603050405020304" pitchFamily="18" charset="0"/>
+                <a:ea typeface="Calibri" panose="020F0502020204030204" pitchFamily="34" charset="0"/>
+              </a:rPr>
+              <a:t>Среднее отклонение: 0, 38697 см. </a:t>
+            </a:r>
+          </a:p>
+          <a:p>
+            <a:pPr algn="just"/>
+            <a:r>
+              <a:rPr lang="ru-RU" sz="1800" dirty="0">
+                <a:effectLst/>
+                <a:latin typeface="Times New Roman" panose="02020603050405020304" pitchFamily="18" charset="0"/>
+                <a:ea typeface="Calibri" panose="020F0502020204030204" pitchFamily="34" charset="0"/>
+              </a:rPr>
+              <a:t>Максимальное отклонение: 0,98939 см. </a:t>
+            </a:r>
+          </a:p>
+          <a:p>
+            <a:pPr algn="just"/>
+            <a:r>
+              <a:rPr lang="ru-RU" dirty="0">
+                <a:latin typeface="Times New Roman" panose="02020603050405020304" pitchFamily="18" charset="0"/>
+                <a:ea typeface="Calibri" panose="020F0502020204030204" pitchFamily="34" charset="0"/>
+              </a:rPr>
+              <a:t>Общая </a:t>
+            </a:r>
+            <a:r>
+              <a:rPr lang="ru-RU" sz="1800" dirty="0">
+                <a:effectLst/>
+                <a:latin typeface="Times New Roman" panose="02020603050405020304" pitchFamily="18" charset="0"/>
+                <a:ea typeface="Calibri" panose="020F0502020204030204" pitchFamily="34" charset="0"/>
+              </a:rPr>
+              <a:t>точность модели: 98,84%.</a:t>
+            </a:r>
+            <a:endParaRPr lang="ru-RU" sz="1400" dirty="0">
+              <a:effectLst/>
+              <a:latin typeface="Times New Roman" panose="02020603050405020304" pitchFamily="18" charset="0"/>
+              <a:ea typeface="Calibri" panose="020F0502020204030204" pitchFamily="34" charset="0"/>
+              <a:cs typeface="Times New Roman" panose="02020603050405020304" pitchFamily="18" charset="0"/>
+            </a:endParaRPr>
+          </a:p>
+        </p:txBody>
+      </p:sp>
+    </p:spTree>
+    <p:extLst>
+      <p:ext uri="{BB962C8B-B14F-4D97-AF65-F5344CB8AC3E}">
+        <p14:creationId xmlns:p14="http://schemas.microsoft.com/office/powerpoint/2010/main" val="2064704719"/>
+      </p:ext>
+    </p:extLst>
+  </p:cSld>
+  <p:clrMapOvr>
+    <a:masterClrMapping/>
+  </p:clrMapOvr>
+</p:sld>
+</file>
+
+<file path=ppt/slides/slide13.xml><?xml version="1.0" encoding="utf-8"?>
+<p:sld xmlns:a="http://schemas.openxmlformats.org/drawingml/2006/main" xmlns:r="http://schemas.openxmlformats.org/officeDocument/2006/relationships" xmlns:p="http://schemas.openxmlformats.org/presentationml/2006/main">
+  <p:cSld>
+    <p:spTree>
+      <p:nvGrpSpPr>
+        <p:cNvPr id="1" name="">
+          <a:extLst>
+            <a:ext uri="{FF2B5EF4-FFF2-40B4-BE49-F238E27FC236}">
+              <a16:creationId xmlns:a16="http://schemas.microsoft.com/office/drawing/2014/main" id="{565A450B-7991-0E90-7A64-E03488629DC7}"/>
+            </a:ext>
+          </a:extLst>
+        </p:cNvPr>
+        <p:cNvGrpSpPr/>
+        <p:nvPr/>
+      </p:nvGrpSpPr>
+      <p:grpSpPr>
+        <a:xfrm>
+          <a:off x="0" y="0"/>
+          <a:ext cx="0" cy="0"/>
+          <a:chOff x="0" y="0"/>
+          <a:chExt cx="0" cy="0"/>
+        </a:xfrm>
+      </p:grpSpPr>
+      <p:sp>
+        <p:nvSpPr>
+          <p:cNvPr id="2" name="Заголовок 1">
+            <a:extLst>
+              <a:ext uri="{FF2B5EF4-FFF2-40B4-BE49-F238E27FC236}">
+                <a16:creationId xmlns:a16="http://schemas.microsoft.com/office/drawing/2014/main" id="{4A5FCA20-9EEF-6716-15F4-C5E11732A3BB}"/>
+              </a:ext>
+            </a:extLst>
+          </p:cNvPr>
+          <p:cNvSpPr>
+            <a:spLocks noGrp="1"/>
+          </p:cNvSpPr>
+          <p:nvPr>
+            <p:ph type="title"/>
+          </p:nvPr>
+        </p:nvSpPr>
+        <p:spPr>
+          <a:xfrm>
+            <a:off x="0" y="1"/>
+            <a:ext cx="9906000" cy="1258956"/>
+          </a:xfrm>
+        </p:spPr>
+        <p:txBody>
+          <a:bodyPr/>
+          <a:lstStyle/>
+          <a:p>
+            <a:r>
+              <a:rPr lang="ru-RU" dirty="0">
+                <a:latin typeface="Times New Roman" panose="02020603050405020304" pitchFamily="18" charset="0"/>
+                <a:cs typeface="Times New Roman" panose="02020603050405020304" pitchFamily="18" charset="0"/>
+              </a:rPr>
+              <a:t>Основные результаты</a:t>
+            </a:r>
+          </a:p>
+        </p:txBody>
+      </p:sp>
+      <p:sp>
+        <p:nvSpPr>
+          <p:cNvPr id="7" name="Номер слайда 6">
+            <a:extLst>
+              <a:ext uri="{FF2B5EF4-FFF2-40B4-BE49-F238E27FC236}">
+                <a16:creationId xmlns:a16="http://schemas.microsoft.com/office/drawing/2014/main" id="{48FDE925-4FD2-52F1-A203-1F2DBB1EB43C}"/>
+              </a:ext>
+            </a:extLst>
+          </p:cNvPr>
+          <p:cNvSpPr>
+            <a:spLocks noGrp="1"/>
+          </p:cNvSpPr>
+          <p:nvPr>
+            <p:ph type="sldNum" sz="quarter" idx="12"/>
+          </p:nvPr>
+        </p:nvSpPr>
+        <p:spPr/>
+        <p:txBody>
+          <a:bodyPr/>
+          <a:lstStyle/>
+          <a:p>
+            <a:fld id="{E61BA17C-8861-48C6-BD31-E6A55A1FA5BD}" type="slidenum">
+              <a:rPr lang="ru-RU" smtClean="0"/>
+              <a:pPr/>
+              <a:t>13</a:t>
+            </a:fld>
+            <a:endParaRPr lang="ru-RU"/>
+          </a:p>
+        </p:txBody>
+      </p:sp>
+      <p:sp>
+        <p:nvSpPr>
+          <p:cNvPr id="4" name="Объект 2">
+            <a:extLst>
+              <a:ext uri="{FF2B5EF4-FFF2-40B4-BE49-F238E27FC236}">
+                <a16:creationId xmlns:a16="http://schemas.microsoft.com/office/drawing/2014/main" id="{D87505DF-FE63-9397-B17F-E18882F351B6}"/>
+              </a:ext>
+            </a:extLst>
+          </p:cNvPr>
+          <p:cNvSpPr txBox="1">
+            <a:spLocks/>
+          </p:cNvSpPr>
+          <p:nvPr/>
+        </p:nvSpPr>
+        <p:spPr>
+          <a:xfrm>
+            <a:off x="681037" y="1751667"/>
+            <a:ext cx="8543926" cy="3354665"/>
+          </a:xfrm>
+          <a:prstGeom prst="rect">
+            <a:avLst/>
+          </a:prstGeom>
+        </p:spPr>
+        <p:txBody>
+          <a:bodyPr>
+            <a:normAutofit fontScale="92500" lnSpcReduction="20000"/>
+          </a:bodyPr>
+          <a:lstStyle>
+            <a:lvl1pPr marL="247642" indent="-247642" algn="l" defTabSz="990570" rtl="0" eaLnBrk="1" latinLnBrk="0" hangingPunct="1">
+              <a:lnSpc>
+                <a:spcPct val="90000"/>
+              </a:lnSpc>
+              <a:spcBef>
+                <a:spcPts val="1083"/>
+              </a:spcBef>
+              <a:buFont typeface="Arial" panose="020B0604020202020204" pitchFamily="34" charset="0"/>
+              <a:buChar char="•"/>
+              <a:defRPr sz="3033" kern="1200">
+                <a:solidFill>
+                  <a:schemeClr val="tx1"/>
+                </a:solidFill>
+                <a:latin typeface="+mn-lt"/>
+                <a:ea typeface="+mn-ea"/>
+                <a:cs typeface="+mn-cs"/>
+              </a:defRPr>
+            </a:lvl1pPr>
+            <a:lvl2pPr marL="742927" indent="-247642" algn="l" defTabSz="990570" rtl="0" eaLnBrk="1" latinLnBrk="0" hangingPunct="1">
+              <a:lnSpc>
+                <a:spcPct val="90000"/>
+              </a:lnSpc>
+              <a:spcBef>
+                <a:spcPts val="542"/>
+              </a:spcBef>
+              <a:buFont typeface="Arial" panose="020B0604020202020204" pitchFamily="34" charset="0"/>
+              <a:buChar char="•"/>
+              <a:defRPr sz="2600" kern="1200">
+                <a:solidFill>
+                  <a:schemeClr val="tx1"/>
+                </a:solidFill>
+                <a:latin typeface="+mn-lt"/>
+                <a:ea typeface="+mn-ea"/>
+                <a:cs typeface="+mn-cs"/>
+              </a:defRPr>
+            </a:lvl2pPr>
+            <a:lvl3pPr marL="1238212" indent="-247642" algn="l" defTabSz="990570" rtl="0" eaLnBrk="1" latinLnBrk="0" hangingPunct="1">
+              <a:lnSpc>
+                <a:spcPct val="90000"/>
+              </a:lnSpc>
+              <a:spcBef>
+                <a:spcPts val="542"/>
+              </a:spcBef>
+              <a:buFont typeface="Arial" panose="020B0604020202020204" pitchFamily="34" charset="0"/>
+              <a:buChar char="•"/>
+              <a:defRPr sz="2167" kern="1200">
+                <a:solidFill>
+                  <a:schemeClr val="tx1"/>
+                </a:solidFill>
+                <a:latin typeface="+mn-lt"/>
+                <a:ea typeface="+mn-ea"/>
+                <a:cs typeface="+mn-cs"/>
+              </a:defRPr>
+            </a:lvl3pPr>
+            <a:lvl4pPr marL="1733497" indent="-247642" algn="l" defTabSz="990570" rtl="0" eaLnBrk="1" latinLnBrk="0" hangingPunct="1">
+              <a:lnSpc>
+                <a:spcPct val="90000"/>
+              </a:lnSpc>
+              <a:spcBef>
+                <a:spcPts val="542"/>
+              </a:spcBef>
+              <a:buFont typeface="Arial" panose="020B0604020202020204" pitchFamily="34" charset="0"/>
+              <a:buChar char="•"/>
+              <a:defRPr sz="1950" kern="1200">
+                <a:solidFill>
+                  <a:schemeClr val="tx1"/>
+                </a:solidFill>
+                <a:latin typeface="+mn-lt"/>
+                <a:ea typeface="+mn-ea"/>
+                <a:cs typeface="+mn-cs"/>
+              </a:defRPr>
+            </a:lvl4pPr>
+            <a:lvl5pPr marL="2228781" indent="-247642" algn="l" defTabSz="990570" rtl="0" eaLnBrk="1" latinLnBrk="0" hangingPunct="1">
+              <a:lnSpc>
+                <a:spcPct val="90000"/>
+              </a:lnSpc>
+              <a:spcBef>
+                <a:spcPts val="542"/>
+              </a:spcBef>
+              <a:buFont typeface="Arial" panose="020B0604020202020204" pitchFamily="34" charset="0"/>
+              <a:buChar char="•"/>
+              <a:defRPr sz="1950" kern="1200">
+                <a:solidFill>
+                  <a:schemeClr val="tx1"/>
+                </a:solidFill>
+                <a:latin typeface="+mn-lt"/>
+                <a:ea typeface="+mn-ea"/>
+                <a:cs typeface="+mn-cs"/>
+              </a:defRPr>
+            </a:lvl5pPr>
+            <a:lvl6pPr marL="2724066" indent="-247642" algn="l" defTabSz="990570" rtl="0" eaLnBrk="1" latinLnBrk="0" hangingPunct="1">
+              <a:lnSpc>
+                <a:spcPct val="90000"/>
+              </a:lnSpc>
+              <a:spcBef>
+                <a:spcPts val="542"/>
+              </a:spcBef>
+              <a:buFont typeface="Arial" panose="020B0604020202020204" pitchFamily="34" charset="0"/>
+              <a:buChar char="•"/>
+              <a:defRPr sz="1950" kern="1200">
+                <a:solidFill>
+                  <a:schemeClr val="tx1"/>
+                </a:solidFill>
+                <a:latin typeface="+mn-lt"/>
+                <a:ea typeface="+mn-ea"/>
+                <a:cs typeface="+mn-cs"/>
+              </a:defRPr>
+            </a:lvl6pPr>
+            <a:lvl7pPr marL="3219351" indent="-247642" algn="l" defTabSz="990570" rtl="0" eaLnBrk="1" latinLnBrk="0" hangingPunct="1">
+              <a:lnSpc>
+                <a:spcPct val="90000"/>
+              </a:lnSpc>
+              <a:spcBef>
+                <a:spcPts val="542"/>
+              </a:spcBef>
+              <a:buFont typeface="Arial" panose="020B0604020202020204" pitchFamily="34" charset="0"/>
+              <a:buChar char="•"/>
+              <a:defRPr sz="1950" kern="1200">
+                <a:solidFill>
+                  <a:schemeClr val="tx1"/>
+                </a:solidFill>
+                <a:latin typeface="+mn-lt"/>
+                <a:ea typeface="+mn-ea"/>
+                <a:cs typeface="+mn-cs"/>
+              </a:defRPr>
+            </a:lvl7pPr>
+            <a:lvl8pPr marL="3714636" indent="-247642" algn="l" defTabSz="990570" rtl="0" eaLnBrk="1" latinLnBrk="0" hangingPunct="1">
+              <a:lnSpc>
+                <a:spcPct val="90000"/>
+              </a:lnSpc>
+              <a:spcBef>
+                <a:spcPts val="542"/>
+              </a:spcBef>
+              <a:buFont typeface="Arial" panose="020B0604020202020204" pitchFamily="34" charset="0"/>
+              <a:buChar char="•"/>
+              <a:defRPr sz="1950" kern="1200">
+                <a:solidFill>
+                  <a:schemeClr val="tx1"/>
+                </a:solidFill>
+                <a:latin typeface="+mn-lt"/>
+                <a:ea typeface="+mn-ea"/>
+                <a:cs typeface="+mn-cs"/>
+              </a:defRPr>
+            </a:lvl8pPr>
+            <a:lvl9pPr marL="4209920" indent="-247642" algn="l" defTabSz="990570" rtl="0" eaLnBrk="1" latinLnBrk="0" hangingPunct="1">
+              <a:lnSpc>
+                <a:spcPct val="90000"/>
+              </a:lnSpc>
+              <a:spcBef>
+                <a:spcPts val="542"/>
+              </a:spcBef>
+              <a:buFont typeface="Arial" panose="020B0604020202020204" pitchFamily="34" charset="0"/>
+              <a:buChar char="•"/>
+              <a:defRPr sz="1950" kern="1200">
+                <a:solidFill>
+                  <a:schemeClr val="tx1"/>
+                </a:solidFill>
+                <a:latin typeface="+mn-lt"/>
+                <a:ea typeface="+mn-ea"/>
+                <a:cs typeface="+mn-cs"/>
+              </a:defRPr>
+            </a:lvl9pPr>
+          </a:lstStyle>
+          <a:p>
+            <a:pPr marL="457200" indent="-457200" algn="just">
+              <a:lnSpc>
+                <a:spcPct val="100000"/>
+              </a:lnSpc>
+              <a:buFont typeface="+mj-lt"/>
+              <a:buAutoNum type="arabicPeriod"/>
+            </a:pPr>
+            <a:r>
+              <a:rPr lang="ru-RU" sz="2400" dirty="0">
+                <a:latin typeface="Times New Roman" panose="02020603050405020304" pitchFamily="18" charset="0"/>
+                <a:cs typeface="Times New Roman" panose="02020603050405020304" pitchFamily="18" charset="0"/>
+              </a:rPr>
+              <a:t>Проведен аналитический обзор существующих средств и методов моделирования движений человека.</a:t>
+            </a:r>
+          </a:p>
+          <a:p>
+            <a:pPr marL="457200" indent="-457200" algn="just">
+              <a:lnSpc>
+                <a:spcPct val="100000"/>
+              </a:lnSpc>
+              <a:buFont typeface="+mj-lt"/>
+              <a:buAutoNum type="arabicPeriod"/>
+            </a:pPr>
+            <a:r>
+              <a:rPr lang="ru-RU" sz="2400" dirty="0">
+                <a:latin typeface="Times New Roman" panose="02020603050405020304" pitchFamily="18" charset="0"/>
+                <a:cs typeface="Times New Roman" panose="02020603050405020304" pitchFamily="18" charset="0"/>
+              </a:rPr>
+              <a:t>Формализована задача математического моделирования движений.</a:t>
+            </a:r>
+          </a:p>
+          <a:p>
+            <a:pPr marL="457200" indent="-457200" algn="just">
+              <a:lnSpc>
+                <a:spcPct val="100000"/>
+              </a:lnSpc>
+              <a:buFont typeface="+mj-lt"/>
+              <a:buAutoNum type="arabicPeriod"/>
+            </a:pPr>
+            <a:r>
+              <a:rPr lang="ru-RU" sz="2400" dirty="0">
+                <a:latin typeface="Times New Roman" panose="02020603050405020304" pitchFamily="18" charset="0"/>
+                <a:cs typeface="Times New Roman" panose="02020603050405020304" pitchFamily="18" charset="0"/>
+              </a:rPr>
+              <a:t>Разработана модель движения человека.</a:t>
+            </a:r>
+          </a:p>
+          <a:p>
+            <a:pPr marL="457200" indent="-457200" algn="just">
+              <a:lnSpc>
+                <a:spcPct val="100000"/>
+              </a:lnSpc>
+              <a:buFont typeface="+mj-lt"/>
+              <a:buAutoNum type="arabicPeriod"/>
+            </a:pPr>
+            <a:r>
+              <a:rPr lang="ru-RU" sz="2400" dirty="0">
+                <a:latin typeface="Times New Roman" panose="02020603050405020304" pitchFamily="18" charset="0"/>
+                <a:cs typeface="Times New Roman" panose="02020603050405020304" pitchFamily="18" charset="0"/>
+              </a:rPr>
+              <a:t>Разработан алгоритм движения человека.</a:t>
+            </a:r>
+          </a:p>
+          <a:p>
+            <a:pPr marL="457200" indent="-457200" algn="just">
+              <a:lnSpc>
+                <a:spcPct val="100000"/>
+              </a:lnSpc>
+              <a:buFont typeface="+mj-lt"/>
+              <a:buAutoNum type="arabicPeriod"/>
+            </a:pPr>
+            <a:r>
+              <a:rPr lang="ru-RU" sz="2400" dirty="0">
+                <a:latin typeface="Times New Roman" panose="02020603050405020304" pitchFamily="18" charset="0"/>
+                <a:cs typeface="Times New Roman" panose="02020603050405020304" pitchFamily="18" charset="0"/>
+              </a:rPr>
+              <a:t>Выполнена реализация разработанной методики и алгоритма.</a:t>
+            </a:r>
+          </a:p>
+          <a:p>
+            <a:pPr marL="457200" indent="-457200" algn="just">
+              <a:lnSpc>
+                <a:spcPct val="100000"/>
+              </a:lnSpc>
+              <a:buFont typeface="+mj-lt"/>
+              <a:buAutoNum type="arabicPeriod"/>
+            </a:pPr>
+            <a:r>
+              <a:rPr lang="ru-RU" sz="2400" dirty="0">
+                <a:latin typeface="Times New Roman" panose="02020603050405020304" pitchFamily="18" charset="0"/>
+                <a:cs typeface="Times New Roman" panose="02020603050405020304" pitchFamily="18" charset="0"/>
+              </a:rPr>
+              <a:t>Проведена оценка точности полученных результатов. Точность модели составила 98,84%.</a:t>
+            </a:r>
+            <a:endParaRPr lang="ru-RU" dirty="0"/>
+          </a:p>
+        </p:txBody>
+      </p:sp>
+    </p:spTree>
+    <p:extLst>
+      <p:ext uri="{BB962C8B-B14F-4D97-AF65-F5344CB8AC3E}">
+        <p14:creationId xmlns:p14="http://schemas.microsoft.com/office/powerpoint/2010/main" val="3187668726"/>
+      </p:ext>
+    </p:extLst>
+  </p:cSld>
+  <p:clrMapOvr>
+    <a:masterClrMapping/>
+  </p:clrMapOvr>
+</p:sld>
+</file>
+
+<file path=ppt/slides/slide14.xml><?xml version="1.0" encoding="utf-8"?>
+<p:sld xmlns:a="http://schemas.openxmlformats.org/drawingml/2006/main" xmlns:r="http://schemas.openxmlformats.org/officeDocument/2006/relationships" xmlns:p="http://schemas.openxmlformats.org/presentationml/2006/main">
+  <p:cSld>
+    <p:spTree>
+      <p:nvGrpSpPr>
+        <p:cNvPr id="1" name="">
+          <a:extLst>
+            <a:ext uri="{FF2B5EF4-FFF2-40B4-BE49-F238E27FC236}">
+              <a16:creationId xmlns:a16="http://schemas.microsoft.com/office/drawing/2014/main" id="{0CD1BABD-022E-CCC9-193A-8BBCDDB3E95E}"/>
+            </a:ext>
+          </a:extLst>
+        </p:cNvPr>
+        <p:cNvGrpSpPr/>
+        <p:nvPr/>
+      </p:nvGrpSpPr>
+      <p:grpSpPr>
+        <a:xfrm>
+          <a:off x="0" y="0"/>
+          <a:ext cx="0" cy="0"/>
+          <a:chOff x="0" y="0"/>
+          <a:chExt cx="0" cy="0"/>
+        </a:xfrm>
+      </p:grpSpPr>
+      <p:sp>
+        <p:nvSpPr>
+          <p:cNvPr id="2" name="Заголовок 1">
+            <a:extLst>
+              <a:ext uri="{FF2B5EF4-FFF2-40B4-BE49-F238E27FC236}">
+                <a16:creationId xmlns:a16="http://schemas.microsoft.com/office/drawing/2014/main" id="{7A0371A2-D231-82F2-243E-3EF42F470560}"/>
+              </a:ext>
+            </a:extLst>
+          </p:cNvPr>
+          <p:cNvSpPr>
+            <a:spLocks noGrp="1"/>
+          </p:cNvSpPr>
+          <p:nvPr>
+            <p:ph type="title"/>
+          </p:nvPr>
+        </p:nvSpPr>
+        <p:spPr>
+          <a:xfrm>
+            <a:off x="0" y="1"/>
+            <a:ext cx="9906000" cy="1258956"/>
+          </a:xfrm>
+        </p:spPr>
+        <p:txBody>
+          <a:bodyPr/>
+          <a:lstStyle/>
+          <a:p>
+            <a:r>
+              <a:rPr lang="ru-RU" dirty="0">
+                <a:latin typeface="Times New Roman" panose="02020603050405020304" pitchFamily="18" charset="0"/>
+                <a:cs typeface="Times New Roman" panose="02020603050405020304" pitchFamily="18" charset="0"/>
+              </a:rPr>
+              <a:t>Апробация</a:t>
+            </a:r>
+          </a:p>
+        </p:txBody>
+      </p:sp>
+      <p:sp>
+        <p:nvSpPr>
+          <p:cNvPr id="7" name="Номер слайда 6">
+            <a:extLst>
+              <a:ext uri="{FF2B5EF4-FFF2-40B4-BE49-F238E27FC236}">
+                <a16:creationId xmlns:a16="http://schemas.microsoft.com/office/drawing/2014/main" id="{19F4D515-ED8F-DEA6-C596-20328897A118}"/>
+              </a:ext>
+            </a:extLst>
+          </p:cNvPr>
+          <p:cNvSpPr>
+            <a:spLocks noGrp="1"/>
+          </p:cNvSpPr>
+          <p:nvPr>
+            <p:ph type="sldNum" sz="quarter" idx="12"/>
+          </p:nvPr>
+        </p:nvSpPr>
+        <p:spPr/>
+        <p:txBody>
+          <a:bodyPr/>
+          <a:lstStyle/>
+          <a:p>
+            <a:fld id="{E61BA17C-8861-48C6-BD31-E6A55A1FA5BD}" type="slidenum">
+              <a:rPr lang="ru-RU" smtClean="0"/>
+              <a:pPr/>
+              <a:t>14</a:t>
+            </a:fld>
+            <a:endParaRPr lang="ru-RU"/>
+          </a:p>
+        </p:txBody>
+      </p:sp>
+      <p:sp>
+        <p:nvSpPr>
+          <p:cNvPr id="4" name="Объект 2">
+            <a:extLst>
+              <a:ext uri="{FF2B5EF4-FFF2-40B4-BE49-F238E27FC236}">
+                <a16:creationId xmlns:a16="http://schemas.microsoft.com/office/drawing/2014/main" id="{C38200C6-FC63-03EB-49CF-22CE0B77278F}"/>
+              </a:ext>
+            </a:extLst>
+          </p:cNvPr>
+          <p:cNvSpPr txBox="1">
+            <a:spLocks/>
+          </p:cNvSpPr>
+          <p:nvPr/>
+        </p:nvSpPr>
+        <p:spPr>
+          <a:xfrm>
+            <a:off x="681037" y="1258957"/>
+            <a:ext cx="8543926" cy="3354665"/>
+          </a:xfrm>
+          <a:prstGeom prst="rect">
+            <a:avLst/>
+          </a:prstGeom>
+        </p:spPr>
+        <p:txBody>
+          <a:bodyPr>
+            <a:normAutofit/>
+          </a:bodyPr>
+          <a:lstStyle>
+            <a:lvl1pPr marL="247642" indent="-247642" algn="l" defTabSz="990570" rtl="0" eaLnBrk="1" latinLnBrk="0" hangingPunct="1">
+              <a:lnSpc>
+                <a:spcPct val="90000"/>
+              </a:lnSpc>
+              <a:spcBef>
+                <a:spcPts val="1083"/>
+              </a:spcBef>
+              <a:buFont typeface="Arial" panose="020B0604020202020204" pitchFamily="34" charset="0"/>
+              <a:buChar char="•"/>
+              <a:defRPr sz="3033" kern="1200">
+                <a:solidFill>
+                  <a:schemeClr val="tx1"/>
+                </a:solidFill>
+                <a:latin typeface="+mn-lt"/>
+                <a:ea typeface="+mn-ea"/>
+                <a:cs typeface="+mn-cs"/>
+              </a:defRPr>
+            </a:lvl1pPr>
+            <a:lvl2pPr marL="742927" indent="-247642" algn="l" defTabSz="990570" rtl="0" eaLnBrk="1" latinLnBrk="0" hangingPunct="1">
+              <a:lnSpc>
+                <a:spcPct val="90000"/>
+              </a:lnSpc>
+              <a:spcBef>
+                <a:spcPts val="542"/>
+              </a:spcBef>
+              <a:buFont typeface="Arial" panose="020B0604020202020204" pitchFamily="34" charset="0"/>
+              <a:buChar char="•"/>
+              <a:defRPr sz="2600" kern="1200">
+                <a:solidFill>
+                  <a:schemeClr val="tx1"/>
+                </a:solidFill>
+                <a:latin typeface="+mn-lt"/>
+                <a:ea typeface="+mn-ea"/>
+                <a:cs typeface="+mn-cs"/>
+              </a:defRPr>
+            </a:lvl2pPr>
+            <a:lvl3pPr marL="1238212" indent="-247642" algn="l" defTabSz="990570" rtl="0" eaLnBrk="1" latinLnBrk="0" hangingPunct="1">
+              <a:lnSpc>
+                <a:spcPct val="90000"/>
+              </a:lnSpc>
+              <a:spcBef>
+                <a:spcPts val="542"/>
+              </a:spcBef>
+              <a:buFont typeface="Arial" panose="020B0604020202020204" pitchFamily="34" charset="0"/>
+              <a:buChar char="•"/>
+              <a:defRPr sz="2167" kern="1200">
+                <a:solidFill>
+                  <a:schemeClr val="tx1"/>
+                </a:solidFill>
+                <a:latin typeface="+mn-lt"/>
+                <a:ea typeface="+mn-ea"/>
+                <a:cs typeface="+mn-cs"/>
+              </a:defRPr>
+            </a:lvl3pPr>
+            <a:lvl4pPr marL="1733497" indent="-247642" algn="l" defTabSz="990570" rtl="0" eaLnBrk="1" latinLnBrk="0" hangingPunct="1">
+              <a:lnSpc>
+                <a:spcPct val="90000"/>
+              </a:lnSpc>
+              <a:spcBef>
+                <a:spcPts val="542"/>
+              </a:spcBef>
+              <a:buFont typeface="Arial" panose="020B0604020202020204" pitchFamily="34" charset="0"/>
+              <a:buChar char="•"/>
+              <a:defRPr sz="1950" kern="1200">
+                <a:solidFill>
+                  <a:schemeClr val="tx1"/>
+                </a:solidFill>
+                <a:latin typeface="+mn-lt"/>
+                <a:ea typeface="+mn-ea"/>
+                <a:cs typeface="+mn-cs"/>
+              </a:defRPr>
+            </a:lvl4pPr>
+            <a:lvl5pPr marL="2228781" indent="-247642" algn="l" defTabSz="990570" rtl="0" eaLnBrk="1" latinLnBrk="0" hangingPunct="1">
+              <a:lnSpc>
+                <a:spcPct val="90000"/>
+              </a:lnSpc>
+              <a:spcBef>
+                <a:spcPts val="542"/>
+              </a:spcBef>
+              <a:buFont typeface="Arial" panose="020B0604020202020204" pitchFamily="34" charset="0"/>
+              <a:buChar char="•"/>
+              <a:defRPr sz="1950" kern="1200">
+                <a:solidFill>
+                  <a:schemeClr val="tx1"/>
+                </a:solidFill>
+                <a:latin typeface="+mn-lt"/>
+                <a:ea typeface="+mn-ea"/>
+                <a:cs typeface="+mn-cs"/>
+              </a:defRPr>
+            </a:lvl5pPr>
+            <a:lvl6pPr marL="2724066" indent="-247642" algn="l" defTabSz="990570" rtl="0" eaLnBrk="1" latinLnBrk="0" hangingPunct="1">
+              <a:lnSpc>
+                <a:spcPct val="90000"/>
+              </a:lnSpc>
+              <a:spcBef>
+                <a:spcPts val="542"/>
+              </a:spcBef>
+              <a:buFont typeface="Arial" panose="020B0604020202020204" pitchFamily="34" charset="0"/>
+              <a:buChar char="•"/>
+              <a:defRPr sz="1950" kern="1200">
+                <a:solidFill>
+                  <a:schemeClr val="tx1"/>
+                </a:solidFill>
+                <a:latin typeface="+mn-lt"/>
+                <a:ea typeface="+mn-ea"/>
+                <a:cs typeface="+mn-cs"/>
+              </a:defRPr>
+            </a:lvl6pPr>
+            <a:lvl7pPr marL="3219351" indent="-247642" algn="l" defTabSz="990570" rtl="0" eaLnBrk="1" latinLnBrk="0" hangingPunct="1">
+              <a:lnSpc>
+                <a:spcPct val="90000"/>
+              </a:lnSpc>
+              <a:spcBef>
+                <a:spcPts val="542"/>
+              </a:spcBef>
+              <a:buFont typeface="Arial" panose="020B0604020202020204" pitchFamily="34" charset="0"/>
+              <a:buChar char="•"/>
+              <a:defRPr sz="1950" kern="1200">
+                <a:solidFill>
+                  <a:schemeClr val="tx1"/>
+                </a:solidFill>
+                <a:latin typeface="+mn-lt"/>
+                <a:ea typeface="+mn-ea"/>
+                <a:cs typeface="+mn-cs"/>
+              </a:defRPr>
+            </a:lvl7pPr>
+            <a:lvl8pPr marL="3714636" indent="-247642" algn="l" defTabSz="990570" rtl="0" eaLnBrk="1" latinLnBrk="0" hangingPunct="1">
+              <a:lnSpc>
+                <a:spcPct val="90000"/>
+              </a:lnSpc>
+              <a:spcBef>
+                <a:spcPts val="542"/>
+              </a:spcBef>
+              <a:buFont typeface="Arial" panose="020B0604020202020204" pitchFamily="34" charset="0"/>
+              <a:buChar char="•"/>
+              <a:defRPr sz="1950" kern="1200">
+                <a:solidFill>
+                  <a:schemeClr val="tx1"/>
+                </a:solidFill>
+                <a:latin typeface="+mn-lt"/>
+                <a:ea typeface="+mn-ea"/>
+                <a:cs typeface="+mn-cs"/>
+              </a:defRPr>
+            </a:lvl8pPr>
+            <a:lvl9pPr marL="4209920" indent="-247642" algn="l" defTabSz="990570" rtl="0" eaLnBrk="1" latinLnBrk="0" hangingPunct="1">
+              <a:lnSpc>
+                <a:spcPct val="90000"/>
+              </a:lnSpc>
+              <a:spcBef>
+                <a:spcPts val="542"/>
+              </a:spcBef>
+              <a:buFont typeface="Arial" panose="020B0604020202020204" pitchFamily="34" charset="0"/>
+              <a:buChar char="•"/>
+              <a:defRPr sz="1950" kern="1200">
+                <a:solidFill>
+                  <a:schemeClr val="tx1"/>
+                </a:solidFill>
+                <a:latin typeface="+mn-lt"/>
+                <a:ea typeface="+mn-ea"/>
+                <a:cs typeface="+mn-cs"/>
+              </a:defRPr>
+            </a:lvl9pPr>
+          </a:lstStyle>
+          <a:p>
+            <a:pPr marL="0" indent="0" algn="just">
+              <a:lnSpc>
+                <a:spcPct val="100000"/>
+              </a:lnSpc>
+              <a:buNone/>
+            </a:pPr>
+            <a:r>
+              <a:rPr lang="ru-RU" sz="2400" dirty="0">
+                <a:latin typeface="Times New Roman" panose="02020603050405020304" pitchFamily="18" charset="0"/>
+                <a:cs typeface="Times New Roman" panose="02020603050405020304" pitchFamily="18" charset="0"/>
+              </a:rPr>
+              <a:t>Артамонова А.Ю., Киселев В.В. «Разработка программного модуля движения человека». Научно-практическая конференция с международным участием «Актуальные проблемы информатизации в цифровой экономике и научных исследованиях»: тезисы докладов. М.: МИЭТ, 2023 г., стр. 10.</a:t>
+            </a:r>
+          </a:p>
+        </p:txBody>
+      </p:sp>
+    </p:spTree>
+    <p:extLst>
+      <p:ext uri="{BB962C8B-B14F-4D97-AF65-F5344CB8AC3E}">
+        <p14:creationId xmlns:p14="http://schemas.microsoft.com/office/powerpoint/2010/main" val="1726956984"/>
+      </p:ext>
+    </p:extLst>
+  </p:cSld>
+  <p:clrMapOvr>
+    <a:masterClrMapping/>
+  </p:clrMapOvr>
+</p:sld>
+</file>
+
+<file path=ppt/slides/slide15.xml><?xml version="1.0" encoding="utf-8"?>
+<p:sld xmlns:a="http://schemas.openxmlformats.org/drawingml/2006/main" xmlns:r="http://schemas.openxmlformats.org/officeDocument/2006/relationships" xmlns:p="http://schemas.openxmlformats.org/presentationml/2006/main">
+  <p:cSld>
+    <p:spTree>
+      <p:nvGrpSpPr>
+        <p:cNvPr id="1" name="">
+          <a:extLst>
+            <a:ext uri="{FF2B5EF4-FFF2-40B4-BE49-F238E27FC236}">
+              <a16:creationId xmlns:a16="http://schemas.microsoft.com/office/drawing/2014/main" id="{A8440148-5046-1E6F-8CCA-A208CE055204}"/>
+            </a:ext>
+          </a:extLst>
+        </p:cNvPr>
+        <p:cNvGrpSpPr/>
+        <p:nvPr/>
+      </p:nvGrpSpPr>
+      <p:grpSpPr>
+        <a:xfrm>
+          <a:off x="0" y="0"/>
+          <a:ext cx="0" cy="0"/>
+          <a:chOff x="0" y="0"/>
+          <a:chExt cx="0" cy="0"/>
+        </a:xfrm>
+      </p:grpSpPr>
+      <p:sp>
+        <p:nvSpPr>
+          <p:cNvPr id="7" name="Номер слайда 6">
+            <a:extLst>
+              <a:ext uri="{FF2B5EF4-FFF2-40B4-BE49-F238E27FC236}">
+                <a16:creationId xmlns:a16="http://schemas.microsoft.com/office/drawing/2014/main" id="{71B71E1C-5389-13F7-1EE0-DB5D815EE91F}"/>
+              </a:ext>
+            </a:extLst>
+          </p:cNvPr>
+          <p:cNvSpPr>
+            <a:spLocks noGrp="1"/>
+          </p:cNvSpPr>
+          <p:nvPr>
+            <p:ph type="sldNum" sz="quarter" idx="12"/>
+          </p:nvPr>
+        </p:nvSpPr>
+        <p:spPr/>
+        <p:txBody>
+          <a:bodyPr/>
+          <a:lstStyle/>
+          <a:p>
+            <a:fld id="{E61BA17C-8861-48C6-BD31-E6A55A1FA5BD}" type="slidenum">
+              <a:rPr lang="ru-RU" smtClean="0"/>
+              <a:pPr/>
+              <a:t>15</a:t>
+            </a:fld>
+            <a:endParaRPr lang="ru-RU"/>
+          </a:p>
+        </p:txBody>
+      </p:sp>
+      <p:sp>
+        <p:nvSpPr>
+          <p:cNvPr id="4" name="Объект 2">
+            <a:extLst>
+              <a:ext uri="{FF2B5EF4-FFF2-40B4-BE49-F238E27FC236}">
+                <a16:creationId xmlns:a16="http://schemas.microsoft.com/office/drawing/2014/main" id="{3842CF35-344C-768D-A3FC-2F9B6980C86C}"/>
+              </a:ext>
+            </a:extLst>
+          </p:cNvPr>
+          <p:cNvSpPr txBox="1">
+            <a:spLocks/>
+          </p:cNvSpPr>
+          <p:nvPr/>
+        </p:nvSpPr>
+        <p:spPr>
+          <a:xfrm>
+            <a:off x="681037" y="2582321"/>
+            <a:ext cx="8543926" cy="846679"/>
+          </a:xfrm>
+          <a:prstGeom prst="rect">
+            <a:avLst/>
+          </a:prstGeom>
+        </p:spPr>
+        <p:txBody>
+          <a:bodyPr>
+            <a:noAutofit/>
+          </a:bodyPr>
+          <a:lstStyle>
+            <a:lvl1pPr marL="247642" indent="-247642" algn="l" defTabSz="990570" rtl="0" eaLnBrk="1" latinLnBrk="0" hangingPunct="1">
+              <a:lnSpc>
+                <a:spcPct val="90000"/>
+              </a:lnSpc>
+              <a:spcBef>
+                <a:spcPts val="1083"/>
+              </a:spcBef>
+              <a:buFont typeface="Arial" panose="020B0604020202020204" pitchFamily="34" charset="0"/>
+              <a:buChar char="•"/>
+              <a:defRPr sz="3033" kern="1200">
+                <a:solidFill>
+                  <a:schemeClr val="tx1"/>
+                </a:solidFill>
+                <a:latin typeface="+mn-lt"/>
+                <a:ea typeface="+mn-ea"/>
+                <a:cs typeface="+mn-cs"/>
+              </a:defRPr>
+            </a:lvl1pPr>
+            <a:lvl2pPr marL="742927" indent="-247642" algn="l" defTabSz="990570" rtl="0" eaLnBrk="1" latinLnBrk="0" hangingPunct="1">
+              <a:lnSpc>
+                <a:spcPct val="90000"/>
+              </a:lnSpc>
+              <a:spcBef>
+                <a:spcPts val="542"/>
+              </a:spcBef>
+              <a:buFont typeface="Arial" panose="020B0604020202020204" pitchFamily="34" charset="0"/>
+              <a:buChar char="•"/>
+              <a:defRPr sz="2600" kern="1200">
+                <a:solidFill>
+                  <a:schemeClr val="tx1"/>
+                </a:solidFill>
+                <a:latin typeface="+mn-lt"/>
+                <a:ea typeface="+mn-ea"/>
+                <a:cs typeface="+mn-cs"/>
+              </a:defRPr>
+            </a:lvl2pPr>
+            <a:lvl3pPr marL="1238212" indent="-247642" algn="l" defTabSz="990570" rtl="0" eaLnBrk="1" latinLnBrk="0" hangingPunct="1">
+              <a:lnSpc>
+                <a:spcPct val="90000"/>
+              </a:lnSpc>
+              <a:spcBef>
+                <a:spcPts val="542"/>
+              </a:spcBef>
+              <a:buFont typeface="Arial" panose="020B0604020202020204" pitchFamily="34" charset="0"/>
+              <a:buChar char="•"/>
+              <a:defRPr sz="2167" kern="1200">
+                <a:solidFill>
+                  <a:schemeClr val="tx1"/>
+                </a:solidFill>
+                <a:latin typeface="+mn-lt"/>
+                <a:ea typeface="+mn-ea"/>
+                <a:cs typeface="+mn-cs"/>
+              </a:defRPr>
+            </a:lvl3pPr>
+            <a:lvl4pPr marL="1733497" indent="-247642" algn="l" defTabSz="990570" rtl="0" eaLnBrk="1" latinLnBrk="0" hangingPunct="1">
+              <a:lnSpc>
+                <a:spcPct val="90000"/>
+              </a:lnSpc>
+              <a:spcBef>
+                <a:spcPts val="542"/>
+              </a:spcBef>
+              <a:buFont typeface="Arial" panose="020B0604020202020204" pitchFamily="34" charset="0"/>
+              <a:buChar char="•"/>
+              <a:defRPr sz="1950" kern="1200">
+                <a:solidFill>
+                  <a:schemeClr val="tx1"/>
+                </a:solidFill>
+                <a:latin typeface="+mn-lt"/>
+                <a:ea typeface="+mn-ea"/>
+                <a:cs typeface="+mn-cs"/>
+              </a:defRPr>
+            </a:lvl4pPr>
+            <a:lvl5pPr marL="2228781" indent="-247642" algn="l" defTabSz="990570" rtl="0" eaLnBrk="1" latinLnBrk="0" hangingPunct="1">
+              <a:lnSpc>
+                <a:spcPct val="90000"/>
+              </a:lnSpc>
+              <a:spcBef>
+                <a:spcPts val="542"/>
+              </a:spcBef>
+              <a:buFont typeface="Arial" panose="020B0604020202020204" pitchFamily="34" charset="0"/>
+              <a:buChar char="•"/>
+              <a:defRPr sz="1950" kern="1200">
+                <a:solidFill>
+                  <a:schemeClr val="tx1"/>
+                </a:solidFill>
+                <a:latin typeface="+mn-lt"/>
+                <a:ea typeface="+mn-ea"/>
+                <a:cs typeface="+mn-cs"/>
+              </a:defRPr>
+            </a:lvl5pPr>
+            <a:lvl6pPr marL="2724066" indent="-247642" algn="l" defTabSz="990570" rtl="0" eaLnBrk="1" latinLnBrk="0" hangingPunct="1">
+              <a:lnSpc>
+                <a:spcPct val="90000"/>
+              </a:lnSpc>
+              <a:spcBef>
+                <a:spcPts val="542"/>
+              </a:spcBef>
+              <a:buFont typeface="Arial" panose="020B0604020202020204" pitchFamily="34" charset="0"/>
+              <a:buChar char="•"/>
+              <a:defRPr sz="1950" kern="1200">
+                <a:solidFill>
+                  <a:schemeClr val="tx1"/>
+                </a:solidFill>
+                <a:latin typeface="+mn-lt"/>
+                <a:ea typeface="+mn-ea"/>
+                <a:cs typeface="+mn-cs"/>
+              </a:defRPr>
+            </a:lvl6pPr>
+            <a:lvl7pPr marL="3219351" indent="-247642" algn="l" defTabSz="990570" rtl="0" eaLnBrk="1" latinLnBrk="0" hangingPunct="1">
+              <a:lnSpc>
+                <a:spcPct val="90000"/>
+              </a:lnSpc>
+              <a:spcBef>
+                <a:spcPts val="542"/>
+              </a:spcBef>
+              <a:buFont typeface="Arial" panose="020B0604020202020204" pitchFamily="34" charset="0"/>
+              <a:buChar char="•"/>
+              <a:defRPr sz="1950" kern="1200">
+                <a:solidFill>
+                  <a:schemeClr val="tx1"/>
+                </a:solidFill>
+                <a:latin typeface="+mn-lt"/>
+                <a:ea typeface="+mn-ea"/>
+                <a:cs typeface="+mn-cs"/>
+              </a:defRPr>
+            </a:lvl7pPr>
+            <a:lvl8pPr marL="3714636" indent="-247642" algn="l" defTabSz="990570" rtl="0" eaLnBrk="1" latinLnBrk="0" hangingPunct="1">
+              <a:lnSpc>
+                <a:spcPct val="90000"/>
+              </a:lnSpc>
+              <a:spcBef>
+                <a:spcPts val="542"/>
+              </a:spcBef>
+              <a:buFont typeface="Arial" panose="020B0604020202020204" pitchFamily="34" charset="0"/>
+              <a:buChar char="•"/>
+              <a:defRPr sz="1950" kern="1200">
+                <a:solidFill>
+                  <a:schemeClr val="tx1"/>
+                </a:solidFill>
+                <a:latin typeface="+mn-lt"/>
+                <a:ea typeface="+mn-ea"/>
+                <a:cs typeface="+mn-cs"/>
+              </a:defRPr>
+            </a:lvl8pPr>
+            <a:lvl9pPr marL="4209920" indent="-247642" algn="l" defTabSz="990570" rtl="0" eaLnBrk="1" latinLnBrk="0" hangingPunct="1">
+              <a:lnSpc>
+                <a:spcPct val="90000"/>
+              </a:lnSpc>
+              <a:spcBef>
+                <a:spcPts val="542"/>
+              </a:spcBef>
+              <a:buFont typeface="Arial" panose="020B0604020202020204" pitchFamily="34" charset="0"/>
+              <a:buChar char="•"/>
+              <a:defRPr sz="1950" kern="1200">
+                <a:solidFill>
+                  <a:schemeClr val="tx1"/>
+                </a:solidFill>
+                <a:latin typeface="+mn-lt"/>
+                <a:ea typeface="+mn-ea"/>
+                <a:cs typeface="+mn-cs"/>
+              </a:defRPr>
+            </a:lvl9pPr>
+          </a:lstStyle>
+          <a:p>
+            <a:pPr marL="0" indent="0" algn="ctr">
+              <a:lnSpc>
+                <a:spcPct val="100000"/>
+              </a:lnSpc>
+              <a:buNone/>
+            </a:pPr>
+            <a:r>
+              <a:rPr lang="ru-RU" sz="5400" b="1" dirty="0">
+                <a:latin typeface="Times New Roman" panose="02020603050405020304" pitchFamily="18" charset="0"/>
+                <a:cs typeface="Times New Roman" panose="02020603050405020304" pitchFamily="18" charset="0"/>
+              </a:rPr>
+              <a:t>Спасибо за внимание!</a:t>
+            </a:r>
+          </a:p>
+        </p:txBody>
+      </p:sp>
+    </p:spTree>
+    <p:extLst>
+      <p:ext uri="{BB962C8B-B14F-4D97-AF65-F5344CB8AC3E}">
+        <p14:creationId xmlns:p14="http://schemas.microsoft.com/office/powerpoint/2010/main" val="1194421807"/>
       </p:ext>
     </p:extLst>
   </p:cSld>
@@ -6867,20 +8601,7 @@
                 <a:latin typeface="Times New Roman" panose="02020603050405020304" pitchFamily="18" charset="0"/>
                 <a:cs typeface="Times New Roman" panose="02020603050405020304" pitchFamily="18" charset="0"/>
               </a:rPr>
-              <a:t>Проблемная ситуация в области</a:t>
-            </a:r>
-            <a:br>
-              <a:rPr lang="ru-RU" dirty="0">
-                <a:latin typeface="Times New Roman" panose="02020603050405020304" pitchFamily="18" charset="0"/>
-                <a:cs typeface="Times New Roman" panose="02020603050405020304" pitchFamily="18" charset="0"/>
-              </a:rPr>
-            </a:br>
-            <a:r>
-              <a:rPr lang="ru-RU" dirty="0">
-                <a:latin typeface="Times New Roman" panose="02020603050405020304" pitchFamily="18" charset="0"/>
-                <a:cs typeface="Times New Roman" panose="02020603050405020304" pitchFamily="18" charset="0"/>
-              </a:rPr>
-              <a:t>объекта исследований</a:t>
+              <a:t>Проблемная ситуация</a:t>
             </a:r>
           </a:p>
         </p:txBody>
@@ -6903,7 +8624,7 @@
         </p:spPr>
         <p:txBody>
           <a:bodyPr>
-            <a:normAutofit/>
+            <a:normAutofit fontScale="92500" lnSpcReduction="10000"/>
           </a:bodyPr>
           <a:lstStyle/>
           <a:p>
@@ -6944,14 +8665,11 @@
                 <a:latin typeface="Times New Roman" panose="02020603050405020304" pitchFamily="18" charset="0"/>
                 <a:cs typeface="Times New Roman" panose="02020603050405020304" pitchFamily="18" charset="0"/>
               </a:rPr>
-              <a:t>ограниченное внимание к индивидуальным особенностям в существующих методиках реабилитации;</a:t>
+              <a:t>несовершенство математических моделей кинематических цепей при работе вблизи сингулярных точек;</a:t>
             </a:r>
           </a:p>
           <a:p>
-            <a:pPr algn="just">
-              <a:lnSpc>
-                <a:spcPct val="110000"/>
-              </a:lnSpc>
+            <a:pPr>
               <a:buFont typeface="Symbol" panose="05050102010706020507" pitchFamily="18" charset="2"/>
               <a:buChar char="-"/>
             </a:pPr>
@@ -6960,14 +8678,11 @@
                 <a:latin typeface="Times New Roman" panose="02020603050405020304" pitchFamily="18" charset="0"/>
                 <a:cs typeface="Times New Roman" panose="02020603050405020304" pitchFamily="18" charset="0"/>
               </a:rPr>
-              <a:t>недостаточная адаптация к физиологии пациентов в существующих программных подходах;</a:t>
+              <a:t>потеря ранга матрицы Якоби, приводящая к неустойчивости решения обратной задачи кинематики;</a:t>
             </a:r>
           </a:p>
           <a:p>
-            <a:pPr algn="just">
-              <a:lnSpc>
-                <a:spcPct val="110000"/>
-              </a:lnSpc>
+            <a:pPr>
               <a:buFont typeface="Symbol" panose="05050102010706020507" pitchFamily="18" charset="2"/>
               <a:buChar char="-"/>
             </a:pPr>
@@ -6976,7 +8691,46 @@
                 <a:latin typeface="Times New Roman" panose="02020603050405020304" pitchFamily="18" charset="0"/>
                 <a:cs typeface="Times New Roman" panose="02020603050405020304" pitchFamily="18" charset="0"/>
               </a:rPr>
-              <a:t>игнорирование уникальных требований пациентов в процессе восстановления.</a:t>
+              <a:t>ограниченная устойчивость численных методов в условиях сингулярности;</a:t>
+            </a:r>
+          </a:p>
+          <a:p>
+            <a:pPr>
+              <a:buFont typeface="Symbol" panose="05050102010706020507" pitchFamily="18" charset="2"/>
+              <a:buChar char="-"/>
+            </a:pPr>
+            <a:r>
+              <a:rPr lang="ru-RU" sz="2600" dirty="0">
+                <a:latin typeface="Times New Roman" panose="02020603050405020304" pitchFamily="18" charset="0"/>
+                <a:cs typeface="Times New Roman" panose="02020603050405020304" pitchFamily="18" charset="0"/>
+              </a:rPr>
+              <a:t>недостаточная адаптивность существующих алгоритмов управления движением;</a:t>
+            </a:r>
+          </a:p>
+          <a:p>
+            <a:pPr>
+              <a:buFont typeface="Symbol" panose="05050102010706020507" pitchFamily="18" charset="2"/>
+              <a:buChar char="-"/>
+            </a:pPr>
+            <a:r>
+              <a:rPr lang="ru-RU" sz="2600" dirty="0">
+                <a:latin typeface="Times New Roman" panose="02020603050405020304" pitchFamily="18" charset="0"/>
+                <a:cs typeface="Times New Roman" panose="02020603050405020304" pitchFamily="18" charset="0"/>
+              </a:rPr>
+              <a:t>отсутствие универсального подхода к обнаружению и нейтрализации сингулярностей;</a:t>
+            </a:r>
+          </a:p>
+          <a:p>
+            <a:pPr>
+              <a:buFont typeface="Symbol" panose="05050102010706020507" pitchFamily="18" charset="2"/>
+              <a:buChar char="-"/>
+            </a:pPr>
+            <a:r>
+              <a:rPr lang="ru-RU" sz="2600" dirty="0">
+                <a:latin typeface="Times New Roman" panose="02020603050405020304" pitchFamily="18" charset="0"/>
+                <a:cs typeface="Times New Roman" panose="02020603050405020304" pitchFamily="18" charset="0"/>
+              </a:rPr>
+              <a:t>сложность моделирования естественных движений человека с учетом избыточных степеней свободы.</a:t>
             </a:r>
           </a:p>
         </p:txBody>
@@ -7097,8 +8851,17 @@
                 <a:latin typeface="Times New Roman" panose="02020603050405020304" pitchFamily="18" charset="0"/>
                 <a:cs typeface="Times New Roman" panose="02020603050405020304" pitchFamily="18" charset="0"/>
               </a:rPr>
-              <a:t>обеспечение высокой плавности и точности кинематических траекторий при моделировании движений человека.</a:t>
+              <a:t>увеличение точности кинематических траекторий при моделировании движений человека.</a:t>
             </a:r>
+          </a:p>
+          <a:p>
+            <a:pPr marL="0" indent="0" algn="just">
+              <a:buNone/>
+            </a:pPr>
+            <a:endParaRPr lang="ru-RU" sz="2400" dirty="0">
+              <a:latin typeface="Times New Roman" panose="02020603050405020304" pitchFamily="18" charset="0"/>
+              <a:cs typeface="Times New Roman" panose="02020603050405020304" pitchFamily="18" charset="0"/>
+            </a:endParaRPr>
           </a:p>
           <a:p>
             <a:pPr marL="0" indent="0" algn="just">
@@ -7305,7 +9068,7 @@
                 <a:latin typeface="Times New Roman" panose="02020603050405020304" pitchFamily="18" charset="0"/>
                 <a:cs typeface="Times New Roman" panose="02020603050405020304" pitchFamily="18" charset="0"/>
               </a:rPr>
-              <a:t>Формализованное представление задачи математического моделирования движений.</a:t>
+              <a:t>Формализация задачи математического моделирования движений.</a:t>
             </a:r>
           </a:p>
           <a:p>
@@ -7478,7 +9241,7 @@
               <p:nvPr>
                 <p:extLst>
                   <p:ext uri="{D42A27DB-BD31-4B8C-83A1-F6EECF244321}">
-                    <p14:modId xmlns:p14="http://schemas.microsoft.com/office/powerpoint/2010/main" val="2660154188"/>
+                    <p14:modId xmlns:p14="http://schemas.microsoft.com/office/powerpoint/2010/main" val="546760999"/>
                   </p:ext>
                 </p:extLst>
               </p:nvPr>
@@ -7960,8 +9723,15 @@
                               <a:latin typeface="Times New Roman" panose="02020603050405020304" pitchFamily="18" charset="0"/>
                               <a:cs typeface="Times New Roman" panose="02020603050405020304" pitchFamily="18" charset="0"/>
                             </a:rPr>
-                            <a:t>Не учитывает ограничения суставов.</a:t>
+                            <a:t>Неспособность учитывать физические ограничения суставов и динамические параметры системы</a:t>
                           </a:r>
+                        </a:p>
+                        <a:p>
+                          <a:pPr algn="l"/>
+                          <a:endParaRPr lang="ru-RU" sz="1400" dirty="0">
+                            <a:latin typeface="Times New Roman" panose="02020603050405020304" pitchFamily="18" charset="0"/>
+                            <a:cs typeface="Times New Roman" panose="02020603050405020304" pitchFamily="18" charset="0"/>
+                          </a:endParaRPr>
                         </a:p>
                         <a:p>
                           <a:pPr algn="l"/>
@@ -7970,8 +9740,15 @@
                               <a:latin typeface="Times New Roman" panose="02020603050405020304" pitchFamily="18" charset="0"/>
                               <a:cs typeface="Times New Roman" panose="02020603050405020304" pitchFamily="18" charset="0"/>
                             </a:rPr>
-                            <a:t>Чувствителен к данным.</a:t>
+                            <a:t>Высокая чувствительность к входным данным</a:t>
                           </a:r>
+                        </a:p>
+                        <a:p>
+                          <a:pPr algn="l"/>
+                          <a:endParaRPr lang="ru-RU" sz="1400" dirty="0">
+                            <a:latin typeface="Times New Roman" panose="02020603050405020304" pitchFamily="18" charset="0"/>
+                            <a:cs typeface="Times New Roman" panose="02020603050405020304" pitchFamily="18" charset="0"/>
+                          </a:endParaRPr>
                         </a:p>
                         <a:p>
                           <a:pPr algn="l"/>
@@ -7980,8 +9757,15 @@
                               <a:latin typeface="Times New Roman" panose="02020603050405020304" pitchFamily="18" charset="0"/>
                               <a:cs typeface="Times New Roman" panose="02020603050405020304" pitchFamily="18" charset="0"/>
                             </a:rPr>
-                            <a:t>Неустойчивость при сингулярностях</a:t>
+                            <a:t>Неустойчивость при работе вблизи сингулярных точек</a:t>
                           </a:r>
+                        </a:p>
+                        <a:p>
+                          <a:pPr algn="l"/>
+                          <a:endParaRPr lang="ru-RU" sz="1400" dirty="0">
+                            <a:latin typeface="Times New Roman" panose="02020603050405020304" pitchFamily="18" charset="0"/>
+                            <a:cs typeface="Times New Roman" panose="02020603050405020304" pitchFamily="18" charset="0"/>
+                          </a:endParaRPr>
                         </a:p>
                         <a:p>
                           <a:pPr algn="l"/>
@@ -7990,18 +9774,15 @@
                               <a:latin typeface="Times New Roman" panose="02020603050405020304" pitchFamily="18" charset="0"/>
                               <a:cs typeface="Times New Roman" panose="02020603050405020304" pitchFamily="18" charset="0"/>
                             </a:rPr>
-                            <a:t>Игнорирует динамические ограничения</a:t>
+                            <a:t>Проблемы с поиском оптимальных решений в условиях избыточных степеней свободы</a:t>
                           </a:r>
                         </a:p>
                         <a:p>
                           <a:pPr algn="l"/>
-                          <a:r>
-                            <a:rPr lang="ru-RU" sz="1400" dirty="0">
-                              <a:latin typeface="Times New Roman" panose="02020603050405020304" pitchFamily="18" charset="0"/>
-                              <a:cs typeface="Times New Roman" panose="02020603050405020304" pitchFamily="18" charset="0"/>
-                            </a:rPr>
-                            <a:t>Не всегда находит оптимальное решение, особенно при наличии избыточных степеней свободы</a:t>
-                          </a:r>
+                          <a:endParaRPr lang="ru-RU" sz="1400" dirty="0">
+                            <a:latin typeface="Times New Roman" panose="02020603050405020304" pitchFamily="18" charset="0"/>
+                            <a:cs typeface="Times New Roman" panose="02020603050405020304" pitchFamily="18" charset="0"/>
+                          </a:endParaRPr>
                         </a:p>
                         <a:p>
                           <a:pPr algn="l"/>
@@ -10174,7 +11955,7 @@
               <p:nvPr>
                 <p:extLst>
                   <p:ext uri="{D42A27DB-BD31-4B8C-83A1-F6EECF244321}">
-                    <p14:modId xmlns:p14="http://schemas.microsoft.com/office/powerpoint/2010/main" val="2660154188"/>
+                    <p14:modId xmlns:p14="http://schemas.microsoft.com/office/powerpoint/2010/main" val="546760999"/>
                   </p:ext>
                 </p:extLst>
               </p:nvPr>
@@ -10402,8 +12183,15 @@
                               <a:latin typeface="Times New Roman" panose="02020603050405020304" pitchFamily="18" charset="0"/>
                               <a:cs typeface="Times New Roman" panose="02020603050405020304" pitchFamily="18" charset="0"/>
                             </a:rPr>
-                            <a:t>Не учитывает ограничения суставов.</a:t>
+                            <a:t>Неспособность учитывать физические ограничения суставов и динамические параметры системы</a:t>
                           </a:r>
+                        </a:p>
+                        <a:p>
+                          <a:pPr algn="l"/>
+                          <a:endParaRPr lang="ru-RU" sz="1400" dirty="0">
+                            <a:latin typeface="Times New Roman" panose="02020603050405020304" pitchFamily="18" charset="0"/>
+                            <a:cs typeface="Times New Roman" panose="02020603050405020304" pitchFamily="18" charset="0"/>
+                          </a:endParaRPr>
                         </a:p>
                         <a:p>
                           <a:pPr algn="l"/>
@@ -10412,8 +12200,15 @@
                               <a:latin typeface="Times New Roman" panose="02020603050405020304" pitchFamily="18" charset="0"/>
                               <a:cs typeface="Times New Roman" panose="02020603050405020304" pitchFamily="18" charset="0"/>
                             </a:rPr>
-                            <a:t>Чувствителен к данным.</a:t>
+                            <a:t>Высокая чувствительность к входным данным</a:t>
                           </a:r>
+                        </a:p>
+                        <a:p>
+                          <a:pPr algn="l"/>
+                          <a:endParaRPr lang="ru-RU" sz="1400" dirty="0">
+                            <a:latin typeface="Times New Roman" panose="02020603050405020304" pitchFamily="18" charset="0"/>
+                            <a:cs typeface="Times New Roman" panose="02020603050405020304" pitchFamily="18" charset="0"/>
+                          </a:endParaRPr>
                         </a:p>
                         <a:p>
                           <a:pPr algn="l"/>
@@ -10422,8 +12217,15 @@
                               <a:latin typeface="Times New Roman" panose="02020603050405020304" pitchFamily="18" charset="0"/>
                               <a:cs typeface="Times New Roman" panose="02020603050405020304" pitchFamily="18" charset="0"/>
                             </a:rPr>
-                            <a:t>Неустойчивость при сингулярностях</a:t>
+                            <a:t>Неустойчивость при работе вблизи сингулярных точек</a:t>
                           </a:r>
+                        </a:p>
+                        <a:p>
+                          <a:pPr algn="l"/>
+                          <a:endParaRPr lang="ru-RU" sz="1400" dirty="0">
+                            <a:latin typeface="Times New Roman" panose="02020603050405020304" pitchFamily="18" charset="0"/>
+                            <a:cs typeface="Times New Roman" panose="02020603050405020304" pitchFamily="18" charset="0"/>
+                          </a:endParaRPr>
                         </a:p>
                         <a:p>
                           <a:pPr algn="l"/>
@@ -10432,18 +12234,15 @@
                               <a:latin typeface="Times New Roman" panose="02020603050405020304" pitchFamily="18" charset="0"/>
                               <a:cs typeface="Times New Roman" panose="02020603050405020304" pitchFamily="18" charset="0"/>
                             </a:rPr>
-                            <a:t>Игнорирует динамические ограничения</a:t>
+                            <a:t>Проблемы с поиском оптимальных решений в условиях избыточных степеней свободы</a:t>
                           </a:r>
                         </a:p>
                         <a:p>
                           <a:pPr algn="l"/>
-                          <a:r>
-                            <a:rPr lang="ru-RU" sz="1400" dirty="0">
-                              <a:latin typeface="Times New Roman" panose="02020603050405020304" pitchFamily="18" charset="0"/>
-                              <a:cs typeface="Times New Roman" panose="02020603050405020304" pitchFamily="18" charset="0"/>
-                            </a:rPr>
-                            <a:t>Не всегда находит оптимальное решение, особенно при наличии избыточных степеней свободы</a:t>
-                          </a:r>
+                          <a:endParaRPr lang="ru-RU" sz="1400" dirty="0">
+                            <a:latin typeface="Times New Roman" panose="02020603050405020304" pitchFamily="18" charset="0"/>
+                            <a:cs typeface="Times New Roman" panose="02020603050405020304" pitchFamily="18" charset="0"/>
+                          </a:endParaRPr>
                         </a:p>
                         <a:p>
                           <a:pPr algn="l"/>
@@ -10883,42 +12682,6 @@
           <a:chExt cx="0" cy="0"/>
         </a:xfrm>
       </p:grpSpPr>
-      <p:pic>
-        <p:nvPicPr>
-          <p:cNvPr id="6" name="Рисунок 5">
-            <a:extLst>
-              <a:ext uri="{FF2B5EF4-FFF2-40B4-BE49-F238E27FC236}">
-                <a16:creationId xmlns:a16="http://schemas.microsoft.com/office/drawing/2014/main" id="{4EC28C11-6C80-72E3-EA74-7C6C3E5C2F1D}"/>
-              </a:ext>
-            </a:extLst>
-          </p:cNvPr>
-          <p:cNvPicPr>
-            <a:picLocks noChangeAspect="1"/>
-          </p:cNvPicPr>
-          <p:nvPr/>
-        </p:nvPicPr>
-        <p:blipFill>
-          <a:blip r:embed="rId2">
-            <a:extLst>
-              <a:ext uri="{28A0092B-C50C-407E-A947-70E740481C1C}">
-                <a14:useLocalDpi xmlns:a14="http://schemas.microsoft.com/office/drawing/2010/main" val="0"/>
-              </a:ext>
-            </a:extLst>
-          </a:blip>
-          <a:srcRect r="23127"/>
-          <a:stretch/>
-        </p:blipFill>
-        <p:spPr bwMode="auto">
-          <a:xfrm>
-            <a:off x="6705287" y="1267154"/>
-            <a:ext cx="2856765" cy="1787858"/>
-          </a:xfrm>
-          <a:prstGeom prst="rect">
-            <a:avLst/>
-          </a:prstGeom>
-          <a:noFill/>
-        </p:spPr>
-      </p:pic>
       <p:sp>
         <p:nvSpPr>
           <p:cNvPr id="2" name="Заголовок 1"/>
@@ -10944,7 +12707,7 @@
                 <a:latin typeface="Times New Roman" panose="02020603050405020304" pitchFamily="18" charset="0"/>
                 <a:cs typeface="Times New Roman" panose="02020603050405020304" pitchFamily="18" charset="0"/>
               </a:rPr>
-              <a:t>Формализованное представление задачи математического моделирования движений</a:t>
+              <a:t>Формализованное представление процесса поворота суставов с использованием кватернионов</a:t>
             </a:r>
           </a:p>
         </p:txBody>
@@ -10989,6 +12752,2757 @@
             </p:nvSpPr>
             <p:spPr>
               <a:xfrm>
+                <a:off x="490516" y="1553548"/>
+                <a:ext cx="5950285" cy="4153573"/>
+              </a:xfrm>
+              <a:prstGeom prst="rect">
+                <a:avLst/>
+              </a:prstGeom>
+              <a:noFill/>
+            </p:spPr>
+            <p:txBody>
+              <a:bodyPr wrap="square">
+                <a:spAutoFit/>
+              </a:bodyPr>
+              <a:lstStyle/>
+              <a:p>
+                <a:pPr algn="just">
+                  <a:buNone/>
+                </a:pPr>
+                <a:r>
+                  <a:rPr lang="ru-RU" sz="1400" dirty="0">
+                    <a:effectLst/>
+                    <a:latin typeface="Times New Roman" panose="02020603050405020304" pitchFamily="18" charset="0"/>
+                    <a:ea typeface="Calibri" panose="020F0502020204030204" pitchFamily="34" charset="0"/>
+                    <a:cs typeface="Times New Roman" panose="02020603050405020304" pitchFamily="18" charset="0"/>
+                  </a:rPr>
+                  <a:t>Если </a:t>
+                </a:r>
+                <a:r>
+                  <a:rPr lang="en-US" sz="1400" dirty="0">
+                    <a:effectLst/>
+                    <a:latin typeface="Times New Roman" panose="02020603050405020304" pitchFamily="18" charset="0"/>
+                    <a:ea typeface="Calibri" panose="020F0502020204030204" pitchFamily="34" charset="0"/>
+                    <a:cs typeface="Times New Roman" panose="02020603050405020304" pitchFamily="18" charset="0"/>
+                  </a:rPr>
+                  <a:t>q </a:t>
+                </a:r>
+                <a:r>
+                  <a:rPr lang="ru-RU" sz="1400" dirty="0">
+                    <a:effectLst/>
+                    <a:latin typeface="Times New Roman" panose="02020603050405020304" pitchFamily="18" charset="0"/>
+                    <a:ea typeface="Calibri" panose="020F0502020204030204" pitchFamily="34" charset="0"/>
+                    <a:cs typeface="Times New Roman" panose="02020603050405020304" pitchFamily="18" charset="0"/>
+                  </a:rPr>
+                  <a:t>некоторый кватернион с длинной равной единице</a:t>
+                </a:r>
+                <a:endParaRPr lang="ru-RU" sz="1600" dirty="0">
+                  <a:latin typeface="Times New Roman" panose="02020603050405020304" pitchFamily="18" charset="0"/>
+                  <a:ea typeface="Calibri" panose="020F0502020204030204" pitchFamily="34" charset="0"/>
+                  <a:cs typeface="Times New Roman" panose="02020603050405020304" pitchFamily="18" charset="0"/>
+                </a:endParaRPr>
+              </a:p>
+              <a:p>
+                <a:pPr algn="just">
+                  <a:buNone/>
+                </a:pPr>
+                <a14:m>
+                  <m:oMathPara xmlns:m="http://schemas.openxmlformats.org/officeDocument/2006/math">
+                    <m:oMathParaPr>
+                      <m:jc m:val="center"/>
+                    </m:oMathParaPr>
+                    <m:oMath xmlns:m="http://schemas.openxmlformats.org/officeDocument/2006/math">
+                      <m:r>
+                        <a:rPr lang="ru-RU" sz="1400" i="1">
+                          <a:latin typeface="Cambria Math" panose="02040503050406030204" pitchFamily="18" charset="0"/>
+                          <a:ea typeface="Calibri" panose="020F0502020204030204" pitchFamily="34" charset="0"/>
+                          <a:cs typeface="Times New Roman" panose="02020603050405020304" pitchFamily="18" charset="0"/>
+                        </a:rPr>
+                        <m:t>	</m:t>
+                      </m:r>
+                      <m:r>
+                        <a:rPr lang="ru-RU" sz="1400" i="1">
+                          <a:effectLst/>
+                          <a:latin typeface="Cambria Math" panose="02040503050406030204" pitchFamily="18" charset="0"/>
+                          <a:ea typeface="Calibri" panose="020F0502020204030204" pitchFamily="34" charset="0"/>
+                          <a:cs typeface="Times New Roman" panose="02020603050405020304" pitchFamily="18" charset="0"/>
+                        </a:rPr>
+                        <m:t>𝑞</m:t>
+                      </m:r>
+                      <m:r>
+                        <a:rPr lang="en-US" sz="1400" i="1">
+                          <a:effectLst/>
+                          <a:latin typeface="Cambria Math" panose="02040503050406030204" pitchFamily="18" charset="0"/>
+                          <a:ea typeface="Calibri" panose="020F0502020204030204" pitchFamily="34" charset="0"/>
+                          <a:cs typeface="Times New Roman" panose="02020603050405020304" pitchFamily="18" charset="0"/>
+                        </a:rPr>
+                        <m:t>=</m:t>
+                      </m:r>
+                      <m:r>
+                        <a:rPr lang="en-US" sz="1400" i="1">
+                          <a:effectLst/>
+                          <a:latin typeface="Cambria Math" panose="02040503050406030204" pitchFamily="18" charset="0"/>
+                          <a:ea typeface="Calibri" panose="020F0502020204030204" pitchFamily="34" charset="0"/>
+                          <a:cs typeface="Times New Roman" panose="02020603050405020304" pitchFamily="18" charset="0"/>
+                        </a:rPr>
+                        <m:t>𝑎</m:t>
+                      </m:r>
+                      <m:r>
+                        <a:rPr lang="en-US" sz="1400" i="1">
+                          <a:effectLst/>
+                          <a:latin typeface="Cambria Math" panose="02040503050406030204" pitchFamily="18" charset="0"/>
+                          <a:ea typeface="Calibri" panose="020F0502020204030204" pitchFamily="34" charset="0"/>
+                          <a:cs typeface="Times New Roman" panose="02020603050405020304" pitchFamily="18" charset="0"/>
+                        </a:rPr>
+                        <m:t>+</m:t>
+                      </m:r>
+                      <m:r>
+                        <a:rPr lang="en-US" sz="1400" i="1">
+                          <a:effectLst/>
+                          <a:latin typeface="Cambria Math" panose="02040503050406030204" pitchFamily="18" charset="0"/>
+                          <a:ea typeface="Calibri" panose="020F0502020204030204" pitchFamily="34" charset="0"/>
+                          <a:cs typeface="Times New Roman" panose="02020603050405020304" pitchFamily="18" charset="0"/>
+                        </a:rPr>
+                        <m:t>𝑏𝑖</m:t>
+                      </m:r>
+                      <m:r>
+                        <a:rPr lang="en-US" sz="1400" i="1">
+                          <a:effectLst/>
+                          <a:latin typeface="Cambria Math" panose="02040503050406030204" pitchFamily="18" charset="0"/>
+                          <a:ea typeface="Calibri" panose="020F0502020204030204" pitchFamily="34" charset="0"/>
+                          <a:cs typeface="Times New Roman" panose="02020603050405020304" pitchFamily="18" charset="0"/>
+                        </a:rPr>
+                        <m:t>+</m:t>
+                      </m:r>
+                      <m:r>
+                        <a:rPr lang="en-US" sz="1400" i="1">
+                          <a:effectLst/>
+                          <a:latin typeface="Cambria Math" panose="02040503050406030204" pitchFamily="18" charset="0"/>
+                          <a:ea typeface="Calibri" panose="020F0502020204030204" pitchFamily="34" charset="0"/>
+                          <a:cs typeface="Times New Roman" panose="02020603050405020304" pitchFamily="18" charset="0"/>
+                        </a:rPr>
+                        <m:t>𝑐𝑗</m:t>
+                      </m:r>
+                      <m:r>
+                        <a:rPr lang="en-US" sz="1400" i="1">
+                          <a:effectLst/>
+                          <a:latin typeface="Cambria Math" panose="02040503050406030204" pitchFamily="18" charset="0"/>
+                          <a:ea typeface="Calibri" panose="020F0502020204030204" pitchFamily="34" charset="0"/>
+                          <a:cs typeface="Times New Roman" panose="02020603050405020304" pitchFamily="18" charset="0"/>
+                        </a:rPr>
+                        <m:t>+</m:t>
+                      </m:r>
+                      <m:r>
+                        <a:rPr lang="en-US" sz="1400" i="1">
+                          <a:effectLst/>
+                          <a:latin typeface="Cambria Math" panose="02040503050406030204" pitchFamily="18" charset="0"/>
+                          <a:ea typeface="Calibri" panose="020F0502020204030204" pitchFamily="34" charset="0"/>
+                          <a:cs typeface="Times New Roman" panose="02020603050405020304" pitchFamily="18" charset="0"/>
+                        </a:rPr>
+                        <m:t>𝑑𝑘</m:t>
+                      </m:r>
+                      <m:r>
+                        <a:rPr lang="en-US" sz="1400" i="1">
+                          <a:effectLst/>
+                          <a:latin typeface="Cambria Math" panose="02040503050406030204" pitchFamily="18" charset="0"/>
+                          <a:ea typeface="Calibri" panose="020F0502020204030204" pitchFamily="34" charset="0"/>
+                          <a:cs typeface="Times New Roman" panose="02020603050405020304" pitchFamily="18" charset="0"/>
+                        </a:rPr>
+                        <m:t>, </m:t>
+                      </m:r>
+                      <m:d>
+                        <m:dPr>
+                          <m:begChr m:val="‖"/>
+                          <m:endChr m:val="‖"/>
+                          <m:ctrlPr>
+                            <a:rPr lang="ru-RU" sz="1400" i="1">
+                              <a:effectLst/>
+                              <a:latin typeface="Cambria Math" panose="02040503050406030204" pitchFamily="18" charset="0"/>
+                              <a:ea typeface="Calibri" panose="020F0502020204030204" pitchFamily="34" charset="0"/>
+                              <a:cs typeface="Times New Roman" panose="02020603050405020304" pitchFamily="18" charset="0"/>
+                            </a:rPr>
+                          </m:ctrlPr>
+                        </m:dPr>
+                        <m:e>
+                          <m:r>
+                            <a:rPr lang="en-US" sz="1400" i="1">
+                              <a:effectLst/>
+                              <a:latin typeface="Cambria Math" panose="02040503050406030204" pitchFamily="18" charset="0"/>
+                              <a:ea typeface="Calibri" panose="020F0502020204030204" pitchFamily="34" charset="0"/>
+                              <a:cs typeface="Times New Roman" panose="02020603050405020304" pitchFamily="18" charset="0"/>
+                            </a:rPr>
+                            <m:t>𝑞</m:t>
+                          </m:r>
+                        </m:e>
+                      </m:d>
+                      <m:r>
+                        <a:rPr lang="en-US" sz="1400" i="1">
+                          <a:effectLst/>
+                          <a:latin typeface="Cambria Math" panose="02040503050406030204" pitchFamily="18" charset="0"/>
+                          <a:ea typeface="Calibri" panose="020F0502020204030204" pitchFamily="34" charset="0"/>
+                          <a:cs typeface="Times New Roman" panose="02020603050405020304" pitchFamily="18" charset="0"/>
+                        </a:rPr>
+                        <m:t>=1,</m:t>
+                      </m:r>
+                    </m:oMath>
+                  </m:oMathPara>
+                </a14:m>
+                <a:endParaRPr lang="ru-RU" sz="1600" dirty="0">
+                  <a:effectLst/>
+                  <a:latin typeface="Times New Roman" panose="02020603050405020304" pitchFamily="18" charset="0"/>
+                  <a:ea typeface="Calibri" panose="020F0502020204030204" pitchFamily="34" charset="0"/>
+                  <a:cs typeface="Times New Roman" panose="02020603050405020304" pitchFamily="18" charset="0"/>
+                </a:endParaRPr>
+              </a:p>
+              <a:p>
+                <a:pPr algn="just">
+                  <a:buNone/>
+                </a:pPr>
+                <a:r>
+                  <a:rPr lang="ru-RU" sz="1400" dirty="0">
+                    <a:effectLst/>
+                    <a:latin typeface="Times New Roman" panose="02020603050405020304" pitchFamily="18" charset="0"/>
+                    <a:ea typeface="Times New Roman" panose="02020603050405020304" pitchFamily="18" charset="0"/>
+                    <a:cs typeface="Times New Roman" panose="02020603050405020304" pitchFamily="18" charset="0"/>
+                  </a:rPr>
+                  <a:t>сопряженный кватернион</a:t>
+                </a:r>
+                <a:endParaRPr lang="ru-RU" sz="1600" dirty="0">
+                  <a:latin typeface="Times New Roman" panose="02020603050405020304" pitchFamily="18" charset="0"/>
+                  <a:ea typeface="Times New Roman" panose="02020603050405020304" pitchFamily="18" charset="0"/>
+                  <a:cs typeface="Times New Roman" panose="02020603050405020304" pitchFamily="18" charset="0"/>
+                </a:endParaRPr>
+              </a:p>
+              <a:p>
+                <a:pPr algn="just">
+                  <a:buNone/>
+                </a:pPr>
+                <a14:m>
+                  <m:oMathPara xmlns:m="http://schemas.openxmlformats.org/officeDocument/2006/math">
+                    <m:oMathParaPr>
+                      <m:jc m:val="center"/>
+                    </m:oMathParaPr>
+                    <m:oMath xmlns:m="http://schemas.openxmlformats.org/officeDocument/2006/math">
+                      <m:acc>
+                        <m:accPr>
+                          <m:chr m:val="̅"/>
+                          <m:ctrlPr>
+                            <a:rPr lang="ru-RU" sz="1400" i="1">
+                              <a:effectLst/>
+                              <a:latin typeface="Cambria Math" panose="02040503050406030204" pitchFamily="18" charset="0"/>
+                              <a:ea typeface="Calibri" panose="020F0502020204030204" pitchFamily="34" charset="0"/>
+                              <a:cs typeface="Times New Roman" panose="02020603050405020304" pitchFamily="18" charset="0"/>
+                            </a:rPr>
+                          </m:ctrlPr>
+                        </m:accPr>
+                        <m:e>
+                          <m:r>
+                            <a:rPr lang="en-US" sz="1400" i="1">
+                              <a:effectLst/>
+                              <a:latin typeface="Cambria Math" panose="02040503050406030204" pitchFamily="18" charset="0"/>
+                              <a:ea typeface="Calibri" panose="020F0502020204030204" pitchFamily="34" charset="0"/>
+                              <a:cs typeface="Times New Roman" panose="02020603050405020304" pitchFamily="18" charset="0"/>
+                            </a:rPr>
+                            <m:t>𝑞</m:t>
+                          </m:r>
+                        </m:e>
+                      </m:acc>
+                      <m:r>
+                        <a:rPr lang="en-US" sz="1400" i="1">
+                          <a:effectLst/>
+                          <a:latin typeface="Cambria Math" panose="02040503050406030204" pitchFamily="18" charset="0"/>
+                          <a:ea typeface="Calibri" panose="020F0502020204030204" pitchFamily="34" charset="0"/>
+                          <a:cs typeface="Times New Roman" panose="02020603050405020304" pitchFamily="18" charset="0"/>
+                        </a:rPr>
+                        <m:t>=</m:t>
+                      </m:r>
+                      <m:r>
+                        <a:rPr lang="en-US" sz="1400" i="1">
+                          <a:effectLst/>
+                          <a:latin typeface="Cambria Math" panose="02040503050406030204" pitchFamily="18" charset="0"/>
+                          <a:ea typeface="Calibri" panose="020F0502020204030204" pitchFamily="34" charset="0"/>
+                          <a:cs typeface="Times New Roman" panose="02020603050405020304" pitchFamily="18" charset="0"/>
+                        </a:rPr>
+                        <m:t>𝑎</m:t>
+                      </m:r>
+                      <m:r>
+                        <a:rPr lang="en-US" sz="1400" i="1">
+                          <a:effectLst/>
+                          <a:latin typeface="Cambria Math" panose="02040503050406030204" pitchFamily="18" charset="0"/>
+                          <a:ea typeface="Calibri" panose="020F0502020204030204" pitchFamily="34" charset="0"/>
+                          <a:cs typeface="Times New Roman" panose="02020603050405020304" pitchFamily="18" charset="0"/>
+                        </a:rPr>
+                        <m:t>−</m:t>
+                      </m:r>
+                      <m:r>
+                        <a:rPr lang="en-US" sz="1400" i="1">
+                          <a:effectLst/>
+                          <a:latin typeface="Cambria Math" panose="02040503050406030204" pitchFamily="18" charset="0"/>
+                          <a:ea typeface="Calibri" panose="020F0502020204030204" pitchFamily="34" charset="0"/>
+                          <a:cs typeface="Times New Roman" panose="02020603050405020304" pitchFamily="18" charset="0"/>
+                        </a:rPr>
+                        <m:t>𝑏𝑖</m:t>
+                      </m:r>
+                      <m:r>
+                        <a:rPr lang="en-US" sz="1400" i="1">
+                          <a:effectLst/>
+                          <a:latin typeface="Cambria Math" panose="02040503050406030204" pitchFamily="18" charset="0"/>
+                          <a:ea typeface="Calibri" panose="020F0502020204030204" pitchFamily="34" charset="0"/>
+                          <a:cs typeface="Times New Roman" panose="02020603050405020304" pitchFamily="18" charset="0"/>
+                        </a:rPr>
+                        <m:t>−</m:t>
+                      </m:r>
+                      <m:r>
+                        <a:rPr lang="en-US" sz="1400" i="1">
+                          <a:effectLst/>
+                          <a:latin typeface="Cambria Math" panose="02040503050406030204" pitchFamily="18" charset="0"/>
+                          <a:ea typeface="Calibri" panose="020F0502020204030204" pitchFamily="34" charset="0"/>
+                          <a:cs typeface="Times New Roman" panose="02020603050405020304" pitchFamily="18" charset="0"/>
+                        </a:rPr>
+                        <m:t>𝑐𝑗</m:t>
+                      </m:r>
+                      <m:r>
+                        <a:rPr lang="en-US" sz="1400" i="1">
+                          <a:effectLst/>
+                          <a:latin typeface="Cambria Math" panose="02040503050406030204" pitchFamily="18" charset="0"/>
+                          <a:ea typeface="Calibri" panose="020F0502020204030204" pitchFamily="34" charset="0"/>
+                          <a:cs typeface="Times New Roman" panose="02020603050405020304" pitchFamily="18" charset="0"/>
+                        </a:rPr>
+                        <m:t>−</m:t>
+                      </m:r>
+                      <m:r>
+                        <a:rPr lang="en-US" sz="1400" i="1">
+                          <a:effectLst/>
+                          <a:latin typeface="Cambria Math" panose="02040503050406030204" pitchFamily="18" charset="0"/>
+                          <a:ea typeface="Calibri" panose="020F0502020204030204" pitchFamily="34" charset="0"/>
+                          <a:cs typeface="Times New Roman" panose="02020603050405020304" pitchFamily="18" charset="0"/>
+                        </a:rPr>
+                        <m:t>𝑑𝑘</m:t>
+                      </m:r>
+                      <m:r>
+                        <a:rPr lang="en-US" sz="1400" i="1">
+                          <a:effectLst/>
+                          <a:latin typeface="Cambria Math" panose="02040503050406030204" pitchFamily="18" charset="0"/>
+                          <a:ea typeface="Calibri" panose="020F0502020204030204" pitchFamily="34" charset="0"/>
+                          <a:cs typeface="Times New Roman" panose="02020603050405020304" pitchFamily="18" charset="0"/>
+                        </a:rPr>
+                        <m:t>, </m:t>
+                      </m:r>
+                    </m:oMath>
+                  </m:oMathPara>
+                </a14:m>
+                <a:endParaRPr lang="ru-RU" sz="1600" dirty="0">
+                  <a:effectLst/>
+                  <a:latin typeface="Times New Roman" panose="02020603050405020304" pitchFamily="18" charset="0"/>
+                  <a:ea typeface="Calibri" panose="020F0502020204030204" pitchFamily="34" charset="0"/>
+                  <a:cs typeface="Times New Roman" panose="02020603050405020304" pitchFamily="18" charset="0"/>
+                </a:endParaRPr>
+              </a:p>
+              <a:p>
+                <a:pPr algn="just">
+                  <a:buNone/>
+                </a:pPr>
+                <a:r>
+                  <a:rPr lang="ru-RU" sz="1400" dirty="0">
+                    <a:effectLst/>
+                    <a:latin typeface="Times New Roman" panose="02020603050405020304" pitchFamily="18" charset="0"/>
+                    <a:ea typeface="Times New Roman" panose="02020603050405020304" pitchFamily="18" charset="0"/>
+                    <a:cs typeface="Times New Roman" panose="02020603050405020304" pitchFamily="18" charset="0"/>
+                  </a:rPr>
+                  <a:t>то вращение кватерниона </a:t>
+                </a:r>
+                <a:r>
+                  <a:rPr lang="en-US" sz="1400" dirty="0">
+                    <a:effectLst/>
+                    <a:latin typeface="Times New Roman" panose="02020603050405020304" pitchFamily="18" charset="0"/>
+                    <a:ea typeface="Times New Roman" panose="02020603050405020304" pitchFamily="18" charset="0"/>
+                    <a:cs typeface="Times New Roman" panose="02020603050405020304" pitchFamily="18" charset="0"/>
+                  </a:rPr>
+                  <a:t>h </a:t>
+                </a:r>
+                <a:r>
+                  <a:rPr lang="ru-RU" sz="1400" dirty="0">
+                    <a:effectLst/>
+                    <a:latin typeface="Times New Roman" panose="02020603050405020304" pitchFamily="18" charset="0"/>
+                    <a:ea typeface="Times New Roman" panose="02020603050405020304" pitchFamily="18" charset="0"/>
+                    <a:cs typeface="Times New Roman" panose="02020603050405020304" pitchFamily="18" charset="0"/>
+                  </a:rPr>
+                  <a:t>описывается уравнением</a:t>
+                </a:r>
+                <a:endParaRPr lang="ru-RU" sz="1600" dirty="0">
+                  <a:effectLst/>
+                  <a:latin typeface="Times New Roman" panose="02020603050405020304" pitchFamily="18" charset="0"/>
+                  <a:ea typeface="Calibri" panose="020F0502020204030204" pitchFamily="34" charset="0"/>
+                  <a:cs typeface="Times New Roman" panose="02020603050405020304" pitchFamily="18" charset="0"/>
+                </a:endParaRPr>
+              </a:p>
+              <a:p>
+                <a:pPr algn="just">
+                  <a:buNone/>
+                </a:pPr>
+                <a14:m>
+                  <m:oMathPara xmlns:m="http://schemas.openxmlformats.org/officeDocument/2006/math">
+                    <m:oMathParaPr>
+                      <m:jc m:val="center"/>
+                    </m:oMathParaPr>
+                    <m:oMath xmlns:m="http://schemas.openxmlformats.org/officeDocument/2006/math">
+                      <m:acc>
+                        <m:accPr>
+                          <m:chr m:val="̃"/>
+                          <m:ctrlPr>
+                            <a:rPr lang="ru-RU" sz="1400" i="1">
+                              <a:effectLst/>
+                              <a:latin typeface="Cambria Math" panose="02040503050406030204" pitchFamily="18" charset="0"/>
+                              <a:ea typeface="Calibri" panose="020F0502020204030204" pitchFamily="34" charset="0"/>
+                              <a:cs typeface="Times New Roman" panose="02020603050405020304" pitchFamily="18" charset="0"/>
+                            </a:rPr>
+                          </m:ctrlPr>
+                        </m:accPr>
+                        <m:e>
+                          <m:r>
+                            <a:rPr lang="ru-RU" sz="1400" i="1">
+                              <a:effectLst/>
+                              <a:latin typeface="Cambria Math" panose="02040503050406030204" pitchFamily="18" charset="0"/>
+                              <a:ea typeface="Calibri" panose="020F0502020204030204" pitchFamily="34" charset="0"/>
+                              <a:cs typeface="Times New Roman" panose="02020603050405020304" pitchFamily="18" charset="0"/>
+                            </a:rPr>
+                            <m:t>h</m:t>
+                          </m:r>
+                        </m:e>
+                      </m:acc>
+                      <m:r>
+                        <a:rPr lang="ru-RU" sz="1400" i="1">
+                          <a:effectLst/>
+                          <a:latin typeface="Cambria Math" panose="02040503050406030204" pitchFamily="18" charset="0"/>
+                          <a:ea typeface="Calibri" panose="020F0502020204030204" pitchFamily="34" charset="0"/>
+                          <a:cs typeface="Times New Roman" panose="02020603050405020304" pitchFamily="18" charset="0"/>
+                        </a:rPr>
+                        <m:t>=</m:t>
+                      </m:r>
+                      <m:r>
+                        <a:rPr lang="en-US" sz="1400" i="1">
+                          <a:effectLst/>
+                          <a:latin typeface="Cambria Math" panose="02040503050406030204" pitchFamily="18" charset="0"/>
+                          <a:ea typeface="Calibri" panose="020F0502020204030204" pitchFamily="34" charset="0"/>
+                          <a:cs typeface="Times New Roman" panose="02020603050405020304" pitchFamily="18" charset="0"/>
+                        </a:rPr>
+                        <m:t>𝑞</m:t>
+                      </m:r>
+                      <m:r>
+                        <a:rPr lang="ru-RU" sz="1400" i="1">
+                          <a:effectLst/>
+                          <a:latin typeface="Cambria Math" panose="02040503050406030204" pitchFamily="18" charset="0"/>
+                          <a:ea typeface="Calibri" panose="020F0502020204030204" pitchFamily="34" charset="0"/>
+                          <a:cs typeface="Times New Roman" panose="02020603050405020304" pitchFamily="18" charset="0"/>
+                        </a:rPr>
+                        <m:t>h</m:t>
+                      </m:r>
+                      <m:acc>
+                        <m:accPr>
+                          <m:chr m:val="̅"/>
+                          <m:ctrlPr>
+                            <a:rPr lang="ru-RU" sz="1400" i="1">
+                              <a:effectLst/>
+                              <a:latin typeface="Cambria Math" panose="02040503050406030204" pitchFamily="18" charset="0"/>
+                              <a:ea typeface="Calibri" panose="020F0502020204030204" pitchFamily="34" charset="0"/>
+                              <a:cs typeface="Times New Roman" panose="02020603050405020304" pitchFamily="18" charset="0"/>
+                            </a:rPr>
+                          </m:ctrlPr>
+                        </m:accPr>
+                        <m:e>
+                          <m:r>
+                            <a:rPr lang="en-US" sz="1400" i="1">
+                              <a:effectLst/>
+                              <a:latin typeface="Cambria Math" panose="02040503050406030204" pitchFamily="18" charset="0"/>
+                              <a:ea typeface="Calibri" panose="020F0502020204030204" pitchFamily="34" charset="0"/>
+                              <a:cs typeface="Times New Roman" panose="02020603050405020304" pitchFamily="18" charset="0"/>
+                            </a:rPr>
+                            <m:t>𝑞</m:t>
+                          </m:r>
+                        </m:e>
+                      </m:acc>
+                      <m:r>
+                        <a:rPr lang="en-US" sz="1400" i="1">
+                          <a:effectLst/>
+                          <a:latin typeface="Cambria Math" panose="02040503050406030204" pitchFamily="18" charset="0"/>
+                          <a:ea typeface="Calibri" panose="020F0502020204030204" pitchFamily="34" charset="0"/>
+                          <a:cs typeface="Times New Roman" panose="02020603050405020304" pitchFamily="18" charset="0"/>
+                        </a:rPr>
+                        <m:t>.</m:t>
+                      </m:r>
+                    </m:oMath>
+                  </m:oMathPara>
+                </a14:m>
+                <a:endParaRPr lang="ru-RU" sz="1600" dirty="0">
+                  <a:effectLst/>
+                  <a:latin typeface="Times New Roman" panose="02020603050405020304" pitchFamily="18" charset="0"/>
+                  <a:ea typeface="Calibri" panose="020F0502020204030204" pitchFamily="34" charset="0"/>
+                  <a:cs typeface="Times New Roman" panose="02020603050405020304" pitchFamily="18" charset="0"/>
+                </a:endParaRPr>
+              </a:p>
+              <a:p>
+                <a:pPr algn="just">
+                  <a:buNone/>
+                </a:pPr>
+                <a:r>
+                  <a:rPr lang="ru-RU" sz="1400" dirty="0">
+                    <a:effectLst/>
+                    <a:latin typeface="Times New Roman" panose="02020603050405020304" pitchFamily="18" charset="0"/>
+                    <a:ea typeface="Times New Roman" panose="02020603050405020304" pitchFamily="18" charset="0"/>
+                    <a:cs typeface="Times New Roman" panose="02020603050405020304" pitchFamily="18" charset="0"/>
+                  </a:rPr>
+                  <a:t>Представим вектор от начала координат до сустава кисти (</a:t>
+                </a:r>
+                <a:r>
+                  <a:rPr lang="en-US" sz="1400" dirty="0">
+                    <a:effectLst/>
+                    <a:latin typeface="Times New Roman" panose="02020603050405020304" pitchFamily="18" charset="0"/>
+                    <a:ea typeface="Times New Roman" panose="02020603050405020304" pitchFamily="18" charset="0"/>
+                    <a:cs typeface="Times New Roman" panose="02020603050405020304" pitchFamily="18" charset="0"/>
+                  </a:rPr>
+                  <a:t>x</a:t>
+                </a:r>
+                <a:r>
+                  <a:rPr lang="ru-RU" sz="1400" dirty="0">
+                    <a:effectLst/>
+                    <a:latin typeface="Times New Roman" panose="02020603050405020304" pitchFamily="18" charset="0"/>
+                    <a:ea typeface="Times New Roman" panose="02020603050405020304" pitchFamily="18" charset="0"/>
+                    <a:cs typeface="Times New Roman" panose="02020603050405020304" pitchFamily="18" charset="0"/>
+                  </a:rPr>
+                  <a:t>, </a:t>
+                </a:r>
+                <a:r>
+                  <a:rPr lang="en-US" sz="1400" dirty="0">
+                    <a:effectLst/>
+                    <a:latin typeface="Times New Roman" panose="02020603050405020304" pitchFamily="18" charset="0"/>
+                    <a:ea typeface="Times New Roman" panose="02020603050405020304" pitchFamily="18" charset="0"/>
+                    <a:cs typeface="Times New Roman" panose="02020603050405020304" pitchFamily="18" charset="0"/>
+                  </a:rPr>
+                  <a:t>y</a:t>
+                </a:r>
+                <a:r>
+                  <a:rPr lang="ru-RU" sz="1400" dirty="0">
+                    <a:effectLst/>
+                    <a:latin typeface="Times New Roman" panose="02020603050405020304" pitchFamily="18" charset="0"/>
+                    <a:ea typeface="Times New Roman" panose="02020603050405020304" pitchFamily="18" charset="0"/>
+                    <a:cs typeface="Times New Roman" panose="02020603050405020304" pitchFamily="18" charset="0"/>
+                  </a:rPr>
+                  <a:t>, </a:t>
+                </a:r>
+                <a:r>
+                  <a:rPr lang="en-US" sz="1400" dirty="0">
+                    <a:effectLst/>
+                    <a:latin typeface="Times New Roman" panose="02020603050405020304" pitchFamily="18" charset="0"/>
+                    <a:ea typeface="Times New Roman" panose="02020603050405020304" pitchFamily="18" charset="0"/>
+                    <a:cs typeface="Times New Roman" panose="02020603050405020304" pitchFamily="18" charset="0"/>
+                  </a:rPr>
+                  <a:t>z</a:t>
+                </a:r>
+                <a:r>
+                  <a:rPr lang="ru-RU" sz="1400" dirty="0">
+                    <a:effectLst/>
+                    <a:latin typeface="Times New Roman" panose="02020603050405020304" pitchFamily="18" charset="0"/>
+                    <a:ea typeface="Times New Roman" panose="02020603050405020304" pitchFamily="18" charset="0"/>
+                    <a:cs typeface="Times New Roman" panose="02020603050405020304" pitchFamily="18" charset="0"/>
+                  </a:rPr>
+                  <a:t>) в виде кватерниона</a:t>
+                </a:r>
+                <a:endParaRPr lang="ru-RU" sz="1600" dirty="0">
+                  <a:effectLst/>
+                  <a:latin typeface="Times New Roman" panose="02020603050405020304" pitchFamily="18" charset="0"/>
+                  <a:ea typeface="Calibri" panose="020F0502020204030204" pitchFamily="34" charset="0"/>
+                  <a:cs typeface="Times New Roman" panose="02020603050405020304" pitchFamily="18" charset="0"/>
+                </a:endParaRPr>
+              </a:p>
+              <a:p>
+                <a:pPr algn="just">
+                  <a:buNone/>
+                </a:pPr>
+                <a14:m>
+                  <m:oMathPara xmlns:m="http://schemas.openxmlformats.org/officeDocument/2006/math">
+                    <m:oMathParaPr>
+                      <m:jc m:val="center"/>
+                    </m:oMathParaPr>
+                    <m:oMath xmlns:m="http://schemas.openxmlformats.org/officeDocument/2006/math">
+                      <m:r>
+                        <a:rPr lang="en-US" sz="1400" i="1">
+                          <a:effectLst/>
+                          <a:latin typeface="Cambria Math" panose="02040503050406030204" pitchFamily="18" charset="0"/>
+                          <a:ea typeface="Calibri" panose="020F0502020204030204" pitchFamily="34" charset="0"/>
+                          <a:cs typeface="Times New Roman" panose="02020603050405020304" pitchFamily="18" charset="0"/>
+                        </a:rPr>
+                        <m:t>h</m:t>
+                      </m:r>
+                      <m:r>
+                        <a:rPr lang="en-US" sz="1400" i="1">
+                          <a:effectLst/>
+                          <a:latin typeface="Cambria Math" panose="02040503050406030204" pitchFamily="18" charset="0"/>
+                          <a:ea typeface="Calibri" panose="020F0502020204030204" pitchFamily="34" charset="0"/>
+                          <a:cs typeface="Times New Roman" panose="02020603050405020304" pitchFamily="18" charset="0"/>
+                        </a:rPr>
+                        <m:t>=0+</m:t>
+                      </m:r>
+                      <m:r>
+                        <a:rPr lang="en-US" sz="1400" i="1">
+                          <a:effectLst/>
+                          <a:latin typeface="Cambria Math" panose="02040503050406030204" pitchFamily="18" charset="0"/>
+                          <a:ea typeface="Calibri" panose="020F0502020204030204" pitchFamily="34" charset="0"/>
+                          <a:cs typeface="Times New Roman" panose="02020603050405020304" pitchFamily="18" charset="0"/>
+                        </a:rPr>
+                        <m:t>𝑥𝑖</m:t>
+                      </m:r>
+                      <m:r>
+                        <a:rPr lang="en-US" sz="1400" i="1">
+                          <a:effectLst/>
+                          <a:latin typeface="Cambria Math" panose="02040503050406030204" pitchFamily="18" charset="0"/>
+                          <a:ea typeface="Calibri" panose="020F0502020204030204" pitchFamily="34" charset="0"/>
+                          <a:cs typeface="Times New Roman" panose="02020603050405020304" pitchFamily="18" charset="0"/>
+                        </a:rPr>
+                        <m:t>+</m:t>
+                      </m:r>
+                      <m:r>
+                        <a:rPr lang="en-US" sz="1400" i="1">
+                          <a:effectLst/>
+                          <a:latin typeface="Cambria Math" panose="02040503050406030204" pitchFamily="18" charset="0"/>
+                          <a:ea typeface="Calibri" panose="020F0502020204030204" pitchFamily="34" charset="0"/>
+                          <a:cs typeface="Times New Roman" panose="02020603050405020304" pitchFamily="18" charset="0"/>
+                        </a:rPr>
+                        <m:t>𝑦𝑗</m:t>
+                      </m:r>
+                      <m:r>
+                        <a:rPr lang="en-US" sz="1400" i="1">
+                          <a:effectLst/>
+                          <a:latin typeface="Cambria Math" panose="02040503050406030204" pitchFamily="18" charset="0"/>
+                          <a:ea typeface="Calibri" panose="020F0502020204030204" pitchFamily="34" charset="0"/>
+                          <a:cs typeface="Times New Roman" panose="02020603050405020304" pitchFamily="18" charset="0"/>
+                        </a:rPr>
+                        <m:t>+</m:t>
+                      </m:r>
+                      <m:r>
+                        <a:rPr lang="en-US" sz="1400" i="1">
+                          <a:effectLst/>
+                          <a:latin typeface="Cambria Math" panose="02040503050406030204" pitchFamily="18" charset="0"/>
+                          <a:ea typeface="Calibri" panose="020F0502020204030204" pitchFamily="34" charset="0"/>
+                          <a:cs typeface="Times New Roman" panose="02020603050405020304" pitchFamily="18" charset="0"/>
+                        </a:rPr>
+                        <m:t>𝑧𝑘</m:t>
+                      </m:r>
+                      <m:r>
+                        <a:rPr lang="en-US" sz="1400" i="1">
+                          <a:effectLst/>
+                          <a:latin typeface="Cambria Math" panose="02040503050406030204" pitchFamily="18" charset="0"/>
+                          <a:ea typeface="Calibri" panose="020F0502020204030204" pitchFamily="34" charset="0"/>
+                          <a:cs typeface="Times New Roman" panose="02020603050405020304" pitchFamily="18" charset="0"/>
+                        </a:rPr>
+                        <m:t>.</m:t>
+                      </m:r>
+                    </m:oMath>
+                  </m:oMathPara>
+                </a14:m>
+                <a:endParaRPr lang="ru-RU" sz="1600" dirty="0">
+                  <a:effectLst/>
+                  <a:latin typeface="Times New Roman" panose="02020603050405020304" pitchFamily="18" charset="0"/>
+                  <a:ea typeface="Calibri" panose="020F0502020204030204" pitchFamily="34" charset="0"/>
+                  <a:cs typeface="Times New Roman" panose="02020603050405020304" pitchFamily="18" charset="0"/>
+                </a:endParaRPr>
+              </a:p>
+              <a:p>
+                <a:pPr algn="just">
+                  <a:buNone/>
+                </a:pPr>
+                <a:r>
+                  <a:rPr lang="ru-RU" sz="1400" dirty="0">
+                    <a:effectLst/>
+                    <a:latin typeface="Times New Roman" panose="02020603050405020304" pitchFamily="18" charset="0"/>
+                    <a:ea typeface="Times New Roman" panose="02020603050405020304" pitchFamily="18" charset="0"/>
+                    <a:cs typeface="Times New Roman" panose="02020603050405020304" pitchFamily="18" charset="0"/>
+                  </a:rPr>
+                  <a:t>Используя единичный вектор оси вращения (</a:t>
+                </a:r>
+                <a:r>
+                  <a:rPr lang="en-US" sz="1400" dirty="0">
+                    <a:effectLst/>
+                    <a:latin typeface="Times New Roman" panose="02020603050405020304" pitchFamily="18" charset="0"/>
+                    <a:ea typeface="Times New Roman" panose="02020603050405020304" pitchFamily="18" charset="0"/>
+                    <a:cs typeface="Times New Roman" panose="02020603050405020304" pitchFamily="18" charset="0"/>
+                  </a:rPr>
+                  <a:t>α</a:t>
+                </a:r>
+                <a:r>
+                  <a:rPr lang="ru-RU" sz="1400" dirty="0">
+                    <a:effectLst/>
+                    <a:latin typeface="Times New Roman" panose="02020603050405020304" pitchFamily="18" charset="0"/>
+                    <a:ea typeface="Times New Roman" panose="02020603050405020304" pitchFamily="18" charset="0"/>
+                    <a:cs typeface="Times New Roman" panose="02020603050405020304" pitchFamily="18" charset="0"/>
+                  </a:rPr>
+                  <a:t>, β, γ) и угол вращения θ составим кватернион</a:t>
+                </a:r>
+                <a:endParaRPr lang="ru-RU" sz="1600" dirty="0">
+                  <a:effectLst/>
+                  <a:latin typeface="Times New Roman" panose="02020603050405020304" pitchFamily="18" charset="0"/>
+                  <a:ea typeface="Calibri" panose="020F0502020204030204" pitchFamily="34" charset="0"/>
+                  <a:cs typeface="Times New Roman" panose="02020603050405020304" pitchFamily="18" charset="0"/>
+                </a:endParaRPr>
+              </a:p>
+              <a:p>
+                <a:pPr algn="just">
+                  <a:buNone/>
+                </a:pPr>
+                <a14:m>
+                  <m:oMathPara xmlns:m="http://schemas.openxmlformats.org/officeDocument/2006/math">
+                    <m:oMathParaPr>
+                      <m:jc m:val="center"/>
+                    </m:oMathParaPr>
+                    <m:oMath xmlns:m="http://schemas.openxmlformats.org/officeDocument/2006/math">
+                      <m:r>
+                        <a:rPr lang="en-US" sz="1400" i="1">
+                          <a:effectLst/>
+                          <a:latin typeface="Cambria Math" panose="02040503050406030204" pitchFamily="18" charset="0"/>
+                          <a:ea typeface="Calibri" panose="020F0502020204030204" pitchFamily="34" charset="0"/>
+                          <a:cs typeface="Times New Roman" panose="02020603050405020304" pitchFamily="18" charset="0"/>
+                        </a:rPr>
+                        <m:t>𝑞</m:t>
+                      </m:r>
+                      <m:r>
+                        <a:rPr lang="en-US" sz="1400" i="1">
+                          <a:effectLst/>
+                          <a:latin typeface="Cambria Math" panose="02040503050406030204" pitchFamily="18" charset="0"/>
+                          <a:ea typeface="Calibri" panose="020F0502020204030204" pitchFamily="34" charset="0"/>
+                          <a:cs typeface="Times New Roman" panose="02020603050405020304" pitchFamily="18" charset="0"/>
+                        </a:rPr>
+                        <m:t>=</m:t>
+                      </m:r>
+                      <m:func>
+                        <m:funcPr>
+                          <m:ctrlPr>
+                            <a:rPr lang="ru-RU" sz="1400" i="1">
+                              <a:effectLst/>
+                              <a:latin typeface="Cambria Math" panose="02040503050406030204" pitchFamily="18" charset="0"/>
+                              <a:ea typeface="Calibri" panose="020F0502020204030204" pitchFamily="34" charset="0"/>
+                              <a:cs typeface="Times New Roman" panose="02020603050405020304" pitchFamily="18" charset="0"/>
+                            </a:rPr>
+                          </m:ctrlPr>
+                        </m:funcPr>
+                        <m:fName>
+                          <m:r>
+                            <m:rPr>
+                              <m:sty m:val="p"/>
+                            </m:rPr>
+                            <a:rPr lang="en-US" sz="1400">
+                              <a:effectLst/>
+                              <a:latin typeface="Cambria Math" panose="02040503050406030204" pitchFamily="18" charset="0"/>
+                              <a:ea typeface="Calibri" panose="020F0502020204030204" pitchFamily="34" charset="0"/>
+                              <a:cs typeface="Times New Roman" panose="02020603050405020304" pitchFamily="18" charset="0"/>
+                            </a:rPr>
+                            <m:t>cos</m:t>
+                          </m:r>
+                        </m:fName>
+                        <m:e>
+                          <m:f>
+                            <m:fPr>
+                              <m:ctrlPr>
+                                <a:rPr lang="ru-RU" sz="1400" i="1">
+                                  <a:effectLst/>
+                                  <a:latin typeface="Cambria Math" panose="02040503050406030204" pitchFamily="18" charset="0"/>
+                                  <a:ea typeface="Calibri" panose="020F0502020204030204" pitchFamily="34" charset="0"/>
+                                  <a:cs typeface="Times New Roman" panose="02020603050405020304" pitchFamily="18" charset="0"/>
+                                </a:rPr>
+                              </m:ctrlPr>
+                            </m:fPr>
+                            <m:num>
+                              <m:r>
+                                <m:rPr>
+                                  <m:sty m:val="p"/>
+                                </m:rPr>
+                                <a:rPr lang="ru-RU" sz="1400">
+                                  <a:effectLst/>
+                                  <a:latin typeface="Cambria Math" panose="02040503050406030204" pitchFamily="18" charset="0"/>
+                                  <a:ea typeface="Times New Roman" panose="02020603050405020304" pitchFamily="18" charset="0"/>
+                                  <a:cs typeface="Times New Roman" panose="02020603050405020304" pitchFamily="18" charset="0"/>
+                                </a:rPr>
+                                <m:t>θ</m:t>
+                              </m:r>
+                            </m:num>
+                            <m:den>
+                              <m:r>
+                                <a:rPr lang="en-US" sz="1400" i="1">
+                                  <a:effectLst/>
+                                  <a:latin typeface="Cambria Math" panose="02040503050406030204" pitchFamily="18" charset="0"/>
+                                  <a:ea typeface="Calibri" panose="020F0502020204030204" pitchFamily="34" charset="0"/>
+                                  <a:cs typeface="Times New Roman" panose="02020603050405020304" pitchFamily="18" charset="0"/>
+                                </a:rPr>
+                                <m:t>2</m:t>
+                              </m:r>
+                            </m:den>
+                          </m:f>
+                        </m:e>
+                      </m:func>
+                      <m:r>
+                        <a:rPr lang="en-US" sz="1400" i="1">
+                          <a:effectLst/>
+                          <a:latin typeface="Cambria Math" panose="02040503050406030204" pitchFamily="18" charset="0"/>
+                          <a:ea typeface="Calibri" panose="020F0502020204030204" pitchFamily="34" charset="0"/>
+                          <a:cs typeface="Times New Roman" panose="02020603050405020304" pitchFamily="18" charset="0"/>
+                        </a:rPr>
+                        <m:t>+</m:t>
+                      </m:r>
+                      <m:func>
+                        <m:funcPr>
+                          <m:ctrlPr>
+                            <a:rPr lang="ru-RU" sz="1400" i="1">
+                              <a:effectLst/>
+                              <a:latin typeface="Cambria Math" panose="02040503050406030204" pitchFamily="18" charset="0"/>
+                              <a:ea typeface="Calibri" panose="020F0502020204030204" pitchFamily="34" charset="0"/>
+                              <a:cs typeface="Times New Roman" panose="02020603050405020304" pitchFamily="18" charset="0"/>
+                            </a:rPr>
+                          </m:ctrlPr>
+                        </m:funcPr>
+                        <m:fName>
+                          <m:r>
+                            <m:rPr>
+                              <m:sty m:val="p"/>
+                            </m:rPr>
+                            <a:rPr lang="en-US" sz="1400">
+                              <a:effectLst/>
+                              <a:latin typeface="Cambria Math" panose="02040503050406030204" pitchFamily="18" charset="0"/>
+                              <a:ea typeface="Calibri" panose="020F0502020204030204" pitchFamily="34" charset="0"/>
+                              <a:cs typeface="Times New Roman" panose="02020603050405020304" pitchFamily="18" charset="0"/>
+                            </a:rPr>
+                            <m:t>sin</m:t>
+                          </m:r>
+                        </m:fName>
+                        <m:e>
+                          <m:f>
+                            <m:fPr>
+                              <m:ctrlPr>
+                                <a:rPr lang="ru-RU" sz="1400" i="1">
+                                  <a:effectLst/>
+                                  <a:latin typeface="Cambria Math" panose="02040503050406030204" pitchFamily="18" charset="0"/>
+                                  <a:ea typeface="Calibri" panose="020F0502020204030204" pitchFamily="34" charset="0"/>
+                                  <a:cs typeface="Times New Roman" panose="02020603050405020304" pitchFamily="18" charset="0"/>
+                                </a:rPr>
+                              </m:ctrlPr>
+                            </m:fPr>
+                            <m:num>
+                              <m:r>
+                                <m:rPr>
+                                  <m:sty m:val="p"/>
+                                </m:rPr>
+                                <a:rPr lang="ru-RU" sz="1400">
+                                  <a:effectLst/>
+                                  <a:latin typeface="Cambria Math" panose="02040503050406030204" pitchFamily="18" charset="0"/>
+                                  <a:ea typeface="Times New Roman" panose="02020603050405020304" pitchFamily="18" charset="0"/>
+                                  <a:cs typeface="Times New Roman" panose="02020603050405020304" pitchFamily="18" charset="0"/>
+                                </a:rPr>
+                                <m:t>θ</m:t>
+                              </m:r>
+                            </m:num>
+                            <m:den>
+                              <m:r>
+                                <a:rPr lang="en-US" sz="1400" i="1">
+                                  <a:effectLst/>
+                                  <a:latin typeface="Cambria Math" panose="02040503050406030204" pitchFamily="18" charset="0"/>
+                                  <a:ea typeface="Calibri" panose="020F0502020204030204" pitchFamily="34" charset="0"/>
+                                  <a:cs typeface="Times New Roman" panose="02020603050405020304" pitchFamily="18" charset="0"/>
+                                </a:rPr>
+                                <m:t>2</m:t>
+                              </m:r>
+                            </m:den>
+                          </m:f>
+                        </m:e>
+                      </m:func>
+                      <m:r>
+                        <a:rPr lang="en-US" sz="1400" i="1">
+                          <a:effectLst/>
+                          <a:latin typeface="Cambria Math" panose="02040503050406030204" pitchFamily="18" charset="0"/>
+                          <a:ea typeface="Calibri" panose="020F0502020204030204" pitchFamily="34" charset="0"/>
+                          <a:cs typeface="Times New Roman" panose="02020603050405020304" pitchFamily="18" charset="0"/>
+                        </a:rPr>
+                        <m:t>(</m:t>
+                      </m:r>
+                      <m:r>
+                        <m:rPr>
+                          <m:sty m:val="p"/>
+                        </m:rPr>
+                        <a:rPr lang="en-US" sz="1400">
+                          <a:effectLst/>
+                          <a:latin typeface="Cambria Math" panose="02040503050406030204" pitchFamily="18" charset="0"/>
+                          <a:ea typeface="Times New Roman" panose="02020603050405020304" pitchFamily="18" charset="0"/>
+                          <a:cs typeface="Times New Roman" panose="02020603050405020304" pitchFamily="18" charset="0"/>
+                        </a:rPr>
+                        <m:t>α</m:t>
+                      </m:r>
+                      <m:r>
+                        <a:rPr lang="en-US" sz="1400" i="1">
+                          <a:effectLst/>
+                          <a:latin typeface="Cambria Math" panose="02040503050406030204" pitchFamily="18" charset="0"/>
+                          <a:ea typeface="Calibri" panose="020F0502020204030204" pitchFamily="34" charset="0"/>
+                          <a:cs typeface="Times New Roman" panose="02020603050405020304" pitchFamily="18" charset="0"/>
+                        </a:rPr>
+                        <m:t>𝑖</m:t>
+                      </m:r>
+                      <m:r>
+                        <a:rPr lang="en-US" sz="1400" i="1">
+                          <a:effectLst/>
+                          <a:latin typeface="Cambria Math" panose="02040503050406030204" pitchFamily="18" charset="0"/>
+                          <a:ea typeface="Calibri" panose="020F0502020204030204" pitchFamily="34" charset="0"/>
+                          <a:cs typeface="Times New Roman" panose="02020603050405020304" pitchFamily="18" charset="0"/>
+                        </a:rPr>
+                        <m:t>+</m:t>
+                      </m:r>
+                      <m:r>
+                        <m:rPr>
+                          <m:sty m:val="p"/>
+                        </m:rPr>
+                        <a:rPr lang="ru-RU" sz="1400">
+                          <a:effectLst/>
+                          <a:latin typeface="Cambria Math" panose="02040503050406030204" pitchFamily="18" charset="0"/>
+                          <a:ea typeface="Times New Roman" panose="02020603050405020304" pitchFamily="18" charset="0"/>
+                          <a:cs typeface="Times New Roman" panose="02020603050405020304" pitchFamily="18" charset="0"/>
+                        </a:rPr>
+                        <m:t>β</m:t>
+                      </m:r>
+                      <m:r>
+                        <a:rPr lang="en-US" sz="1400" i="1">
+                          <a:effectLst/>
+                          <a:latin typeface="Cambria Math" panose="02040503050406030204" pitchFamily="18" charset="0"/>
+                          <a:ea typeface="Calibri" panose="020F0502020204030204" pitchFamily="34" charset="0"/>
+                          <a:cs typeface="Times New Roman" panose="02020603050405020304" pitchFamily="18" charset="0"/>
+                        </a:rPr>
+                        <m:t>𝑗</m:t>
+                      </m:r>
+                      <m:r>
+                        <a:rPr lang="en-US" sz="1400" i="1">
+                          <a:effectLst/>
+                          <a:latin typeface="Cambria Math" panose="02040503050406030204" pitchFamily="18" charset="0"/>
+                          <a:ea typeface="Calibri" panose="020F0502020204030204" pitchFamily="34" charset="0"/>
+                          <a:cs typeface="Times New Roman" panose="02020603050405020304" pitchFamily="18" charset="0"/>
+                        </a:rPr>
+                        <m:t>+</m:t>
+                      </m:r>
+                      <m:r>
+                        <m:rPr>
+                          <m:sty m:val="p"/>
+                        </m:rPr>
+                        <a:rPr lang="ru-RU" sz="1400">
+                          <a:effectLst/>
+                          <a:latin typeface="Cambria Math" panose="02040503050406030204" pitchFamily="18" charset="0"/>
+                          <a:ea typeface="Times New Roman" panose="02020603050405020304" pitchFamily="18" charset="0"/>
+                          <a:cs typeface="Times New Roman" panose="02020603050405020304" pitchFamily="18" charset="0"/>
+                        </a:rPr>
+                        <m:t>γ</m:t>
+                      </m:r>
+                      <m:r>
+                        <a:rPr lang="en-US" sz="1400" i="1">
+                          <a:effectLst/>
+                          <a:latin typeface="Cambria Math" panose="02040503050406030204" pitchFamily="18" charset="0"/>
+                          <a:ea typeface="Calibri" panose="020F0502020204030204" pitchFamily="34" charset="0"/>
+                          <a:cs typeface="Times New Roman" panose="02020603050405020304" pitchFamily="18" charset="0"/>
+                        </a:rPr>
+                        <m:t>𝑘</m:t>
+                      </m:r>
+                      <m:r>
+                        <a:rPr lang="en-US" sz="1400" i="1">
+                          <a:effectLst/>
+                          <a:latin typeface="Cambria Math" panose="02040503050406030204" pitchFamily="18" charset="0"/>
+                          <a:ea typeface="Calibri" panose="020F0502020204030204" pitchFamily="34" charset="0"/>
+                          <a:cs typeface="Times New Roman" panose="02020603050405020304" pitchFamily="18" charset="0"/>
+                        </a:rPr>
+                        <m:t>).</m:t>
+                      </m:r>
+                    </m:oMath>
+                  </m:oMathPara>
+                </a14:m>
+                <a:endParaRPr lang="ru-RU" sz="1600" dirty="0">
+                  <a:effectLst/>
+                  <a:latin typeface="Times New Roman" panose="02020603050405020304" pitchFamily="18" charset="0"/>
+                  <a:ea typeface="Calibri" panose="020F0502020204030204" pitchFamily="34" charset="0"/>
+                  <a:cs typeface="Times New Roman" panose="02020603050405020304" pitchFamily="18" charset="0"/>
+                </a:endParaRPr>
+              </a:p>
+              <a:p>
+                <a:pPr algn="just">
+                  <a:buNone/>
+                </a:pPr>
+                <a:r>
+                  <a:rPr lang="ru-RU" sz="1400" dirty="0">
+                    <a:effectLst/>
+                    <a:latin typeface="Times New Roman" panose="02020603050405020304" pitchFamily="18" charset="0"/>
+                    <a:ea typeface="Times New Roman" panose="02020603050405020304" pitchFamily="18" charset="0"/>
+                    <a:cs typeface="Times New Roman" panose="02020603050405020304" pitchFamily="18" charset="0"/>
+                  </a:rPr>
+                  <a:t>Тогда сопряженный кватернион имеет вид</a:t>
+                </a:r>
+                <a:endParaRPr lang="ru-RU" sz="1600" dirty="0">
+                  <a:effectLst/>
+                  <a:latin typeface="Times New Roman" panose="02020603050405020304" pitchFamily="18" charset="0"/>
+                  <a:ea typeface="Calibri" panose="020F0502020204030204" pitchFamily="34" charset="0"/>
+                  <a:cs typeface="Times New Roman" panose="02020603050405020304" pitchFamily="18" charset="0"/>
+                </a:endParaRPr>
+              </a:p>
+              <a:p>
+                <a:pPr algn="just">
+                  <a:buNone/>
+                </a:pPr>
+                <a14:m>
+                  <m:oMathPara xmlns:m="http://schemas.openxmlformats.org/officeDocument/2006/math">
+                    <m:oMathParaPr>
+                      <m:jc m:val="center"/>
+                    </m:oMathParaPr>
+                    <m:oMath xmlns:m="http://schemas.openxmlformats.org/officeDocument/2006/math">
+                      <m:r>
+                        <a:rPr lang="en-US" sz="1400" i="1">
+                          <a:effectLst/>
+                          <a:latin typeface="Cambria Math" panose="02040503050406030204" pitchFamily="18" charset="0"/>
+                          <a:ea typeface="Calibri" panose="020F0502020204030204" pitchFamily="34" charset="0"/>
+                          <a:cs typeface="Times New Roman" panose="02020603050405020304" pitchFamily="18" charset="0"/>
+                        </a:rPr>
+                        <m:t>𝑞</m:t>
+                      </m:r>
+                      <m:r>
+                        <a:rPr lang="en-US" sz="1400" i="1">
+                          <a:effectLst/>
+                          <a:latin typeface="Cambria Math" panose="02040503050406030204" pitchFamily="18" charset="0"/>
+                          <a:ea typeface="Calibri" panose="020F0502020204030204" pitchFamily="34" charset="0"/>
+                          <a:cs typeface="Times New Roman" panose="02020603050405020304" pitchFamily="18" charset="0"/>
+                        </a:rPr>
+                        <m:t>=</m:t>
+                      </m:r>
+                      <m:func>
+                        <m:funcPr>
+                          <m:ctrlPr>
+                            <a:rPr lang="ru-RU" sz="1400" i="1">
+                              <a:effectLst/>
+                              <a:latin typeface="Cambria Math" panose="02040503050406030204" pitchFamily="18" charset="0"/>
+                              <a:ea typeface="Calibri" panose="020F0502020204030204" pitchFamily="34" charset="0"/>
+                              <a:cs typeface="Times New Roman" panose="02020603050405020304" pitchFamily="18" charset="0"/>
+                            </a:rPr>
+                          </m:ctrlPr>
+                        </m:funcPr>
+                        <m:fName>
+                          <m:r>
+                            <m:rPr>
+                              <m:sty m:val="p"/>
+                            </m:rPr>
+                            <a:rPr lang="en-US" sz="1400">
+                              <a:effectLst/>
+                              <a:latin typeface="Cambria Math" panose="02040503050406030204" pitchFamily="18" charset="0"/>
+                              <a:ea typeface="Calibri" panose="020F0502020204030204" pitchFamily="34" charset="0"/>
+                              <a:cs typeface="Times New Roman" panose="02020603050405020304" pitchFamily="18" charset="0"/>
+                            </a:rPr>
+                            <m:t>cos</m:t>
+                          </m:r>
+                        </m:fName>
+                        <m:e>
+                          <m:f>
+                            <m:fPr>
+                              <m:ctrlPr>
+                                <a:rPr lang="ru-RU" sz="1400" i="1">
+                                  <a:effectLst/>
+                                  <a:latin typeface="Cambria Math" panose="02040503050406030204" pitchFamily="18" charset="0"/>
+                                  <a:ea typeface="Calibri" panose="020F0502020204030204" pitchFamily="34" charset="0"/>
+                                  <a:cs typeface="Times New Roman" panose="02020603050405020304" pitchFamily="18" charset="0"/>
+                                </a:rPr>
+                              </m:ctrlPr>
+                            </m:fPr>
+                            <m:num>
+                              <m:r>
+                                <m:rPr>
+                                  <m:sty m:val="p"/>
+                                </m:rPr>
+                                <a:rPr lang="ru-RU" sz="1400">
+                                  <a:effectLst/>
+                                  <a:latin typeface="Cambria Math" panose="02040503050406030204" pitchFamily="18" charset="0"/>
+                                  <a:ea typeface="Times New Roman" panose="02020603050405020304" pitchFamily="18" charset="0"/>
+                                  <a:cs typeface="Times New Roman" panose="02020603050405020304" pitchFamily="18" charset="0"/>
+                                </a:rPr>
+                                <m:t>θ</m:t>
+                              </m:r>
+                            </m:num>
+                            <m:den>
+                              <m:r>
+                                <a:rPr lang="en-US" sz="1400" i="1">
+                                  <a:effectLst/>
+                                  <a:latin typeface="Cambria Math" panose="02040503050406030204" pitchFamily="18" charset="0"/>
+                                  <a:ea typeface="Calibri" panose="020F0502020204030204" pitchFamily="34" charset="0"/>
+                                  <a:cs typeface="Times New Roman" panose="02020603050405020304" pitchFamily="18" charset="0"/>
+                                </a:rPr>
+                                <m:t>2</m:t>
+                              </m:r>
+                            </m:den>
+                          </m:f>
+                        </m:e>
+                      </m:func>
+                      <m:r>
+                        <a:rPr lang="en-US" sz="1400" i="1">
+                          <a:effectLst/>
+                          <a:latin typeface="Cambria Math" panose="02040503050406030204" pitchFamily="18" charset="0"/>
+                          <a:ea typeface="Calibri" panose="020F0502020204030204" pitchFamily="34" charset="0"/>
+                          <a:cs typeface="Times New Roman" panose="02020603050405020304" pitchFamily="18" charset="0"/>
+                        </a:rPr>
+                        <m:t>−</m:t>
+                      </m:r>
+                      <m:func>
+                        <m:funcPr>
+                          <m:ctrlPr>
+                            <a:rPr lang="ru-RU" sz="1400" i="1">
+                              <a:effectLst/>
+                              <a:latin typeface="Cambria Math" panose="02040503050406030204" pitchFamily="18" charset="0"/>
+                              <a:ea typeface="Calibri" panose="020F0502020204030204" pitchFamily="34" charset="0"/>
+                              <a:cs typeface="Times New Roman" panose="02020603050405020304" pitchFamily="18" charset="0"/>
+                            </a:rPr>
+                          </m:ctrlPr>
+                        </m:funcPr>
+                        <m:fName>
+                          <m:r>
+                            <m:rPr>
+                              <m:sty m:val="p"/>
+                            </m:rPr>
+                            <a:rPr lang="en-US" sz="1400">
+                              <a:effectLst/>
+                              <a:latin typeface="Cambria Math" panose="02040503050406030204" pitchFamily="18" charset="0"/>
+                              <a:ea typeface="Calibri" panose="020F0502020204030204" pitchFamily="34" charset="0"/>
+                              <a:cs typeface="Times New Roman" panose="02020603050405020304" pitchFamily="18" charset="0"/>
+                            </a:rPr>
+                            <m:t>sin</m:t>
+                          </m:r>
+                        </m:fName>
+                        <m:e>
+                          <m:f>
+                            <m:fPr>
+                              <m:ctrlPr>
+                                <a:rPr lang="ru-RU" sz="1400" i="1">
+                                  <a:effectLst/>
+                                  <a:latin typeface="Cambria Math" panose="02040503050406030204" pitchFamily="18" charset="0"/>
+                                  <a:ea typeface="Calibri" panose="020F0502020204030204" pitchFamily="34" charset="0"/>
+                                  <a:cs typeface="Times New Roman" panose="02020603050405020304" pitchFamily="18" charset="0"/>
+                                </a:rPr>
+                              </m:ctrlPr>
+                            </m:fPr>
+                            <m:num>
+                              <m:r>
+                                <m:rPr>
+                                  <m:sty m:val="p"/>
+                                </m:rPr>
+                                <a:rPr lang="ru-RU" sz="1400">
+                                  <a:effectLst/>
+                                  <a:latin typeface="Cambria Math" panose="02040503050406030204" pitchFamily="18" charset="0"/>
+                                  <a:ea typeface="Times New Roman" panose="02020603050405020304" pitchFamily="18" charset="0"/>
+                                  <a:cs typeface="Times New Roman" panose="02020603050405020304" pitchFamily="18" charset="0"/>
+                                </a:rPr>
+                                <m:t>θ</m:t>
+                              </m:r>
+                            </m:num>
+                            <m:den>
+                              <m:r>
+                                <a:rPr lang="en-US" sz="1400" i="1">
+                                  <a:effectLst/>
+                                  <a:latin typeface="Cambria Math" panose="02040503050406030204" pitchFamily="18" charset="0"/>
+                                  <a:ea typeface="Calibri" panose="020F0502020204030204" pitchFamily="34" charset="0"/>
+                                  <a:cs typeface="Times New Roman" panose="02020603050405020304" pitchFamily="18" charset="0"/>
+                                </a:rPr>
+                                <m:t>2</m:t>
+                              </m:r>
+                            </m:den>
+                          </m:f>
+                        </m:e>
+                      </m:func>
+                      <m:r>
+                        <a:rPr lang="en-US" sz="1400" i="1">
+                          <a:effectLst/>
+                          <a:latin typeface="Cambria Math" panose="02040503050406030204" pitchFamily="18" charset="0"/>
+                          <a:ea typeface="Calibri" panose="020F0502020204030204" pitchFamily="34" charset="0"/>
+                          <a:cs typeface="Times New Roman" panose="02020603050405020304" pitchFamily="18" charset="0"/>
+                        </a:rPr>
+                        <m:t>(</m:t>
+                      </m:r>
+                      <m:r>
+                        <m:rPr>
+                          <m:sty m:val="p"/>
+                        </m:rPr>
+                        <a:rPr lang="en-US" sz="1400">
+                          <a:effectLst/>
+                          <a:latin typeface="Cambria Math" panose="02040503050406030204" pitchFamily="18" charset="0"/>
+                          <a:ea typeface="Times New Roman" panose="02020603050405020304" pitchFamily="18" charset="0"/>
+                          <a:cs typeface="Times New Roman" panose="02020603050405020304" pitchFamily="18" charset="0"/>
+                        </a:rPr>
+                        <m:t>α</m:t>
+                      </m:r>
+                      <m:r>
+                        <a:rPr lang="en-US" sz="1400" i="1">
+                          <a:effectLst/>
+                          <a:latin typeface="Cambria Math" panose="02040503050406030204" pitchFamily="18" charset="0"/>
+                          <a:ea typeface="Calibri" panose="020F0502020204030204" pitchFamily="34" charset="0"/>
+                          <a:cs typeface="Times New Roman" panose="02020603050405020304" pitchFamily="18" charset="0"/>
+                        </a:rPr>
+                        <m:t>𝑖</m:t>
+                      </m:r>
+                      <m:r>
+                        <a:rPr lang="en-US" sz="1400" i="1">
+                          <a:effectLst/>
+                          <a:latin typeface="Cambria Math" panose="02040503050406030204" pitchFamily="18" charset="0"/>
+                          <a:ea typeface="Calibri" panose="020F0502020204030204" pitchFamily="34" charset="0"/>
+                          <a:cs typeface="Times New Roman" panose="02020603050405020304" pitchFamily="18" charset="0"/>
+                        </a:rPr>
+                        <m:t>+</m:t>
+                      </m:r>
+                      <m:r>
+                        <m:rPr>
+                          <m:sty m:val="p"/>
+                        </m:rPr>
+                        <a:rPr lang="ru-RU" sz="1400">
+                          <a:effectLst/>
+                          <a:latin typeface="Cambria Math" panose="02040503050406030204" pitchFamily="18" charset="0"/>
+                          <a:ea typeface="Times New Roman" panose="02020603050405020304" pitchFamily="18" charset="0"/>
+                          <a:cs typeface="Times New Roman" panose="02020603050405020304" pitchFamily="18" charset="0"/>
+                        </a:rPr>
+                        <m:t>β</m:t>
+                      </m:r>
+                      <m:r>
+                        <a:rPr lang="en-US" sz="1400" i="1">
+                          <a:effectLst/>
+                          <a:latin typeface="Cambria Math" panose="02040503050406030204" pitchFamily="18" charset="0"/>
+                          <a:ea typeface="Calibri" panose="020F0502020204030204" pitchFamily="34" charset="0"/>
+                          <a:cs typeface="Times New Roman" panose="02020603050405020304" pitchFamily="18" charset="0"/>
+                        </a:rPr>
+                        <m:t>𝑗</m:t>
+                      </m:r>
+                      <m:r>
+                        <a:rPr lang="en-US" sz="1400" i="1">
+                          <a:effectLst/>
+                          <a:latin typeface="Cambria Math" panose="02040503050406030204" pitchFamily="18" charset="0"/>
+                          <a:ea typeface="Calibri" panose="020F0502020204030204" pitchFamily="34" charset="0"/>
+                          <a:cs typeface="Times New Roman" panose="02020603050405020304" pitchFamily="18" charset="0"/>
+                        </a:rPr>
+                        <m:t>+</m:t>
+                      </m:r>
+                      <m:r>
+                        <m:rPr>
+                          <m:sty m:val="p"/>
+                        </m:rPr>
+                        <a:rPr lang="ru-RU" sz="1400">
+                          <a:effectLst/>
+                          <a:latin typeface="Cambria Math" panose="02040503050406030204" pitchFamily="18" charset="0"/>
+                          <a:ea typeface="Times New Roman" panose="02020603050405020304" pitchFamily="18" charset="0"/>
+                          <a:cs typeface="Times New Roman" panose="02020603050405020304" pitchFamily="18" charset="0"/>
+                        </a:rPr>
+                        <m:t>γ</m:t>
+                      </m:r>
+                      <m:r>
+                        <a:rPr lang="en-US" sz="1400" i="1">
+                          <a:effectLst/>
+                          <a:latin typeface="Cambria Math" panose="02040503050406030204" pitchFamily="18" charset="0"/>
+                          <a:ea typeface="Calibri" panose="020F0502020204030204" pitchFamily="34" charset="0"/>
+                          <a:cs typeface="Times New Roman" panose="02020603050405020304" pitchFamily="18" charset="0"/>
+                        </a:rPr>
+                        <m:t>𝑘</m:t>
+                      </m:r>
+                      <m:r>
+                        <a:rPr lang="en-US" sz="1400" i="1">
+                          <a:effectLst/>
+                          <a:latin typeface="Cambria Math" panose="02040503050406030204" pitchFamily="18" charset="0"/>
+                          <a:ea typeface="Calibri" panose="020F0502020204030204" pitchFamily="34" charset="0"/>
+                          <a:cs typeface="Times New Roman" panose="02020603050405020304" pitchFamily="18" charset="0"/>
+                        </a:rPr>
+                        <m:t>).</m:t>
+                      </m:r>
+                    </m:oMath>
+                  </m:oMathPara>
+                </a14:m>
+                <a:endParaRPr lang="ru-RU" sz="1600" dirty="0">
+                  <a:effectLst/>
+                  <a:latin typeface="Times New Roman" panose="02020603050405020304" pitchFamily="18" charset="0"/>
+                  <a:ea typeface="Calibri" panose="020F0502020204030204" pitchFamily="34" charset="0"/>
+                  <a:cs typeface="Times New Roman" panose="02020603050405020304" pitchFamily="18" charset="0"/>
+                </a:endParaRPr>
+              </a:p>
+              <a:p>
+                <a:pPr algn="just">
+                  <a:buNone/>
+                </a:pPr>
+                <a:r>
+                  <a:rPr lang="ru-RU" sz="1400" dirty="0">
+                    <a:effectLst/>
+                    <a:latin typeface="Times New Roman" panose="02020603050405020304" pitchFamily="18" charset="0"/>
+                    <a:ea typeface="Times New Roman" panose="02020603050405020304" pitchFamily="18" charset="0"/>
+                    <a:cs typeface="Times New Roman" panose="02020603050405020304" pitchFamily="18" charset="0"/>
+                  </a:rPr>
+                  <a:t>Из результирующего кватерниона вычленяем вектор (</a:t>
+                </a:r>
+                <a:r>
+                  <a:rPr lang="en-US" sz="1400" dirty="0">
+                    <a:effectLst/>
+                    <a:latin typeface="Times New Roman" panose="02020603050405020304" pitchFamily="18" charset="0"/>
+                    <a:ea typeface="Times New Roman" panose="02020603050405020304" pitchFamily="18" charset="0"/>
+                    <a:cs typeface="Times New Roman" panose="02020603050405020304" pitchFamily="18" charset="0"/>
+                  </a:rPr>
+                  <a:t>m</a:t>
+                </a:r>
+                <a:r>
+                  <a:rPr lang="ru-RU" sz="1400" dirty="0">
+                    <a:effectLst/>
+                    <a:latin typeface="Times New Roman" panose="02020603050405020304" pitchFamily="18" charset="0"/>
+                    <a:ea typeface="Times New Roman" panose="02020603050405020304" pitchFamily="18" charset="0"/>
+                    <a:cs typeface="Times New Roman" panose="02020603050405020304" pitchFamily="18" charset="0"/>
+                  </a:rPr>
+                  <a:t>, </a:t>
+                </a:r>
+                <a:r>
+                  <a:rPr lang="en-US" sz="1400" dirty="0">
+                    <a:effectLst/>
+                    <a:latin typeface="Times New Roman" panose="02020603050405020304" pitchFamily="18" charset="0"/>
+                    <a:ea typeface="Times New Roman" panose="02020603050405020304" pitchFamily="18" charset="0"/>
+                    <a:cs typeface="Times New Roman" panose="02020603050405020304" pitchFamily="18" charset="0"/>
+                  </a:rPr>
+                  <a:t>n</a:t>
+                </a:r>
+                <a:r>
+                  <a:rPr lang="ru-RU" sz="1400" dirty="0">
+                    <a:effectLst/>
+                    <a:latin typeface="Times New Roman" panose="02020603050405020304" pitchFamily="18" charset="0"/>
+                    <a:ea typeface="Times New Roman" panose="02020603050405020304" pitchFamily="18" charset="0"/>
+                    <a:cs typeface="Times New Roman" panose="02020603050405020304" pitchFamily="18" charset="0"/>
+                  </a:rPr>
+                  <a:t>, </a:t>
+                </a:r>
+                <a:r>
+                  <a:rPr lang="en-US" sz="1400" dirty="0">
+                    <a:effectLst/>
+                    <a:latin typeface="Times New Roman" panose="02020603050405020304" pitchFamily="18" charset="0"/>
+                    <a:ea typeface="Times New Roman" panose="02020603050405020304" pitchFamily="18" charset="0"/>
+                    <a:cs typeface="Times New Roman" panose="02020603050405020304" pitchFamily="18" charset="0"/>
+                  </a:rPr>
+                  <a:t>l</a:t>
+                </a:r>
+                <a:r>
+                  <a:rPr lang="ru-RU" sz="1400" dirty="0">
+                    <a:effectLst/>
+                    <a:latin typeface="Times New Roman" panose="02020603050405020304" pitchFamily="18" charset="0"/>
+                    <a:ea typeface="Times New Roman" panose="02020603050405020304" pitchFamily="18" charset="0"/>
+                    <a:cs typeface="Times New Roman" panose="02020603050405020304" pitchFamily="18" charset="0"/>
+                  </a:rPr>
+                  <a:t>), являющийся результатом поворота</a:t>
+                </a:r>
+                <a:endParaRPr lang="ru-RU" sz="1600" dirty="0">
+                  <a:effectLst/>
+                  <a:latin typeface="Times New Roman" panose="02020603050405020304" pitchFamily="18" charset="0"/>
+                  <a:ea typeface="Calibri" panose="020F0502020204030204" pitchFamily="34" charset="0"/>
+                  <a:cs typeface="Times New Roman" panose="02020603050405020304" pitchFamily="18" charset="0"/>
+                </a:endParaRPr>
+              </a:p>
+              <a:p>
+                <a:pPr algn="just"/>
+                <a14:m>
+                  <m:oMathPara xmlns:m="http://schemas.openxmlformats.org/officeDocument/2006/math">
+                    <m:oMathParaPr>
+                      <m:jc m:val="center"/>
+                    </m:oMathParaPr>
+                    <m:oMath xmlns:m="http://schemas.openxmlformats.org/officeDocument/2006/math">
+                      <m:acc>
+                        <m:accPr>
+                          <m:chr m:val="̃"/>
+                          <m:ctrlPr>
+                            <a:rPr lang="ru-RU" sz="1400" i="1">
+                              <a:effectLst/>
+                              <a:latin typeface="Cambria Math" panose="02040503050406030204" pitchFamily="18" charset="0"/>
+                              <a:ea typeface="Calibri" panose="020F0502020204030204" pitchFamily="34" charset="0"/>
+                              <a:cs typeface="Times New Roman" panose="02020603050405020304" pitchFamily="18" charset="0"/>
+                            </a:rPr>
+                          </m:ctrlPr>
+                        </m:accPr>
+                        <m:e>
+                          <m:r>
+                            <a:rPr lang="ru-RU" sz="1400" i="1">
+                              <a:effectLst/>
+                              <a:latin typeface="Cambria Math" panose="02040503050406030204" pitchFamily="18" charset="0"/>
+                              <a:ea typeface="Calibri" panose="020F0502020204030204" pitchFamily="34" charset="0"/>
+                              <a:cs typeface="Times New Roman" panose="02020603050405020304" pitchFamily="18" charset="0"/>
+                            </a:rPr>
+                            <m:t>h</m:t>
+                          </m:r>
+                        </m:e>
+                      </m:acc>
+                      <m:r>
+                        <a:rPr lang="en-US" sz="1400" i="1">
+                          <a:effectLst/>
+                          <a:latin typeface="Cambria Math" panose="02040503050406030204" pitchFamily="18" charset="0"/>
+                          <a:ea typeface="Calibri" panose="020F0502020204030204" pitchFamily="34" charset="0"/>
+                          <a:cs typeface="Times New Roman" panose="02020603050405020304" pitchFamily="18" charset="0"/>
+                        </a:rPr>
+                        <m:t>=</m:t>
+                      </m:r>
+                      <m:r>
+                        <a:rPr lang="en-US" sz="1400" i="1">
+                          <a:effectLst/>
+                          <a:latin typeface="Cambria Math" panose="02040503050406030204" pitchFamily="18" charset="0"/>
+                          <a:ea typeface="Calibri" panose="020F0502020204030204" pitchFamily="34" charset="0"/>
+                          <a:cs typeface="Times New Roman" panose="02020603050405020304" pitchFamily="18" charset="0"/>
+                        </a:rPr>
+                        <m:t>𝑚𝑖</m:t>
+                      </m:r>
+                      <m:r>
+                        <a:rPr lang="en-US" sz="1400" i="1">
+                          <a:effectLst/>
+                          <a:latin typeface="Cambria Math" panose="02040503050406030204" pitchFamily="18" charset="0"/>
+                          <a:ea typeface="Calibri" panose="020F0502020204030204" pitchFamily="34" charset="0"/>
+                          <a:cs typeface="Times New Roman" panose="02020603050405020304" pitchFamily="18" charset="0"/>
+                        </a:rPr>
+                        <m:t>+</m:t>
+                      </m:r>
+                      <m:r>
+                        <a:rPr lang="en-US" sz="1400" i="1">
+                          <a:effectLst/>
+                          <a:latin typeface="Cambria Math" panose="02040503050406030204" pitchFamily="18" charset="0"/>
+                          <a:ea typeface="Calibri" panose="020F0502020204030204" pitchFamily="34" charset="0"/>
+                          <a:cs typeface="Times New Roman" panose="02020603050405020304" pitchFamily="18" charset="0"/>
+                        </a:rPr>
+                        <m:t>𝑛𝑗</m:t>
+                      </m:r>
+                      <m:r>
+                        <a:rPr lang="en-US" sz="1400" i="1">
+                          <a:effectLst/>
+                          <a:latin typeface="Cambria Math" panose="02040503050406030204" pitchFamily="18" charset="0"/>
+                          <a:ea typeface="Calibri" panose="020F0502020204030204" pitchFamily="34" charset="0"/>
+                          <a:cs typeface="Times New Roman" panose="02020603050405020304" pitchFamily="18" charset="0"/>
+                        </a:rPr>
+                        <m:t>+</m:t>
+                      </m:r>
+                      <m:r>
+                        <a:rPr lang="en-US" sz="1400" i="1">
+                          <a:effectLst/>
+                          <a:latin typeface="Cambria Math" panose="02040503050406030204" pitchFamily="18" charset="0"/>
+                          <a:ea typeface="Calibri" panose="020F0502020204030204" pitchFamily="34" charset="0"/>
+                          <a:cs typeface="Times New Roman" panose="02020603050405020304" pitchFamily="18" charset="0"/>
+                        </a:rPr>
+                        <m:t>𝑙𝑘</m:t>
+                      </m:r>
+                      <m:r>
+                        <a:rPr lang="en-US" sz="1400" i="1">
+                          <a:effectLst/>
+                          <a:latin typeface="Cambria Math" panose="02040503050406030204" pitchFamily="18" charset="0"/>
+                          <a:ea typeface="Calibri" panose="020F0502020204030204" pitchFamily="34" charset="0"/>
+                          <a:cs typeface="Times New Roman" panose="02020603050405020304" pitchFamily="18" charset="0"/>
+                        </a:rPr>
+                        <m:t>.</m:t>
+                      </m:r>
+                    </m:oMath>
+                  </m:oMathPara>
+                </a14:m>
+                <a:endParaRPr lang="ru-RU" sz="1600" dirty="0">
+                  <a:effectLst/>
+                  <a:latin typeface="Times New Roman" panose="02020603050405020304" pitchFamily="18" charset="0"/>
+                  <a:ea typeface="Calibri" panose="020F0502020204030204" pitchFamily="34" charset="0"/>
+                  <a:cs typeface="Times New Roman" panose="02020603050405020304" pitchFamily="18" charset="0"/>
+                </a:endParaRPr>
+              </a:p>
+            </p:txBody>
+          </p:sp>
+        </mc:Choice>
+        <mc:Fallback xmlns="">
+          <p:sp>
+            <p:nvSpPr>
+              <p:cNvPr id="4" name="TextBox 3">
+                <a:extLst>
+                  <a:ext uri="{FF2B5EF4-FFF2-40B4-BE49-F238E27FC236}">
+                    <a16:creationId xmlns:a16="http://schemas.microsoft.com/office/drawing/2014/main" id="{89FADAF4-769C-D4A6-F2A2-F7D34ECBD4B3}"/>
+                  </a:ext>
+                </a:extLst>
+              </p:cNvPr>
+              <p:cNvSpPr txBox="1">
+                <a:spLocks noRot="1" noChangeAspect="1" noMove="1" noResize="1" noEditPoints="1" noAdjustHandles="1" noChangeArrowheads="1" noChangeShapeType="1" noTextEdit="1"/>
+              </p:cNvSpPr>
+              <p:nvPr/>
+            </p:nvSpPr>
+            <p:spPr>
+              <a:xfrm>
+                <a:off x="490516" y="1553548"/>
+                <a:ext cx="5950285" cy="4153573"/>
+              </a:xfrm>
+              <a:prstGeom prst="rect">
+                <a:avLst/>
+              </a:prstGeom>
+              <a:blipFill>
+                <a:blip r:embed="rId2"/>
+                <a:stretch>
+                  <a:fillRect l="-307" t="-294" r="-205"/>
+                </a:stretch>
+              </a:blipFill>
+            </p:spPr>
+            <p:txBody>
+              <a:bodyPr/>
+              <a:lstStyle/>
+              <a:p>
+                <a:r>
+                  <a:rPr lang="ru-RU">
+                    <a:noFill/>
+                  </a:rPr>
+                  <a:t> </a:t>
+                </a:r>
+              </a:p>
+            </p:txBody>
+          </p:sp>
+        </mc:Fallback>
+      </mc:AlternateContent>
+      <p:pic>
+        <p:nvPicPr>
+          <p:cNvPr id="6" name="Рисунок 5">
+            <a:extLst>
+              <a:ext uri="{FF2B5EF4-FFF2-40B4-BE49-F238E27FC236}">
+                <a16:creationId xmlns:a16="http://schemas.microsoft.com/office/drawing/2014/main" id="{429C417B-F573-F197-E9A3-F7022F17DB38}"/>
+              </a:ext>
+            </a:extLst>
+          </p:cNvPr>
+          <p:cNvPicPr>
+            <a:picLocks noChangeAspect="1"/>
+          </p:cNvPicPr>
+          <p:nvPr/>
+        </p:nvPicPr>
+        <p:blipFill>
+          <a:blip r:embed="rId3">
+            <a:extLst>
+              <a:ext uri="{28A0092B-C50C-407E-A947-70E740481C1C}">
+                <a14:useLocalDpi xmlns:a14="http://schemas.microsoft.com/office/drawing/2010/main" val="0"/>
+              </a:ext>
+            </a:extLst>
+          </a:blip>
+          <a:srcRect r="50938"/>
+          <a:stretch/>
+        </p:blipFill>
+        <p:spPr bwMode="auto">
+          <a:xfrm>
+            <a:off x="6574543" y="1240016"/>
+            <a:ext cx="2351343" cy="2567638"/>
+          </a:xfrm>
+          <a:prstGeom prst="rect">
+            <a:avLst/>
+          </a:prstGeom>
+          <a:noFill/>
+          <a:ln>
+            <a:noFill/>
+          </a:ln>
+        </p:spPr>
+      </p:pic>
+      <p:pic>
+        <p:nvPicPr>
+          <p:cNvPr id="8" name="Рисунок 7">
+            <a:extLst>
+              <a:ext uri="{FF2B5EF4-FFF2-40B4-BE49-F238E27FC236}">
+                <a16:creationId xmlns:a16="http://schemas.microsoft.com/office/drawing/2014/main" id="{12992B3D-7B92-E6E0-CE71-CE7CB1774FFE}"/>
+              </a:ext>
+            </a:extLst>
+          </p:cNvPr>
+          <p:cNvPicPr>
+            <a:picLocks noChangeAspect="1"/>
+          </p:cNvPicPr>
+          <p:nvPr/>
+        </p:nvPicPr>
+        <p:blipFill>
+          <a:blip r:embed="rId3">
+            <a:extLst>
+              <a:ext uri="{28A0092B-C50C-407E-A947-70E740481C1C}">
+                <a14:useLocalDpi xmlns:a14="http://schemas.microsoft.com/office/drawing/2010/main" val="0"/>
+              </a:ext>
+            </a:extLst>
+          </a:blip>
+          <a:srcRect l="50199"/>
+          <a:stretch/>
+        </p:blipFill>
+        <p:spPr bwMode="auto">
+          <a:xfrm>
+            <a:off x="6556834" y="3526005"/>
+            <a:ext cx="2386760" cy="2567637"/>
+          </a:xfrm>
+          <a:prstGeom prst="rect">
+            <a:avLst/>
+          </a:prstGeom>
+          <a:noFill/>
+          <a:ln>
+            <a:noFill/>
+          </a:ln>
+        </p:spPr>
+      </p:pic>
+    </p:spTree>
+    <p:extLst>
+      <p:ext uri="{BB962C8B-B14F-4D97-AF65-F5344CB8AC3E}">
+        <p14:creationId xmlns:p14="http://schemas.microsoft.com/office/powerpoint/2010/main" val="2230405717"/>
+      </p:ext>
+    </p:extLst>
+  </p:cSld>
+  <p:clrMapOvr>
+    <a:masterClrMapping/>
+  </p:clrMapOvr>
+</p:sld>
+</file>
+
+<file path=ppt/slides/slide7.xml><?xml version="1.0" encoding="utf-8"?>
+<p:sld xmlns:a="http://schemas.openxmlformats.org/drawingml/2006/main" xmlns:r="http://schemas.openxmlformats.org/officeDocument/2006/relationships" xmlns:p="http://schemas.openxmlformats.org/presentationml/2006/main">
+  <p:cSld>
+    <p:spTree>
+      <p:nvGrpSpPr>
+        <p:cNvPr id="1" name="">
+          <a:extLst>
+            <a:ext uri="{FF2B5EF4-FFF2-40B4-BE49-F238E27FC236}">
+              <a16:creationId xmlns:a16="http://schemas.microsoft.com/office/drawing/2014/main" id="{F6781D39-1C6D-3C09-4379-F724BB042CE0}"/>
+            </a:ext>
+          </a:extLst>
+        </p:cNvPr>
+        <p:cNvGrpSpPr/>
+        <p:nvPr/>
+      </p:nvGrpSpPr>
+      <p:grpSpPr>
+        <a:xfrm>
+          <a:off x="0" y="0"/>
+          <a:ext cx="0" cy="0"/>
+          <a:chOff x="0" y="0"/>
+          <a:chExt cx="0" cy="0"/>
+        </a:xfrm>
+      </p:grpSpPr>
+      <p:sp>
+        <p:nvSpPr>
+          <p:cNvPr id="2" name="Заголовок 1">
+            <a:extLst>
+              <a:ext uri="{FF2B5EF4-FFF2-40B4-BE49-F238E27FC236}">
+                <a16:creationId xmlns:a16="http://schemas.microsoft.com/office/drawing/2014/main" id="{C99D2292-D098-B773-AAE3-B8832C71FE92}"/>
+              </a:ext>
+            </a:extLst>
+          </p:cNvPr>
+          <p:cNvSpPr>
+            <a:spLocks noGrp="1"/>
+          </p:cNvSpPr>
+          <p:nvPr>
+            <p:ph type="title"/>
+          </p:nvPr>
+        </p:nvSpPr>
+        <p:spPr>
+          <a:xfrm>
+            <a:off x="0" y="1"/>
+            <a:ext cx="9906000" cy="1258956"/>
+          </a:xfrm>
+        </p:spPr>
+        <p:txBody>
+          <a:bodyPr/>
+          <a:lstStyle/>
+          <a:p>
+            <a:r>
+              <a:rPr lang="ru-RU" dirty="0">
+                <a:latin typeface="Times New Roman" panose="02020603050405020304" pitchFamily="18" charset="0"/>
+                <a:cs typeface="Times New Roman" panose="02020603050405020304" pitchFamily="18" charset="0"/>
+              </a:rPr>
+              <a:t>Формализация задачи математического моделирования движений</a:t>
+            </a:r>
+          </a:p>
+        </p:txBody>
+      </p:sp>
+      <p:sp>
+        <p:nvSpPr>
+          <p:cNvPr id="7" name="Номер слайда 6">
+            <a:extLst>
+              <a:ext uri="{FF2B5EF4-FFF2-40B4-BE49-F238E27FC236}">
+                <a16:creationId xmlns:a16="http://schemas.microsoft.com/office/drawing/2014/main" id="{C78C2DA1-F28B-86F9-4B26-C8F00C095994}"/>
+              </a:ext>
+            </a:extLst>
+          </p:cNvPr>
+          <p:cNvSpPr>
+            <a:spLocks noGrp="1"/>
+          </p:cNvSpPr>
+          <p:nvPr>
+            <p:ph type="sldNum" sz="quarter" idx="12"/>
+          </p:nvPr>
+        </p:nvSpPr>
+        <p:spPr/>
+        <p:txBody>
+          <a:bodyPr/>
+          <a:lstStyle/>
+          <a:p>
+            <a:fld id="{E61BA17C-8861-48C6-BD31-E6A55A1FA5BD}" type="slidenum">
+              <a:rPr lang="ru-RU" smtClean="0"/>
+              <a:pPr/>
+              <a:t>7</a:t>
+            </a:fld>
+            <a:endParaRPr lang="ru-RU"/>
+          </a:p>
+        </p:txBody>
+      </p:sp>
+      <mc:AlternateContent xmlns:mc="http://schemas.openxmlformats.org/markup-compatibility/2006" xmlns:a14="http://schemas.microsoft.com/office/drawing/2010/main">
+        <mc:Choice Requires="a14">
+          <p:sp>
+            <p:nvSpPr>
+              <p:cNvPr id="4" name="TextBox 3">
+                <a:extLst>
+                  <a:ext uri="{FF2B5EF4-FFF2-40B4-BE49-F238E27FC236}">
+                    <a16:creationId xmlns:a16="http://schemas.microsoft.com/office/drawing/2014/main" id="{F69331D5-3350-3244-BDB3-6DF77CDF1FD4}"/>
+                  </a:ext>
+                </a:extLst>
+              </p:cNvPr>
+              <p:cNvSpPr txBox="1"/>
+              <p:nvPr/>
+            </p:nvSpPr>
+            <p:spPr>
+              <a:xfrm>
+                <a:off x="534444" y="1258957"/>
+                <a:ext cx="8837112" cy="4828886"/>
+              </a:xfrm>
+              <a:prstGeom prst="rect">
+                <a:avLst/>
+              </a:prstGeom>
+              <a:noFill/>
+            </p:spPr>
+            <p:txBody>
+              <a:bodyPr wrap="square">
+                <a:spAutoFit/>
+              </a:bodyPr>
+              <a:lstStyle/>
+              <a:p>
+                <a:pPr indent="450215" algn="just">
+                  <a:lnSpc>
+                    <a:spcPct val="150000"/>
+                  </a:lnSpc>
+                  <a:spcAft>
+                    <a:spcPts val="800"/>
+                  </a:spcAft>
+                  <a:buNone/>
+                </a:pPr>
+                <a:r>
+                  <a:rPr lang="ru-RU" sz="1600" dirty="0">
+                    <a:effectLst/>
+                    <a:latin typeface="Times New Roman" panose="02020603050405020304" pitchFamily="18" charset="0"/>
+                    <a:ea typeface="Calibri" panose="020F0502020204030204" pitchFamily="34" charset="0"/>
+                    <a:cs typeface="Times New Roman" panose="02020603050405020304" pitchFamily="18" charset="0"/>
+                  </a:rPr>
+                  <a:t>Пусть манипулятор имеет n степеней свободы, и его конфигурация описывается вектором суставных переменных </a:t>
+                </a:r>
+              </a:p>
+              <a:p>
+                <a:pPr indent="450215" algn="just">
+                  <a:lnSpc>
+                    <a:spcPct val="150000"/>
+                  </a:lnSpc>
+                  <a:spcAft>
+                    <a:spcPts val="800"/>
+                  </a:spcAft>
+                  <a:buNone/>
+                </a:pPr>
+                <a14:m>
+                  <m:oMathPara xmlns:m="http://schemas.openxmlformats.org/officeDocument/2006/math">
+                    <m:oMathParaPr>
+                      <m:jc m:val="centerGroup"/>
+                    </m:oMathParaPr>
+                    <m:oMath xmlns:m="http://schemas.openxmlformats.org/officeDocument/2006/math">
+                      <m:sSup>
+                        <m:sSupPr>
+                          <m:ctrlPr>
+                            <a:rPr lang="ru-RU" sz="1600" i="1">
+                              <a:effectLst/>
+                              <a:latin typeface="Cambria Math" panose="02040503050406030204" pitchFamily="18" charset="0"/>
+                              <a:ea typeface="Calibri" panose="020F0502020204030204" pitchFamily="34" charset="0"/>
+                              <a:cs typeface="Times New Roman" panose="02020603050405020304" pitchFamily="18" charset="0"/>
+                            </a:rPr>
+                          </m:ctrlPr>
+                        </m:sSupPr>
+                        <m:e>
+                          <m:r>
+                            <m:rPr>
+                              <m:sty m:val="p"/>
+                            </m:rPr>
+                            <a:rPr lang="ru-RU" sz="1600">
+                              <a:effectLst/>
+                              <a:latin typeface="Cambria Math" panose="02040503050406030204" pitchFamily="18" charset="0"/>
+                              <a:ea typeface="Calibri" panose="020F0502020204030204" pitchFamily="34" charset="0"/>
+                              <a:cs typeface="Times New Roman" panose="02020603050405020304" pitchFamily="18" charset="0"/>
+                            </a:rPr>
+                            <m:t>Q</m:t>
+                          </m:r>
+                          <m:r>
+                            <a:rPr lang="ru-RU" sz="1600">
+                              <a:effectLst/>
+                              <a:latin typeface="Cambria Math" panose="02040503050406030204" pitchFamily="18" charset="0"/>
+                              <a:ea typeface="Calibri" panose="020F0502020204030204" pitchFamily="34" charset="0"/>
+                              <a:cs typeface="Times New Roman" panose="02020603050405020304" pitchFamily="18" charset="0"/>
+                            </a:rPr>
+                            <m:t>=[</m:t>
+                          </m:r>
+                          <m:sSub>
+                            <m:sSubPr>
+                              <m:ctrlPr>
+                                <a:rPr lang="ru-RU" sz="1600" i="1">
+                                  <a:effectLst/>
+                                  <a:latin typeface="Cambria Math" panose="02040503050406030204" pitchFamily="18" charset="0"/>
+                                  <a:ea typeface="Calibri" panose="020F0502020204030204" pitchFamily="34" charset="0"/>
+                                  <a:cs typeface="Times New Roman" panose="02020603050405020304" pitchFamily="18" charset="0"/>
+                                </a:rPr>
+                              </m:ctrlPr>
+                            </m:sSubPr>
+                            <m:e>
+                              <m:r>
+                                <a:rPr lang="ru-RU" sz="1600" i="1">
+                                  <a:effectLst/>
+                                  <a:latin typeface="Cambria Math" panose="02040503050406030204" pitchFamily="18" charset="0"/>
+                                  <a:ea typeface="Calibri" panose="020F0502020204030204" pitchFamily="34" charset="0"/>
+                                  <a:cs typeface="Times New Roman" panose="02020603050405020304" pitchFamily="18" charset="0"/>
+                                </a:rPr>
+                                <m:t>𝑞</m:t>
+                              </m:r>
+                            </m:e>
+                            <m:sub>
+                              <m:r>
+                                <a:rPr lang="ru-RU" sz="1600" i="1">
+                                  <a:effectLst/>
+                                  <a:latin typeface="Cambria Math" panose="02040503050406030204" pitchFamily="18" charset="0"/>
+                                  <a:ea typeface="Calibri" panose="020F0502020204030204" pitchFamily="34" charset="0"/>
+                                  <a:cs typeface="Times New Roman" panose="02020603050405020304" pitchFamily="18" charset="0"/>
+                                </a:rPr>
+                                <m:t>1</m:t>
+                              </m:r>
+                            </m:sub>
+                          </m:sSub>
+                          <m:r>
+                            <a:rPr lang="ru-RU" sz="1600">
+                              <a:effectLst/>
+                              <a:latin typeface="Cambria Math" panose="02040503050406030204" pitchFamily="18" charset="0"/>
+                              <a:ea typeface="Calibri" panose="020F0502020204030204" pitchFamily="34" charset="0"/>
+                              <a:cs typeface="Times New Roman" panose="02020603050405020304" pitchFamily="18" charset="0"/>
+                            </a:rPr>
+                            <m:t>,</m:t>
+                          </m:r>
+                          <m:sSub>
+                            <m:sSubPr>
+                              <m:ctrlPr>
+                                <a:rPr lang="ru-RU" sz="1600" i="1">
+                                  <a:effectLst/>
+                                  <a:latin typeface="Cambria Math" panose="02040503050406030204" pitchFamily="18" charset="0"/>
+                                  <a:ea typeface="Calibri" panose="020F0502020204030204" pitchFamily="34" charset="0"/>
+                                  <a:cs typeface="Times New Roman" panose="02020603050405020304" pitchFamily="18" charset="0"/>
+                                </a:rPr>
+                              </m:ctrlPr>
+                            </m:sSubPr>
+                            <m:e>
+                              <m:r>
+                                <a:rPr lang="ru-RU" sz="1600" i="1">
+                                  <a:effectLst/>
+                                  <a:latin typeface="Cambria Math" panose="02040503050406030204" pitchFamily="18" charset="0"/>
+                                  <a:ea typeface="Calibri" panose="020F0502020204030204" pitchFamily="34" charset="0"/>
+                                  <a:cs typeface="Times New Roman" panose="02020603050405020304" pitchFamily="18" charset="0"/>
+                                </a:rPr>
+                                <m:t>𝑞</m:t>
+                              </m:r>
+                            </m:e>
+                            <m:sub>
+                              <m:r>
+                                <a:rPr lang="ru-RU" sz="1600" i="1">
+                                  <a:effectLst/>
+                                  <a:latin typeface="Cambria Math" panose="02040503050406030204" pitchFamily="18" charset="0"/>
+                                  <a:ea typeface="Calibri" panose="020F0502020204030204" pitchFamily="34" charset="0"/>
+                                  <a:cs typeface="Times New Roman" panose="02020603050405020304" pitchFamily="18" charset="0"/>
+                                </a:rPr>
+                                <m:t>2</m:t>
+                              </m:r>
+                            </m:sub>
+                          </m:sSub>
+                          <m:r>
+                            <a:rPr lang="ru-RU" sz="1600">
+                              <a:effectLst/>
+                              <a:latin typeface="Cambria Math" panose="02040503050406030204" pitchFamily="18" charset="0"/>
+                              <a:ea typeface="Calibri" panose="020F0502020204030204" pitchFamily="34" charset="0"/>
+                              <a:cs typeface="Times New Roman" panose="02020603050405020304" pitchFamily="18" charset="0"/>
+                            </a:rPr>
+                            <m:t>,…,</m:t>
+                          </m:r>
+                          <m:sSub>
+                            <m:sSubPr>
+                              <m:ctrlPr>
+                                <a:rPr lang="ru-RU" sz="1600" i="1">
+                                  <a:effectLst/>
+                                  <a:latin typeface="Cambria Math" panose="02040503050406030204" pitchFamily="18" charset="0"/>
+                                  <a:ea typeface="Calibri" panose="020F0502020204030204" pitchFamily="34" charset="0"/>
+                                  <a:cs typeface="Times New Roman" panose="02020603050405020304" pitchFamily="18" charset="0"/>
+                                </a:rPr>
+                              </m:ctrlPr>
+                            </m:sSubPr>
+                            <m:e>
+                              <m:r>
+                                <a:rPr lang="ru-RU" sz="1600" i="1">
+                                  <a:effectLst/>
+                                  <a:latin typeface="Cambria Math" panose="02040503050406030204" pitchFamily="18" charset="0"/>
+                                  <a:ea typeface="Calibri" panose="020F0502020204030204" pitchFamily="34" charset="0"/>
+                                  <a:cs typeface="Times New Roman" panose="02020603050405020304" pitchFamily="18" charset="0"/>
+                                </a:rPr>
+                                <m:t>𝑞</m:t>
+                              </m:r>
+                            </m:e>
+                            <m:sub>
+                              <m:r>
+                                <a:rPr lang="ru-RU" sz="1600" i="1">
+                                  <a:effectLst/>
+                                  <a:latin typeface="Cambria Math" panose="02040503050406030204" pitchFamily="18" charset="0"/>
+                                  <a:ea typeface="Calibri" panose="020F0502020204030204" pitchFamily="34" charset="0"/>
+                                  <a:cs typeface="Times New Roman" panose="02020603050405020304" pitchFamily="18" charset="0"/>
+                                </a:rPr>
+                                <m:t>𝑛</m:t>
+                              </m:r>
+                            </m:sub>
+                          </m:sSub>
+                          <m:r>
+                            <a:rPr lang="ru-RU" sz="1600">
+                              <a:effectLst/>
+                              <a:latin typeface="Cambria Math" panose="02040503050406030204" pitchFamily="18" charset="0"/>
+                              <a:ea typeface="Calibri" panose="020F0502020204030204" pitchFamily="34" charset="0"/>
+                              <a:cs typeface="Times New Roman" panose="02020603050405020304" pitchFamily="18" charset="0"/>
+                            </a:rPr>
+                            <m:t>]</m:t>
+                          </m:r>
+                        </m:e>
+                        <m:sup>
+                          <m:r>
+                            <a:rPr lang="en-US" sz="1600" i="1">
+                              <a:effectLst/>
+                              <a:latin typeface="Cambria Math" panose="02040503050406030204" pitchFamily="18" charset="0"/>
+                              <a:ea typeface="Calibri" panose="020F0502020204030204" pitchFamily="34" charset="0"/>
+                              <a:cs typeface="Times New Roman" panose="02020603050405020304" pitchFamily="18" charset="0"/>
+                            </a:rPr>
+                            <m:t>𝑇</m:t>
+                          </m:r>
+                        </m:sup>
+                      </m:sSup>
+                    </m:oMath>
+                  </m:oMathPara>
+                </a14:m>
+                <a:endParaRPr lang="ru-RU" sz="1600" dirty="0">
+                  <a:effectLst/>
+                  <a:latin typeface="Times New Roman" panose="02020603050405020304" pitchFamily="18" charset="0"/>
+                  <a:ea typeface="Calibri" panose="020F0502020204030204" pitchFamily="34" charset="0"/>
+                  <a:cs typeface="Times New Roman" panose="02020603050405020304" pitchFamily="18" charset="0"/>
+                </a:endParaRPr>
+              </a:p>
+              <a:p>
+                <a:pPr indent="450215" algn="just">
+                  <a:lnSpc>
+                    <a:spcPct val="150000"/>
+                  </a:lnSpc>
+                  <a:spcAft>
+                    <a:spcPts val="800"/>
+                  </a:spcAft>
+                  <a:buNone/>
+                </a:pPr>
+                <a:r>
+                  <a:rPr lang="ru-RU" sz="1600" dirty="0">
+                    <a:effectLst/>
+                    <a:latin typeface="Times New Roman" panose="02020603050405020304" pitchFamily="18" charset="0"/>
+                    <a:ea typeface="Calibri" panose="020F0502020204030204" pitchFamily="34" charset="0"/>
+                    <a:cs typeface="Times New Roman" panose="02020603050405020304" pitchFamily="18" charset="0"/>
+                  </a:rPr>
+                  <a:t>Положение и ориентация энд-эффектора в пространстве описываются вектором</a:t>
+                </a:r>
+              </a:p>
+              <a:p>
+                <a:pPr indent="450215" algn="just">
+                  <a:lnSpc>
+                    <a:spcPct val="150000"/>
+                  </a:lnSpc>
+                  <a:spcAft>
+                    <a:spcPts val="800"/>
+                  </a:spcAft>
+                  <a:buNone/>
+                </a:pPr>
+                <a14:m>
+                  <m:oMathPara xmlns:m="http://schemas.openxmlformats.org/officeDocument/2006/math">
+                    <m:oMathParaPr>
+                      <m:jc m:val="centerGroup"/>
+                    </m:oMathParaPr>
+                    <m:oMath xmlns:m="http://schemas.openxmlformats.org/officeDocument/2006/math">
+                      <m:sSup>
+                        <m:sSupPr>
+                          <m:ctrlPr>
+                            <a:rPr lang="ru-RU" sz="1600" i="1">
+                              <a:effectLst/>
+                              <a:latin typeface="Cambria Math" panose="02040503050406030204" pitchFamily="18" charset="0"/>
+                              <a:ea typeface="Calibri" panose="020F0502020204030204" pitchFamily="34" charset="0"/>
+                              <a:cs typeface="Times New Roman" panose="02020603050405020304" pitchFamily="18" charset="0"/>
+                            </a:rPr>
+                          </m:ctrlPr>
+                        </m:sSupPr>
+                        <m:e>
+                          <m:r>
+                            <a:rPr lang="en-US" sz="1600" i="1">
+                              <a:effectLst/>
+                              <a:latin typeface="Cambria Math" panose="02040503050406030204" pitchFamily="18" charset="0"/>
+                              <a:ea typeface="Calibri" panose="020F0502020204030204" pitchFamily="34" charset="0"/>
+                              <a:cs typeface="Times New Roman" panose="02020603050405020304" pitchFamily="18" charset="0"/>
+                            </a:rPr>
+                            <m:t>𝑋</m:t>
+                          </m:r>
+                          <m:r>
+                            <a:rPr lang="ru-RU" sz="1600">
+                              <a:effectLst/>
+                              <a:latin typeface="Cambria Math" panose="02040503050406030204" pitchFamily="18" charset="0"/>
+                              <a:ea typeface="Calibri" panose="020F0502020204030204" pitchFamily="34" charset="0"/>
+                              <a:cs typeface="Times New Roman" panose="02020603050405020304" pitchFamily="18" charset="0"/>
+                            </a:rPr>
+                            <m:t>=[</m:t>
+                          </m:r>
+                          <m:r>
+                            <m:rPr>
+                              <m:sty m:val="p"/>
+                            </m:rPr>
+                            <a:rPr lang="ru-RU" sz="1600">
+                              <a:effectLst/>
+                              <a:latin typeface="Cambria Math" panose="02040503050406030204" pitchFamily="18" charset="0"/>
+                              <a:ea typeface="Calibri" panose="020F0502020204030204" pitchFamily="34" charset="0"/>
+                              <a:cs typeface="Times New Roman" panose="02020603050405020304" pitchFamily="18" charset="0"/>
+                            </a:rPr>
+                            <m:t>x</m:t>
+                          </m:r>
+                          <m:r>
+                            <a:rPr lang="ru-RU" sz="1600">
+                              <a:effectLst/>
+                              <a:latin typeface="Cambria Math" panose="02040503050406030204" pitchFamily="18" charset="0"/>
+                              <a:ea typeface="Calibri" panose="020F0502020204030204" pitchFamily="34" charset="0"/>
+                              <a:cs typeface="Times New Roman" panose="02020603050405020304" pitchFamily="18" charset="0"/>
+                            </a:rPr>
+                            <m:t>,</m:t>
+                          </m:r>
+                          <m:r>
+                            <a:rPr lang="ru-RU" sz="1600" i="1">
+                              <a:effectLst/>
+                              <a:latin typeface="Cambria Math" panose="02040503050406030204" pitchFamily="18" charset="0"/>
+                              <a:ea typeface="Calibri" panose="020F0502020204030204" pitchFamily="34" charset="0"/>
+                              <a:cs typeface="Times New Roman" panose="02020603050405020304" pitchFamily="18" charset="0"/>
+                            </a:rPr>
+                            <m:t>𝑦</m:t>
+                          </m:r>
+                          <m:r>
+                            <a:rPr lang="ru-RU" sz="1600">
+                              <a:effectLst/>
+                              <a:latin typeface="Cambria Math" panose="02040503050406030204" pitchFamily="18" charset="0"/>
+                              <a:ea typeface="Calibri" panose="020F0502020204030204" pitchFamily="34" charset="0"/>
+                              <a:cs typeface="Times New Roman" panose="02020603050405020304" pitchFamily="18" charset="0"/>
+                            </a:rPr>
+                            <m:t>, </m:t>
+                          </m:r>
+                          <m:r>
+                            <a:rPr lang="en-US" sz="1600" i="1">
+                              <a:effectLst/>
+                              <a:latin typeface="Cambria Math" panose="02040503050406030204" pitchFamily="18" charset="0"/>
+                              <a:ea typeface="Calibri" panose="020F0502020204030204" pitchFamily="34" charset="0"/>
+                              <a:cs typeface="Times New Roman" panose="02020603050405020304" pitchFamily="18" charset="0"/>
+                            </a:rPr>
+                            <m:t>𝑧</m:t>
+                          </m:r>
+                          <m:r>
+                            <a:rPr lang="ru-RU" sz="1600">
+                              <a:effectLst/>
+                              <a:latin typeface="Cambria Math" panose="02040503050406030204" pitchFamily="18" charset="0"/>
+                              <a:ea typeface="Calibri" panose="020F0502020204030204" pitchFamily="34" charset="0"/>
+                              <a:cs typeface="Times New Roman" panose="02020603050405020304" pitchFamily="18" charset="0"/>
+                            </a:rPr>
+                            <m:t>,</m:t>
+                          </m:r>
+                          <m:sSub>
+                            <m:sSubPr>
+                              <m:ctrlPr>
+                                <a:rPr lang="ru-RU" sz="1600" i="1">
+                                  <a:effectLst/>
+                                  <a:latin typeface="Cambria Math" panose="02040503050406030204" pitchFamily="18" charset="0"/>
+                                  <a:ea typeface="Calibri" panose="020F0502020204030204" pitchFamily="34" charset="0"/>
+                                  <a:cs typeface="Times New Roman" panose="02020603050405020304" pitchFamily="18" charset="0"/>
+                                </a:rPr>
+                              </m:ctrlPr>
+                            </m:sSubPr>
+                            <m:e>
+                              <m:r>
+                                <m:rPr>
+                                  <m:sty m:val="p"/>
+                                </m:rPr>
+                                <a:rPr lang="ru-RU" sz="1600">
+                                  <a:effectLst/>
+                                  <a:latin typeface="Cambria Math" panose="02040503050406030204" pitchFamily="18" charset="0"/>
+                                  <a:ea typeface="Calibri" panose="020F0502020204030204" pitchFamily="34" charset="0"/>
+                                  <a:cs typeface="Times New Roman" panose="02020603050405020304" pitchFamily="18" charset="0"/>
+                                </a:rPr>
+                                <m:t>θ</m:t>
+                              </m:r>
+                            </m:e>
+                            <m:sub>
+                              <m:r>
+                                <a:rPr lang="ru-RU" sz="1600" i="1">
+                                  <a:effectLst/>
+                                  <a:latin typeface="Cambria Math" panose="02040503050406030204" pitchFamily="18" charset="0"/>
+                                  <a:ea typeface="Calibri" panose="020F0502020204030204" pitchFamily="34" charset="0"/>
+                                  <a:cs typeface="Times New Roman" panose="02020603050405020304" pitchFamily="18" charset="0"/>
+                                </a:rPr>
+                                <m:t>1</m:t>
+                              </m:r>
+                            </m:sub>
+                          </m:sSub>
+                          <m:r>
+                            <a:rPr lang="ru-RU" sz="1600">
+                              <a:effectLst/>
+                              <a:latin typeface="Cambria Math" panose="02040503050406030204" pitchFamily="18" charset="0"/>
+                              <a:ea typeface="Calibri" panose="020F0502020204030204" pitchFamily="34" charset="0"/>
+                              <a:cs typeface="Times New Roman" panose="02020603050405020304" pitchFamily="18" charset="0"/>
+                            </a:rPr>
+                            <m:t>,</m:t>
+                          </m:r>
+                          <m:sSub>
+                            <m:sSubPr>
+                              <m:ctrlPr>
+                                <a:rPr lang="ru-RU" sz="1600" i="1">
+                                  <a:effectLst/>
+                                  <a:latin typeface="Cambria Math" panose="02040503050406030204" pitchFamily="18" charset="0"/>
+                                  <a:ea typeface="Calibri" panose="020F0502020204030204" pitchFamily="34" charset="0"/>
+                                  <a:cs typeface="Times New Roman" panose="02020603050405020304" pitchFamily="18" charset="0"/>
+                                </a:rPr>
+                              </m:ctrlPr>
+                            </m:sSubPr>
+                            <m:e>
+                              <m:r>
+                                <m:rPr>
+                                  <m:sty m:val="p"/>
+                                </m:rPr>
+                                <a:rPr lang="ru-RU" sz="1600">
+                                  <a:effectLst/>
+                                  <a:latin typeface="Cambria Math" panose="02040503050406030204" pitchFamily="18" charset="0"/>
+                                  <a:ea typeface="Calibri" panose="020F0502020204030204" pitchFamily="34" charset="0"/>
+                                  <a:cs typeface="Times New Roman" panose="02020603050405020304" pitchFamily="18" charset="0"/>
+                                </a:rPr>
+                                <m:t>θ</m:t>
+                              </m:r>
+                            </m:e>
+                            <m:sub>
+                              <m:r>
+                                <a:rPr lang="ru-RU" sz="1600" i="1">
+                                  <a:effectLst/>
+                                  <a:latin typeface="Cambria Math" panose="02040503050406030204" pitchFamily="18" charset="0"/>
+                                  <a:ea typeface="Calibri" panose="020F0502020204030204" pitchFamily="34" charset="0"/>
+                                  <a:cs typeface="Times New Roman" panose="02020603050405020304" pitchFamily="18" charset="0"/>
+                                </a:rPr>
+                                <m:t>2</m:t>
+                              </m:r>
+                            </m:sub>
+                          </m:sSub>
+                          <m:r>
+                            <a:rPr lang="ru-RU" sz="1600">
+                              <a:effectLst/>
+                              <a:latin typeface="Cambria Math" panose="02040503050406030204" pitchFamily="18" charset="0"/>
+                              <a:ea typeface="Calibri" panose="020F0502020204030204" pitchFamily="34" charset="0"/>
+                              <a:cs typeface="Times New Roman" panose="02020603050405020304" pitchFamily="18" charset="0"/>
+                            </a:rPr>
+                            <m:t>,</m:t>
+                          </m:r>
+                          <m:sSub>
+                            <m:sSubPr>
+                              <m:ctrlPr>
+                                <a:rPr lang="ru-RU" sz="1600" i="1">
+                                  <a:effectLst/>
+                                  <a:latin typeface="Cambria Math" panose="02040503050406030204" pitchFamily="18" charset="0"/>
+                                  <a:ea typeface="Calibri" panose="020F0502020204030204" pitchFamily="34" charset="0"/>
+                                  <a:cs typeface="Times New Roman" panose="02020603050405020304" pitchFamily="18" charset="0"/>
+                                </a:rPr>
+                              </m:ctrlPr>
+                            </m:sSubPr>
+                            <m:e>
+                              <m:r>
+                                <m:rPr>
+                                  <m:sty m:val="p"/>
+                                </m:rPr>
+                                <a:rPr lang="ru-RU" sz="1600">
+                                  <a:effectLst/>
+                                  <a:latin typeface="Cambria Math" panose="02040503050406030204" pitchFamily="18" charset="0"/>
+                                  <a:ea typeface="Calibri" panose="020F0502020204030204" pitchFamily="34" charset="0"/>
+                                  <a:cs typeface="Times New Roman" panose="02020603050405020304" pitchFamily="18" charset="0"/>
+                                </a:rPr>
+                                <m:t>θ</m:t>
+                              </m:r>
+                            </m:e>
+                            <m:sub>
+                              <m:r>
+                                <a:rPr lang="ru-RU" sz="1600" i="1">
+                                  <a:effectLst/>
+                                  <a:latin typeface="Cambria Math" panose="02040503050406030204" pitchFamily="18" charset="0"/>
+                                  <a:ea typeface="Calibri" panose="020F0502020204030204" pitchFamily="34" charset="0"/>
+                                  <a:cs typeface="Times New Roman" panose="02020603050405020304" pitchFamily="18" charset="0"/>
+                                </a:rPr>
+                                <m:t>3</m:t>
+                              </m:r>
+                            </m:sub>
+                          </m:sSub>
+                          <m:r>
+                            <a:rPr lang="ru-RU" sz="1600">
+                              <a:effectLst/>
+                              <a:latin typeface="Cambria Math" panose="02040503050406030204" pitchFamily="18" charset="0"/>
+                              <a:ea typeface="Calibri" panose="020F0502020204030204" pitchFamily="34" charset="0"/>
+                              <a:cs typeface="Times New Roman" panose="02020603050405020304" pitchFamily="18" charset="0"/>
+                            </a:rPr>
+                            <m:t>]</m:t>
+                          </m:r>
+                        </m:e>
+                        <m:sup>
+                          <m:r>
+                            <a:rPr lang="en-US" sz="1600" i="1">
+                              <a:effectLst/>
+                              <a:latin typeface="Cambria Math" panose="02040503050406030204" pitchFamily="18" charset="0"/>
+                              <a:ea typeface="Calibri" panose="020F0502020204030204" pitchFamily="34" charset="0"/>
+                              <a:cs typeface="Times New Roman" panose="02020603050405020304" pitchFamily="18" charset="0"/>
+                            </a:rPr>
+                            <m:t>𝑇</m:t>
+                          </m:r>
+                        </m:sup>
+                      </m:sSup>
+                    </m:oMath>
+                  </m:oMathPara>
+                </a14:m>
+                <a:endParaRPr lang="ru-RU" sz="1600" dirty="0">
+                  <a:effectLst/>
+                  <a:latin typeface="Times New Roman" panose="02020603050405020304" pitchFamily="18" charset="0"/>
+                  <a:ea typeface="Calibri" panose="020F0502020204030204" pitchFamily="34" charset="0"/>
+                  <a:cs typeface="Times New Roman" panose="02020603050405020304" pitchFamily="18" charset="0"/>
+                </a:endParaRPr>
+              </a:p>
+              <a:p>
+                <a:pPr indent="450215" algn="just">
+                  <a:lnSpc>
+                    <a:spcPct val="150000"/>
+                  </a:lnSpc>
+                  <a:spcAft>
+                    <a:spcPts val="800"/>
+                  </a:spcAft>
+                  <a:buNone/>
+                </a:pPr>
+                <a:r>
+                  <a:rPr lang="ru-RU" sz="1600" dirty="0">
+                    <a:effectLst/>
+                    <a:latin typeface="Times New Roman" panose="02020603050405020304" pitchFamily="18" charset="0"/>
+                    <a:ea typeface="Calibri" panose="020F0502020204030204" pitchFamily="34" charset="0"/>
+                    <a:cs typeface="Times New Roman" panose="02020603050405020304" pitchFamily="18" charset="0"/>
+                  </a:rPr>
+                  <a:t>где </a:t>
+                </a:r>
+                <a:r>
+                  <a:rPr lang="en-US" sz="1600" dirty="0">
+                    <a:effectLst/>
+                    <a:latin typeface="Times New Roman" panose="02020603050405020304" pitchFamily="18" charset="0"/>
+                    <a:ea typeface="Calibri" panose="020F0502020204030204" pitchFamily="34" charset="0"/>
+                    <a:cs typeface="Times New Roman" panose="02020603050405020304" pitchFamily="18" charset="0"/>
+                  </a:rPr>
+                  <a:t>x</a:t>
+                </a:r>
+                <a:r>
+                  <a:rPr lang="ru-RU" sz="1600" dirty="0">
+                    <a:effectLst/>
+                    <a:latin typeface="Times New Roman" panose="02020603050405020304" pitchFamily="18" charset="0"/>
+                    <a:ea typeface="Calibri" panose="020F0502020204030204" pitchFamily="34" charset="0"/>
+                    <a:cs typeface="Times New Roman" panose="02020603050405020304" pitchFamily="18" charset="0"/>
+                  </a:rPr>
+                  <a:t>,</a:t>
+                </a:r>
+                <a:r>
+                  <a:rPr lang="en-US" sz="1600" dirty="0">
+                    <a:effectLst/>
+                    <a:latin typeface="Times New Roman" panose="02020603050405020304" pitchFamily="18" charset="0"/>
+                    <a:ea typeface="Calibri" panose="020F0502020204030204" pitchFamily="34" charset="0"/>
+                    <a:cs typeface="Times New Roman" panose="02020603050405020304" pitchFamily="18" charset="0"/>
+                  </a:rPr>
+                  <a:t>y</a:t>
+                </a:r>
+                <a:r>
+                  <a:rPr lang="ru-RU" sz="1600" dirty="0">
+                    <a:effectLst/>
+                    <a:latin typeface="Times New Roman" panose="02020603050405020304" pitchFamily="18" charset="0"/>
+                    <a:ea typeface="Calibri" panose="020F0502020204030204" pitchFamily="34" charset="0"/>
+                    <a:cs typeface="Times New Roman" panose="02020603050405020304" pitchFamily="18" charset="0"/>
+                  </a:rPr>
+                  <a:t>,</a:t>
+                </a:r>
+                <a:r>
+                  <a:rPr lang="en-US" sz="1600" dirty="0">
+                    <a:effectLst/>
+                    <a:latin typeface="Times New Roman" panose="02020603050405020304" pitchFamily="18" charset="0"/>
+                    <a:ea typeface="Calibri" panose="020F0502020204030204" pitchFamily="34" charset="0"/>
+                    <a:cs typeface="Times New Roman" panose="02020603050405020304" pitchFamily="18" charset="0"/>
+                  </a:rPr>
+                  <a:t>z</a:t>
+                </a:r>
+                <a:r>
+                  <a:rPr lang="ru-RU" sz="1600" dirty="0">
+                    <a:effectLst/>
+                    <a:latin typeface="Times New Roman" panose="02020603050405020304" pitchFamily="18" charset="0"/>
+                    <a:ea typeface="Calibri" panose="020F0502020204030204" pitchFamily="34" charset="0"/>
+                    <a:cs typeface="Times New Roman" panose="02020603050405020304" pitchFamily="18" charset="0"/>
+                  </a:rPr>
+                  <a:t> — координаты, а </a:t>
+                </a:r>
+                <a14:m>
+                  <m:oMath xmlns:m="http://schemas.openxmlformats.org/officeDocument/2006/math">
+                    <m:sSub>
+                      <m:sSubPr>
+                        <m:ctrlPr>
+                          <a:rPr lang="ru-RU" sz="1600" i="1">
+                            <a:effectLst/>
+                            <a:latin typeface="Cambria Math" panose="02040503050406030204" pitchFamily="18" charset="0"/>
+                            <a:ea typeface="Calibri" panose="020F0502020204030204" pitchFamily="34" charset="0"/>
+                            <a:cs typeface="Times New Roman" panose="02020603050405020304" pitchFamily="18" charset="0"/>
+                          </a:rPr>
+                        </m:ctrlPr>
+                      </m:sSubPr>
+                      <m:e>
+                        <m:r>
+                          <m:rPr>
+                            <m:sty m:val="p"/>
+                          </m:rPr>
+                          <a:rPr lang="ru-RU" sz="1600">
+                            <a:effectLst/>
+                            <a:latin typeface="Cambria Math" panose="02040503050406030204" pitchFamily="18" charset="0"/>
+                            <a:ea typeface="Calibri" panose="020F0502020204030204" pitchFamily="34" charset="0"/>
+                            <a:cs typeface="Times New Roman" panose="02020603050405020304" pitchFamily="18" charset="0"/>
+                          </a:rPr>
+                          <m:t>θ</m:t>
+                        </m:r>
+                      </m:e>
+                      <m:sub>
+                        <m:r>
+                          <a:rPr lang="ru-RU" sz="1600" i="1">
+                            <a:effectLst/>
+                            <a:latin typeface="Cambria Math" panose="02040503050406030204" pitchFamily="18" charset="0"/>
+                            <a:ea typeface="Calibri" panose="020F0502020204030204" pitchFamily="34" charset="0"/>
+                            <a:cs typeface="Times New Roman" panose="02020603050405020304" pitchFamily="18" charset="0"/>
+                          </a:rPr>
+                          <m:t>1</m:t>
+                        </m:r>
+                      </m:sub>
+                    </m:sSub>
+                    <m:r>
+                      <a:rPr lang="ru-RU" sz="1600">
+                        <a:effectLst/>
+                        <a:latin typeface="Cambria Math" panose="02040503050406030204" pitchFamily="18" charset="0"/>
+                        <a:ea typeface="Calibri" panose="020F0502020204030204" pitchFamily="34" charset="0"/>
+                        <a:cs typeface="Times New Roman" panose="02020603050405020304" pitchFamily="18" charset="0"/>
+                      </a:rPr>
+                      <m:t>,</m:t>
+                    </m:r>
+                    <m:sSub>
+                      <m:sSubPr>
+                        <m:ctrlPr>
+                          <a:rPr lang="ru-RU" sz="1600" i="1">
+                            <a:effectLst/>
+                            <a:latin typeface="Cambria Math" panose="02040503050406030204" pitchFamily="18" charset="0"/>
+                            <a:ea typeface="Calibri" panose="020F0502020204030204" pitchFamily="34" charset="0"/>
+                            <a:cs typeface="Times New Roman" panose="02020603050405020304" pitchFamily="18" charset="0"/>
+                          </a:rPr>
+                        </m:ctrlPr>
+                      </m:sSubPr>
+                      <m:e>
+                        <m:r>
+                          <m:rPr>
+                            <m:sty m:val="p"/>
+                          </m:rPr>
+                          <a:rPr lang="ru-RU" sz="1600">
+                            <a:effectLst/>
+                            <a:latin typeface="Cambria Math" panose="02040503050406030204" pitchFamily="18" charset="0"/>
+                            <a:ea typeface="Calibri" panose="020F0502020204030204" pitchFamily="34" charset="0"/>
+                            <a:cs typeface="Times New Roman" panose="02020603050405020304" pitchFamily="18" charset="0"/>
+                          </a:rPr>
+                          <m:t>θ</m:t>
+                        </m:r>
+                      </m:e>
+                      <m:sub>
+                        <m:r>
+                          <a:rPr lang="ru-RU" sz="1600" i="1">
+                            <a:effectLst/>
+                            <a:latin typeface="Cambria Math" panose="02040503050406030204" pitchFamily="18" charset="0"/>
+                            <a:ea typeface="Calibri" panose="020F0502020204030204" pitchFamily="34" charset="0"/>
+                            <a:cs typeface="Times New Roman" panose="02020603050405020304" pitchFamily="18" charset="0"/>
+                          </a:rPr>
+                          <m:t>2</m:t>
+                        </m:r>
+                      </m:sub>
+                    </m:sSub>
+                    <m:r>
+                      <a:rPr lang="ru-RU" sz="1600">
+                        <a:effectLst/>
+                        <a:latin typeface="Cambria Math" panose="02040503050406030204" pitchFamily="18" charset="0"/>
+                        <a:ea typeface="Calibri" panose="020F0502020204030204" pitchFamily="34" charset="0"/>
+                        <a:cs typeface="Times New Roman" panose="02020603050405020304" pitchFamily="18" charset="0"/>
+                      </a:rPr>
+                      <m:t>,</m:t>
+                    </m:r>
+                    <m:sSub>
+                      <m:sSubPr>
+                        <m:ctrlPr>
+                          <a:rPr lang="ru-RU" sz="1600" i="1">
+                            <a:effectLst/>
+                            <a:latin typeface="Cambria Math" panose="02040503050406030204" pitchFamily="18" charset="0"/>
+                            <a:ea typeface="Calibri" panose="020F0502020204030204" pitchFamily="34" charset="0"/>
+                            <a:cs typeface="Times New Roman" panose="02020603050405020304" pitchFamily="18" charset="0"/>
+                          </a:rPr>
+                        </m:ctrlPr>
+                      </m:sSubPr>
+                      <m:e>
+                        <m:r>
+                          <m:rPr>
+                            <m:sty m:val="p"/>
+                          </m:rPr>
+                          <a:rPr lang="ru-RU" sz="1600">
+                            <a:effectLst/>
+                            <a:latin typeface="Cambria Math" panose="02040503050406030204" pitchFamily="18" charset="0"/>
+                            <a:ea typeface="Calibri" panose="020F0502020204030204" pitchFamily="34" charset="0"/>
+                            <a:cs typeface="Times New Roman" panose="02020603050405020304" pitchFamily="18" charset="0"/>
+                          </a:rPr>
+                          <m:t>θ</m:t>
+                        </m:r>
+                      </m:e>
+                      <m:sub>
+                        <m:r>
+                          <a:rPr lang="ru-RU" sz="1600" i="1">
+                            <a:effectLst/>
+                            <a:latin typeface="Cambria Math" panose="02040503050406030204" pitchFamily="18" charset="0"/>
+                            <a:ea typeface="Calibri" panose="020F0502020204030204" pitchFamily="34" charset="0"/>
+                            <a:cs typeface="Times New Roman" panose="02020603050405020304" pitchFamily="18" charset="0"/>
+                          </a:rPr>
+                          <m:t>3</m:t>
+                        </m:r>
+                      </m:sub>
+                    </m:sSub>
+                  </m:oMath>
+                </a14:m>
+                <a:r>
+                  <a:rPr lang="ru-RU" sz="1600" dirty="0">
+                    <a:effectLst/>
+                    <a:latin typeface="Times New Roman" panose="02020603050405020304" pitchFamily="18" charset="0"/>
+                    <a:ea typeface="Calibri" panose="020F0502020204030204" pitchFamily="34" charset="0"/>
+                    <a:cs typeface="Times New Roman" panose="02020603050405020304" pitchFamily="18" charset="0"/>
+                  </a:rPr>
+                  <a:t> — углы, определяющие ориентацию.​</a:t>
+                </a:r>
+              </a:p>
+              <a:p>
+                <a:pPr indent="450215" algn="just">
+                  <a:lnSpc>
+                    <a:spcPct val="150000"/>
+                  </a:lnSpc>
+                  <a:spcAft>
+                    <a:spcPts val="800"/>
+                  </a:spcAft>
+                  <a:buNone/>
+                </a:pPr>
+                <a:r>
+                  <a:rPr lang="ru-RU" sz="1600" dirty="0">
+                    <a:effectLst/>
+                    <a:latin typeface="Times New Roman" panose="02020603050405020304" pitchFamily="18" charset="0"/>
+                    <a:ea typeface="Calibri" panose="020F0502020204030204" pitchFamily="34" charset="0"/>
+                    <a:cs typeface="Times New Roman" panose="02020603050405020304" pitchFamily="18" charset="0"/>
+                  </a:rPr>
+                  <a:t>Прямая кинематическая функция f связывает суставные переменные с положением энд-эффектора:​</a:t>
+                </a:r>
+              </a:p>
+              <a:p>
+                <a:pPr indent="450215" algn="just">
+                  <a:lnSpc>
+                    <a:spcPct val="150000"/>
+                  </a:lnSpc>
+                  <a:spcAft>
+                    <a:spcPts val="800"/>
+                  </a:spcAft>
+                  <a:buNone/>
+                </a:pPr>
+                <a14:m>
+                  <m:oMathPara xmlns:m="http://schemas.openxmlformats.org/officeDocument/2006/math">
+                    <m:oMathParaPr>
+                      <m:jc m:val="centerGroup"/>
+                    </m:oMathParaPr>
+                    <m:oMath xmlns:m="http://schemas.openxmlformats.org/officeDocument/2006/math">
+                      <m:r>
+                        <a:rPr lang="ru-RU" sz="1600" i="1">
+                          <a:effectLst/>
+                          <a:latin typeface="Cambria Math" panose="02040503050406030204" pitchFamily="18" charset="0"/>
+                          <a:ea typeface="Calibri" panose="020F0502020204030204" pitchFamily="34" charset="0"/>
+                          <a:cs typeface="Times New Roman" panose="02020603050405020304" pitchFamily="18" charset="0"/>
+                        </a:rPr>
+                        <m:t>𝑋</m:t>
+                      </m:r>
+                      <m:r>
+                        <a:rPr lang="en-US" sz="1600" i="1">
+                          <a:effectLst/>
+                          <a:latin typeface="Cambria Math" panose="02040503050406030204" pitchFamily="18" charset="0"/>
+                          <a:ea typeface="Calibri" panose="020F0502020204030204" pitchFamily="34" charset="0"/>
+                          <a:cs typeface="Times New Roman" panose="02020603050405020304" pitchFamily="18" charset="0"/>
+                        </a:rPr>
+                        <m:t>=</m:t>
+                      </m:r>
+                      <m:r>
+                        <a:rPr lang="en-US" sz="1600" i="1">
+                          <a:effectLst/>
+                          <a:latin typeface="Cambria Math" panose="02040503050406030204" pitchFamily="18" charset="0"/>
+                          <a:ea typeface="Calibri" panose="020F0502020204030204" pitchFamily="34" charset="0"/>
+                          <a:cs typeface="Times New Roman" panose="02020603050405020304" pitchFamily="18" charset="0"/>
+                        </a:rPr>
+                        <m:t>𝑓</m:t>
+                      </m:r>
+                      <m:r>
+                        <a:rPr lang="en-US" sz="1600" i="1">
+                          <a:effectLst/>
+                          <a:latin typeface="Cambria Math" panose="02040503050406030204" pitchFamily="18" charset="0"/>
+                          <a:ea typeface="Calibri" panose="020F0502020204030204" pitchFamily="34" charset="0"/>
+                          <a:cs typeface="Times New Roman" panose="02020603050405020304" pitchFamily="18" charset="0"/>
+                        </a:rPr>
+                        <m:t>(</m:t>
+                      </m:r>
+                      <m:r>
+                        <a:rPr lang="en-US" sz="1600" i="1">
+                          <a:effectLst/>
+                          <a:latin typeface="Cambria Math" panose="02040503050406030204" pitchFamily="18" charset="0"/>
+                          <a:ea typeface="Calibri" panose="020F0502020204030204" pitchFamily="34" charset="0"/>
+                          <a:cs typeface="Times New Roman" panose="02020603050405020304" pitchFamily="18" charset="0"/>
+                        </a:rPr>
+                        <m:t>𝑄</m:t>
+                      </m:r>
+                      <m:r>
+                        <a:rPr lang="en-US" sz="1600" i="1">
+                          <a:effectLst/>
+                          <a:latin typeface="Cambria Math" panose="02040503050406030204" pitchFamily="18" charset="0"/>
+                          <a:ea typeface="Calibri" panose="020F0502020204030204" pitchFamily="34" charset="0"/>
+                          <a:cs typeface="Times New Roman" panose="02020603050405020304" pitchFamily="18" charset="0"/>
+                        </a:rPr>
+                        <m:t>)</m:t>
+                      </m:r>
+                    </m:oMath>
+                  </m:oMathPara>
+                </a14:m>
+                <a:endParaRPr lang="ru-RU" sz="1600" dirty="0">
+                  <a:effectLst/>
+                  <a:latin typeface="Times New Roman" panose="02020603050405020304" pitchFamily="18" charset="0"/>
+                  <a:ea typeface="Calibri" panose="020F0502020204030204" pitchFamily="34" charset="0"/>
+                  <a:cs typeface="Times New Roman" panose="02020603050405020304" pitchFamily="18" charset="0"/>
+                </a:endParaRPr>
+              </a:p>
+              <a:p>
+                <a:pPr indent="450215" algn="just">
+                  <a:lnSpc>
+                    <a:spcPct val="150000"/>
+                  </a:lnSpc>
+                  <a:spcAft>
+                    <a:spcPts val="800"/>
+                  </a:spcAft>
+                </a:pPr>
+                <a:r>
+                  <a:rPr lang="ru-RU" sz="1600" dirty="0">
+                    <a:effectLst/>
+                    <a:latin typeface="Times New Roman" panose="02020603050405020304" pitchFamily="18" charset="0"/>
+                    <a:ea typeface="Calibri" panose="020F0502020204030204" pitchFamily="34" charset="0"/>
+                    <a:cs typeface="Times New Roman" panose="02020603050405020304" pitchFamily="18" charset="0"/>
+                  </a:rPr>
+                  <a:t>Задача инверсной кинематики состоит в нахождении такого вектора </a:t>
+                </a:r>
+                <a:r>
+                  <a:rPr lang="en-US" sz="1600" dirty="0">
+                    <a:effectLst/>
+                    <a:latin typeface="Times New Roman" panose="02020603050405020304" pitchFamily="18" charset="0"/>
+                    <a:ea typeface="Calibri" panose="020F0502020204030204" pitchFamily="34" charset="0"/>
+                    <a:cs typeface="Times New Roman" panose="02020603050405020304" pitchFamily="18" charset="0"/>
+                  </a:rPr>
+                  <a:t>Q</a:t>
+                </a:r>
+                <a:r>
+                  <a:rPr lang="ru-RU" sz="1600" dirty="0">
+                    <a:effectLst/>
+                    <a:latin typeface="Times New Roman" panose="02020603050405020304" pitchFamily="18" charset="0"/>
+                    <a:ea typeface="Calibri" panose="020F0502020204030204" pitchFamily="34" charset="0"/>
+                    <a:cs typeface="Times New Roman" panose="02020603050405020304" pitchFamily="18" charset="0"/>
+                  </a:rPr>
+                  <a:t>, при котором энд-эффектор достигает желаемого положения </a:t>
+                </a:r>
+                <a:r>
+                  <a:rPr lang="en-US" sz="1600" dirty="0">
+                    <a:effectLst/>
+                    <a:latin typeface="Times New Roman" panose="02020603050405020304" pitchFamily="18" charset="0"/>
+                    <a:ea typeface="Calibri" panose="020F0502020204030204" pitchFamily="34" charset="0"/>
+                    <a:cs typeface="Times New Roman" panose="02020603050405020304" pitchFamily="18" charset="0"/>
+                  </a:rPr>
+                  <a:t>X</a:t>
+                </a:r>
+                <a:r>
+                  <a:rPr lang="en-US" sz="1600" baseline="-25000" dirty="0">
+                    <a:effectLst/>
+                    <a:latin typeface="Times New Roman" panose="02020603050405020304" pitchFamily="18" charset="0"/>
+                    <a:ea typeface="Calibri" panose="020F0502020204030204" pitchFamily="34" charset="0"/>
+                    <a:cs typeface="Times New Roman" panose="02020603050405020304" pitchFamily="18" charset="0"/>
+                  </a:rPr>
+                  <a:t>d</a:t>
+                </a:r>
+                <a:r>
+                  <a:rPr lang="ru-RU" sz="1600" dirty="0">
+                    <a:effectLst/>
+                    <a:latin typeface="Times New Roman" panose="02020603050405020304" pitchFamily="18" charset="0"/>
+                    <a:ea typeface="Calibri" panose="020F0502020204030204" pitchFamily="34" charset="0"/>
+                    <a:cs typeface="Times New Roman" panose="02020603050405020304" pitchFamily="18" charset="0"/>
+                  </a:rPr>
+                  <a:t>​.</a:t>
+                </a:r>
+              </a:p>
+            </p:txBody>
+          </p:sp>
+        </mc:Choice>
+        <mc:Fallback xmlns="">
+          <p:sp>
+            <p:nvSpPr>
+              <p:cNvPr id="4" name="TextBox 3">
+                <a:extLst>
+                  <a:ext uri="{FF2B5EF4-FFF2-40B4-BE49-F238E27FC236}">
+                    <a16:creationId xmlns:a16="http://schemas.microsoft.com/office/drawing/2014/main" id="{F69331D5-3350-3244-BDB3-6DF77CDF1FD4}"/>
+                  </a:ext>
+                </a:extLst>
+              </p:cNvPr>
+              <p:cNvSpPr txBox="1">
+                <a:spLocks noRot="1" noChangeAspect="1" noMove="1" noResize="1" noEditPoints="1" noAdjustHandles="1" noChangeArrowheads="1" noChangeShapeType="1" noTextEdit="1"/>
+              </p:cNvSpPr>
+              <p:nvPr/>
+            </p:nvSpPr>
+            <p:spPr>
+              <a:xfrm>
+                <a:off x="534444" y="1258957"/>
+                <a:ext cx="8837112" cy="4828886"/>
+              </a:xfrm>
+              <a:prstGeom prst="rect">
+                <a:avLst/>
+              </a:prstGeom>
+              <a:blipFill>
+                <a:blip r:embed="rId2"/>
+                <a:stretch>
+                  <a:fillRect l="-414" r="-414" b="-758"/>
+                </a:stretch>
+              </a:blipFill>
+            </p:spPr>
+            <p:txBody>
+              <a:bodyPr/>
+              <a:lstStyle/>
+              <a:p>
+                <a:r>
+                  <a:rPr lang="ru-RU">
+                    <a:noFill/>
+                  </a:rPr>
+                  <a:t> </a:t>
+                </a:r>
+              </a:p>
+            </p:txBody>
+          </p:sp>
+        </mc:Fallback>
+      </mc:AlternateContent>
+    </p:spTree>
+    <p:extLst>
+      <p:ext uri="{BB962C8B-B14F-4D97-AF65-F5344CB8AC3E}">
+        <p14:creationId xmlns:p14="http://schemas.microsoft.com/office/powerpoint/2010/main" val="230709362"/>
+      </p:ext>
+    </p:extLst>
+  </p:cSld>
+  <p:clrMapOvr>
+    <a:masterClrMapping/>
+  </p:clrMapOvr>
+</p:sld>
+</file>
+
+<file path=ppt/slides/slide8.xml><?xml version="1.0" encoding="utf-8"?>
+<p:sld xmlns:a="http://schemas.openxmlformats.org/drawingml/2006/main" xmlns:r="http://schemas.openxmlformats.org/officeDocument/2006/relationships" xmlns:p="http://schemas.openxmlformats.org/presentationml/2006/main">
+  <p:cSld>
+    <p:spTree>
+      <p:nvGrpSpPr>
+        <p:cNvPr id="1" name="">
+          <a:extLst>
+            <a:ext uri="{FF2B5EF4-FFF2-40B4-BE49-F238E27FC236}">
+              <a16:creationId xmlns:a16="http://schemas.microsoft.com/office/drawing/2014/main" id="{FB85684D-A22A-BE0D-B45A-02F1D93B2E57}"/>
+            </a:ext>
+          </a:extLst>
+        </p:cNvPr>
+        <p:cNvGrpSpPr/>
+        <p:nvPr/>
+      </p:nvGrpSpPr>
+      <p:grpSpPr>
+        <a:xfrm>
+          <a:off x="0" y="0"/>
+          <a:ext cx="0" cy="0"/>
+          <a:chOff x="0" y="0"/>
+          <a:chExt cx="0" cy="0"/>
+        </a:xfrm>
+      </p:grpSpPr>
+      <p:sp>
+        <p:nvSpPr>
+          <p:cNvPr id="2" name="Заголовок 1">
+            <a:extLst>
+              <a:ext uri="{FF2B5EF4-FFF2-40B4-BE49-F238E27FC236}">
+                <a16:creationId xmlns:a16="http://schemas.microsoft.com/office/drawing/2014/main" id="{52B5F22E-008F-37B7-0549-9C26A5411DE4}"/>
+              </a:ext>
+            </a:extLst>
+          </p:cNvPr>
+          <p:cNvSpPr>
+            <a:spLocks noGrp="1"/>
+          </p:cNvSpPr>
+          <p:nvPr>
+            <p:ph type="title"/>
+          </p:nvPr>
+        </p:nvSpPr>
+        <p:spPr>
+          <a:xfrm>
+            <a:off x="0" y="1"/>
+            <a:ext cx="9906000" cy="1258956"/>
+          </a:xfrm>
+        </p:spPr>
+        <p:txBody>
+          <a:bodyPr/>
+          <a:lstStyle/>
+          <a:p>
+            <a:r>
+              <a:rPr lang="ru-RU" dirty="0">
+                <a:latin typeface="Times New Roman" panose="02020603050405020304" pitchFamily="18" charset="0"/>
+                <a:cs typeface="Times New Roman" panose="02020603050405020304" pitchFamily="18" charset="0"/>
+              </a:rPr>
+              <a:t>Разработка методики моделирования движений человека</a:t>
+            </a:r>
+          </a:p>
+        </p:txBody>
+      </p:sp>
+      <p:sp>
+        <p:nvSpPr>
+          <p:cNvPr id="7" name="Номер слайда 6">
+            <a:extLst>
+              <a:ext uri="{FF2B5EF4-FFF2-40B4-BE49-F238E27FC236}">
+                <a16:creationId xmlns:a16="http://schemas.microsoft.com/office/drawing/2014/main" id="{AAD4B40E-6B88-0DD4-9796-68CB43F20E06}"/>
+              </a:ext>
+            </a:extLst>
+          </p:cNvPr>
+          <p:cNvSpPr>
+            <a:spLocks noGrp="1"/>
+          </p:cNvSpPr>
+          <p:nvPr>
+            <p:ph type="sldNum" sz="quarter" idx="12"/>
+          </p:nvPr>
+        </p:nvSpPr>
+        <p:spPr/>
+        <p:txBody>
+          <a:bodyPr/>
+          <a:lstStyle/>
+          <a:p>
+            <a:fld id="{E61BA17C-8861-48C6-BD31-E6A55A1FA5BD}" type="slidenum">
+              <a:rPr lang="ru-RU" smtClean="0"/>
+              <a:pPr/>
+              <a:t>8</a:t>
+            </a:fld>
+            <a:endParaRPr lang="ru-RU"/>
+          </a:p>
+        </p:txBody>
+      </p:sp>
+      <mc:AlternateContent xmlns:mc="http://schemas.openxmlformats.org/markup-compatibility/2006" xmlns:a14="http://schemas.microsoft.com/office/drawing/2010/main">
+        <mc:Choice Requires="a14">
+          <p:sp>
+            <p:nvSpPr>
+              <p:cNvPr id="4" name="TextBox 3">
+                <a:extLst>
+                  <a:ext uri="{FF2B5EF4-FFF2-40B4-BE49-F238E27FC236}">
+                    <a16:creationId xmlns:a16="http://schemas.microsoft.com/office/drawing/2014/main" id="{D091BD04-0B46-E702-4AA2-D501E82BAACC}"/>
+                  </a:ext>
+                </a:extLst>
+              </p:cNvPr>
+              <p:cNvSpPr txBox="1"/>
+              <p:nvPr/>
+            </p:nvSpPr>
+            <p:spPr>
+              <a:xfrm>
                 <a:off x="343948" y="4660965"/>
                 <a:ext cx="9393571" cy="1600438"/>
               </a:xfrm>
@@ -11011,7 +15525,7 @@
                     <a:ea typeface="Times New Roman" panose="02020603050405020304" pitchFamily="18" charset="0"/>
                     <a:cs typeface="Times New Roman" panose="02020603050405020304" pitchFamily="18" charset="0"/>
                   </a:rPr>
-                  <a:t>Определить ошибку между текущим положением конца манипулятора и целевой точкой.</a:t>
+                  <a:t>4. Определить ошибку между текущим положением конца манипулятора и целевой точкой.</a:t>
                 </a:r>
                 <a:endParaRPr lang="ru-RU" sz="1400" dirty="0">
                   <a:latin typeface="Times New Roman" panose="02020603050405020304" pitchFamily="18" charset="0"/>
@@ -11027,7 +15541,7 @@
                     <a:ea typeface="Calibri" panose="020F0502020204030204" pitchFamily="34" charset="0"/>
                     <a:cs typeface="Times New Roman" panose="02020603050405020304" pitchFamily="18" charset="0"/>
                   </a:rPr>
-                  <a:t>П</a:t>
+                  <a:t>5. П</a:t>
                 </a:r>
                 <a:r>
                   <a:rPr lang="ru-RU" sz="1400" dirty="0">
@@ -11377,7 +15891,7 @@
                     <a:ea typeface="Times New Roman" panose="02020603050405020304" pitchFamily="18" charset="0"/>
                     <a:cs typeface="Times New Roman" panose="02020603050405020304" pitchFamily="18" charset="0"/>
                   </a:rPr>
-                  <a:t>Н</a:t>
+                  <a:t>6. Н</a:t>
                 </a:r>
                 <a:r>
                   <a:rPr lang="ru-RU" sz="1400" dirty="0">
@@ -11413,7 +15927,7 @@
               <p:cNvPr id="4" name="TextBox 3">
                 <a:extLst>
                   <a:ext uri="{FF2B5EF4-FFF2-40B4-BE49-F238E27FC236}">
-                    <a16:creationId xmlns:a16="http://schemas.microsoft.com/office/drawing/2014/main" id="{89FADAF4-769C-D4A6-F2A2-F7D34ECBD4B3}"/>
+                    <a16:creationId xmlns:a16="http://schemas.microsoft.com/office/drawing/2014/main" id="{D091BD04-0B46-E702-4AA2-D501E82BAACC}"/>
                   </a:ext>
                 </a:extLst>
               </p:cNvPr>
@@ -11431,7 +15945,7 @@
                 <a:avLst/>
               </a:prstGeom>
               <a:blipFill>
-                <a:blip r:embed="rId3"/>
+                <a:blip r:embed="rId2"/>
                 <a:stretch>
                   <a:fillRect l="-195" t="-763"/>
                 </a:stretch>
@@ -11459,7 +15973,7 @@
               <p:cNvPr id="5" name="TextBox 4">
                 <a:extLst>
                   <a:ext uri="{FF2B5EF4-FFF2-40B4-BE49-F238E27FC236}">
-                    <a16:creationId xmlns:a16="http://schemas.microsoft.com/office/drawing/2014/main" id="{9F4CE1A2-6EFF-5759-305C-9D5F6D41163C}"/>
+                    <a16:creationId xmlns:a16="http://schemas.microsoft.com/office/drawing/2014/main" id="{DB700B48-309A-4EE8-0C99-0CAAB75DA48D}"/>
                   </a:ext>
                 </a:extLst>
               </p:cNvPr>
@@ -11490,7 +16004,7 @@
                     <a:ea typeface="Calibri" panose="020F0502020204030204" pitchFamily="34" charset="0"/>
                     <a:cs typeface="Times New Roman" panose="02020603050405020304" pitchFamily="18" charset="0"/>
                   </a:rPr>
-                  <a:t>Уравнения прямой кинематики в трехмерном пространстве имеют вид:</a:t>
+                  <a:t>1. Уравнения прямой кинематики в трехмерном пространстве имеют вид:</a:t>
                 </a:r>
               </a:p>
               <a:p>
@@ -12736,7 +17250,7 @@
                     <a:ea typeface="Times New Roman" panose="02020603050405020304" pitchFamily="18" charset="0"/>
                     <a:cs typeface="Times New Roman" panose="02020603050405020304" pitchFamily="18" charset="0"/>
                   </a:rPr>
-                  <a:t>Определить текущее положение конечного сустава (</a:t>
+                  <a:t>2. Определить текущее положение конечного сустава (</a:t>
                 </a:r>
                 <a:r>
                   <a:rPr lang="en-US" sz="1400" dirty="0" err="1">
@@ -12942,7 +17456,7 @@
                     <a:ea typeface="Times New Roman" panose="02020603050405020304" pitchFamily="18" charset="0"/>
                     <a:cs typeface="Times New Roman" panose="02020603050405020304" pitchFamily="18" charset="0"/>
                   </a:rPr>
-                  <a:t>Составить матрицу Якоби, которая описывает, как изменение углов θ</a:t>
+                  <a:t>3. Составить матрицу Якоби, которая описывает, как изменение углов θ</a:t>
                 </a:r>
                 <a:r>
                   <a:rPr lang="ru-RU" sz="1400" baseline="-25000" dirty="0">
@@ -13977,7 +18491,7 @@
               <p:cNvPr id="5" name="TextBox 4">
                 <a:extLst>
                   <a:ext uri="{FF2B5EF4-FFF2-40B4-BE49-F238E27FC236}">
-                    <a16:creationId xmlns:a16="http://schemas.microsoft.com/office/drawing/2014/main" id="{9F4CE1A2-6EFF-5759-305C-9D5F6D41163C}"/>
+                    <a16:creationId xmlns:a16="http://schemas.microsoft.com/office/drawing/2014/main" id="{DB700B48-309A-4EE8-0C99-0CAAB75DA48D}"/>
                   </a:ext>
                 </a:extLst>
               </p:cNvPr>
@@ -13995,7 +18509,7 @@
                 <a:avLst/>
               </a:prstGeom>
               <a:blipFill>
-                <a:blip r:embed="rId4"/>
+                <a:blip r:embed="rId3"/>
                 <a:stretch>
                   <a:fillRect l="-287" t="-388" r="-192"/>
                 </a:stretch>
@@ -14016,10 +18530,51 @@
           </p:sp>
         </mc:Fallback>
       </mc:AlternateContent>
+      <p:pic>
+        <p:nvPicPr>
+          <p:cNvPr id="3" name="Рисунок 2">
+            <a:extLst>
+              <a:ext uri="{FF2B5EF4-FFF2-40B4-BE49-F238E27FC236}">
+                <a16:creationId xmlns:a16="http://schemas.microsoft.com/office/drawing/2014/main" id="{E986D956-B4E2-14EE-F2F9-FB156F8F4DF7}"/>
+              </a:ext>
+            </a:extLst>
+          </p:cNvPr>
+          <p:cNvPicPr>
+            <a:picLocks noChangeAspect="1"/>
+          </p:cNvPicPr>
+          <p:nvPr/>
+        </p:nvPicPr>
+        <p:blipFill>
+          <a:blip r:embed="rId4">
+            <a:extLst>
+              <a:ext uri="{28A0092B-C50C-407E-A947-70E740481C1C}">
+                <a14:useLocalDpi xmlns:a14="http://schemas.microsoft.com/office/drawing/2010/main" val="0"/>
+              </a:ext>
+            </a:extLst>
+          </a:blip>
+          <a:srcRect/>
+          <a:stretch>
+            <a:fillRect/>
+          </a:stretch>
+        </p:blipFill>
+        <p:spPr bwMode="auto">
+          <a:xfrm>
+            <a:off x="6705287" y="1258956"/>
+            <a:ext cx="2901443" cy="2398645"/>
+          </a:xfrm>
+          <a:prstGeom prst="rect">
+            <a:avLst/>
+          </a:prstGeom>
+          <a:noFill/>
+          <a:ln>
+            <a:noFill/>
+          </a:ln>
+        </p:spPr>
+      </p:pic>
     </p:spTree>
     <p:extLst>
       <p:ext uri="{BB962C8B-B14F-4D97-AF65-F5344CB8AC3E}">
-        <p14:creationId xmlns:p14="http://schemas.microsoft.com/office/powerpoint/2010/main" val="2230405717"/>
+        <p14:creationId xmlns:p14="http://schemas.microsoft.com/office/powerpoint/2010/main" val="764865612"/>
       </p:ext>
     </p:extLst>
   </p:cSld>
@@ -14029,7 +18584,7 @@
 </p:sld>
 </file>
 
-<file path=ppt/slides/slide7.xml><?xml version="1.0" encoding="utf-8"?>
+<file path=ppt/slides/slide9.xml><?xml version="1.0" encoding="utf-8"?>
 <p:sld xmlns:a="http://schemas.openxmlformats.org/drawingml/2006/main" xmlns:r="http://schemas.openxmlformats.org/officeDocument/2006/relationships" xmlns:p="http://schemas.openxmlformats.org/presentationml/2006/main">
   <p:cSld>
     <p:spTree>
@@ -14112,7 +18667,7 @@
             <a:fld id="{E61BA17C-8861-48C6-BD31-E6A55A1FA5BD}" type="slidenum">
               <a:rPr lang="ru-RU" smtClean="0"/>
               <a:pPr/>
-              <a:t>7</a:t>
+              <a:t>9</a:t>
             </a:fld>
             <a:endParaRPr lang="ru-RU"/>
           </a:p>
@@ -14120,10 +18675,10 @@
       </p:sp>
       <p:pic>
         <p:nvPicPr>
-          <p:cNvPr id="4" name="Рисунок 3">
+          <p:cNvPr id="5" name="Рисунок 4">
             <a:extLst>
               <a:ext uri="{FF2B5EF4-FFF2-40B4-BE49-F238E27FC236}">
-                <a16:creationId xmlns:a16="http://schemas.microsoft.com/office/drawing/2014/main" id="{C19697DB-1053-ADE7-05FE-FC5886A77469}"/>
+                <a16:creationId xmlns:a16="http://schemas.microsoft.com/office/drawing/2014/main" id="{5CABB0CD-593F-7285-6B9E-CB302B47517F}"/>
               </a:ext>
             </a:extLst>
           </p:cNvPr>
@@ -14146,8 +18701,8 @@
         </p:blipFill>
         <p:spPr>
           <a:xfrm>
-            <a:off x="2742121" y="1070746"/>
-            <a:ext cx="3730167" cy="5473817"/>
+            <a:off x="1676495" y="1210855"/>
+            <a:ext cx="6553009" cy="5145497"/>
           </a:xfrm>
           <a:prstGeom prst="rect">
             <a:avLst/>

--- a/Диссертация/Смотр 2 курс 2 семестр/Артамонова_презентация.pptx
+++ b/Диссертация/Смотр 2 курс 2 семестр/Артамонова_презентация.pptx
@@ -3565,7 +3565,7 @@
             <a:fld id="{7EA884AF-4C88-424D-ADB7-7848CE0D5563}" type="datetimeFigureOut">
               <a:rPr lang="ru-RU" smtClean="0"/>
               <a:pPr/>
-              <a:t>30.04.2025</a:t>
+              <a:t>02.05.2025</a:t>
             </a:fld>
             <a:endParaRPr lang="ru-RU"/>
           </a:p>
@@ -3935,7 +3935,7 @@
             <a:fld id="{38ED4DB7-AC7F-4A42-877D-9FD276944AEC}" type="datetime1">
               <a:rPr lang="ru-RU" smtClean="0"/>
               <a:pPr/>
-              <a:t>30.04.2025</a:t>
+              <a:t>02.05.2025</a:t>
             </a:fld>
             <a:endParaRPr lang="ru-RU"/>
           </a:p>
@@ -4139,7 +4139,7 @@
             <a:fld id="{EFA4A34B-65F3-406A-BC9E-C6FAF08B0E8B}" type="datetime1">
               <a:rPr lang="ru-RU" smtClean="0"/>
               <a:pPr/>
-              <a:t>30.04.2025</a:t>
+              <a:t>02.05.2025</a:t>
             </a:fld>
             <a:endParaRPr lang="ru-RU"/>
           </a:p>
@@ -4319,7 +4319,7 @@
             <a:fld id="{5BA1F008-62DC-4A23-BE89-996EF89291BF}" type="datetime1">
               <a:rPr lang="ru-RU" smtClean="0"/>
               <a:pPr/>
-              <a:t>30.04.2025</a:t>
+              <a:t>02.05.2025</a:t>
             </a:fld>
             <a:endParaRPr lang="ru-RU"/>
           </a:p>
@@ -4499,7 +4499,7 @@
             <a:fld id="{B3F6E369-3AF4-4F4F-905B-434A00AC4342}" type="datetime1">
               <a:rPr lang="ru-RU" smtClean="0"/>
               <a:pPr/>
-              <a:t>30.04.2025</a:t>
+              <a:t>02.05.2025</a:t>
             </a:fld>
             <a:endParaRPr lang="ru-RU"/>
           </a:p>
@@ -4746,7 +4746,7 @@
             <a:fld id="{463BB650-AFB8-4EB8-8969-2F959D8EAD4F}" type="datetime1">
               <a:rPr lang="ru-RU" smtClean="0"/>
               <a:pPr/>
-              <a:t>30.04.2025</a:t>
+              <a:t>02.05.2025</a:t>
             </a:fld>
             <a:endParaRPr lang="ru-RU"/>
           </a:p>
@@ -4977,7 +4977,7 @@
             <a:fld id="{79F2B9F4-0FDB-4F6F-8737-A82692AF2004}" type="datetime1">
               <a:rPr lang="ru-RU" smtClean="0"/>
               <a:pPr/>
-              <a:t>30.04.2025</a:t>
+              <a:t>02.05.2025</a:t>
             </a:fld>
             <a:endParaRPr lang="ru-RU"/>
           </a:p>
@@ -5343,7 +5343,7 @@
             <a:fld id="{B0ECDEB8-08B2-47E9-8D6E-8DF583962871}" type="datetime1">
               <a:rPr lang="ru-RU" smtClean="0"/>
               <a:pPr/>
-              <a:t>30.04.2025</a:t>
+              <a:t>02.05.2025</a:t>
             </a:fld>
             <a:endParaRPr lang="ru-RU"/>
           </a:p>
@@ -5462,7 +5462,7 @@
             <a:fld id="{0125CFBC-8A1E-4B88-8318-D1A46FE9274C}" type="datetime1">
               <a:rPr lang="ru-RU" smtClean="0"/>
               <a:pPr/>
-              <a:t>30.04.2025</a:t>
+              <a:t>02.05.2025</a:t>
             </a:fld>
             <a:endParaRPr lang="ru-RU"/>
           </a:p>
@@ -5559,7 +5559,7 @@
             <a:fld id="{387EE4BF-63A5-4437-AD9E-A7DB957F2D34}" type="datetime1">
               <a:rPr lang="ru-RU" smtClean="0"/>
               <a:pPr/>
-              <a:t>30.04.2025</a:t>
+              <a:t>02.05.2025</a:t>
             </a:fld>
             <a:endParaRPr lang="ru-RU"/>
           </a:p>
@@ -5836,7 +5836,7 @@
             <a:fld id="{A91547C4-783C-4D72-A274-36C5C4D4FDF8}" type="datetime1">
               <a:rPr lang="ru-RU" smtClean="0"/>
               <a:pPr/>
-              <a:t>30.04.2025</a:t>
+              <a:t>02.05.2025</a:t>
             </a:fld>
             <a:endParaRPr lang="ru-RU"/>
           </a:p>
@@ -6090,7 +6090,7 @@
             <a:fld id="{668A31C0-00A8-4167-8EC1-69433850E9EF}" type="datetime1">
               <a:rPr lang="ru-RU" smtClean="0"/>
               <a:pPr/>
-              <a:t>30.04.2025</a:t>
+              <a:t>02.05.2025</a:t>
             </a:fld>
             <a:endParaRPr lang="ru-RU"/>
           </a:p>
@@ -6303,7 +6303,7 @@
             <a:fld id="{72B28B62-43C0-48EE-AC9E-FDF4B84CC8ED}" type="datetime1">
               <a:rPr lang="ru-RU" smtClean="0"/>
               <a:pPr/>
-              <a:t>30.04.2025</a:t>
+              <a:t>02.05.2025</a:t>
             </a:fld>
             <a:endParaRPr lang="ru-RU"/>
           </a:p>
@@ -7461,10 +7461,10 @@
       </p:sp>
       <p:pic>
         <p:nvPicPr>
-          <p:cNvPr id="3" name="Рисунок 2">
+          <p:cNvPr id="4" name="Рисунок 3">
             <a:extLst>
               <a:ext uri="{FF2B5EF4-FFF2-40B4-BE49-F238E27FC236}">
-                <a16:creationId xmlns:a16="http://schemas.microsoft.com/office/drawing/2014/main" id="{E6A13995-3C64-8E3B-7ADD-A0CDDF6C4041}"/>
+                <a16:creationId xmlns:a16="http://schemas.microsoft.com/office/drawing/2014/main" id="{439CDBBD-D7F0-5A52-7AF8-9CBE1E3AE542}"/>
               </a:ext>
             </a:extLst>
           </p:cNvPr>
@@ -7474,104 +7474,2181 @@
           <p:nvPr/>
         </p:nvPicPr>
         <p:blipFill>
-          <a:blip r:embed="rId2">
-            <a:extLst>
-              <a:ext uri="{28A0092B-C50C-407E-A947-70E740481C1C}">
-                <a14:useLocalDpi xmlns:a14="http://schemas.microsoft.com/office/drawing/2010/main" val="0"/>
-              </a:ext>
-            </a:extLst>
-          </a:blip>
-          <a:srcRect/>
+          <a:blip r:embed="rId2"/>
           <a:stretch>
             <a:fillRect/>
           </a:stretch>
         </p:blipFill>
-        <p:spPr bwMode="auto">
+        <p:spPr>
           <a:xfrm>
-            <a:off x="1983105" y="1258957"/>
-            <a:ext cx="5939790" cy="3169285"/>
+            <a:off x="778070" y="1258957"/>
+            <a:ext cx="4174930" cy="4483446"/>
           </a:xfrm>
           <a:prstGeom prst="rect">
             <a:avLst/>
           </a:prstGeom>
-          <a:noFill/>
-          <a:ln>
-            <a:noFill/>
-          </a:ln>
         </p:spPr>
       </p:pic>
-      <p:sp>
-        <p:nvSpPr>
-          <p:cNvPr id="6" name="TextBox 5">
+      <p:graphicFrame>
+        <p:nvGraphicFramePr>
+          <p:cNvPr id="8" name="Таблица 7">
             <a:extLst>
               <a:ext uri="{FF2B5EF4-FFF2-40B4-BE49-F238E27FC236}">
-                <a16:creationId xmlns:a16="http://schemas.microsoft.com/office/drawing/2014/main" id="{5B676A5C-94BC-2B69-32AF-84732F488FBD}"/>
+                <a16:creationId xmlns:a16="http://schemas.microsoft.com/office/drawing/2014/main" id="{6218E7CC-C04A-9EBE-B071-D979E9E8ADE2}"/>
               </a:ext>
             </a:extLst>
           </p:cNvPr>
-          <p:cNvSpPr txBox="1"/>
+          <p:cNvGraphicFramePr>
+            <a:graphicFrameLocks noGrp="1"/>
+          </p:cNvGraphicFramePr>
+          <p:nvPr>
+            <p:extLst>
+              <p:ext uri="{D42A27DB-BD31-4B8C-83A1-F6EECF244321}">
+                <p14:modId xmlns:p14="http://schemas.microsoft.com/office/powerpoint/2010/main" val="1336109540"/>
+              </p:ext>
+            </p:extLst>
+          </p:nvPr>
+        </p:nvGraphicFramePr>
+        <p:xfrm>
+          <a:off x="5184090" y="2568147"/>
+          <a:ext cx="3624044" cy="1262253"/>
+        </p:xfrm>
+        <a:graphic>
+          <a:graphicData uri="http://schemas.openxmlformats.org/drawingml/2006/table">
+            <a:tbl>
+              <a:tblPr firstRow="1" firstCol="1" bandRow="1"/>
+              <a:tblGrid>
+                <a:gridCol w="855677">
+                  <a:extLst>
+                    <a:ext uri="{9D8B030D-6E8A-4147-A177-3AD203B41FA5}">
+                      <a16:colId xmlns:a16="http://schemas.microsoft.com/office/drawing/2014/main" val="3819479967"/>
+                    </a:ext>
+                  </a:extLst>
+                </a:gridCol>
+                <a:gridCol w="1124125">
+                  <a:extLst>
+                    <a:ext uri="{9D8B030D-6E8A-4147-A177-3AD203B41FA5}">
+                      <a16:colId xmlns:a16="http://schemas.microsoft.com/office/drawing/2014/main" val="184937808"/>
+                    </a:ext>
+                  </a:extLst>
+                </a:gridCol>
+                <a:gridCol w="1644242">
+                  <a:extLst>
+                    <a:ext uri="{9D8B030D-6E8A-4147-A177-3AD203B41FA5}">
+                      <a16:colId xmlns:a16="http://schemas.microsoft.com/office/drawing/2014/main" val="427442637"/>
+                    </a:ext>
+                  </a:extLst>
+                </a:gridCol>
+              </a:tblGrid>
+              <a:tr h="0">
+                <a:tc>
+                  <a:txBody>
+                    <a:bodyPr/>
+                    <a:lstStyle/>
+                    <a:p>
+                      <a:pPr algn="ctr">
+                        <a:lnSpc>
+                          <a:spcPct val="150000"/>
+                        </a:lnSpc>
+                        <a:spcAft>
+                          <a:spcPts val="800"/>
+                        </a:spcAft>
+                        <a:buNone/>
+                      </a:pPr>
+                      <a:r>
+                        <a:rPr lang="ru-RU" sz="1100" dirty="0">
+                          <a:effectLst/>
+                          <a:latin typeface="Times New Roman" panose="02020603050405020304" pitchFamily="18" charset="0"/>
+                          <a:ea typeface="Calibri" panose="020F0502020204030204" pitchFamily="34" charset="0"/>
+                          <a:cs typeface="Times New Roman" panose="02020603050405020304" pitchFamily="18" charset="0"/>
+                        </a:rPr>
+                        <a:t>Метрика</a:t>
+                      </a:r>
+                    </a:p>
+                  </a:txBody>
+                  <a:tcPr marL="68580" marR="68580" marT="0" marB="0" anchor="ctr">
+                    <a:lnL w="12700" cap="flat" cmpd="sng" algn="ctr">
+                      <a:solidFill>
+                        <a:srgbClr val="000000"/>
+                      </a:solidFill>
+                      <a:prstDash val="solid"/>
+                      <a:round/>
+                      <a:headEnd type="none" w="med" len="med"/>
+                      <a:tailEnd type="none" w="med" len="med"/>
+                    </a:lnL>
+                    <a:lnR w="12700" cap="flat" cmpd="sng" algn="ctr">
+                      <a:solidFill>
+                        <a:srgbClr val="000000"/>
+                      </a:solidFill>
+                      <a:prstDash val="solid"/>
+                      <a:round/>
+                      <a:headEnd type="none" w="med" len="med"/>
+                      <a:tailEnd type="none" w="med" len="med"/>
+                    </a:lnR>
+                    <a:lnT w="12700" cap="flat" cmpd="sng" algn="ctr">
+                      <a:solidFill>
+                        <a:srgbClr val="000000"/>
+                      </a:solidFill>
+                      <a:prstDash val="solid"/>
+                      <a:round/>
+                      <a:headEnd type="none" w="med" len="med"/>
+                      <a:tailEnd type="none" w="med" len="med"/>
+                    </a:lnT>
+                    <a:lnB w="12700" cap="flat" cmpd="sng" algn="ctr">
+                      <a:solidFill>
+                        <a:srgbClr val="000000"/>
+                      </a:solidFill>
+                      <a:prstDash val="solid"/>
+                      <a:round/>
+                      <a:headEnd type="none" w="med" len="med"/>
+                      <a:tailEnd type="none" w="med" len="med"/>
+                    </a:lnB>
+                    <a:noFill/>
+                  </a:tcPr>
+                </a:tc>
+                <a:tc>
+                  <a:txBody>
+                    <a:bodyPr/>
+                    <a:lstStyle/>
+                    <a:p>
+                      <a:pPr algn="ctr">
+                        <a:lnSpc>
+                          <a:spcPct val="150000"/>
+                        </a:lnSpc>
+                        <a:spcAft>
+                          <a:spcPts val="800"/>
+                        </a:spcAft>
+                        <a:buNone/>
+                      </a:pPr>
+                      <a:r>
+                        <a:rPr lang="ru-RU" sz="1100" dirty="0">
+                          <a:effectLst/>
+                          <a:latin typeface="Times New Roman" panose="02020603050405020304" pitchFamily="18" charset="0"/>
+                          <a:ea typeface="Calibri" panose="020F0502020204030204" pitchFamily="34" charset="0"/>
+                          <a:cs typeface="Times New Roman" panose="02020603050405020304" pitchFamily="18" charset="0"/>
+                        </a:rPr>
+                        <a:t>Ожидаемое значение (см)</a:t>
+                      </a:r>
+                    </a:p>
+                  </a:txBody>
+                  <a:tcPr marL="68580" marR="68580" marT="0" marB="0" anchor="ctr">
+                    <a:lnL w="12700" cap="flat" cmpd="sng" algn="ctr">
+                      <a:solidFill>
+                        <a:srgbClr val="000000"/>
+                      </a:solidFill>
+                      <a:prstDash val="solid"/>
+                      <a:round/>
+                      <a:headEnd type="none" w="med" len="med"/>
+                      <a:tailEnd type="none" w="med" len="med"/>
+                    </a:lnL>
+                    <a:lnR w="12700" cap="flat" cmpd="sng" algn="ctr">
+                      <a:solidFill>
+                        <a:srgbClr val="000000"/>
+                      </a:solidFill>
+                      <a:prstDash val="solid"/>
+                      <a:round/>
+                      <a:headEnd type="none" w="med" len="med"/>
+                      <a:tailEnd type="none" w="med" len="med"/>
+                    </a:lnR>
+                    <a:lnT w="12700" cap="flat" cmpd="sng" algn="ctr">
+                      <a:solidFill>
+                        <a:srgbClr val="000000"/>
+                      </a:solidFill>
+                      <a:prstDash val="solid"/>
+                      <a:round/>
+                      <a:headEnd type="none" w="med" len="med"/>
+                      <a:tailEnd type="none" w="med" len="med"/>
+                    </a:lnT>
+                    <a:lnB w="12700" cap="flat" cmpd="sng" algn="ctr">
+                      <a:solidFill>
+                        <a:srgbClr val="000000"/>
+                      </a:solidFill>
+                      <a:prstDash val="solid"/>
+                      <a:round/>
+                      <a:headEnd type="none" w="med" len="med"/>
+                      <a:tailEnd type="none" w="med" len="med"/>
+                    </a:lnB>
+                    <a:noFill/>
+                  </a:tcPr>
+                </a:tc>
+                <a:tc>
+                  <a:txBody>
+                    <a:bodyPr/>
+                    <a:lstStyle/>
+                    <a:p>
+                      <a:pPr algn="ctr">
+                        <a:lnSpc>
+                          <a:spcPct val="150000"/>
+                        </a:lnSpc>
+                        <a:spcAft>
+                          <a:spcPts val="800"/>
+                        </a:spcAft>
+                        <a:buNone/>
+                      </a:pPr>
+                      <a:r>
+                        <a:rPr lang="ru-RU" sz="1100" dirty="0">
+                          <a:effectLst/>
+                          <a:latin typeface="Times New Roman" panose="02020603050405020304" pitchFamily="18" charset="0"/>
+                          <a:ea typeface="Calibri" panose="020F0502020204030204" pitchFamily="34" charset="0"/>
+                          <a:cs typeface="Times New Roman" panose="02020603050405020304" pitchFamily="18" charset="0"/>
+                        </a:rPr>
+                        <a:t>Фактическое значение для кисти (см)</a:t>
+                      </a:r>
+                    </a:p>
+                  </a:txBody>
+                  <a:tcPr marL="68580" marR="68580" marT="0" marB="0" anchor="ctr">
+                    <a:lnL w="12700" cap="flat" cmpd="sng" algn="ctr">
+                      <a:solidFill>
+                        <a:srgbClr val="000000"/>
+                      </a:solidFill>
+                      <a:prstDash val="solid"/>
+                      <a:round/>
+                      <a:headEnd type="none" w="med" len="med"/>
+                      <a:tailEnd type="none" w="med" len="med"/>
+                    </a:lnL>
+                    <a:lnR w="12700" cap="flat" cmpd="sng" algn="ctr">
+                      <a:solidFill>
+                        <a:srgbClr val="000000"/>
+                      </a:solidFill>
+                      <a:prstDash val="solid"/>
+                      <a:round/>
+                      <a:headEnd type="none" w="med" len="med"/>
+                      <a:tailEnd type="none" w="med" len="med"/>
+                    </a:lnR>
+                    <a:lnT w="12700" cap="flat" cmpd="sng" algn="ctr">
+                      <a:solidFill>
+                        <a:srgbClr val="000000"/>
+                      </a:solidFill>
+                      <a:prstDash val="solid"/>
+                      <a:round/>
+                      <a:headEnd type="none" w="med" len="med"/>
+                      <a:tailEnd type="none" w="med" len="med"/>
+                    </a:lnT>
+                    <a:lnB w="12700" cap="flat" cmpd="sng" algn="ctr">
+                      <a:solidFill>
+                        <a:srgbClr val="000000"/>
+                      </a:solidFill>
+                      <a:prstDash val="solid"/>
+                      <a:round/>
+                      <a:headEnd type="none" w="med" len="med"/>
+                      <a:tailEnd type="none" w="med" len="med"/>
+                    </a:lnB>
+                    <a:noFill/>
+                  </a:tcPr>
+                </a:tc>
+                <a:extLst>
+                  <a:ext uri="{0D108BD9-81ED-4DB2-BD59-A6C34878D82A}">
+                    <a16:rowId xmlns:a16="http://schemas.microsoft.com/office/drawing/2014/main" val="2054207389"/>
+                  </a:ext>
+                </a:extLst>
+              </a:tr>
+              <a:tr h="0">
+                <a:tc>
+                  <a:txBody>
+                    <a:bodyPr/>
+                    <a:lstStyle/>
+                    <a:p>
+                      <a:pPr algn="ctr">
+                        <a:lnSpc>
+                          <a:spcPct val="150000"/>
+                        </a:lnSpc>
+                        <a:spcAft>
+                          <a:spcPts val="800"/>
+                        </a:spcAft>
+                        <a:buNone/>
+                      </a:pPr>
+                      <a:r>
+                        <a:rPr lang="en-US" sz="1100">
+                          <a:effectLst/>
+                          <a:latin typeface="Times New Roman" panose="02020603050405020304" pitchFamily="18" charset="0"/>
+                          <a:ea typeface="Calibri" panose="020F0502020204030204" pitchFamily="34" charset="0"/>
+                          <a:cs typeface="Times New Roman" panose="02020603050405020304" pitchFamily="18" charset="0"/>
+                        </a:rPr>
+                        <a:t>MME</a:t>
+                      </a:r>
+                      <a:endParaRPr lang="ru-RU" sz="1100">
+                        <a:effectLst/>
+                        <a:latin typeface="Times New Roman" panose="02020603050405020304" pitchFamily="18" charset="0"/>
+                        <a:ea typeface="Calibri" panose="020F0502020204030204" pitchFamily="34" charset="0"/>
+                        <a:cs typeface="Times New Roman" panose="02020603050405020304" pitchFamily="18" charset="0"/>
+                      </a:endParaRPr>
+                    </a:p>
+                  </a:txBody>
+                  <a:tcPr marL="68580" marR="68580" marT="0" marB="0" anchor="ctr">
+                    <a:lnL w="12700" cap="flat" cmpd="sng" algn="ctr">
+                      <a:solidFill>
+                        <a:srgbClr val="000000"/>
+                      </a:solidFill>
+                      <a:prstDash val="solid"/>
+                      <a:round/>
+                      <a:headEnd type="none" w="med" len="med"/>
+                      <a:tailEnd type="none" w="med" len="med"/>
+                    </a:lnL>
+                    <a:lnR w="12700" cap="flat" cmpd="sng" algn="ctr">
+                      <a:solidFill>
+                        <a:srgbClr val="000000"/>
+                      </a:solidFill>
+                      <a:prstDash val="solid"/>
+                      <a:round/>
+                      <a:headEnd type="none" w="med" len="med"/>
+                      <a:tailEnd type="none" w="med" len="med"/>
+                    </a:lnR>
+                    <a:lnT w="12700" cap="flat" cmpd="sng" algn="ctr">
+                      <a:solidFill>
+                        <a:srgbClr val="000000"/>
+                      </a:solidFill>
+                      <a:prstDash val="solid"/>
+                      <a:round/>
+                      <a:headEnd type="none" w="med" len="med"/>
+                      <a:tailEnd type="none" w="med" len="med"/>
+                    </a:lnT>
+                    <a:lnB w="12700" cap="flat" cmpd="sng" algn="ctr">
+                      <a:solidFill>
+                        <a:srgbClr val="000000"/>
+                      </a:solidFill>
+                      <a:prstDash val="solid"/>
+                      <a:round/>
+                      <a:headEnd type="none" w="med" len="med"/>
+                      <a:tailEnd type="none" w="med" len="med"/>
+                    </a:lnB>
+                    <a:noFill/>
+                  </a:tcPr>
+                </a:tc>
+                <a:tc>
+                  <a:txBody>
+                    <a:bodyPr/>
+                    <a:lstStyle/>
+                    <a:p>
+                      <a:pPr algn="ctr">
+                        <a:lnSpc>
+                          <a:spcPct val="150000"/>
+                        </a:lnSpc>
+                        <a:spcAft>
+                          <a:spcPts val="800"/>
+                        </a:spcAft>
+                        <a:buNone/>
+                      </a:pPr>
+                      <a:r>
+                        <a:rPr lang="ru-RU" sz="1100" dirty="0">
+                          <a:effectLst/>
+                          <a:latin typeface="Times New Roman" panose="02020603050405020304" pitchFamily="18" charset="0"/>
+                          <a:ea typeface="Calibri" panose="020F0502020204030204" pitchFamily="34" charset="0"/>
+                          <a:cs typeface="Times New Roman" panose="02020603050405020304" pitchFamily="18" charset="0"/>
+                        </a:rPr>
+                        <a:t>&lt; 0</a:t>
+                      </a:r>
+                      <a:r>
+                        <a:rPr lang="en-US" sz="1100" dirty="0">
+                          <a:effectLst/>
+                          <a:latin typeface="Times New Roman" panose="02020603050405020304" pitchFamily="18" charset="0"/>
+                          <a:ea typeface="Calibri" panose="020F0502020204030204" pitchFamily="34" charset="0"/>
+                          <a:cs typeface="Times New Roman" panose="02020603050405020304" pitchFamily="18" charset="0"/>
+                        </a:rPr>
+                        <a:t>,</a:t>
+                      </a:r>
+                      <a:r>
+                        <a:rPr lang="ru-RU" sz="1100" dirty="0">
+                          <a:effectLst/>
+                          <a:latin typeface="Times New Roman" panose="02020603050405020304" pitchFamily="18" charset="0"/>
+                          <a:ea typeface="Calibri" panose="020F0502020204030204" pitchFamily="34" charset="0"/>
+                          <a:cs typeface="Times New Roman" panose="02020603050405020304" pitchFamily="18" charset="0"/>
+                        </a:rPr>
+                        <a:t>1</a:t>
+                      </a:r>
+                    </a:p>
+                  </a:txBody>
+                  <a:tcPr marL="68580" marR="68580" marT="0" marB="0" anchor="ctr">
+                    <a:lnL w="12700" cap="flat" cmpd="sng" algn="ctr">
+                      <a:solidFill>
+                        <a:srgbClr val="000000"/>
+                      </a:solidFill>
+                      <a:prstDash val="solid"/>
+                      <a:round/>
+                      <a:headEnd type="none" w="med" len="med"/>
+                      <a:tailEnd type="none" w="med" len="med"/>
+                    </a:lnL>
+                    <a:lnR w="12700" cap="flat" cmpd="sng" algn="ctr">
+                      <a:solidFill>
+                        <a:srgbClr val="000000"/>
+                      </a:solidFill>
+                      <a:prstDash val="solid"/>
+                      <a:round/>
+                      <a:headEnd type="none" w="med" len="med"/>
+                      <a:tailEnd type="none" w="med" len="med"/>
+                    </a:lnR>
+                    <a:lnT w="12700" cap="flat" cmpd="sng" algn="ctr">
+                      <a:solidFill>
+                        <a:srgbClr val="000000"/>
+                      </a:solidFill>
+                      <a:prstDash val="solid"/>
+                      <a:round/>
+                      <a:headEnd type="none" w="med" len="med"/>
+                      <a:tailEnd type="none" w="med" len="med"/>
+                    </a:lnT>
+                    <a:lnB w="12700" cap="flat" cmpd="sng" algn="ctr">
+                      <a:solidFill>
+                        <a:srgbClr val="000000"/>
+                      </a:solidFill>
+                      <a:prstDash val="solid"/>
+                      <a:round/>
+                      <a:headEnd type="none" w="med" len="med"/>
+                      <a:tailEnd type="none" w="med" len="med"/>
+                    </a:lnB>
+                    <a:noFill/>
+                  </a:tcPr>
+                </a:tc>
+                <a:tc>
+                  <a:txBody>
+                    <a:bodyPr/>
+                    <a:lstStyle/>
+                    <a:p>
+                      <a:pPr algn="ctr">
+                        <a:lnSpc>
+                          <a:spcPct val="150000"/>
+                        </a:lnSpc>
+                        <a:spcAft>
+                          <a:spcPts val="800"/>
+                        </a:spcAft>
+                        <a:buNone/>
+                      </a:pPr>
+                      <a:r>
+                        <a:rPr lang="ru-RU" sz="1100" dirty="0">
+                          <a:effectLst/>
+                          <a:latin typeface="Times New Roman" panose="02020603050405020304" pitchFamily="18" charset="0"/>
+                          <a:ea typeface="Calibri" panose="020F0502020204030204" pitchFamily="34" charset="0"/>
+                          <a:cs typeface="Times New Roman" panose="02020603050405020304" pitchFamily="18" charset="0"/>
+                        </a:rPr>
+                        <a:t>0,03833</a:t>
+                      </a:r>
+                    </a:p>
+                  </a:txBody>
+                  <a:tcPr marL="68580" marR="68580" marT="0" marB="0" anchor="ctr">
+                    <a:lnL w="12700" cap="flat" cmpd="sng" algn="ctr">
+                      <a:solidFill>
+                        <a:srgbClr val="000000"/>
+                      </a:solidFill>
+                      <a:prstDash val="solid"/>
+                      <a:round/>
+                      <a:headEnd type="none" w="med" len="med"/>
+                      <a:tailEnd type="none" w="med" len="med"/>
+                    </a:lnL>
+                    <a:lnR w="12700" cap="flat" cmpd="sng" algn="ctr">
+                      <a:solidFill>
+                        <a:srgbClr val="000000"/>
+                      </a:solidFill>
+                      <a:prstDash val="solid"/>
+                      <a:round/>
+                      <a:headEnd type="none" w="med" len="med"/>
+                      <a:tailEnd type="none" w="med" len="med"/>
+                    </a:lnR>
+                    <a:lnT w="12700" cap="flat" cmpd="sng" algn="ctr">
+                      <a:solidFill>
+                        <a:srgbClr val="000000"/>
+                      </a:solidFill>
+                      <a:prstDash val="solid"/>
+                      <a:round/>
+                      <a:headEnd type="none" w="med" len="med"/>
+                      <a:tailEnd type="none" w="med" len="med"/>
+                    </a:lnT>
+                    <a:lnB w="12700" cap="flat" cmpd="sng" algn="ctr">
+                      <a:solidFill>
+                        <a:srgbClr val="000000"/>
+                      </a:solidFill>
+                      <a:prstDash val="solid"/>
+                      <a:round/>
+                      <a:headEnd type="none" w="med" len="med"/>
+                      <a:tailEnd type="none" w="med" len="med"/>
+                    </a:lnB>
+                    <a:noFill/>
+                  </a:tcPr>
+                </a:tc>
+                <a:extLst>
+                  <a:ext uri="{0D108BD9-81ED-4DB2-BD59-A6C34878D82A}">
+                    <a16:rowId xmlns:a16="http://schemas.microsoft.com/office/drawing/2014/main" val="696223472"/>
+                  </a:ext>
+                </a:extLst>
+              </a:tr>
+              <a:tr h="0">
+                <a:tc>
+                  <a:txBody>
+                    <a:bodyPr/>
+                    <a:lstStyle/>
+                    <a:p>
+                      <a:pPr algn="ctr">
+                        <a:lnSpc>
+                          <a:spcPct val="150000"/>
+                        </a:lnSpc>
+                        <a:spcAft>
+                          <a:spcPts val="800"/>
+                        </a:spcAft>
+                        <a:buNone/>
+                      </a:pPr>
+                      <a:r>
+                        <a:rPr lang="en-US" sz="1100">
+                          <a:effectLst/>
+                          <a:latin typeface="Times New Roman" panose="02020603050405020304" pitchFamily="18" charset="0"/>
+                          <a:ea typeface="Calibri" panose="020F0502020204030204" pitchFamily="34" charset="0"/>
+                          <a:cs typeface="Times New Roman" panose="02020603050405020304" pitchFamily="18" charset="0"/>
+                        </a:rPr>
+                        <a:t>MPV</a:t>
+                      </a:r>
+                      <a:endParaRPr lang="ru-RU" sz="1100">
+                        <a:effectLst/>
+                        <a:latin typeface="Times New Roman" panose="02020603050405020304" pitchFamily="18" charset="0"/>
+                        <a:ea typeface="Calibri" panose="020F0502020204030204" pitchFamily="34" charset="0"/>
+                        <a:cs typeface="Times New Roman" panose="02020603050405020304" pitchFamily="18" charset="0"/>
+                      </a:endParaRPr>
+                    </a:p>
+                  </a:txBody>
+                  <a:tcPr marL="68580" marR="68580" marT="0" marB="0" anchor="ctr">
+                    <a:lnL w="12700" cap="flat" cmpd="sng" algn="ctr">
+                      <a:solidFill>
+                        <a:srgbClr val="000000"/>
+                      </a:solidFill>
+                      <a:prstDash val="solid"/>
+                      <a:round/>
+                      <a:headEnd type="none" w="med" len="med"/>
+                      <a:tailEnd type="none" w="med" len="med"/>
+                    </a:lnL>
+                    <a:lnR w="12700" cap="flat" cmpd="sng" algn="ctr">
+                      <a:solidFill>
+                        <a:srgbClr val="000000"/>
+                      </a:solidFill>
+                      <a:prstDash val="solid"/>
+                      <a:round/>
+                      <a:headEnd type="none" w="med" len="med"/>
+                      <a:tailEnd type="none" w="med" len="med"/>
+                    </a:lnR>
+                    <a:lnT w="12700" cap="flat" cmpd="sng" algn="ctr">
+                      <a:solidFill>
+                        <a:srgbClr val="000000"/>
+                      </a:solidFill>
+                      <a:prstDash val="solid"/>
+                      <a:round/>
+                      <a:headEnd type="none" w="med" len="med"/>
+                      <a:tailEnd type="none" w="med" len="med"/>
+                    </a:lnT>
+                    <a:lnB w="12700" cap="flat" cmpd="sng" algn="ctr">
+                      <a:solidFill>
+                        <a:srgbClr val="000000"/>
+                      </a:solidFill>
+                      <a:prstDash val="solid"/>
+                      <a:round/>
+                      <a:headEnd type="none" w="med" len="med"/>
+                      <a:tailEnd type="none" w="med" len="med"/>
+                    </a:lnB>
+                    <a:noFill/>
+                  </a:tcPr>
+                </a:tc>
+                <a:tc>
+                  <a:txBody>
+                    <a:bodyPr/>
+                    <a:lstStyle/>
+                    <a:p>
+                      <a:pPr algn="ctr">
+                        <a:lnSpc>
+                          <a:spcPct val="107000"/>
+                        </a:lnSpc>
+                        <a:spcAft>
+                          <a:spcPts val="800"/>
+                        </a:spcAft>
+                        <a:buNone/>
+                      </a:pPr>
+                      <a:br>
+                        <a:rPr lang="ru-RU" sz="1100" spc="25" dirty="0">
+                          <a:effectLst/>
+                          <a:latin typeface="Times New Roman" panose="02020603050405020304" pitchFamily="18" charset="0"/>
+                          <a:ea typeface="Calibri" panose="020F0502020204030204" pitchFamily="34" charset="0"/>
+                          <a:cs typeface="Times New Roman" panose="02020603050405020304" pitchFamily="18" charset="0"/>
+                        </a:rPr>
+                      </a:br>
+                      <a:r>
+                        <a:rPr lang="ru-RU" sz="1100" spc="25" dirty="0">
+                          <a:effectLst/>
+                          <a:latin typeface="Times New Roman" panose="02020603050405020304" pitchFamily="18" charset="0"/>
+                          <a:ea typeface="Calibri" panose="020F0502020204030204" pitchFamily="34" charset="0"/>
+                          <a:cs typeface="Times New Roman" panose="02020603050405020304" pitchFamily="18" charset="0"/>
+                        </a:rPr>
+                        <a:t>&lt; 2</a:t>
+                      </a:r>
+                      <a:endParaRPr lang="ru-RU" sz="1100" dirty="0">
+                        <a:effectLst/>
+                        <a:latin typeface="Times New Roman" panose="02020603050405020304" pitchFamily="18" charset="0"/>
+                        <a:ea typeface="Calibri" panose="020F0502020204030204" pitchFamily="34" charset="0"/>
+                        <a:cs typeface="Times New Roman" panose="02020603050405020304" pitchFamily="18" charset="0"/>
+                      </a:endParaRPr>
+                    </a:p>
+                  </a:txBody>
+                  <a:tcPr marL="68580" marR="68580" marT="0" marB="0" anchor="ctr">
+                    <a:lnL w="12700" cap="flat" cmpd="sng" algn="ctr">
+                      <a:solidFill>
+                        <a:srgbClr val="000000"/>
+                      </a:solidFill>
+                      <a:prstDash val="solid"/>
+                      <a:round/>
+                      <a:headEnd type="none" w="med" len="med"/>
+                      <a:tailEnd type="none" w="med" len="med"/>
+                    </a:lnL>
+                    <a:lnR w="12700" cap="flat" cmpd="sng" algn="ctr">
+                      <a:solidFill>
+                        <a:srgbClr val="000000"/>
+                      </a:solidFill>
+                      <a:prstDash val="solid"/>
+                      <a:round/>
+                      <a:headEnd type="none" w="med" len="med"/>
+                      <a:tailEnd type="none" w="med" len="med"/>
+                    </a:lnR>
+                    <a:lnT w="12700" cap="flat" cmpd="sng" algn="ctr">
+                      <a:solidFill>
+                        <a:srgbClr val="000000"/>
+                      </a:solidFill>
+                      <a:prstDash val="solid"/>
+                      <a:round/>
+                      <a:headEnd type="none" w="med" len="med"/>
+                      <a:tailEnd type="none" w="med" len="med"/>
+                    </a:lnT>
+                    <a:lnB w="12700" cap="flat" cmpd="sng" algn="ctr">
+                      <a:solidFill>
+                        <a:srgbClr val="000000"/>
+                      </a:solidFill>
+                      <a:prstDash val="solid"/>
+                      <a:round/>
+                      <a:headEnd type="none" w="med" len="med"/>
+                      <a:tailEnd type="none" w="med" len="med"/>
+                    </a:lnB>
+                    <a:noFill/>
+                  </a:tcPr>
+                </a:tc>
+                <a:tc>
+                  <a:txBody>
+                    <a:bodyPr/>
+                    <a:lstStyle/>
+                    <a:p>
+                      <a:pPr algn="ctr">
+                        <a:lnSpc>
+                          <a:spcPct val="150000"/>
+                        </a:lnSpc>
+                        <a:spcAft>
+                          <a:spcPts val="800"/>
+                        </a:spcAft>
+                        <a:buNone/>
+                      </a:pPr>
+                      <a:r>
+                        <a:rPr lang="ru-RU" sz="1100" dirty="0">
+                          <a:effectLst/>
+                          <a:latin typeface="Times New Roman" panose="02020603050405020304" pitchFamily="18" charset="0"/>
+                          <a:ea typeface="Calibri" panose="020F0502020204030204" pitchFamily="34" charset="0"/>
+                          <a:cs typeface="Times New Roman" panose="02020603050405020304" pitchFamily="18" charset="0"/>
+                        </a:rPr>
+                        <a:t>2,59555</a:t>
+                      </a:r>
+                    </a:p>
+                  </a:txBody>
+                  <a:tcPr marL="68580" marR="68580" marT="0" marB="0" anchor="ctr">
+                    <a:lnL w="12700" cap="flat" cmpd="sng" algn="ctr">
+                      <a:solidFill>
+                        <a:srgbClr val="000000"/>
+                      </a:solidFill>
+                      <a:prstDash val="solid"/>
+                      <a:round/>
+                      <a:headEnd type="none" w="med" len="med"/>
+                      <a:tailEnd type="none" w="med" len="med"/>
+                    </a:lnL>
+                    <a:lnR w="12700" cap="flat" cmpd="sng" algn="ctr">
+                      <a:solidFill>
+                        <a:srgbClr val="000000"/>
+                      </a:solidFill>
+                      <a:prstDash val="solid"/>
+                      <a:round/>
+                      <a:headEnd type="none" w="med" len="med"/>
+                      <a:tailEnd type="none" w="med" len="med"/>
+                    </a:lnR>
+                    <a:lnT w="12700" cap="flat" cmpd="sng" algn="ctr">
+                      <a:solidFill>
+                        <a:srgbClr val="000000"/>
+                      </a:solidFill>
+                      <a:prstDash val="solid"/>
+                      <a:round/>
+                      <a:headEnd type="none" w="med" len="med"/>
+                      <a:tailEnd type="none" w="med" len="med"/>
+                    </a:lnT>
+                    <a:lnB w="12700" cap="flat" cmpd="sng" algn="ctr">
+                      <a:solidFill>
+                        <a:srgbClr val="000000"/>
+                      </a:solidFill>
+                      <a:prstDash val="solid"/>
+                      <a:round/>
+                      <a:headEnd type="none" w="med" len="med"/>
+                      <a:tailEnd type="none" w="med" len="med"/>
+                    </a:lnB>
+                    <a:noFill/>
+                  </a:tcPr>
+                </a:tc>
+                <a:extLst>
+                  <a:ext uri="{0D108BD9-81ED-4DB2-BD59-A6C34878D82A}">
+                    <a16:rowId xmlns:a16="http://schemas.microsoft.com/office/drawing/2014/main" val="3567558763"/>
+                  </a:ext>
+                </a:extLst>
+              </a:tr>
+              <a:tr h="0">
+                <a:tc>
+                  <a:txBody>
+                    <a:bodyPr/>
+                    <a:lstStyle/>
+                    <a:p>
+                      <a:pPr algn="ctr">
+                        <a:lnSpc>
+                          <a:spcPct val="150000"/>
+                        </a:lnSpc>
+                        <a:spcAft>
+                          <a:spcPts val="800"/>
+                        </a:spcAft>
+                        <a:buNone/>
+                      </a:pPr>
+                      <a:r>
+                        <a:rPr lang="en-US" sz="1100">
+                          <a:effectLst/>
+                          <a:latin typeface="Times New Roman" panose="02020603050405020304" pitchFamily="18" charset="0"/>
+                          <a:ea typeface="Calibri" panose="020F0502020204030204" pitchFamily="34" charset="0"/>
+                          <a:cs typeface="Times New Roman" panose="02020603050405020304" pitchFamily="18" charset="0"/>
+                        </a:rPr>
+                        <a:t>MOM</a:t>
+                      </a:r>
+                      <a:r>
+                        <a:rPr lang="en-US" sz="1100" baseline="30000">
+                          <a:effectLst/>
+                          <a:latin typeface="Times New Roman" panose="02020603050405020304" pitchFamily="18" charset="0"/>
+                          <a:ea typeface="Calibri" panose="020F0502020204030204" pitchFamily="34" charset="0"/>
+                          <a:cs typeface="Times New Roman" panose="02020603050405020304" pitchFamily="18" charset="0"/>
+                        </a:rPr>
+                        <a:t>15 </a:t>
+                      </a:r>
+                      <a:r>
+                        <a:rPr lang="ru-RU" sz="1100" baseline="30000">
+                          <a:effectLst/>
+                          <a:latin typeface="Times New Roman" panose="02020603050405020304" pitchFamily="18" charset="0"/>
+                          <a:ea typeface="Calibri" panose="020F0502020204030204" pitchFamily="34" charset="0"/>
+                          <a:cs typeface="Times New Roman" panose="02020603050405020304" pitchFamily="18" charset="0"/>
+                        </a:rPr>
+                        <a:t>пиков</a:t>
+                      </a:r>
+                      <a:endParaRPr lang="ru-RU" sz="1100">
+                        <a:effectLst/>
+                        <a:latin typeface="Times New Roman" panose="02020603050405020304" pitchFamily="18" charset="0"/>
+                        <a:ea typeface="Calibri" panose="020F0502020204030204" pitchFamily="34" charset="0"/>
+                        <a:cs typeface="Times New Roman" panose="02020603050405020304" pitchFamily="18" charset="0"/>
+                      </a:endParaRPr>
+                    </a:p>
+                  </a:txBody>
+                  <a:tcPr marL="68580" marR="68580" marT="0" marB="0" anchor="ctr">
+                    <a:lnL w="12700" cap="flat" cmpd="sng" algn="ctr">
+                      <a:solidFill>
+                        <a:srgbClr val="000000"/>
+                      </a:solidFill>
+                      <a:prstDash val="solid"/>
+                      <a:round/>
+                      <a:headEnd type="none" w="med" len="med"/>
+                      <a:tailEnd type="none" w="med" len="med"/>
+                    </a:lnL>
+                    <a:lnR w="12700" cap="flat" cmpd="sng" algn="ctr">
+                      <a:solidFill>
+                        <a:srgbClr val="000000"/>
+                      </a:solidFill>
+                      <a:prstDash val="solid"/>
+                      <a:round/>
+                      <a:headEnd type="none" w="med" len="med"/>
+                      <a:tailEnd type="none" w="med" len="med"/>
+                    </a:lnR>
+                    <a:lnT w="12700" cap="flat" cmpd="sng" algn="ctr">
+                      <a:solidFill>
+                        <a:srgbClr val="000000"/>
+                      </a:solidFill>
+                      <a:prstDash val="solid"/>
+                      <a:round/>
+                      <a:headEnd type="none" w="med" len="med"/>
+                      <a:tailEnd type="none" w="med" len="med"/>
+                    </a:lnT>
+                    <a:lnB w="12700" cap="flat" cmpd="sng" algn="ctr">
+                      <a:solidFill>
+                        <a:srgbClr val="000000"/>
+                      </a:solidFill>
+                      <a:prstDash val="solid"/>
+                      <a:round/>
+                      <a:headEnd type="none" w="med" len="med"/>
+                      <a:tailEnd type="none" w="med" len="med"/>
+                    </a:lnB>
+                    <a:noFill/>
+                  </a:tcPr>
+                </a:tc>
+                <a:tc>
+                  <a:txBody>
+                    <a:bodyPr/>
+                    <a:lstStyle/>
+                    <a:p>
+                      <a:pPr algn="ctr">
+                        <a:lnSpc>
+                          <a:spcPct val="150000"/>
+                        </a:lnSpc>
+                        <a:spcAft>
+                          <a:spcPts val="800"/>
+                        </a:spcAft>
+                        <a:buNone/>
+                      </a:pPr>
+                      <a:r>
+                        <a:rPr lang="ru-RU" sz="1100" dirty="0">
+                          <a:effectLst/>
+                          <a:latin typeface="Times New Roman" panose="02020603050405020304" pitchFamily="18" charset="0"/>
+                          <a:ea typeface="Calibri" panose="020F0502020204030204" pitchFamily="34" charset="0"/>
+                          <a:cs typeface="Times New Roman" panose="02020603050405020304" pitchFamily="18" charset="0"/>
+                        </a:rPr>
+                        <a:t>&lt; 1</a:t>
+                      </a:r>
+                    </a:p>
+                  </a:txBody>
+                  <a:tcPr marL="68580" marR="68580" marT="0" marB="0" anchor="ctr">
+                    <a:lnL w="12700" cap="flat" cmpd="sng" algn="ctr">
+                      <a:solidFill>
+                        <a:srgbClr val="000000"/>
+                      </a:solidFill>
+                      <a:prstDash val="solid"/>
+                      <a:round/>
+                      <a:headEnd type="none" w="med" len="med"/>
+                      <a:tailEnd type="none" w="med" len="med"/>
+                    </a:lnL>
+                    <a:lnR w="12700" cap="flat" cmpd="sng" algn="ctr">
+                      <a:solidFill>
+                        <a:srgbClr val="000000"/>
+                      </a:solidFill>
+                      <a:prstDash val="solid"/>
+                      <a:round/>
+                      <a:headEnd type="none" w="med" len="med"/>
+                      <a:tailEnd type="none" w="med" len="med"/>
+                    </a:lnR>
+                    <a:lnT w="12700" cap="flat" cmpd="sng" algn="ctr">
+                      <a:solidFill>
+                        <a:srgbClr val="000000"/>
+                      </a:solidFill>
+                      <a:prstDash val="solid"/>
+                      <a:round/>
+                      <a:headEnd type="none" w="med" len="med"/>
+                      <a:tailEnd type="none" w="med" len="med"/>
+                    </a:lnT>
+                    <a:lnB w="12700" cap="flat" cmpd="sng" algn="ctr">
+                      <a:solidFill>
+                        <a:srgbClr val="000000"/>
+                      </a:solidFill>
+                      <a:prstDash val="solid"/>
+                      <a:round/>
+                      <a:headEnd type="none" w="med" len="med"/>
+                      <a:tailEnd type="none" w="med" len="med"/>
+                    </a:lnB>
+                    <a:noFill/>
+                  </a:tcPr>
+                </a:tc>
+                <a:tc>
+                  <a:txBody>
+                    <a:bodyPr/>
+                    <a:lstStyle/>
+                    <a:p>
+                      <a:pPr algn="ctr">
+                        <a:lnSpc>
+                          <a:spcPct val="150000"/>
+                        </a:lnSpc>
+                        <a:spcAft>
+                          <a:spcPts val="800"/>
+                        </a:spcAft>
+                        <a:buNone/>
+                      </a:pPr>
+                      <a:r>
+                        <a:rPr lang="ru-RU" sz="1100" dirty="0">
+                          <a:effectLst/>
+                          <a:latin typeface="Times New Roman" panose="02020603050405020304" pitchFamily="18" charset="0"/>
+                          <a:ea typeface="Calibri" panose="020F0502020204030204" pitchFamily="34" charset="0"/>
+                          <a:cs typeface="Times New Roman" panose="02020603050405020304" pitchFamily="18" charset="0"/>
+                        </a:rPr>
+                        <a:t>0,79697</a:t>
+                      </a:r>
+                    </a:p>
+                  </a:txBody>
+                  <a:tcPr marL="68580" marR="68580" marT="0" marB="0" anchor="ctr">
+                    <a:lnL w="12700" cap="flat" cmpd="sng" algn="ctr">
+                      <a:solidFill>
+                        <a:srgbClr val="000000"/>
+                      </a:solidFill>
+                      <a:prstDash val="solid"/>
+                      <a:round/>
+                      <a:headEnd type="none" w="med" len="med"/>
+                      <a:tailEnd type="none" w="med" len="med"/>
+                    </a:lnL>
+                    <a:lnR w="12700" cap="flat" cmpd="sng" algn="ctr">
+                      <a:solidFill>
+                        <a:srgbClr val="000000"/>
+                      </a:solidFill>
+                      <a:prstDash val="solid"/>
+                      <a:round/>
+                      <a:headEnd type="none" w="med" len="med"/>
+                      <a:tailEnd type="none" w="med" len="med"/>
+                    </a:lnR>
+                    <a:lnT w="12700" cap="flat" cmpd="sng" algn="ctr">
+                      <a:solidFill>
+                        <a:srgbClr val="000000"/>
+                      </a:solidFill>
+                      <a:prstDash val="solid"/>
+                      <a:round/>
+                      <a:headEnd type="none" w="med" len="med"/>
+                      <a:tailEnd type="none" w="med" len="med"/>
+                    </a:lnT>
+                    <a:lnB w="12700" cap="flat" cmpd="sng" algn="ctr">
+                      <a:solidFill>
+                        <a:srgbClr val="000000"/>
+                      </a:solidFill>
+                      <a:prstDash val="solid"/>
+                      <a:round/>
+                      <a:headEnd type="none" w="med" len="med"/>
+                      <a:tailEnd type="none" w="med" len="med"/>
+                    </a:lnB>
+                    <a:noFill/>
+                  </a:tcPr>
+                </a:tc>
+                <a:extLst>
+                  <a:ext uri="{0D108BD9-81ED-4DB2-BD59-A6C34878D82A}">
+                    <a16:rowId xmlns:a16="http://schemas.microsoft.com/office/drawing/2014/main" val="2540129708"/>
+                  </a:ext>
+                </a:extLst>
+              </a:tr>
+            </a:tbl>
+          </a:graphicData>
+        </a:graphic>
+      </p:graphicFrame>
+      <p:graphicFrame>
+        <p:nvGraphicFramePr>
+          <p:cNvPr id="9" name="Таблица 8">
+            <a:extLst>
+              <a:ext uri="{FF2B5EF4-FFF2-40B4-BE49-F238E27FC236}">
+                <a16:creationId xmlns:a16="http://schemas.microsoft.com/office/drawing/2014/main" id="{E07EA254-DC15-F77E-DDF0-1CDC3AC70086}"/>
+              </a:ext>
+            </a:extLst>
+          </p:cNvPr>
+          <p:cNvGraphicFramePr>
+            <a:graphicFrameLocks noGrp="1"/>
+          </p:cNvGraphicFramePr>
+          <p:nvPr>
+            <p:extLst>
+              <p:ext uri="{D42A27DB-BD31-4B8C-83A1-F6EECF244321}">
+                <p14:modId xmlns:p14="http://schemas.microsoft.com/office/powerpoint/2010/main" val="1389223555"/>
+              </p:ext>
+            </p:extLst>
+          </p:nvPr>
+        </p:nvGraphicFramePr>
+        <p:xfrm>
+          <a:off x="5184090" y="4036578"/>
+          <a:ext cx="3548543" cy="1262253"/>
+        </p:xfrm>
+        <a:graphic>
+          <a:graphicData uri="http://schemas.openxmlformats.org/drawingml/2006/table">
+            <a:tbl>
+              <a:tblPr firstRow="1" firstCol="1" bandRow="1"/>
+              <a:tblGrid>
+                <a:gridCol w="855677">
+                  <a:extLst>
+                    <a:ext uri="{9D8B030D-6E8A-4147-A177-3AD203B41FA5}">
+                      <a16:colId xmlns:a16="http://schemas.microsoft.com/office/drawing/2014/main" val="3819479967"/>
+                    </a:ext>
+                  </a:extLst>
+                </a:gridCol>
+                <a:gridCol w="1124125">
+                  <a:extLst>
+                    <a:ext uri="{9D8B030D-6E8A-4147-A177-3AD203B41FA5}">
+                      <a16:colId xmlns:a16="http://schemas.microsoft.com/office/drawing/2014/main" val="184937808"/>
+                    </a:ext>
+                  </a:extLst>
+                </a:gridCol>
+                <a:gridCol w="1568741">
+                  <a:extLst>
+                    <a:ext uri="{9D8B030D-6E8A-4147-A177-3AD203B41FA5}">
+                      <a16:colId xmlns:a16="http://schemas.microsoft.com/office/drawing/2014/main" val="1830709245"/>
+                    </a:ext>
+                  </a:extLst>
+                </a:gridCol>
+              </a:tblGrid>
+              <a:tr h="0">
+                <a:tc>
+                  <a:txBody>
+                    <a:bodyPr/>
+                    <a:lstStyle/>
+                    <a:p>
+                      <a:pPr algn="ctr">
+                        <a:lnSpc>
+                          <a:spcPct val="150000"/>
+                        </a:lnSpc>
+                        <a:spcAft>
+                          <a:spcPts val="800"/>
+                        </a:spcAft>
+                        <a:buNone/>
+                      </a:pPr>
+                      <a:r>
+                        <a:rPr lang="ru-RU" sz="1100" dirty="0">
+                          <a:effectLst/>
+                          <a:latin typeface="Times New Roman" panose="02020603050405020304" pitchFamily="18" charset="0"/>
+                          <a:ea typeface="Calibri" panose="020F0502020204030204" pitchFamily="34" charset="0"/>
+                          <a:cs typeface="Times New Roman" panose="02020603050405020304" pitchFamily="18" charset="0"/>
+                        </a:rPr>
+                        <a:t>Метрика</a:t>
+                      </a:r>
+                    </a:p>
+                  </a:txBody>
+                  <a:tcPr marL="68580" marR="68580" marT="0" marB="0" anchor="ctr">
+                    <a:lnL w="12700" cap="flat" cmpd="sng" algn="ctr">
+                      <a:solidFill>
+                        <a:srgbClr val="000000"/>
+                      </a:solidFill>
+                      <a:prstDash val="solid"/>
+                      <a:round/>
+                      <a:headEnd type="none" w="med" len="med"/>
+                      <a:tailEnd type="none" w="med" len="med"/>
+                    </a:lnL>
+                    <a:lnR w="12700" cap="flat" cmpd="sng" algn="ctr">
+                      <a:solidFill>
+                        <a:srgbClr val="000000"/>
+                      </a:solidFill>
+                      <a:prstDash val="solid"/>
+                      <a:round/>
+                      <a:headEnd type="none" w="med" len="med"/>
+                      <a:tailEnd type="none" w="med" len="med"/>
+                    </a:lnR>
+                    <a:lnT w="12700" cap="flat" cmpd="sng" algn="ctr">
+                      <a:solidFill>
+                        <a:srgbClr val="000000"/>
+                      </a:solidFill>
+                      <a:prstDash val="solid"/>
+                      <a:round/>
+                      <a:headEnd type="none" w="med" len="med"/>
+                      <a:tailEnd type="none" w="med" len="med"/>
+                    </a:lnT>
+                    <a:lnB w="12700" cap="flat" cmpd="sng" algn="ctr">
+                      <a:solidFill>
+                        <a:srgbClr val="000000"/>
+                      </a:solidFill>
+                      <a:prstDash val="solid"/>
+                      <a:round/>
+                      <a:headEnd type="none" w="med" len="med"/>
+                      <a:tailEnd type="none" w="med" len="med"/>
+                    </a:lnB>
+                    <a:noFill/>
+                  </a:tcPr>
+                </a:tc>
+                <a:tc>
+                  <a:txBody>
+                    <a:bodyPr/>
+                    <a:lstStyle/>
+                    <a:p>
+                      <a:pPr algn="ctr">
+                        <a:lnSpc>
+                          <a:spcPct val="150000"/>
+                        </a:lnSpc>
+                        <a:spcAft>
+                          <a:spcPts val="800"/>
+                        </a:spcAft>
+                        <a:buNone/>
+                      </a:pPr>
+                      <a:r>
+                        <a:rPr lang="ru-RU" sz="1100" dirty="0">
+                          <a:effectLst/>
+                          <a:latin typeface="Times New Roman" panose="02020603050405020304" pitchFamily="18" charset="0"/>
+                          <a:ea typeface="Calibri" panose="020F0502020204030204" pitchFamily="34" charset="0"/>
+                          <a:cs typeface="Times New Roman" panose="02020603050405020304" pitchFamily="18" charset="0"/>
+                        </a:rPr>
+                        <a:t>Ожидаемое значение (см)</a:t>
+                      </a:r>
+                    </a:p>
+                  </a:txBody>
+                  <a:tcPr marL="68580" marR="68580" marT="0" marB="0" anchor="ctr">
+                    <a:lnL w="12700" cap="flat" cmpd="sng" algn="ctr">
+                      <a:solidFill>
+                        <a:srgbClr val="000000"/>
+                      </a:solidFill>
+                      <a:prstDash val="solid"/>
+                      <a:round/>
+                      <a:headEnd type="none" w="med" len="med"/>
+                      <a:tailEnd type="none" w="med" len="med"/>
+                    </a:lnL>
+                    <a:lnR w="12700" cap="flat" cmpd="sng" algn="ctr">
+                      <a:solidFill>
+                        <a:srgbClr val="000000"/>
+                      </a:solidFill>
+                      <a:prstDash val="solid"/>
+                      <a:round/>
+                      <a:headEnd type="none" w="med" len="med"/>
+                      <a:tailEnd type="none" w="med" len="med"/>
+                    </a:lnR>
+                    <a:lnT w="12700" cap="flat" cmpd="sng" algn="ctr">
+                      <a:solidFill>
+                        <a:srgbClr val="000000"/>
+                      </a:solidFill>
+                      <a:prstDash val="solid"/>
+                      <a:round/>
+                      <a:headEnd type="none" w="med" len="med"/>
+                      <a:tailEnd type="none" w="med" len="med"/>
+                    </a:lnT>
+                    <a:lnB w="12700" cap="flat" cmpd="sng" algn="ctr">
+                      <a:solidFill>
+                        <a:srgbClr val="000000"/>
+                      </a:solidFill>
+                      <a:prstDash val="solid"/>
+                      <a:round/>
+                      <a:headEnd type="none" w="med" len="med"/>
+                      <a:tailEnd type="none" w="med" len="med"/>
+                    </a:lnB>
+                    <a:noFill/>
+                  </a:tcPr>
+                </a:tc>
+                <a:tc>
+                  <a:txBody>
+                    <a:bodyPr/>
+                    <a:lstStyle/>
+                    <a:p>
+                      <a:pPr algn="ctr">
+                        <a:lnSpc>
+                          <a:spcPct val="150000"/>
+                        </a:lnSpc>
+                        <a:spcAft>
+                          <a:spcPts val="800"/>
+                        </a:spcAft>
+                        <a:buNone/>
+                      </a:pPr>
+                      <a:r>
+                        <a:rPr lang="ru-RU" sz="1100" dirty="0">
+                          <a:effectLst/>
+                          <a:latin typeface="Times New Roman" panose="02020603050405020304" pitchFamily="18" charset="0"/>
+                          <a:ea typeface="Calibri" panose="020F0502020204030204" pitchFamily="34" charset="0"/>
+                          <a:cs typeface="Times New Roman" panose="02020603050405020304" pitchFamily="18" charset="0"/>
+                        </a:rPr>
+                        <a:t>Фактическое значение для локтя (см)</a:t>
+                      </a:r>
+                    </a:p>
+                  </a:txBody>
+                  <a:tcPr marL="68580" marR="68580" marT="0" marB="0" anchor="ctr">
+                    <a:lnL w="12700" cap="flat" cmpd="sng" algn="ctr">
+                      <a:solidFill>
+                        <a:srgbClr val="000000"/>
+                      </a:solidFill>
+                      <a:prstDash val="solid"/>
+                      <a:round/>
+                      <a:headEnd type="none" w="med" len="med"/>
+                      <a:tailEnd type="none" w="med" len="med"/>
+                    </a:lnL>
+                    <a:lnR w="12700" cap="flat" cmpd="sng" algn="ctr">
+                      <a:solidFill>
+                        <a:srgbClr val="000000"/>
+                      </a:solidFill>
+                      <a:prstDash val="solid"/>
+                      <a:round/>
+                      <a:headEnd type="none" w="med" len="med"/>
+                      <a:tailEnd type="none" w="med" len="med"/>
+                    </a:lnR>
+                    <a:lnT w="12700" cap="flat" cmpd="sng" algn="ctr">
+                      <a:solidFill>
+                        <a:srgbClr val="000000"/>
+                      </a:solidFill>
+                      <a:prstDash val="solid"/>
+                      <a:round/>
+                      <a:headEnd type="none" w="med" len="med"/>
+                      <a:tailEnd type="none" w="med" len="med"/>
+                    </a:lnT>
+                    <a:lnB w="12700" cap="flat" cmpd="sng" algn="ctr">
+                      <a:solidFill>
+                        <a:srgbClr val="000000"/>
+                      </a:solidFill>
+                      <a:prstDash val="solid"/>
+                      <a:round/>
+                      <a:headEnd type="none" w="med" len="med"/>
+                      <a:tailEnd type="none" w="med" len="med"/>
+                    </a:lnB>
+                    <a:noFill/>
+                  </a:tcPr>
+                </a:tc>
+                <a:extLst>
+                  <a:ext uri="{0D108BD9-81ED-4DB2-BD59-A6C34878D82A}">
+                    <a16:rowId xmlns:a16="http://schemas.microsoft.com/office/drawing/2014/main" val="2054207389"/>
+                  </a:ext>
+                </a:extLst>
+              </a:tr>
+              <a:tr h="0">
+                <a:tc>
+                  <a:txBody>
+                    <a:bodyPr/>
+                    <a:lstStyle/>
+                    <a:p>
+                      <a:pPr algn="ctr">
+                        <a:lnSpc>
+                          <a:spcPct val="150000"/>
+                        </a:lnSpc>
+                        <a:spcAft>
+                          <a:spcPts val="800"/>
+                        </a:spcAft>
+                        <a:buNone/>
+                      </a:pPr>
+                      <a:r>
+                        <a:rPr lang="en-US" sz="1100">
+                          <a:effectLst/>
+                          <a:latin typeface="Times New Roman" panose="02020603050405020304" pitchFamily="18" charset="0"/>
+                          <a:ea typeface="Calibri" panose="020F0502020204030204" pitchFamily="34" charset="0"/>
+                          <a:cs typeface="Times New Roman" panose="02020603050405020304" pitchFamily="18" charset="0"/>
+                        </a:rPr>
+                        <a:t>MME</a:t>
+                      </a:r>
+                      <a:endParaRPr lang="ru-RU" sz="1100">
+                        <a:effectLst/>
+                        <a:latin typeface="Times New Roman" panose="02020603050405020304" pitchFamily="18" charset="0"/>
+                        <a:ea typeface="Calibri" panose="020F0502020204030204" pitchFamily="34" charset="0"/>
+                        <a:cs typeface="Times New Roman" panose="02020603050405020304" pitchFamily="18" charset="0"/>
+                      </a:endParaRPr>
+                    </a:p>
+                  </a:txBody>
+                  <a:tcPr marL="68580" marR="68580" marT="0" marB="0" anchor="ctr">
+                    <a:lnL w="12700" cap="flat" cmpd="sng" algn="ctr">
+                      <a:solidFill>
+                        <a:srgbClr val="000000"/>
+                      </a:solidFill>
+                      <a:prstDash val="solid"/>
+                      <a:round/>
+                      <a:headEnd type="none" w="med" len="med"/>
+                      <a:tailEnd type="none" w="med" len="med"/>
+                    </a:lnL>
+                    <a:lnR w="12700" cap="flat" cmpd="sng" algn="ctr">
+                      <a:solidFill>
+                        <a:srgbClr val="000000"/>
+                      </a:solidFill>
+                      <a:prstDash val="solid"/>
+                      <a:round/>
+                      <a:headEnd type="none" w="med" len="med"/>
+                      <a:tailEnd type="none" w="med" len="med"/>
+                    </a:lnR>
+                    <a:lnT w="12700" cap="flat" cmpd="sng" algn="ctr">
+                      <a:solidFill>
+                        <a:srgbClr val="000000"/>
+                      </a:solidFill>
+                      <a:prstDash val="solid"/>
+                      <a:round/>
+                      <a:headEnd type="none" w="med" len="med"/>
+                      <a:tailEnd type="none" w="med" len="med"/>
+                    </a:lnT>
+                    <a:lnB w="12700" cap="flat" cmpd="sng" algn="ctr">
+                      <a:solidFill>
+                        <a:srgbClr val="000000"/>
+                      </a:solidFill>
+                      <a:prstDash val="solid"/>
+                      <a:round/>
+                      <a:headEnd type="none" w="med" len="med"/>
+                      <a:tailEnd type="none" w="med" len="med"/>
+                    </a:lnB>
+                    <a:noFill/>
+                  </a:tcPr>
+                </a:tc>
+                <a:tc>
+                  <a:txBody>
+                    <a:bodyPr/>
+                    <a:lstStyle/>
+                    <a:p>
+                      <a:pPr algn="ctr">
+                        <a:lnSpc>
+                          <a:spcPct val="150000"/>
+                        </a:lnSpc>
+                        <a:spcAft>
+                          <a:spcPts val="800"/>
+                        </a:spcAft>
+                        <a:buNone/>
+                      </a:pPr>
+                      <a:r>
+                        <a:rPr lang="ru-RU" sz="1100" dirty="0">
+                          <a:effectLst/>
+                          <a:latin typeface="Times New Roman" panose="02020603050405020304" pitchFamily="18" charset="0"/>
+                          <a:ea typeface="Calibri" panose="020F0502020204030204" pitchFamily="34" charset="0"/>
+                          <a:cs typeface="Times New Roman" panose="02020603050405020304" pitchFamily="18" charset="0"/>
+                        </a:rPr>
+                        <a:t>&lt; 0</a:t>
+                      </a:r>
+                      <a:r>
+                        <a:rPr lang="en-US" sz="1100" dirty="0">
+                          <a:effectLst/>
+                          <a:latin typeface="Times New Roman" panose="02020603050405020304" pitchFamily="18" charset="0"/>
+                          <a:ea typeface="Calibri" panose="020F0502020204030204" pitchFamily="34" charset="0"/>
+                          <a:cs typeface="Times New Roman" panose="02020603050405020304" pitchFamily="18" charset="0"/>
+                        </a:rPr>
+                        <a:t>,</a:t>
+                      </a:r>
+                      <a:r>
+                        <a:rPr lang="ru-RU" sz="1100" dirty="0">
+                          <a:effectLst/>
+                          <a:latin typeface="Times New Roman" panose="02020603050405020304" pitchFamily="18" charset="0"/>
+                          <a:ea typeface="Calibri" panose="020F0502020204030204" pitchFamily="34" charset="0"/>
+                          <a:cs typeface="Times New Roman" panose="02020603050405020304" pitchFamily="18" charset="0"/>
+                        </a:rPr>
+                        <a:t>1</a:t>
+                      </a:r>
+                    </a:p>
+                  </a:txBody>
+                  <a:tcPr marL="68580" marR="68580" marT="0" marB="0" anchor="ctr">
+                    <a:lnL w="12700" cap="flat" cmpd="sng" algn="ctr">
+                      <a:solidFill>
+                        <a:srgbClr val="000000"/>
+                      </a:solidFill>
+                      <a:prstDash val="solid"/>
+                      <a:round/>
+                      <a:headEnd type="none" w="med" len="med"/>
+                      <a:tailEnd type="none" w="med" len="med"/>
+                    </a:lnL>
+                    <a:lnR w="12700" cap="flat" cmpd="sng" algn="ctr">
+                      <a:solidFill>
+                        <a:srgbClr val="000000"/>
+                      </a:solidFill>
+                      <a:prstDash val="solid"/>
+                      <a:round/>
+                      <a:headEnd type="none" w="med" len="med"/>
+                      <a:tailEnd type="none" w="med" len="med"/>
+                    </a:lnR>
+                    <a:lnT w="12700" cap="flat" cmpd="sng" algn="ctr">
+                      <a:solidFill>
+                        <a:srgbClr val="000000"/>
+                      </a:solidFill>
+                      <a:prstDash val="solid"/>
+                      <a:round/>
+                      <a:headEnd type="none" w="med" len="med"/>
+                      <a:tailEnd type="none" w="med" len="med"/>
+                    </a:lnT>
+                    <a:lnB w="12700" cap="flat" cmpd="sng" algn="ctr">
+                      <a:solidFill>
+                        <a:srgbClr val="000000"/>
+                      </a:solidFill>
+                      <a:prstDash val="solid"/>
+                      <a:round/>
+                      <a:headEnd type="none" w="med" len="med"/>
+                      <a:tailEnd type="none" w="med" len="med"/>
+                    </a:lnB>
+                    <a:noFill/>
+                  </a:tcPr>
+                </a:tc>
+                <a:tc>
+                  <a:txBody>
+                    <a:bodyPr/>
+                    <a:lstStyle/>
+                    <a:p>
+                      <a:pPr algn="ctr">
+                        <a:lnSpc>
+                          <a:spcPct val="150000"/>
+                        </a:lnSpc>
+                        <a:spcAft>
+                          <a:spcPts val="800"/>
+                        </a:spcAft>
+                        <a:buNone/>
+                      </a:pPr>
+                      <a:r>
+                        <a:rPr lang="ru-RU" sz="1100" dirty="0">
+                          <a:effectLst/>
+                          <a:latin typeface="Times New Roman" panose="02020603050405020304" pitchFamily="18" charset="0"/>
+                          <a:ea typeface="Calibri" panose="020F0502020204030204" pitchFamily="34" charset="0"/>
+                          <a:cs typeface="Times New Roman" panose="02020603050405020304" pitchFamily="18" charset="0"/>
+                        </a:rPr>
+                        <a:t>0,03955</a:t>
+                      </a:r>
+                    </a:p>
+                  </a:txBody>
+                  <a:tcPr marL="68580" marR="68580" marT="0" marB="0" anchor="ctr">
+                    <a:lnL w="12700" cap="flat" cmpd="sng" algn="ctr">
+                      <a:solidFill>
+                        <a:srgbClr val="000000"/>
+                      </a:solidFill>
+                      <a:prstDash val="solid"/>
+                      <a:round/>
+                      <a:headEnd type="none" w="med" len="med"/>
+                      <a:tailEnd type="none" w="med" len="med"/>
+                    </a:lnL>
+                    <a:lnR w="12700" cap="flat" cmpd="sng" algn="ctr">
+                      <a:solidFill>
+                        <a:srgbClr val="000000"/>
+                      </a:solidFill>
+                      <a:prstDash val="solid"/>
+                      <a:round/>
+                      <a:headEnd type="none" w="med" len="med"/>
+                      <a:tailEnd type="none" w="med" len="med"/>
+                    </a:lnR>
+                    <a:lnT w="12700" cap="flat" cmpd="sng" algn="ctr">
+                      <a:solidFill>
+                        <a:srgbClr val="000000"/>
+                      </a:solidFill>
+                      <a:prstDash val="solid"/>
+                      <a:round/>
+                      <a:headEnd type="none" w="med" len="med"/>
+                      <a:tailEnd type="none" w="med" len="med"/>
+                    </a:lnT>
+                    <a:lnB w="12700" cap="flat" cmpd="sng" algn="ctr">
+                      <a:solidFill>
+                        <a:srgbClr val="000000"/>
+                      </a:solidFill>
+                      <a:prstDash val="solid"/>
+                      <a:round/>
+                      <a:headEnd type="none" w="med" len="med"/>
+                      <a:tailEnd type="none" w="med" len="med"/>
+                    </a:lnB>
+                    <a:noFill/>
+                  </a:tcPr>
+                </a:tc>
+                <a:extLst>
+                  <a:ext uri="{0D108BD9-81ED-4DB2-BD59-A6C34878D82A}">
+                    <a16:rowId xmlns:a16="http://schemas.microsoft.com/office/drawing/2014/main" val="696223472"/>
+                  </a:ext>
+                </a:extLst>
+              </a:tr>
+              <a:tr h="0">
+                <a:tc>
+                  <a:txBody>
+                    <a:bodyPr/>
+                    <a:lstStyle/>
+                    <a:p>
+                      <a:pPr algn="ctr">
+                        <a:lnSpc>
+                          <a:spcPct val="150000"/>
+                        </a:lnSpc>
+                        <a:spcAft>
+                          <a:spcPts val="800"/>
+                        </a:spcAft>
+                        <a:buNone/>
+                      </a:pPr>
+                      <a:r>
+                        <a:rPr lang="en-US" sz="1100">
+                          <a:effectLst/>
+                          <a:latin typeface="Times New Roman" panose="02020603050405020304" pitchFamily="18" charset="0"/>
+                          <a:ea typeface="Calibri" panose="020F0502020204030204" pitchFamily="34" charset="0"/>
+                          <a:cs typeface="Times New Roman" panose="02020603050405020304" pitchFamily="18" charset="0"/>
+                        </a:rPr>
+                        <a:t>MPV</a:t>
+                      </a:r>
+                      <a:endParaRPr lang="ru-RU" sz="1100">
+                        <a:effectLst/>
+                        <a:latin typeface="Times New Roman" panose="02020603050405020304" pitchFamily="18" charset="0"/>
+                        <a:ea typeface="Calibri" panose="020F0502020204030204" pitchFamily="34" charset="0"/>
+                        <a:cs typeface="Times New Roman" panose="02020603050405020304" pitchFamily="18" charset="0"/>
+                      </a:endParaRPr>
+                    </a:p>
+                  </a:txBody>
+                  <a:tcPr marL="68580" marR="68580" marT="0" marB="0" anchor="ctr">
+                    <a:lnL w="12700" cap="flat" cmpd="sng" algn="ctr">
+                      <a:solidFill>
+                        <a:srgbClr val="000000"/>
+                      </a:solidFill>
+                      <a:prstDash val="solid"/>
+                      <a:round/>
+                      <a:headEnd type="none" w="med" len="med"/>
+                      <a:tailEnd type="none" w="med" len="med"/>
+                    </a:lnL>
+                    <a:lnR w="12700" cap="flat" cmpd="sng" algn="ctr">
+                      <a:solidFill>
+                        <a:srgbClr val="000000"/>
+                      </a:solidFill>
+                      <a:prstDash val="solid"/>
+                      <a:round/>
+                      <a:headEnd type="none" w="med" len="med"/>
+                      <a:tailEnd type="none" w="med" len="med"/>
+                    </a:lnR>
+                    <a:lnT w="12700" cap="flat" cmpd="sng" algn="ctr">
+                      <a:solidFill>
+                        <a:srgbClr val="000000"/>
+                      </a:solidFill>
+                      <a:prstDash val="solid"/>
+                      <a:round/>
+                      <a:headEnd type="none" w="med" len="med"/>
+                      <a:tailEnd type="none" w="med" len="med"/>
+                    </a:lnT>
+                    <a:lnB w="12700" cap="flat" cmpd="sng" algn="ctr">
+                      <a:solidFill>
+                        <a:srgbClr val="000000"/>
+                      </a:solidFill>
+                      <a:prstDash val="solid"/>
+                      <a:round/>
+                      <a:headEnd type="none" w="med" len="med"/>
+                      <a:tailEnd type="none" w="med" len="med"/>
+                    </a:lnB>
+                    <a:noFill/>
+                  </a:tcPr>
+                </a:tc>
+                <a:tc>
+                  <a:txBody>
+                    <a:bodyPr/>
+                    <a:lstStyle/>
+                    <a:p>
+                      <a:pPr algn="ctr">
+                        <a:lnSpc>
+                          <a:spcPct val="107000"/>
+                        </a:lnSpc>
+                        <a:spcAft>
+                          <a:spcPts val="800"/>
+                        </a:spcAft>
+                        <a:buNone/>
+                      </a:pPr>
+                      <a:br>
+                        <a:rPr lang="ru-RU" sz="1100" spc="25">
+                          <a:effectLst/>
+                          <a:latin typeface="Times New Roman" panose="02020603050405020304" pitchFamily="18" charset="0"/>
+                          <a:ea typeface="Calibri" panose="020F0502020204030204" pitchFamily="34" charset="0"/>
+                          <a:cs typeface="Times New Roman" panose="02020603050405020304" pitchFamily="18" charset="0"/>
+                        </a:rPr>
+                      </a:br>
+                      <a:r>
+                        <a:rPr lang="ru-RU" sz="1100" spc="25">
+                          <a:effectLst/>
+                          <a:latin typeface="Times New Roman" panose="02020603050405020304" pitchFamily="18" charset="0"/>
+                          <a:ea typeface="Calibri" panose="020F0502020204030204" pitchFamily="34" charset="0"/>
+                          <a:cs typeface="Times New Roman" panose="02020603050405020304" pitchFamily="18" charset="0"/>
+                        </a:rPr>
+                        <a:t>&lt; 2</a:t>
+                      </a:r>
+                      <a:endParaRPr lang="ru-RU" sz="1100">
+                        <a:effectLst/>
+                        <a:latin typeface="Times New Roman" panose="02020603050405020304" pitchFamily="18" charset="0"/>
+                        <a:ea typeface="Calibri" panose="020F0502020204030204" pitchFamily="34" charset="0"/>
+                        <a:cs typeface="Times New Roman" panose="02020603050405020304" pitchFamily="18" charset="0"/>
+                      </a:endParaRPr>
+                    </a:p>
+                  </a:txBody>
+                  <a:tcPr marL="68580" marR="68580" marT="0" marB="0" anchor="ctr">
+                    <a:lnL w="12700" cap="flat" cmpd="sng" algn="ctr">
+                      <a:solidFill>
+                        <a:srgbClr val="000000"/>
+                      </a:solidFill>
+                      <a:prstDash val="solid"/>
+                      <a:round/>
+                      <a:headEnd type="none" w="med" len="med"/>
+                      <a:tailEnd type="none" w="med" len="med"/>
+                    </a:lnL>
+                    <a:lnR w="12700" cap="flat" cmpd="sng" algn="ctr">
+                      <a:solidFill>
+                        <a:srgbClr val="000000"/>
+                      </a:solidFill>
+                      <a:prstDash val="solid"/>
+                      <a:round/>
+                      <a:headEnd type="none" w="med" len="med"/>
+                      <a:tailEnd type="none" w="med" len="med"/>
+                    </a:lnR>
+                    <a:lnT w="12700" cap="flat" cmpd="sng" algn="ctr">
+                      <a:solidFill>
+                        <a:srgbClr val="000000"/>
+                      </a:solidFill>
+                      <a:prstDash val="solid"/>
+                      <a:round/>
+                      <a:headEnd type="none" w="med" len="med"/>
+                      <a:tailEnd type="none" w="med" len="med"/>
+                    </a:lnT>
+                    <a:lnB w="12700" cap="flat" cmpd="sng" algn="ctr">
+                      <a:solidFill>
+                        <a:srgbClr val="000000"/>
+                      </a:solidFill>
+                      <a:prstDash val="solid"/>
+                      <a:round/>
+                      <a:headEnd type="none" w="med" len="med"/>
+                      <a:tailEnd type="none" w="med" len="med"/>
+                    </a:lnB>
+                    <a:noFill/>
+                  </a:tcPr>
+                </a:tc>
+                <a:tc>
+                  <a:txBody>
+                    <a:bodyPr/>
+                    <a:lstStyle/>
+                    <a:p>
+                      <a:pPr algn="ctr">
+                        <a:lnSpc>
+                          <a:spcPct val="150000"/>
+                        </a:lnSpc>
+                        <a:spcAft>
+                          <a:spcPts val="800"/>
+                        </a:spcAft>
+                        <a:buNone/>
+                      </a:pPr>
+                      <a:r>
+                        <a:rPr lang="ru-RU" sz="1100" dirty="0">
+                          <a:effectLst/>
+                          <a:latin typeface="Times New Roman" panose="02020603050405020304" pitchFamily="18" charset="0"/>
+                          <a:ea typeface="Calibri" panose="020F0502020204030204" pitchFamily="34" charset="0"/>
+                          <a:cs typeface="Times New Roman" panose="02020603050405020304" pitchFamily="18" charset="0"/>
+                        </a:rPr>
+                        <a:t>2,36242</a:t>
+                      </a:r>
+                    </a:p>
+                  </a:txBody>
+                  <a:tcPr marL="68580" marR="68580" marT="0" marB="0" anchor="ctr">
+                    <a:lnL w="12700" cap="flat" cmpd="sng" algn="ctr">
+                      <a:solidFill>
+                        <a:srgbClr val="000000"/>
+                      </a:solidFill>
+                      <a:prstDash val="solid"/>
+                      <a:round/>
+                      <a:headEnd type="none" w="med" len="med"/>
+                      <a:tailEnd type="none" w="med" len="med"/>
+                    </a:lnL>
+                    <a:lnR w="12700" cap="flat" cmpd="sng" algn="ctr">
+                      <a:solidFill>
+                        <a:srgbClr val="000000"/>
+                      </a:solidFill>
+                      <a:prstDash val="solid"/>
+                      <a:round/>
+                      <a:headEnd type="none" w="med" len="med"/>
+                      <a:tailEnd type="none" w="med" len="med"/>
+                    </a:lnR>
+                    <a:lnT w="12700" cap="flat" cmpd="sng" algn="ctr">
+                      <a:solidFill>
+                        <a:srgbClr val="000000"/>
+                      </a:solidFill>
+                      <a:prstDash val="solid"/>
+                      <a:round/>
+                      <a:headEnd type="none" w="med" len="med"/>
+                      <a:tailEnd type="none" w="med" len="med"/>
+                    </a:lnT>
+                    <a:lnB w="12700" cap="flat" cmpd="sng" algn="ctr">
+                      <a:solidFill>
+                        <a:srgbClr val="000000"/>
+                      </a:solidFill>
+                      <a:prstDash val="solid"/>
+                      <a:round/>
+                      <a:headEnd type="none" w="med" len="med"/>
+                      <a:tailEnd type="none" w="med" len="med"/>
+                    </a:lnB>
+                    <a:noFill/>
+                  </a:tcPr>
+                </a:tc>
+                <a:extLst>
+                  <a:ext uri="{0D108BD9-81ED-4DB2-BD59-A6C34878D82A}">
+                    <a16:rowId xmlns:a16="http://schemas.microsoft.com/office/drawing/2014/main" val="3567558763"/>
+                  </a:ext>
+                </a:extLst>
+              </a:tr>
+              <a:tr h="0">
+                <a:tc>
+                  <a:txBody>
+                    <a:bodyPr/>
+                    <a:lstStyle/>
+                    <a:p>
+                      <a:pPr algn="ctr">
+                        <a:lnSpc>
+                          <a:spcPct val="150000"/>
+                        </a:lnSpc>
+                        <a:spcAft>
+                          <a:spcPts val="800"/>
+                        </a:spcAft>
+                        <a:buNone/>
+                      </a:pPr>
+                      <a:r>
+                        <a:rPr lang="en-US" sz="1100">
+                          <a:effectLst/>
+                          <a:latin typeface="Times New Roman" panose="02020603050405020304" pitchFamily="18" charset="0"/>
+                          <a:ea typeface="Calibri" panose="020F0502020204030204" pitchFamily="34" charset="0"/>
+                          <a:cs typeface="Times New Roman" panose="02020603050405020304" pitchFamily="18" charset="0"/>
+                        </a:rPr>
+                        <a:t>MOM</a:t>
+                      </a:r>
+                      <a:r>
+                        <a:rPr lang="en-US" sz="1100" baseline="30000">
+                          <a:effectLst/>
+                          <a:latin typeface="Times New Roman" panose="02020603050405020304" pitchFamily="18" charset="0"/>
+                          <a:ea typeface="Calibri" panose="020F0502020204030204" pitchFamily="34" charset="0"/>
+                          <a:cs typeface="Times New Roman" panose="02020603050405020304" pitchFamily="18" charset="0"/>
+                        </a:rPr>
+                        <a:t>15 </a:t>
+                      </a:r>
+                      <a:r>
+                        <a:rPr lang="ru-RU" sz="1100" baseline="30000">
+                          <a:effectLst/>
+                          <a:latin typeface="Times New Roman" panose="02020603050405020304" pitchFamily="18" charset="0"/>
+                          <a:ea typeface="Calibri" panose="020F0502020204030204" pitchFamily="34" charset="0"/>
+                          <a:cs typeface="Times New Roman" panose="02020603050405020304" pitchFamily="18" charset="0"/>
+                        </a:rPr>
+                        <a:t>пиков</a:t>
+                      </a:r>
+                      <a:endParaRPr lang="ru-RU" sz="1100">
+                        <a:effectLst/>
+                        <a:latin typeface="Times New Roman" panose="02020603050405020304" pitchFamily="18" charset="0"/>
+                        <a:ea typeface="Calibri" panose="020F0502020204030204" pitchFamily="34" charset="0"/>
+                        <a:cs typeface="Times New Roman" panose="02020603050405020304" pitchFamily="18" charset="0"/>
+                      </a:endParaRPr>
+                    </a:p>
+                  </a:txBody>
+                  <a:tcPr marL="68580" marR="68580" marT="0" marB="0" anchor="ctr">
+                    <a:lnL w="12700" cap="flat" cmpd="sng" algn="ctr">
+                      <a:solidFill>
+                        <a:srgbClr val="000000"/>
+                      </a:solidFill>
+                      <a:prstDash val="solid"/>
+                      <a:round/>
+                      <a:headEnd type="none" w="med" len="med"/>
+                      <a:tailEnd type="none" w="med" len="med"/>
+                    </a:lnL>
+                    <a:lnR w="12700" cap="flat" cmpd="sng" algn="ctr">
+                      <a:solidFill>
+                        <a:srgbClr val="000000"/>
+                      </a:solidFill>
+                      <a:prstDash val="solid"/>
+                      <a:round/>
+                      <a:headEnd type="none" w="med" len="med"/>
+                      <a:tailEnd type="none" w="med" len="med"/>
+                    </a:lnR>
+                    <a:lnT w="12700" cap="flat" cmpd="sng" algn="ctr">
+                      <a:solidFill>
+                        <a:srgbClr val="000000"/>
+                      </a:solidFill>
+                      <a:prstDash val="solid"/>
+                      <a:round/>
+                      <a:headEnd type="none" w="med" len="med"/>
+                      <a:tailEnd type="none" w="med" len="med"/>
+                    </a:lnT>
+                    <a:lnB w="12700" cap="flat" cmpd="sng" algn="ctr">
+                      <a:solidFill>
+                        <a:srgbClr val="000000"/>
+                      </a:solidFill>
+                      <a:prstDash val="solid"/>
+                      <a:round/>
+                      <a:headEnd type="none" w="med" len="med"/>
+                      <a:tailEnd type="none" w="med" len="med"/>
+                    </a:lnB>
+                    <a:noFill/>
+                  </a:tcPr>
+                </a:tc>
+                <a:tc>
+                  <a:txBody>
+                    <a:bodyPr/>
+                    <a:lstStyle/>
+                    <a:p>
+                      <a:pPr algn="ctr">
+                        <a:lnSpc>
+                          <a:spcPct val="150000"/>
+                        </a:lnSpc>
+                        <a:spcAft>
+                          <a:spcPts val="800"/>
+                        </a:spcAft>
+                        <a:buNone/>
+                      </a:pPr>
+                      <a:r>
+                        <a:rPr lang="ru-RU" sz="1100">
+                          <a:effectLst/>
+                          <a:latin typeface="Times New Roman" panose="02020603050405020304" pitchFamily="18" charset="0"/>
+                          <a:ea typeface="Calibri" panose="020F0502020204030204" pitchFamily="34" charset="0"/>
+                          <a:cs typeface="Times New Roman" panose="02020603050405020304" pitchFamily="18" charset="0"/>
+                        </a:rPr>
+                        <a:t>&lt; 1</a:t>
+                      </a:r>
+                    </a:p>
+                  </a:txBody>
+                  <a:tcPr marL="68580" marR="68580" marT="0" marB="0" anchor="ctr">
+                    <a:lnL w="12700" cap="flat" cmpd="sng" algn="ctr">
+                      <a:solidFill>
+                        <a:srgbClr val="000000"/>
+                      </a:solidFill>
+                      <a:prstDash val="solid"/>
+                      <a:round/>
+                      <a:headEnd type="none" w="med" len="med"/>
+                      <a:tailEnd type="none" w="med" len="med"/>
+                    </a:lnL>
+                    <a:lnR w="12700" cap="flat" cmpd="sng" algn="ctr">
+                      <a:solidFill>
+                        <a:srgbClr val="000000"/>
+                      </a:solidFill>
+                      <a:prstDash val="solid"/>
+                      <a:round/>
+                      <a:headEnd type="none" w="med" len="med"/>
+                      <a:tailEnd type="none" w="med" len="med"/>
+                    </a:lnR>
+                    <a:lnT w="12700" cap="flat" cmpd="sng" algn="ctr">
+                      <a:solidFill>
+                        <a:srgbClr val="000000"/>
+                      </a:solidFill>
+                      <a:prstDash val="solid"/>
+                      <a:round/>
+                      <a:headEnd type="none" w="med" len="med"/>
+                      <a:tailEnd type="none" w="med" len="med"/>
+                    </a:lnT>
+                    <a:lnB w="12700" cap="flat" cmpd="sng" algn="ctr">
+                      <a:solidFill>
+                        <a:srgbClr val="000000"/>
+                      </a:solidFill>
+                      <a:prstDash val="solid"/>
+                      <a:round/>
+                      <a:headEnd type="none" w="med" len="med"/>
+                      <a:tailEnd type="none" w="med" len="med"/>
+                    </a:lnB>
+                    <a:noFill/>
+                  </a:tcPr>
+                </a:tc>
+                <a:tc>
+                  <a:txBody>
+                    <a:bodyPr/>
+                    <a:lstStyle/>
+                    <a:p>
+                      <a:pPr algn="ctr">
+                        <a:lnSpc>
+                          <a:spcPct val="150000"/>
+                        </a:lnSpc>
+                        <a:spcAft>
+                          <a:spcPts val="800"/>
+                        </a:spcAft>
+                        <a:buNone/>
+                      </a:pPr>
+                      <a:r>
+                        <a:rPr lang="ru-RU" sz="1100" dirty="0">
+                          <a:effectLst/>
+                          <a:latin typeface="Times New Roman" panose="02020603050405020304" pitchFamily="18" charset="0"/>
+                          <a:ea typeface="Calibri" panose="020F0502020204030204" pitchFamily="34" charset="0"/>
+                          <a:cs typeface="Times New Roman" panose="02020603050405020304" pitchFamily="18" charset="0"/>
+                        </a:rPr>
+                        <a:t>1,53955</a:t>
+                      </a:r>
+                    </a:p>
+                  </a:txBody>
+                  <a:tcPr marL="68580" marR="68580" marT="0" marB="0" anchor="ctr">
+                    <a:lnL w="12700" cap="flat" cmpd="sng" algn="ctr">
+                      <a:solidFill>
+                        <a:srgbClr val="000000"/>
+                      </a:solidFill>
+                      <a:prstDash val="solid"/>
+                      <a:round/>
+                      <a:headEnd type="none" w="med" len="med"/>
+                      <a:tailEnd type="none" w="med" len="med"/>
+                    </a:lnL>
+                    <a:lnR w="12700" cap="flat" cmpd="sng" algn="ctr">
+                      <a:solidFill>
+                        <a:srgbClr val="000000"/>
+                      </a:solidFill>
+                      <a:prstDash val="solid"/>
+                      <a:round/>
+                      <a:headEnd type="none" w="med" len="med"/>
+                      <a:tailEnd type="none" w="med" len="med"/>
+                    </a:lnR>
+                    <a:lnT w="12700" cap="flat" cmpd="sng" algn="ctr">
+                      <a:solidFill>
+                        <a:srgbClr val="000000"/>
+                      </a:solidFill>
+                      <a:prstDash val="solid"/>
+                      <a:round/>
+                      <a:headEnd type="none" w="med" len="med"/>
+                      <a:tailEnd type="none" w="med" len="med"/>
+                    </a:lnT>
+                    <a:lnB w="12700" cap="flat" cmpd="sng" algn="ctr">
+                      <a:solidFill>
+                        <a:srgbClr val="000000"/>
+                      </a:solidFill>
+                      <a:prstDash val="solid"/>
+                      <a:round/>
+                      <a:headEnd type="none" w="med" len="med"/>
+                      <a:tailEnd type="none" w="med" len="med"/>
+                    </a:lnB>
+                    <a:noFill/>
+                  </a:tcPr>
+                </a:tc>
+                <a:extLst>
+                  <a:ext uri="{0D108BD9-81ED-4DB2-BD59-A6C34878D82A}">
+                    <a16:rowId xmlns:a16="http://schemas.microsoft.com/office/drawing/2014/main" val="2540129708"/>
+                  </a:ext>
+                </a:extLst>
+              </a:tr>
+            </a:tbl>
+          </a:graphicData>
+        </a:graphic>
+      </p:graphicFrame>
+      <p:sp>
+        <p:nvSpPr>
+          <p:cNvPr id="10" name="Объект 2">
+            <a:extLst>
+              <a:ext uri="{FF2B5EF4-FFF2-40B4-BE49-F238E27FC236}">
+                <a16:creationId xmlns:a16="http://schemas.microsoft.com/office/drawing/2014/main" id="{8C001F9E-F0EE-B6D4-2881-7231A57044A8}"/>
+              </a:ext>
+            </a:extLst>
+          </p:cNvPr>
+          <p:cNvSpPr txBox="1">
+            <a:spLocks/>
+          </p:cNvSpPr>
           <p:nvPr/>
         </p:nvSpPr>
         <p:spPr>
           <a:xfrm>
-            <a:off x="2434336" y="4539235"/>
-            <a:ext cx="6361339" cy="923330"/>
+            <a:off x="5107825" y="1302715"/>
+            <a:ext cx="3776575" cy="1095838"/>
           </a:xfrm>
           <a:prstGeom prst="rect">
             <a:avLst/>
           </a:prstGeom>
-          <a:noFill/>
         </p:spPr>
         <p:txBody>
-          <a:bodyPr wrap="square">
-            <a:spAutoFit/>
+          <a:bodyPr>
+            <a:noAutofit/>
           </a:bodyPr>
-          <a:lstStyle/>
+          <a:lstStyle>
+            <a:lvl1pPr marL="247642" indent="-247642" algn="l" defTabSz="990570" rtl="0" eaLnBrk="1" latinLnBrk="0" hangingPunct="1">
+              <a:lnSpc>
+                <a:spcPct val="90000"/>
+              </a:lnSpc>
+              <a:spcBef>
+                <a:spcPts val="1083"/>
+              </a:spcBef>
+              <a:buFont typeface="Arial" panose="020B0604020202020204" pitchFamily="34" charset="0"/>
+              <a:buChar char="•"/>
+              <a:defRPr sz="3033" kern="1200">
+                <a:solidFill>
+                  <a:schemeClr val="tx1"/>
+                </a:solidFill>
+                <a:latin typeface="+mn-lt"/>
+                <a:ea typeface="+mn-ea"/>
+                <a:cs typeface="+mn-cs"/>
+              </a:defRPr>
+            </a:lvl1pPr>
+            <a:lvl2pPr marL="742927" indent="-247642" algn="l" defTabSz="990570" rtl="0" eaLnBrk="1" latinLnBrk="0" hangingPunct="1">
+              <a:lnSpc>
+                <a:spcPct val="90000"/>
+              </a:lnSpc>
+              <a:spcBef>
+                <a:spcPts val="542"/>
+              </a:spcBef>
+              <a:buFont typeface="Arial" panose="020B0604020202020204" pitchFamily="34" charset="0"/>
+              <a:buChar char="•"/>
+              <a:defRPr sz="2600" kern="1200">
+                <a:solidFill>
+                  <a:schemeClr val="tx1"/>
+                </a:solidFill>
+                <a:latin typeface="+mn-lt"/>
+                <a:ea typeface="+mn-ea"/>
+                <a:cs typeface="+mn-cs"/>
+              </a:defRPr>
+            </a:lvl2pPr>
+            <a:lvl3pPr marL="1238212" indent="-247642" algn="l" defTabSz="990570" rtl="0" eaLnBrk="1" latinLnBrk="0" hangingPunct="1">
+              <a:lnSpc>
+                <a:spcPct val="90000"/>
+              </a:lnSpc>
+              <a:spcBef>
+                <a:spcPts val="542"/>
+              </a:spcBef>
+              <a:buFont typeface="Arial" panose="020B0604020202020204" pitchFamily="34" charset="0"/>
+              <a:buChar char="•"/>
+              <a:defRPr sz="2167" kern="1200">
+                <a:solidFill>
+                  <a:schemeClr val="tx1"/>
+                </a:solidFill>
+                <a:latin typeface="+mn-lt"/>
+                <a:ea typeface="+mn-ea"/>
+                <a:cs typeface="+mn-cs"/>
+              </a:defRPr>
+            </a:lvl3pPr>
+            <a:lvl4pPr marL="1733497" indent="-247642" algn="l" defTabSz="990570" rtl="0" eaLnBrk="1" latinLnBrk="0" hangingPunct="1">
+              <a:lnSpc>
+                <a:spcPct val="90000"/>
+              </a:lnSpc>
+              <a:spcBef>
+                <a:spcPts val="542"/>
+              </a:spcBef>
+              <a:buFont typeface="Arial" panose="020B0604020202020204" pitchFamily="34" charset="0"/>
+              <a:buChar char="•"/>
+              <a:defRPr sz="1950" kern="1200">
+                <a:solidFill>
+                  <a:schemeClr val="tx1"/>
+                </a:solidFill>
+                <a:latin typeface="+mn-lt"/>
+                <a:ea typeface="+mn-ea"/>
+                <a:cs typeface="+mn-cs"/>
+              </a:defRPr>
+            </a:lvl4pPr>
+            <a:lvl5pPr marL="2228781" indent="-247642" algn="l" defTabSz="990570" rtl="0" eaLnBrk="1" latinLnBrk="0" hangingPunct="1">
+              <a:lnSpc>
+                <a:spcPct val="90000"/>
+              </a:lnSpc>
+              <a:spcBef>
+                <a:spcPts val="542"/>
+              </a:spcBef>
+              <a:buFont typeface="Arial" panose="020B0604020202020204" pitchFamily="34" charset="0"/>
+              <a:buChar char="•"/>
+              <a:defRPr sz="1950" kern="1200">
+                <a:solidFill>
+                  <a:schemeClr val="tx1"/>
+                </a:solidFill>
+                <a:latin typeface="+mn-lt"/>
+                <a:ea typeface="+mn-ea"/>
+                <a:cs typeface="+mn-cs"/>
+              </a:defRPr>
+            </a:lvl5pPr>
+            <a:lvl6pPr marL="2724066" indent="-247642" algn="l" defTabSz="990570" rtl="0" eaLnBrk="1" latinLnBrk="0" hangingPunct="1">
+              <a:lnSpc>
+                <a:spcPct val="90000"/>
+              </a:lnSpc>
+              <a:spcBef>
+                <a:spcPts val="542"/>
+              </a:spcBef>
+              <a:buFont typeface="Arial" panose="020B0604020202020204" pitchFamily="34" charset="0"/>
+              <a:buChar char="•"/>
+              <a:defRPr sz="1950" kern="1200">
+                <a:solidFill>
+                  <a:schemeClr val="tx1"/>
+                </a:solidFill>
+                <a:latin typeface="+mn-lt"/>
+                <a:ea typeface="+mn-ea"/>
+                <a:cs typeface="+mn-cs"/>
+              </a:defRPr>
+            </a:lvl6pPr>
+            <a:lvl7pPr marL="3219351" indent="-247642" algn="l" defTabSz="990570" rtl="0" eaLnBrk="1" latinLnBrk="0" hangingPunct="1">
+              <a:lnSpc>
+                <a:spcPct val="90000"/>
+              </a:lnSpc>
+              <a:spcBef>
+                <a:spcPts val="542"/>
+              </a:spcBef>
+              <a:buFont typeface="Arial" panose="020B0604020202020204" pitchFamily="34" charset="0"/>
+              <a:buChar char="•"/>
+              <a:defRPr sz="1950" kern="1200">
+                <a:solidFill>
+                  <a:schemeClr val="tx1"/>
+                </a:solidFill>
+                <a:latin typeface="+mn-lt"/>
+                <a:ea typeface="+mn-ea"/>
+                <a:cs typeface="+mn-cs"/>
+              </a:defRPr>
+            </a:lvl7pPr>
+            <a:lvl8pPr marL="3714636" indent="-247642" algn="l" defTabSz="990570" rtl="0" eaLnBrk="1" latinLnBrk="0" hangingPunct="1">
+              <a:lnSpc>
+                <a:spcPct val="90000"/>
+              </a:lnSpc>
+              <a:spcBef>
+                <a:spcPts val="542"/>
+              </a:spcBef>
+              <a:buFont typeface="Arial" panose="020B0604020202020204" pitchFamily="34" charset="0"/>
+              <a:buChar char="•"/>
+              <a:defRPr sz="1950" kern="1200">
+                <a:solidFill>
+                  <a:schemeClr val="tx1"/>
+                </a:solidFill>
+                <a:latin typeface="+mn-lt"/>
+                <a:ea typeface="+mn-ea"/>
+                <a:cs typeface="+mn-cs"/>
+              </a:defRPr>
+            </a:lvl8pPr>
+            <a:lvl9pPr marL="4209920" indent="-247642" algn="l" defTabSz="990570" rtl="0" eaLnBrk="1" latinLnBrk="0" hangingPunct="1">
+              <a:lnSpc>
+                <a:spcPct val="90000"/>
+              </a:lnSpc>
+              <a:spcBef>
+                <a:spcPts val="542"/>
+              </a:spcBef>
+              <a:buFont typeface="Arial" panose="020B0604020202020204" pitchFamily="34" charset="0"/>
+              <a:buChar char="•"/>
+              <a:defRPr sz="1950" kern="1200">
+                <a:solidFill>
+                  <a:schemeClr val="tx1"/>
+                </a:solidFill>
+                <a:latin typeface="+mn-lt"/>
+                <a:ea typeface="+mn-ea"/>
+                <a:cs typeface="+mn-cs"/>
+              </a:defRPr>
+            </a:lvl9pPr>
+          </a:lstStyle>
           <a:p>
-            <a:pPr algn="just"/>
+            <a:pPr marL="0" indent="0" algn="just">
+              <a:lnSpc>
+                <a:spcPct val="100000"/>
+              </a:lnSpc>
+              <a:spcBef>
+                <a:spcPts val="0"/>
+              </a:spcBef>
+              <a:buNone/>
+            </a:pPr>
             <a:r>
-              <a:rPr lang="ru-RU" sz="1800" dirty="0">
-                <a:effectLst/>
+              <a:rPr lang="ru-RU" sz="1300" dirty="0">
                 <a:latin typeface="Times New Roman" panose="02020603050405020304" pitchFamily="18" charset="0"/>
-                <a:ea typeface="Calibri" panose="020F0502020204030204" pitchFamily="34" charset="0"/>
+                <a:cs typeface="Times New Roman" panose="02020603050405020304" pitchFamily="18" charset="0"/>
               </a:rPr>
-              <a:t>Среднее отклонение: 0, 38697 см. </a:t>
+              <a:t>Среднее отклонение</a:t>
+            </a:r>
+            <a:r>
+              <a:rPr lang="en-US" sz="1300" dirty="0">
+                <a:latin typeface="Times New Roman" panose="02020603050405020304" pitchFamily="18" charset="0"/>
+                <a:cs typeface="Times New Roman" panose="02020603050405020304" pitchFamily="18" charset="0"/>
+              </a:rPr>
+              <a:t>: </a:t>
+            </a:r>
+            <a:r>
+              <a:rPr lang="ru-RU" sz="1300" dirty="0">
+                <a:latin typeface="Times New Roman" panose="02020603050405020304" pitchFamily="18" charset="0"/>
+                <a:cs typeface="Times New Roman" panose="02020603050405020304" pitchFamily="18" charset="0"/>
+              </a:rPr>
+              <a:t>0,15 см. </a:t>
+            </a:r>
+            <a:endParaRPr lang="en-US" sz="1300" dirty="0">
+              <a:latin typeface="Times New Roman" panose="02020603050405020304" pitchFamily="18" charset="0"/>
+              <a:cs typeface="Times New Roman" panose="02020603050405020304" pitchFamily="18" charset="0"/>
+            </a:endParaRPr>
+          </a:p>
+          <a:p>
+            <a:pPr marL="0" indent="0" algn="just">
+              <a:lnSpc>
+                <a:spcPct val="100000"/>
+              </a:lnSpc>
+              <a:spcBef>
+                <a:spcPts val="0"/>
+              </a:spcBef>
+              <a:buNone/>
+            </a:pPr>
+            <a:r>
+              <a:rPr lang="ru-RU" sz="1300" dirty="0">
+                <a:latin typeface="Times New Roman" panose="02020603050405020304" pitchFamily="18" charset="0"/>
+                <a:cs typeface="Times New Roman" panose="02020603050405020304" pitchFamily="18" charset="0"/>
+              </a:rPr>
+              <a:t>Максимальное отклонение</a:t>
+            </a:r>
+            <a:r>
+              <a:rPr lang="en-US" sz="1300" dirty="0">
+                <a:latin typeface="Times New Roman" panose="02020603050405020304" pitchFamily="18" charset="0"/>
+                <a:cs typeface="Times New Roman" panose="02020603050405020304" pitchFamily="18" charset="0"/>
+              </a:rPr>
+              <a:t>: </a:t>
+            </a:r>
+            <a:r>
+              <a:rPr lang="ru-RU" sz="1300" dirty="0">
+                <a:latin typeface="Times New Roman" panose="02020603050405020304" pitchFamily="18" charset="0"/>
+                <a:cs typeface="Times New Roman" panose="02020603050405020304" pitchFamily="18" charset="0"/>
+              </a:rPr>
+              <a:t>0,65 см</a:t>
+            </a:r>
+            <a:endParaRPr lang="en-US" sz="1300" dirty="0">
+              <a:latin typeface="Times New Roman" panose="02020603050405020304" pitchFamily="18" charset="0"/>
+              <a:cs typeface="Times New Roman" panose="02020603050405020304" pitchFamily="18" charset="0"/>
+            </a:endParaRPr>
+          </a:p>
+          <a:p>
+            <a:pPr marL="0" indent="0" algn="just">
+              <a:lnSpc>
+                <a:spcPct val="100000"/>
+              </a:lnSpc>
+              <a:spcBef>
+                <a:spcPts val="0"/>
+              </a:spcBef>
+              <a:buNone/>
+            </a:pPr>
+            <a:r>
+              <a:rPr lang="ru-RU" sz="1300" dirty="0">
+                <a:latin typeface="Times New Roman" panose="02020603050405020304" pitchFamily="18" charset="0"/>
+                <a:cs typeface="Times New Roman" panose="02020603050405020304" pitchFamily="18" charset="0"/>
+              </a:rPr>
+              <a:t>Точность модели составила 99,68%.</a:t>
             </a:r>
           </a:p>
           <a:p>
-            <a:pPr algn="just"/>
+            <a:pPr marL="0" indent="0" algn="just">
+              <a:lnSpc>
+                <a:spcPct val="100000"/>
+              </a:lnSpc>
+              <a:spcBef>
+                <a:spcPts val="0"/>
+              </a:spcBef>
+              <a:buNone/>
+            </a:pPr>
             <a:r>
-              <a:rPr lang="ru-RU" sz="1800" dirty="0">
-                <a:effectLst/>
+              <a:rPr lang="ru-RU" sz="1300" dirty="0">
                 <a:latin typeface="Times New Roman" panose="02020603050405020304" pitchFamily="18" charset="0"/>
-                <a:ea typeface="Calibri" panose="020F0502020204030204" pitchFamily="34" charset="0"/>
+                <a:cs typeface="Times New Roman" panose="02020603050405020304" pitchFamily="18" charset="0"/>
               </a:rPr>
-              <a:t>Максимальное отклонение: 0,98939 см. </a:t>
+              <a:t>Метрики соответствуют допустимым пределам отклонения</a:t>
             </a:r>
-          </a:p>
-          <a:p>
-            <a:pPr algn="just"/>
-            <a:r>
-              <a:rPr lang="ru-RU" dirty="0">
-                <a:latin typeface="Times New Roman" panose="02020603050405020304" pitchFamily="18" charset="0"/>
-                <a:ea typeface="Calibri" panose="020F0502020204030204" pitchFamily="34" charset="0"/>
-              </a:rPr>
-              <a:t>Общая </a:t>
-            </a:r>
-            <a:r>
-              <a:rPr lang="ru-RU" sz="1800" dirty="0">
-                <a:effectLst/>
-                <a:latin typeface="Times New Roman" panose="02020603050405020304" pitchFamily="18" charset="0"/>
-                <a:ea typeface="Calibri" panose="020F0502020204030204" pitchFamily="34" charset="0"/>
-              </a:rPr>
-              <a:t>точность модели: 98,84%.</a:t>
-            </a:r>
-            <a:endParaRPr lang="ru-RU" sz="1400" dirty="0">
-              <a:effectLst/>
-              <a:latin typeface="Times New Roman" panose="02020603050405020304" pitchFamily="18" charset="0"/>
-              <a:ea typeface="Calibri" panose="020F0502020204030204" pitchFamily="34" charset="0"/>
-              <a:cs typeface="Times New Roman" panose="02020603050405020304" pitchFamily="18" charset="0"/>
-            </a:endParaRPr>
           </a:p>
         </p:txBody>
       </p:sp>
@@ -7961,7 +10038,7 @@
                 <a:latin typeface="Times New Roman" panose="02020603050405020304" pitchFamily="18" charset="0"/>
                 <a:cs typeface="Times New Roman" panose="02020603050405020304" pitchFamily="18" charset="0"/>
               </a:rPr>
-              <a:t>Проведена оценка точности полученных результатов. Точность модели составила 98,84%.</a:t>
+              <a:t>Проведена оценка точности полученных результатов. Точность модели составила 99,68%.</a:t>
             </a:r>
             <a:endParaRPr lang="ru-RU" dirty="0"/>
           </a:p>
@@ -9230,8 +11307,8 @@
           </a:p>
         </p:txBody>
       </p:sp>
-      <mc:AlternateContent xmlns:mc="http://schemas.openxmlformats.org/markup-compatibility/2006">
-        <mc:Choice xmlns:a14="http://schemas.microsoft.com/office/drawing/2010/main" Requires="a14">
+      <mc:AlternateContent xmlns:mc="http://schemas.openxmlformats.org/markup-compatibility/2006" xmlns:a14="http://schemas.microsoft.com/office/drawing/2010/main">
+        <mc:Choice Requires="a14">
           <p:graphicFrame>
             <p:nvGraphicFramePr>
               <p:cNvPr id="3" name="Таблица 2"/>
@@ -11945,7 +14022,7 @@
             </a:graphic>
           </p:graphicFrame>
         </mc:Choice>
-        <mc:Fallback>
+        <mc:Fallback xmlns="">
           <p:graphicFrame>
             <p:nvGraphicFramePr>
               <p:cNvPr id="3" name="Таблица 2"/>
@@ -15421,6 +17498,47 @@
           <a:chExt cx="0" cy="0"/>
         </a:xfrm>
       </p:grpSpPr>
+      <p:pic>
+        <p:nvPicPr>
+          <p:cNvPr id="6" name="Рисунок 5">
+            <a:extLst>
+              <a:ext uri="{FF2B5EF4-FFF2-40B4-BE49-F238E27FC236}">
+                <a16:creationId xmlns:a16="http://schemas.microsoft.com/office/drawing/2014/main" id="{4A467CA2-76FB-BC65-25AD-4DB7A061DFDA}"/>
+              </a:ext>
+            </a:extLst>
+          </p:cNvPr>
+          <p:cNvPicPr>
+            <a:picLocks noChangeAspect="1"/>
+          </p:cNvPicPr>
+          <p:nvPr/>
+        </p:nvPicPr>
+        <p:blipFill>
+          <a:blip r:embed="rId2">
+            <a:extLst>
+              <a:ext uri="{28A0092B-C50C-407E-A947-70E740481C1C}">
+                <a14:useLocalDpi xmlns:a14="http://schemas.microsoft.com/office/drawing/2010/main" val="0"/>
+              </a:ext>
+            </a:extLst>
+          </a:blip>
+          <a:srcRect/>
+          <a:stretch>
+            <a:fillRect/>
+          </a:stretch>
+        </p:blipFill>
+        <p:spPr bwMode="auto">
+          <a:xfrm>
+            <a:off x="6077472" y="1258958"/>
+            <a:ext cx="3737648" cy="3737648"/>
+          </a:xfrm>
+          <a:prstGeom prst="rect">
+            <a:avLst/>
+          </a:prstGeom>
+          <a:noFill/>
+          <a:ln>
+            <a:noFill/>
+          </a:ln>
+        </p:spPr>
+      </p:pic>
       <p:sp>
         <p:nvSpPr>
           <p:cNvPr id="2" name="Заголовок 1">
@@ -15452,7 +17570,7 @@
                 <a:latin typeface="Times New Roman" panose="02020603050405020304" pitchFamily="18" charset="0"/>
                 <a:cs typeface="Times New Roman" panose="02020603050405020304" pitchFamily="18" charset="0"/>
               </a:rPr>
-              <a:t>Разработка методики моделирования движений человека</a:t>
+              <a:t>Разработка модели движения человека</a:t>
             </a:r>
           </a:p>
         </p:txBody>
@@ -15487,487 +17605,8 @@
           </a:p>
         </p:txBody>
       </p:sp>
-      <mc:AlternateContent xmlns:mc="http://schemas.openxmlformats.org/markup-compatibility/2006" xmlns:a14="http://schemas.microsoft.com/office/drawing/2010/main">
-        <mc:Choice Requires="a14">
-          <p:sp>
-            <p:nvSpPr>
-              <p:cNvPr id="4" name="TextBox 3">
-                <a:extLst>
-                  <a:ext uri="{FF2B5EF4-FFF2-40B4-BE49-F238E27FC236}">
-                    <a16:creationId xmlns:a16="http://schemas.microsoft.com/office/drawing/2014/main" id="{D091BD04-0B46-E702-4AA2-D501E82BAACC}"/>
-                  </a:ext>
-                </a:extLst>
-              </p:cNvPr>
-              <p:cNvSpPr txBox="1"/>
-              <p:nvPr/>
-            </p:nvSpPr>
-            <p:spPr>
-              <a:xfrm>
-                <a:off x="343948" y="4660965"/>
-                <a:ext cx="9393571" cy="1600438"/>
-              </a:xfrm>
-              <a:prstGeom prst="rect">
-                <a:avLst/>
-              </a:prstGeom>
-              <a:noFill/>
-            </p:spPr>
-            <p:txBody>
-              <a:bodyPr wrap="square">
-                <a:spAutoFit/>
-              </a:bodyPr>
-              <a:lstStyle/>
-              <a:p>
-                <a:pPr algn="just"/>
-                <a:r>
-                  <a:rPr lang="ru-RU" sz="1400" dirty="0">
-                    <a:effectLst/>
-                    <a:latin typeface="Times New Roman" panose="02020603050405020304" pitchFamily="18" charset="0"/>
-                    <a:ea typeface="Times New Roman" panose="02020603050405020304" pitchFamily="18" charset="0"/>
-                    <a:cs typeface="Times New Roman" panose="02020603050405020304" pitchFamily="18" charset="0"/>
-                  </a:rPr>
-                  <a:t>4. Определить ошибку между текущим положением конца манипулятора и целевой точкой.</a:t>
-                </a:r>
-                <a:endParaRPr lang="ru-RU" sz="1400" dirty="0">
-                  <a:latin typeface="Times New Roman" panose="02020603050405020304" pitchFamily="18" charset="0"/>
-                  <a:ea typeface="Times New Roman" panose="02020603050405020304" pitchFamily="18" charset="0"/>
-                  <a:cs typeface="Times New Roman" panose="02020603050405020304" pitchFamily="18" charset="0"/>
-                </a:endParaRPr>
-              </a:p>
-              <a:p>
-                <a:pPr algn="just"/>
-                <a:r>
-                  <a:rPr lang="ru-RU" sz="1400" dirty="0">
-                    <a:latin typeface="Times New Roman" panose="02020603050405020304" pitchFamily="18" charset="0"/>
-                    <a:ea typeface="Calibri" panose="020F0502020204030204" pitchFamily="34" charset="0"/>
-                    <a:cs typeface="Times New Roman" panose="02020603050405020304" pitchFamily="18" charset="0"/>
-                  </a:rPr>
-                  <a:t>5. П</a:t>
-                </a:r>
-                <a:r>
-                  <a:rPr lang="ru-RU" sz="1400" dirty="0">
-                    <a:effectLst/>
-                    <a:latin typeface="Times New Roman" panose="02020603050405020304" pitchFamily="18" charset="0"/>
-                    <a:ea typeface="Calibri" panose="020F0502020204030204" pitchFamily="34" charset="0"/>
-                    <a:cs typeface="Times New Roman" panose="02020603050405020304" pitchFamily="18" charset="0"/>
-                  </a:rPr>
-                  <a:t>севдообратная матрица Якоби:</a:t>
-                </a:r>
-              </a:p>
-              <a:p>
-                <a:pPr algn="just">
-                  <a:spcAft>
-                    <a:spcPts val="800"/>
-                  </a:spcAft>
-                </a:pPr>
-                <a14:m>
-                  <m:oMathPara xmlns:m="http://schemas.openxmlformats.org/officeDocument/2006/math">
-                    <m:oMathParaPr>
-                      <m:jc m:val="centerGroup"/>
-                    </m:oMathParaPr>
-                    <m:oMath xmlns:m="http://schemas.openxmlformats.org/officeDocument/2006/math">
-                      <m:sSup>
-                        <m:sSupPr>
-                          <m:ctrlPr>
-                            <a:rPr lang="ru-RU" sz="1100" i="1">
-                              <a:effectLst/>
-                              <a:latin typeface="Cambria Math" panose="02040503050406030204" pitchFamily="18" charset="0"/>
-                              <a:ea typeface="Calibri" panose="020F0502020204030204" pitchFamily="34" charset="0"/>
-                              <a:cs typeface="Times New Roman" panose="02020603050405020304" pitchFamily="18" charset="0"/>
-                            </a:rPr>
-                          </m:ctrlPr>
-                        </m:sSupPr>
-                        <m:e>
-                          <m:r>
-                            <a:rPr lang="en-US" sz="1100" i="1">
-                              <a:effectLst/>
-                              <a:latin typeface="Cambria Math" panose="02040503050406030204" pitchFamily="18" charset="0"/>
-                              <a:ea typeface="Calibri" panose="020F0502020204030204" pitchFamily="34" charset="0"/>
-                              <a:cs typeface="Times New Roman" panose="02020603050405020304" pitchFamily="18" charset="0"/>
-                            </a:rPr>
-                            <m:t>𝐽</m:t>
-                          </m:r>
-                        </m:e>
-                        <m:sup>
-                          <m:r>
-                            <a:rPr lang="ru-RU" sz="1100" i="1">
-                              <a:effectLst/>
-                              <a:latin typeface="Cambria Math" panose="02040503050406030204" pitchFamily="18" charset="0"/>
-                              <a:ea typeface="Calibri" panose="020F0502020204030204" pitchFamily="34" charset="0"/>
-                              <a:cs typeface="Times New Roman" panose="02020603050405020304" pitchFamily="18" charset="0"/>
-                            </a:rPr>
-                            <m:t>+</m:t>
-                          </m:r>
-                        </m:sup>
-                      </m:sSup>
-                      <m:r>
-                        <a:rPr lang="en-US" sz="1100" i="1">
-                          <a:effectLst/>
-                          <a:latin typeface="Cambria Math" panose="02040503050406030204" pitchFamily="18" charset="0"/>
-                          <a:ea typeface="Calibri" panose="020F0502020204030204" pitchFamily="34" charset="0"/>
-                          <a:cs typeface="Times New Roman" panose="02020603050405020304" pitchFamily="18" charset="0"/>
-                        </a:rPr>
-                        <m:t>=</m:t>
-                      </m:r>
-                      <m:sSup>
-                        <m:sSupPr>
-                          <m:ctrlPr>
-                            <a:rPr lang="ru-RU" sz="1100" i="1">
-                              <a:effectLst/>
-                              <a:latin typeface="Cambria Math" panose="02040503050406030204" pitchFamily="18" charset="0"/>
-                              <a:ea typeface="Calibri" panose="020F0502020204030204" pitchFamily="34" charset="0"/>
-                              <a:cs typeface="Times New Roman" panose="02020603050405020304" pitchFamily="18" charset="0"/>
-                            </a:rPr>
-                          </m:ctrlPr>
-                        </m:sSupPr>
-                        <m:e>
-                          <m:r>
-                            <a:rPr lang="en-US" sz="1100" i="1">
-                              <a:effectLst/>
-                              <a:latin typeface="Cambria Math" panose="02040503050406030204" pitchFamily="18" charset="0"/>
-                              <a:ea typeface="Calibri" panose="020F0502020204030204" pitchFamily="34" charset="0"/>
-                              <a:cs typeface="Times New Roman" panose="02020603050405020304" pitchFamily="18" charset="0"/>
-                            </a:rPr>
-                            <m:t>(</m:t>
-                          </m:r>
-                          <m:sSup>
-                            <m:sSupPr>
-                              <m:ctrlPr>
-                                <a:rPr lang="ru-RU" sz="1100" i="1">
-                                  <a:effectLst/>
-                                  <a:latin typeface="Cambria Math" panose="02040503050406030204" pitchFamily="18" charset="0"/>
-                                  <a:ea typeface="Calibri" panose="020F0502020204030204" pitchFamily="34" charset="0"/>
-                                  <a:cs typeface="Times New Roman" panose="02020603050405020304" pitchFamily="18" charset="0"/>
-                                </a:rPr>
-                              </m:ctrlPr>
-                            </m:sSupPr>
-                            <m:e>
-                              <m:r>
-                                <a:rPr lang="en-US" sz="1100" i="1">
-                                  <a:effectLst/>
-                                  <a:latin typeface="Cambria Math" panose="02040503050406030204" pitchFamily="18" charset="0"/>
-                                  <a:ea typeface="Calibri" panose="020F0502020204030204" pitchFamily="34" charset="0"/>
-                                  <a:cs typeface="Times New Roman" panose="02020603050405020304" pitchFamily="18" charset="0"/>
-                                </a:rPr>
-                                <m:t>𝐽</m:t>
-                              </m:r>
-                            </m:e>
-                            <m:sup>
-                              <m:r>
-                                <a:rPr lang="en-US" sz="1100" i="1">
-                                  <a:effectLst/>
-                                  <a:latin typeface="Cambria Math" panose="02040503050406030204" pitchFamily="18" charset="0"/>
-                                  <a:ea typeface="Calibri" panose="020F0502020204030204" pitchFamily="34" charset="0"/>
-                                  <a:cs typeface="Times New Roman" panose="02020603050405020304" pitchFamily="18" charset="0"/>
-                                </a:rPr>
-                                <m:t>𝑇</m:t>
-                              </m:r>
-                            </m:sup>
-                          </m:sSup>
-                          <m:r>
-                            <a:rPr lang="en-US" sz="1100" i="1">
-                              <a:effectLst/>
-                              <a:latin typeface="Cambria Math" panose="02040503050406030204" pitchFamily="18" charset="0"/>
-                              <a:ea typeface="Calibri" panose="020F0502020204030204" pitchFamily="34" charset="0"/>
-                              <a:cs typeface="Times New Roman" panose="02020603050405020304" pitchFamily="18" charset="0"/>
-                            </a:rPr>
-                            <m:t>𝐽</m:t>
-                          </m:r>
-                          <m:r>
-                            <a:rPr lang="en-US" sz="1100" i="1">
-                              <a:effectLst/>
-                              <a:latin typeface="Cambria Math" panose="02040503050406030204" pitchFamily="18" charset="0"/>
-                              <a:ea typeface="Calibri" panose="020F0502020204030204" pitchFamily="34" charset="0"/>
-                              <a:cs typeface="Times New Roman" panose="02020603050405020304" pitchFamily="18" charset="0"/>
-                            </a:rPr>
-                            <m:t>+ </m:t>
-                          </m:r>
-                          <m:sSup>
-                            <m:sSupPr>
-                              <m:ctrlPr>
-                                <a:rPr lang="ru-RU" sz="1100" i="1">
-                                  <a:effectLst/>
-                                  <a:latin typeface="Cambria Math" panose="02040503050406030204" pitchFamily="18" charset="0"/>
-                                  <a:ea typeface="Calibri" panose="020F0502020204030204" pitchFamily="34" charset="0"/>
-                                  <a:cs typeface="Times New Roman" panose="02020603050405020304" pitchFamily="18" charset="0"/>
-                                </a:rPr>
-                              </m:ctrlPr>
-                            </m:sSupPr>
-                            <m:e>
-                              <m:r>
-                                <m:rPr>
-                                  <m:sty m:val="p"/>
-                                </m:rPr>
-                                <a:rPr lang="ru-RU" sz="1100">
-                                  <a:effectLst/>
-                                  <a:latin typeface="Cambria Math" panose="02040503050406030204" pitchFamily="18" charset="0"/>
-                                  <a:ea typeface="Calibri" panose="020F0502020204030204" pitchFamily="34" charset="0"/>
-                                  <a:cs typeface="Times New Roman" panose="02020603050405020304" pitchFamily="18" charset="0"/>
-                                </a:rPr>
-                                <m:t>λ</m:t>
-                              </m:r>
-                            </m:e>
-                            <m:sup>
-                              <m:r>
-                                <a:rPr lang="en-US" sz="1100" i="1">
-                                  <a:effectLst/>
-                                  <a:latin typeface="Cambria Math" panose="02040503050406030204" pitchFamily="18" charset="0"/>
-                                  <a:ea typeface="Calibri" panose="020F0502020204030204" pitchFamily="34" charset="0"/>
-                                  <a:cs typeface="Times New Roman" panose="02020603050405020304" pitchFamily="18" charset="0"/>
-                                </a:rPr>
-                                <m:t>2</m:t>
-                              </m:r>
-                            </m:sup>
-                          </m:sSup>
-                          <m:r>
-                            <a:rPr lang="en-US" sz="1100" i="1">
-                              <a:effectLst/>
-                              <a:latin typeface="Cambria Math" panose="02040503050406030204" pitchFamily="18" charset="0"/>
-                              <a:ea typeface="Calibri" panose="020F0502020204030204" pitchFamily="34" charset="0"/>
-                              <a:cs typeface="Times New Roman" panose="02020603050405020304" pitchFamily="18" charset="0"/>
-                            </a:rPr>
-                            <m:t>𝐼</m:t>
-                          </m:r>
-                          <m:r>
-                            <a:rPr lang="en-US" sz="1100" i="1">
-                              <a:effectLst/>
-                              <a:latin typeface="Cambria Math" panose="02040503050406030204" pitchFamily="18" charset="0"/>
-                              <a:ea typeface="Calibri" panose="020F0502020204030204" pitchFamily="34" charset="0"/>
-                              <a:cs typeface="Times New Roman" panose="02020603050405020304" pitchFamily="18" charset="0"/>
-                            </a:rPr>
-                            <m:t>)</m:t>
-                          </m:r>
-                        </m:e>
-                        <m:sup>
-                          <m:r>
-                            <a:rPr lang="en-US" sz="1100" i="1">
-                              <a:effectLst/>
-                              <a:latin typeface="Cambria Math" panose="02040503050406030204" pitchFamily="18" charset="0"/>
-                              <a:ea typeface="Calibri" panose="020F0502020204030204" pitchFamily="34" charset="0"/>
-                              <a:cs typeface="Times New Roman" panose="02020603050405020304" pitchFamily="18" charset="0"/>
-                            </a:rPr>
-                            <m:t>−1</m:t>
-                          </m:r>
-                        </m:sup>
-                      </m:sSup>
-                      <m:sSup>
-                        <m:sSupPr>
-                          <m:ctrlPr>
-                            <a:rPr lang="ru-RU" sz="1100" i="1">
-                              <a:effectLst/>
-                              <a:latin typeface="Cambria Math" panose="02040503050406030204" pitchFamily="18" charset="0"/>
-                              <a:ea typeface="Calibri" panose="020F0502020204030204" pitchFamily="34" charset="0"/>
-                              <a:cs typeface="Times New Roman" panose="02020603050405020304" pitchFamily="18" charset="0"/>
-                            </a:rPr>
-                          </m:ctrlPr>
-                        </m:sSupPr>
-                        <m:e>
-                          <m:r>
-                            <a:rPr lang="en-US" sz="1100" i="1">
-                              <a:effectLst/>
-                              <a:latin typeface="Cambria Math" panose="02040503050406030204" pitchFamily="18" charset="0"/>
-                              <a:ea typeface="Calibri" panose="020F0502020204030204" pitchFamily="34" charset="0"/>
-                              <a:cs typeface="Times New Roman" panose="02020603050405020304" pitchFamily="18" charset="0"/>
-                            </a:rPr>
-                            <m:t>𝐽</m:t>
-                          </m:r>
-                        </m:e>
-                        <m:sup>
-                          <m:r>
-                            <a:rPr lang="en-US" sz="1100" i="1">
-                              <a:effectLst/>
-                              <a:latin typeface="Cambria Math" panose="02040503050406030204" pitchFamily="18" charset="0"/>
-                              <a:ea typeface="Calibri" panose="020F0502020204030204" pitchFamily="34" charset="0"/>
-                              <a:cs typeface="Times New Roman" panose="02020603050405020304" pitchFamily="18" charset="0"/>
-                            </a:rPr>
-                            <m:t>𝑇</m:t>
-                          </m:r>
-                        </m:sup>
-                      </m:sSup>
-                    </m:oMath>
-                  </m:oMathPara>
-                </a14:m>
-                <a:endParaRPr lang="ru-RU" sz="1100" dirty="0">
-                  <a:effectLst/>
-                  <a:latin typeface="Times New Roman" panose="02020603050405020304" pitchFamily="18" charset="0"/>
-                  <a:ea typeface="Calibri" panose="020F0502020204030204" pitchFamily="34" charset="0"/>
-                  <a:cs typeface="Times New Roman" panose="02020603050405020304" pitchFamily="18" charset="0"/>
-                </a:endParaRPr>
-              </a:p>
-              <a:p>
-                <a:pPr algn="just">
-                  <a:spcAft>
-                    <a:spcPts val="800"/>
-                  </a:spcAft>
-                </a:pPr>
-                <a:r>
-                  <a:rPr lang="ru-RU" sz="1100" dirty="0">
-                    <a:effectLst/>
-                    <a:latin typeface="Times New Roman" panose="02020603050405020304" pitchFamily="18" charset="0"/>
-                    <a:ea typeface="Times New Roman" panose="02020603050405020304" pitchFamily="18" charset="0"/>
-                    <a:cs typeface="Times New Roman" panose="02020603050405020304" pitchFamily="18" charset="0"/>
-                  </a:rPr>
-                  <a:t>где </a:t>
-                </a:r>
-                <a14:m>
-                  <m:oMath xmlns:m="http://schemas.openxmlformats.org/officeDocument/2006/math">
-                    <m:sSup>
-                      <m:sSupPr>
-                        <m:ctrlPr>
-                          <a:rPr lang="ru-RU" sz="1100" i="1">
-                            <a:effectLst/>
-                            <a:latin typeface="Cambria Math" panose="02040503050406030204" pitchFamily="18" charset="0"/>
-                            <a:ea typeface="Calibri" panose="020F0502020204030204" pitchFamily="34" charset="0"/>
-                            <a:cs typeface="Times New Roman" panose="02020603050405020304" pitchFamily="18" charset="0"/>
-                          </a:rPr>
-                        </m:ctrlPr>
-                      </m:sSupPr>
-                      <m:e>
-                        <m:r>
-                          <a:rPr lang="en-US" sz="1100" i="1">
-                            <a:effectLst/>
-                            <a:latin typeface="Cambria Math" panose="02040503050406030204" pitchFamily="18" charset="0"/>
-                            <a:ea typeface="Calibri" panose="020F0502020204030204" pitchFamily="34" charset="0"/>
-                            <a:cs typeface="Times New Roman" panose="02020603050405020304" pitchFamily="18" charset="0"/>
-                          </a:rPr>
-                          <m:t>𝐽</m:t>
-                        </m:r>
-                      </m:e>
-                      <m:sup>
-                        <m:r>
-                          <a:rPr lang="en-US" sz="1100" i="1">
-                            <a:effectLst/>
-                            <a:latin typeface="Cambria Math" panose="02040503050406030204" pitchFamily="18" charset="0"/>
-                            <a:ea typeface="Calibri" panose="020F0502020204030204" pitchFamily="34" charset="0"/>
-                            <a:cs typeface="Times New Roman" panose="02020603050405020304" pitchFamily="18" charset="0"/>
-                          </a:rPr>
-                          <m:t>𝑇</m:t>
-                        </m:r>
-                      </m:sup>
-                    </m:sSup>
-                  </m:oMath>
-                </a14:m>
-                <a:r>
-                  <a:rPr lang="ru-RU" sz="1100" dirty="0">
-                    <a:effectLst/>
-                    <a:latin typeface="Times New Roman" panose="02020603050405020304" pitchFamily="18" charset="0"/>
-                    <a:ea typeface="Times New Roman" panose="02020603050405020304" pitchFamily="18" charset="0"/>
-                    <a:cs typeface="Times New Roman" panose="02020603050405020304" pitchFamily="18" charset="0"/>
-                  </a:rPr>
-                  <a:t> – транспонированная матрица Якоби, </a:t>
-                </a:r>
-                <a:r>
-                  <a:rPr lang="en-US" sz="1100" dirty="0">
-                    <a:effectLst/>
-                    <a:latin typeface="Times New Roman" panose="02020603050405020304" pitchFamily="18" charset="0"/>
-                    <a:ea typeface="Times New Roman" panose="02020603050405020304" pitchFamily="18" charset="0"/>
-                    <a:cs typeface="Times New Roman" panose="02020603050405020304" pitchFamily="18" charset="0"/>
-                  </a:rPr>
-                  <a:t>I </a:t>
-                </a:r>
-                <a:r>
-                  <a:rPr lang="ru-RU" sz="1100" dirty="0">
-                    <a:effectLst/>
-                    <a:latin typeface="Times New Roman" panose="02020603050405020304" pitchFamily="18" charset="0"/>
-                    <a:ea typeface="Times New Roman" panose="02020603050405020304" pitchFamily="18" charset="0"/>
-                    <a:cs typeface="Times New Roman" panose="02020603050405020304" pitchFamily="18" charset="0"/>
-                  </a:rPr>
-                  <a:t>– единичная матрица, λ – коэффициент сглаживания, обычно выбирается малым (0,01 или 0,001).</a:t>
-                </a:r>
-                <a:endParaRPr lang="ru-RU" sz="1100" dirty="0">
-                  <a:latin typeface="Times New Roman" panose="02020603050405020304" pitchFamily="18" charset="0"/>
-                  <a:ea typeface="Times New Roman" panose="02020603050405020304" pitchFamily="18" charset="0"/>
-                  <a:cs typeface="Times New Roman" panose="02020603050405020304" pitchFamily="18" charset="0"/>
-                </a:endParaRPr>
-              </a:p>
-              <a:p>
-                <a:pPr algn="just">
-                  <a:spcAft>
-                    <a:spcPts val="800"/>
-                  </a:spcAft>
-                </a:pPr>
-                <a:r>
-                  <a:rPr lang="ru-RU" sz="1400" dirty="0">
-                    <a:latin typeface="Times New Roman" panose="02020603050405020304" pitchFamily="18" charset="0"/>
-                    <a:ea typeface="Times New Roman" panose="02020603050405020304" pitchFamily="18" charset="0"/>
-                    <a:cs typeface="Times New Roman" panose="02020603050405020304" pitchFamily="18" charset="0"/>
-                  </a:rPr>
-                  <a:t>6. Н</a:t>
-                </a:r>
-                <a:r>
-                  <a:rPr lang="ru-RU" sz="1400" dirty="0">
-                    <a:effectLst/>
-                    <a:latin typeface="Times New Roman" panose="02020603050405020304" pitchFamily="18" charset="0"/>
-                    <a:ea typeface="Times New Roman" panose="02020603050405020304" pitchFamily="18" charset="0"/>
-                    <a:cs typeface="Times New Roman" panose="02020603050405020304" pitchFamily="18" charset="0"/>
-                  </a:rPr>
-                  <a:t>айти изменения в углах суставов и обновить их.</a:t>
-                </a:r>
-                <a:endParaRPr lang="ru-RU" sz="1400" dirty="0">
-                  <a:effectLst/>
-                  <a:latin typeface="Times New Roman" panose="02020603050405020304" pitchFamily="18" charset="0"/>
-                  <a:ea typeface="Calibri" panose="020F0502020204030204" pitchFamily="34" charset="0"/>
-                  <a:cs typeface="Times New Roman" panose="02020603050405020304" pitchFamily="18" charset="0"/>
-                </a:endParaRPr>
-              </a:p>
-              <a:p>
-                <a:pPr algn="just"/>
-                <a:endParaRPr lang="ru-RU" sz="1400" dirty="0">
-                  <a:effectLst/>
-                  <a:latin typeface="Times New Roman" panose="02020603050405020304" pitchFamily="18" charset="0"/>
-                  <a:ea typeface="Calibri" panose="020F0502020204030204" pitchFamily="34" charset="0"/>
-                  <a:cs typeface="Times New Roman" panose="02020603050405020304" pitchFamily="18" charset="0"/>
-                </a:endParaRPr>
-              </a:p>
-            </p:txBody>
-          </p:sp>
-        </mc:Choice>
-        <mc:Fallback xmlns="">
-          <p:sp>
-            <p:nvSpPr>
-              <p:cNvPr id="4" name="TextBox 3">
-                <a:extLst>
-                  <a:ext uri="{FF2B5EF4-FFF2-40B4-BE49-F238E27FC236}">
-                    <a16:creationId xmlns:a16="http://schemas.microsoft.com/office/drawing/2014/main" id="{D091BD04-0B46-E702-4AA2-D501E82BAACC}"/>
-                  </a:ext>
-                </a:extLst>
-              </p:cNvPr>
-              <p:cNvSpPr txBox="1">
-                <a:spLocks noRot="1" noChangeAspect="1" noMove="1" noResize="1" noEditPoints="1" noAdjustHandles="1" noChangeArrowheads="1" noChangeShapeType="1" noTextEdit="1"/>
-              </p:cNvSpPr>
-              <p:nvPr/>
-            </p:nvSpPr>
-            <p:spPr>
-              <a:xfrm>
-                <a:off x="343948" y="4660965"/>
-                <a:ext cx="9393571" cy="1600438"/>
-              </a:xfrm>
-              <a:prstGeom prst="rect">
-                <a:avLst/>
-              </a:prstGeom>
-              <a:blipFill>
-                <a:blip r:embed="rId2"/>
-                <a:stretch>
-                  <a:fillRect l="-195" t="-763"/>
-                </a:stretch>
-              </a:blipFill>
-            </p:spPr>
-            <p:txBody>
-              <a:bodyPr/>
-              <a:lstStyle/>
-              <a:p>
-                <a:r>
-                  <a:rPr lang="ru-RU">
-                    <a:noFill/>
-                  </a:rPr>
-                  <a:t> </a:t>
-                </a:r>
-              </a:p>
-            </p:txBody>
-          </p:sp>
-        </mc:Fallback>
-      </mc:AlternateContent>
-      <mc:AlternateContent xmlns:mc="http://schemas.openxmlformats.org/markup-compatibility/2006" xmlns:a14="http://schemas.microsoft.com/office/drawing/2010/main">
-        <mc:Choice Requires="a14">
+      <mc:AlternateContent xmlns:mc="http://schemas.openxmlformats.org/markup-compatibility/2006">
+        <mc:Choice xmlns:a14="http://schemas.microsoft.com/office/drawing/2010/main" Requires="a14">
           <p:sp>
             <p:nvSpPr>
               <p:cNvPr id="5" name="TextBox 4">
@@ -15982,8 +17621,8 @@
             </p:nvSpPr>
             <p:spPr>
               <a:xfrm>
-                <a:off x="343948" y="1388761"/>
-                <a:ext cx="6361339" cy="3142399"/>
+                <a:off x="505188" y="1258957"/>
+                <a:ext cx="5794944" cy="2652586"/>
               </a:xfrm>
               <a:prstGeom prst="rect">
                 <a:avLst/>
@@ -15996,19 +17635,288 @@
               </a:bodyPr>
               <a:lstStyle/>
               <a:p>
-                <a:pPr algn="just"/>
+                <a:pPr indent="180000" algn="just"/>
                 <a:r>
-                  <a:rPr lang="ru-RU" sz="1400" dirty="0">
+                  <a:rPr lang="ru-RU" sz="1300" dirty="0">
+                    <a:latin typeface="Times New Roman" panose="02020603050405020304" pitchFamily="18" charset="0"/>
+                    <a:ea typeface="Calibri" panose="020F0502020204030204" pitchFamily="34" charset="0"/>
+                    <a:cs typeface="Times New Roman" panose="02020603050405020304" pitchFamily="18" charset="0"/>
+                  </a:rPr>
+                  <a:t>М</a:t>
+                </a:r>
+                <a:r>
+                  <a:rPr lang="ru-RU" sz="1300" dirty="0">
                     <a:effectLst/>
                     <a:latin typeface="Times New Roman" panose="02020603050405020304" pitchFamily="18" charset="0"/>
                     <a:ea typeface="Calibri" panose="020F0502020204030204" pitchFamily="34" charset="0"/>
                     <a:cs typeface="Times New Roman" panose="02020603050405020304" pitchFamily="18" charset="0"/>
                   </a:rPr>
-                  <a:t>1. Уравнения прямой кинематики в трехмерном пространстве имеют вид:</a:t>
+                  <a:t>атематическая модель движения человека включает в себя разбиение суставов на взаимосвязанные группы для рекурсивного расчета координат суставов всего тела.</a:t>
                 </a:r>
               </a:p>
               <a:p>
+                <a:pPr indent="180000" algn="just"/>
+                <a:r>
+                  <a:rPr lang="ru-RU" sz="1300" dirty="0">
+                    <a:latin typeface="Times New Roman" panose="02020603050405020304" pitchFamily="18" charset="0"/>
+                    <a:ea typeface="Calibri" panose="020F0502020204030204" pitchFamily="34" charset="0"/>
+                    <a:cs typeface="Times New Roman" panose="02020603050405020304" pitchFamily="18" charset="0"/>
+                  </a:rPr>
+                  <a:t>О</a:t>
+                </a:r>
+                <a:r>
+                  <a:rPr lang="ru-RU" sz="1300" dirty="0">
+                    <a:effectLst/>
+                    <a:latin typeface="Times New Roman" panose="02020603050405020304" pitchFamily="18" charset="0"/>
+                    <a:ea typeface="Calibri" panose="020F0502020204030204" pitchFamily="34" charset="0"/>
+                    <a:cs typeface="Times New Roman" panose="02020603050405020304" pitchFamily="18" charset="0"/>
+                  </a:rPr>
+                  <a:t>граничения поворота суставов определены как </a:t>
+                </a:r>
+                <a14:m>
+                  <m:oMath xmlns:m="http://schemas.openxmlformats.org/officeDocument/2006/math">
+                    <m:sSub>
+                      <m:sSubPr>
+                        <m:ctrlPr>
+                          <a:rPr lang="ru-RU" sz="1300" i="1" smtClean="0">
+                            <a:effectLst/>
+                            <a:latin typeface="Cambria Math" panose="02040503050406030204" pitchFamily="18" charset="0"/>
+                          </a:rPr>
+                        </m:ctrlPr>
+                      </m:sSubPr>
+                      <m:e>
+                        <m:r>
+                          <m:rPr>
+                            <m:sty m:val="p"/>
+                          </m:rPr>
+                          <a:rPr lang="ru-RU" sz="1300">
+                            <a:effectLst/>
+                            <a:latin typeface="Cambria Math" panose="02040503050406030204" pitchFamily="18" charset="0"/>
+                            <a:ea typeface="Calibri" panose="020F0502020204030204" pitchFamily="34" charset="0"/>
+                            <a:cs typeface="Times New Roman" panose="02020603050405020304" pitchFamily="18" charset="0"/>
+                          </a:rPr>
+                          <m:t>θ</m:t>
+                        </m:r>
+                      </m:e>
+                      <m:sub>
+                        <m:r>
+                          <a:rPr lang="en-US" sz="1300" i="1">
+                            <a:effectLst/>
+                            <a:latin typeface="Cambria Math" panose="02040503050406030204" pitchFamily="18" charset="0"/>
+                            <a:ea typeface="Calibri" panose="020F0502020204030204" pitchFamily="34" charset="0"/>
+                            <a:cs typeface="Times New Roman" panose="02020603050405020304" pitchFamily="18" charset="0"/>
+                          </a:rPr>
+                          <m:t>𝑖</m:t>
+                        </m:r>
+                      </m:sub>
+                    </m:sSub>
+                    <m:r>
+                      <a:rPr lang="ru-RU" sz="1300">
+                        <a:effectLst/>
+                        <a:latin typeface="Cambria Math" panose="02040503050406030204" pitchFamily="18" charset="0"/>
+                        <a:ea typeface="Calibri" panose="020F0502020204030204" pitchFamily="34" charset="0"/>
+                        <a:cs typeface="Cambria Math" panose="02040503050406030204" pitchFamily="18" charset="0"/>
+                      </a:rPr>
+                      <m:t>∈</m:t>
+                    </m:r>
+                    <m:r>
+                      <a:rPr lang="ru-RU" sz="1300" i="1">
+                        <a:effectLst/>
+                        <a:latin typeface="Cambria Math" panose="02040503050406030204" pitchFamily="18" charset="0"/>
+                        <a:ea typeface="Calibri" panose="020F0502020204030204" pitchFamily="34" charset="0"/>
+                        <a:cs typeface="Cambria Math" panose="02040503050406030204" pitchFamily="18" charset="0"/>
+                      </a:rPr>
+                      <m:t>[</m:t>
+                    </m:r>
+                    <m:sSubSup>
+                      <m:sSubSupPr>
+                        <m:ctrlPr>
+                          <a:rPr lang="ru-RU" sz="1300" i="1">
+                            <a:effectLst/>
+                            <a:latin typeface="Cambria Math" panose="02040503050406030204" pitchFamily="18" charset="0"/>
+                            <a:cs typeface="Cambria Math" panose="02040503050406030204" pitchFamily="18" charset="0"/>
+                          </a:rPr>
+                        </m:ctrlPr>
+                      </m:sSubSupPr>
+                      <m:e>
+                        <m:r>
+                          <a:rPr lang="ru-RU" sz="1300" i="1">
+                            <a:effectLst/>
+                            <a:latin typeface="Cambria Math" panose="02040503050406030204" pitchFamily="18" charset="0"/>
+                            <a:ea typeface="Calibri" panose="020F0502020204030204" pitchFamily="34" charset="0"/>
+                            <a:cs typeface="Cambria Math" panose="02040503050406030204" pitchFamily="18" charset="0"/>
+                          </a:rPr>
+                          <m:t>𝜃</m:t>
+                        </m:r>
+                      </m:e>
+                      <m:sub>
+                        <m:r>
+                          <a:rPr lang="ru-RU" sz="1300" i="1">
+                            <a:effectLst/>
+                            <a:latin typeface="Cambria Math" panose="02040503050406030204" pitchFamily="18" charset="0"/>
+                            <a:ea typeface="Calibri" panose="020F0502020204030204" pitchFamily="34" charset="0"/>
+                            <a:cs typeface="Cambria Math" panose="02040503050406030204" pitchFamily="18" charset="0"/>
+                          </a:rPr>
+                          <m:t>𝑖</m:t>
+                        </m:r>
+                      </m:sub>
+                      <m:sup>
+                        <m:r>
+                          <a:rPr lang="ru-RU" sz="1300" i="1">
+                            <a:effectLst/>
+                            <a:latin typeface="Cambria Math" panose="02040503050406030204" pitchFamily="18" charset="0"/>
+                            <a:ea typeface="Calibri" panose="020F0502020204030204" pitchFamily="34" charset="0"/>
+                            <a:cs typeface="Cambria Math" panose="02040503050406030204" pitchFamily="18" charset="0"/>
+                          </a:rPr>
+                          <m:t>𝑚</m:t>
+                        </m:r>
+                        <m:r>
+                          <a:rPr lang="en-US" sz="1300" i="1">
+                            <a:effectLst/>
+                            <a:latin typeface="Cambria Math" panose="02040503050406030204" pitchFamily="18" charset="0"/>
+                            <a:ea typeface="Calibri" panose="020F0502020204030204" pitchFamily="34" charset="0"/>
+                            <a:cs typeface="Cambria Math" panose="02040503050406030204" pitchFamily="18" charset="0"/>
+                          </a:rPr>
+                          <m:t>𝑖𝑛</m:t>
+                        </m:r>
+                      </m:sup>
+                    </m:sSubSup>
+                    <m:r>
+                      <a:rPr lang="ru-RU" sz="1300" i="1">
+                        <a:effectLst/>
+                        <a:latin typeface="Cambria Math" panose="02040503050406030204" pitchFamily="18" charset="0"/>
+                        <a:ea typeface="Calibri" panose="020F0502020204030204" pitchFamily="34" charset="0"/>
+                        <a:cs typeface="Cambria Math" panose="02040503050406030204" pitchFamily="18" charset="0"/>
+                      </a:rPr>
+                      <m:t>,</m:t>
+                    </m:r>
+                    <m:sSubSup>
+                      <m:sSubSupPr>
+                        <m:ctrlPr>
+                          <a:rPr lang="ru-RU" sz="1300" i="1">
+                            <a:effectLst/>
+                            <a:latin typeface="Cambria Math" panose="02040503050406030204" pitchFamily="18" charset="0"/>
+                            <a:cs typeface="Cambria Math" panose="02040503050406030204" pitchFamily="18" charset="0"/>
+                          </a:rPr>
+                        </m:ctrlPr>
+                      </m:sSubSupPr>
+                      <m:e>
+                        <m:r>
+                          <a:rPr lang="ru-RU" sz="1300" i="1">
+                            <a:effectLst/>
+                            <a:latin typeface="Cambria Math" panose="02040503050406030204" pitchFamily="18" charset="0"/>
+                            <a:ea typeface="Calibri" panose="020F0502020204030204" pitchFamily="34" charset="0"/>
+                            <a:cs typeface="Cambria Math" panose="02040503050406030204" pitchFamily="18" charset="0"/>
+                          </a:rPr>
+                          <m:t>𝜃</m:t>
+                        </m:r>
+                      </m:e>
+                      <m:sub>
+                        <m:r>
+                          <a:rPr lang="ru-RU" sz="1300" i="1">
+                            <a:effectLst/>
+                            <a:latin typeface="Cambria Math" panose="02040503050406030204" pitchFamily="18" charset="0"/>
+                            <a:ea typeface="Calibri" panose="020F0502020204030204" pitchFamily="34" charset="0"/>
+                            <a:cs typeface="Cambria Math" panose="02040503050406030204" pitchFamily="18" charset="0"/>
+                          </a:rPr>
+                          <m:t>𝑖</m:t>
+                        </m:r>
+                      </m:sub>
+                      <m:sup>
+                        <m:r>
+                          <a:rPr lang="ru-RU" sz="1300" i="1">
+                            <a:effectLst/>
+                            <a:latin typeface="Cambria Math" panose="02040503050406030204" pitchFamily="18" charset="0"/>
+                            <a:ea typeface="Calibri" panose="020F0502020204030204" pitchFamily="34" charset="0"/>
+                            <a:cs typeface="Cambria Math" panose="02040503050406030204" pitchFamily="18" charset="0"/>
+                          </a:rPr>
+                          <m:t>𝑚</m:t>
+                        </m:r>
+                        <m:r>
+                          <a:rPr lang="en-US" sz="1300" i="1">
+                            <a:effectLst/>
+                            <a:latin typeface="Cambria Math" panose="02040503050406030204" pitchFamily="18" charset="0"/>
+                            <a:ea typeface="Calibri" panose="020F0502020204030204" pitchFamily="34" charset="0"/>
+                            <a:cs typeface="Cambria Math" panose="02040503050406030204" pitchFamily="18" charset="0"/>
+                          </a:rPr>
+                          <m:t>𝑎𝑥</m:t>
+                        </m:r>
+                      </m:sup>
+                    </m:sSubSup>
+                    <m:r>
+                      <a:rPr lang="ru-RU" sz="1300" i="1">
+                        <a:effectLst/>
+                        <a:latin typeface="Cambria Math" panose="02040503050406030204" pitchFamily="18" charset="0"/>
+                        <a:ea typeface="Calibri" panose="020F0502020204030204" pitchFamily="34" charset="0"/>
+                        <a:cs typeface="Cambria Math" panose="02040503050406030204" pitchFamily="18" charset="0"/>
+                      </a:rPr>
+                      <m:t>]</m:t>
+                    </m:r>
+                  </m:oMath>
+                </a14:m>
+                <a:r>
+                  <a:rPr lang="ru-RU" sz="1300" dirty="0">
+                    <a:effectLst/>
+                    <a:latin typeface="Times New Roman" panose="02020603050405020304" pitchFamily="18" charset="0"/>
+                    <a:ea typeface="Calibri" panose="020F0502020204030204" pitchFamily="34" charset="0"/>
+                    <a:cs typeface="Times New Roman" panose="02020603050405020304" pitchFamily="18" charset="0"/>
+                  </a:rPr>
+                  <a:t>.</a:t>
+                </a:r>
+                <a:endParaRPr lang="ru-RU" sz="1300" dirty="0">
+                  <a:latin typeface="Times New Roman" panose="02020603050405020304" pitchFamily="18" charset="0"/>
+                  <a:ea typeface="Calibri" panose="020F0502020204030204" pitchFamily="34" charset="0"/>
+                  <a:cs typeface="Times New Roman" panose="02020603050405020304" pitchFamily="18" charset="0"/>
+                </a:endParaRPr>
+              </a:p>
+              <a:p>
+                <a:pPr indent="180000" algn="just"/>
+                <a:r>
+                  <a:rPr lang="ru-RU" sz="1300" dirty="0">
+                    <a:effectLst/>
+                    <a:latin typeface="Times New Roman" panose="02020603050405020304" pitchFamily="18" charset="0"/>
+                    <a:ea typeface="Calibri" panose="020F0502020204030204" pitchFamily="34" charset="0"/>
+                    <a:cs typeface="Times New Roman" panose="02020603050405020304" pitchFamily="18" charset="0"/>
+                  </a:rPr>
+                  <a:t>Исходное положение суставов в системе координат определяется уравнениями прямой кинематики:</a:t>
+                </a:r>
+              </a:p>
+              <a:p>
+                <a:pPr indent="180000" algn="just"/>
+                <a:endParaRPr lang="ru-RU" sz="1300" dirty="0">
+                  <a:latin typeface="Times New Roman" panose="02020603050405020304" pitchFamily="18" charset="0"/>
+                  <a:ea typeface="Calibri" panose="020F0502020204030204" pitchFamily="34" charset="0"/>
+                  <a:cs typeface="Times New Roman" panose="02020603050405020304" pitchFamily="18" charset="0"/>
+                </a:endParaRPr>
+              </a:p>
+              <a:p>
+                <a:pPr indent="180000" algn="just"/>
+                <a:endParaRPr lang="ru-RU" sz="1300" dirty="0">
+                  <a:effectLst/>
+                  <a:latin typeface="Times New Roman" panose="02020603050405020304" pitchFamily="18" charset="0"/>
+                  <a:ea typeface="Calibri" panose="020F0502020204030204" pitchFamily="34" charset="0"/>
+                  <a:cs typeface="Times New Roman" panose="02020603050405020304" pitchFamily="18" charset="0"/>
+                </a:endParaRPr>
+              </a:p>
+              <a:p>
+                <a:pPr indent="180000" algn="just"/>
+                <a:endParaRPr lang="ru-RU" sz="1300" dirty="0">
+                  <a:effectLst/>
+                  <a:latin typeface="Times New Roman" panose="02020603050405020304" pitchFamily="18" charset="0"/>
+                  <a:ea typeface="Calibri" panose="020F0502020204030204" pitchFamily="34" charset="0"/>
+                  <a:cs typeface="Times New Roman" panose="02020603050405020304" pitchFamily="18" charset="0"/>
+                </a:endParaRPr>
+              </a:p>
+              <a:p>
                 <a:pPr algn="ctr"/>
+                <a:r>
+                  <a:rPr lang="ru-RU" sz="1300" dirty="0">
+                    <a:effectLst/>
+                    <a:ea typeface="Calibri" panose="020F0502020204030204" pitchFamily="34" charset="0"/>
+                    <a:cs typeface="Times New Roman" panose="02020603050405020304" pitchFamily="18" charset="0"/>
+                  </a:rPr>
+                  <a:t>                                                  </a:t>
+                </a:r>
                 <a14:m>
                   <m:oMath xmlns:m="http://schemas.openxmlformats.org/officeDocument/2006/math">
                     <m:d>
@@ -16016,7 +17924,7 @@
                         <m:begChr m:val="{"/>
                         <m:endChr m:val=""/>
                         <m:ctrlPr>
-                          <a:rPr lang="ru-RU" sz="1100" i="1">
+                          <a:rPr lang="ru-RU" sz="1300" i="1">
                             <a:effectLst/>
                             <a:latin typeface="Cambria Math" panose="02040503050406030204" pitchFamily="18" charset="0"/>
                             <a:ea typeface="Calibri" panose="020F0502020204030204" pitchFamily="34" charset="0"/>
@@ -16028,7 +17936,7 @@
                         <m:eqArr>
                           <m:eqArrPr>
                             <m:ctrlPr>
-                              <a:rPr lang="ru-RU" sz="1100" i="1">
+                              <a:rPr lang="ru-RU" sz="1300" i="1">
                                 <a:effectLst/>
                                 <a:latin typeface="Cambria Math" panose="02040503050406030204" pitchFamily="18" charset="0"/>
                                 <a:ea typeface="Calibri" panose="020F0502020204030204" pitchFamily="34" charset="0"/>
@@ -16038,7 +17946,7 @@
                           </m:eqArrPr>
                           <m:e>
                             <m:r>
-                              <a:rPr lang="en-US" sz="1100" i="1">
+                              <a:rPr lang="en-US" sz="1300" i="1">
                                 <a:effectLst/>
                                 <a:latin typeface="Cambria Math" panose="02040503050406030204" pitchFamily="18" charset="0"/>
                                 <a:ea typeface="Calibri" panose="020F0502020204030204" pitchFamily="34" charset="0"/>
@@ -16047,7 +17955,7 @@
                               <m:t>𝑥</m:t>
                             </m:r>
                             <m:r>
-                              <a:rPr lang="ru-RU" sz="1100" i="1">
+                              <a:rPr lang="ru-RU" sz="1300" i="1">
                                 <a:effectLst/>
                                 <a:latin typeface="Cambria Math" panose="02040503050406030204" pitchFamily="18" charset="0"/>
                                 <a:ea typeface="Calibri" panose="020F0502020204030204" pitchFamily="34" charset="0"/>
@@ -16058,7 +17966,7 @@
                             <m:sSub>
                               <m:sSubPr>
                                 <m:ctrlPr>
-                                  <a:rPr lang="ru-RU" sz="1100" i="1">
+                                  <a:rPr lang="ru-RU" sz="1300" i="1">
                                     <a:effectLst/>
                                     <a:latin typeface="Cambria Math" panose="02040503050406030204" pitchFamily="18" charset="0"/>
                                     <a:ea typeface="Calibri" panose="020F0502020204030204" pitchFamily="34" charset="0"/>
@@ -16068,7 +17976,7 @@
                               </m:sSubPr>
                               <m:e>
                                 <m:r>
-                                  <a:rPr lang="ru-RU" sz="1100" i="1">
+                                  <a:rPr lang="ru-RU" sz="1300" i="1">
                                     <a:effectLst/>
                                     <a:latin typeface="Cambria Math" panose="02040503050406030204" pitchFamily="18" charset="0"/>
                                     <a:ea typeface="Calibri" panose="020F0502020204030204" pitchFamily="34" charset="0"/>
@@ -16077,7 +17985,7 @@
                                   <m:t>(</m:t>
                                 </m:r>
                                 <m:r>
-                                  <a:rPr lang="en-US" sz="1100" i="1">
+                                  <a:rPr lang="en-US" sz="1300" i="1">
                                     <a:effectLst/>
                                     <a:latin typeface="Cambria Math" panose="02040503050406030204" pitchFamily="18" charset="0"/>
                                     <a:ea typeface="Calibri" panose="020F0502020204030204" pitchFamily="34" charset="0"/>
@@ -16088,7 +17996,7 @@
                               </m:e>
                               <m:sub>
                                 <m:r>
-                                  <a:rPr lang="ru-RU" sz="1100" i="1">
+                                  <a:rPr lang="ru-RU" sz="1300" i="1">
                                     <a:effectLst/>
                                     <a:latin typeface="Cambria Math" panose="02040503050406030204" pitchFamily="18" charset="0"/>
                                     <a:ea typeface="Calibri" panose="020F0502020204030204" pitchFamily="34" charset="0"/>
@@ -16101,7 +18009,7 @@
                             <m:func>
                               <m:funcPr>
                                 <m:ctrlPr>
-                                  <a:rPr lang="ru-RU" sz="1100" i="1">
+                                  <a:rPr lang="ru-RU" sz="1300" i="1">
                                     <a:effectLst/>
                                     <a:latin typeface="Cambria Math" panose="02040503050406030204" pitchFamily="18" charset="0"/>
                                     <a:ea typeface="Calibri" panose="020F0502020204030204" pitchFamily="34" charset="0"/>
@@ -16114,7 +18022,7 @@
                                   <m:rPr>
                                     <m:sty m:val="p"/>
                                   </m:rPr>
-                                  <a:rPr lang="en-US" sz="1100">
+                                  <a:rPr lang="en-US" sz="1300">
                                     <a:effectLst/>
                                     <a:latin typeface="Cambria Math" panose="02040503050406030204" pitchFamily="18" charset="0"/>
                                     <a:ea typeface="Calibri" panose="020F0502020204030204" pitchFamily="34" charset="0"/>
@@ -16127,7 +18035,7 @@
                                 <m:d>
                                   <m:dPr>
                                     <m:ctrlPr>
-                                      <a:rPr lang="ru-RU" sz="1100" i="1">
+                                      <a:rPr lang="ru-RU" sz="1300" i="1">
                                         <a:effectLst/>
                                         <a:latin typeface="Cambria Math" panose="02040503050406030204" pitchFamily="18" charset="0"/>
                                         <a:ea typeface="Calibri" panose="020F0502020204030204" pitchFamily="34" charset="0"/>
@@ -16139,7 +18047,7 @@
                                     <m:sSub>
                                       <m:sSubPr>
                                         <m:ctrlPr>
-                                          <a:rPr lang="ru-RU" sz="1100" i="1">
+                                          <a:rPr lang="ru-RU" sz="1300" i="1">
                                             <a:effectLst/>
                                             <a:latin typeface="Cambria Math" panose="02040503050406030204" pitchFamily="18" charset="0"/>
                                             <a:ea typeface="Calibri" panose="020F0502020204030204" pitchFamily="34" charset="0"/>
@@ -16149,7 +18057,7 @@
                                       </m:sSubPr>
                                       <m:e>
                                         <m:r>
-                                          <a:rPr lang="en-US" sz="1100" i="1">
+                                          <a:rPr lang="en-US" sz="1300" i="1">
                                             <a:effectLst/>
                                             <a:latin typeface="Cambria Math" panose="02040503050406030204" pitchFamily="18" charset="0"/>
                                             <a:ea typeface="Calibri" panose="020F0502020204030204" pitchFamily="34" charset="0"/>
@@ -16160,7 +18068,7 @@
                                       </m:e>
                                       <m:sub>
                                         <m:r>
-                                          <a:rPr lang="ru-RU" sz="1100" i="1">
+                                          <a:rPr lang="ru-RU" sz="1300" i="1">
                                             <a:effectLst/>
                                             <a:latin typeface="Cambria Math" panose="02040503050406030204" pitchFamily="18" charset="0"/>
                                             <a:ea typeface="Calibri" panose="020F0502020204030204" pitchFamily="34" charset="0"/>
@@ -16175,7 +18083,7 @@
                               </m:e>
                             </m:func>
                             <m:r>
-                              <a:rPr lang="ru-RU" sz="1100" i="1">
+                              <a:rPr lang="ru-RU" sz="1300" i="1">
                                 <a:effectLst/>
                                 <a:latin typeface="Cambria Math" panose="02040503050406030204" pitchFamily="18" charset="0"/>
                                 <a:ea typeface="Calibri" panose="020F0502020204030204" pitchFamily="34" charset="0"/>
@@ -16186,7 +18094,7 @@
                             <m:sSub>
                               <m:sSubPr>
                                 <m:ctrlPr>
-                                  <a:rPr lang="ru-RU" sz="1100" i="1">
+                                  <a:rPr lang="ru-RU" sz="1300" i="1">
                                     <a:effectLst/>
                                     <a:latin typeface="Cambria Math" panose="02040503050406030204" pitchFamily="18" charset="0"/>
                                     <a:ea typeface="Calibri" panose="020F0502020204030204" pitchFamily="34" charset="0"/>
@@ -16196,7 +18104,7 @@
                               </m:sSubPr>
                               <m:e>
                                 <m:r>
-                                  <a:rPr lang="en-US" sz="1100" i="1">
+                                  <a:rPr lang="en-US" sz="1300" i="1">
                                     <a:effectLst/>
                                     <a:latin typeface="Cambria Math" panose="02040503050406030204" pitchFamily="18" charset="0"/>
                                     <a:ea typeface="Calibri" panose="020F0502020204030204" pitchFamily="34" charset="0"/>
@@ -16207,7 +18115,7 @@
                               </m:e>
                               <m:sub>
                                 <m:r>
-                                  <a:rPr lang="ru-RU" sz="1100" i="1">
+                                  <a:rPr lang="ru-RU" sz="1300" i="1">
                                     <a:effectLst/>
                                     <a:latin typeface="Cambria Math" panose="02040503050406030204" pitchFamily="18" charset="0"/>
                                     <a:ea typeface="Calibri" panose="020F0502020204030204" pitchFamily="34" charset="0"/>
@@ -16220,7 +18128,7 @@
                             <m:func>
                               <m:funcPr>
                                 <m:ctrlPr>
-                                  <a:rPr lang="ru-RU" sz="1100" i="1">
+                                  <a:rPr lang="ru-RU" sz="1300" i="1">
                                     <a:effectLst/>
                                     <a:latin typeface="Cambria Math" panose="02040503050406030204" pitchFamily="18" charset="0"/>
                                     <a:ea typeface="Calibri" panose="020F0502020204030204" pitchFamily="34" charset="0"/>
@@ -16233,7 +18141,7 @@
                                   <m:rPr>
                                     <m:sty m:val="p"/>
                                   </m:rPr>
-                                  <a:rPr lang="en-US" sz="1100">
+                                  <a:rPr lang="en-US" sz="1300">
                                     <a:effectLst/>
                                     <a:latin typeface="Cambria Math" panose="02040503050406030204" pitchFamily="18" charset="0"/>
                                     <a:ea typeface="Calibri" panose="020F0502020204030204" pitchFamily="34" charset="0"/>
@@ -16246,7 +18154,7 @@
                                 <m:d>
                                   <m:dPr>
                                     <m:ctrlPr>
-                                      <a:rPr lang="ru-RU" sz="1100" i="1">
+                                      <a:rPr lang="ru-RU" sz="1300" i="1">
                                         <a:effectLst/>
                                         <a:latin typeface="Cambria Math" panose="02040503050406030204" pitchFamily="18" charset="0"/>
                                         <a:ea typeface="Calibri" panose="020F0502020204030204" pitchFamily="34" charset="0"/>
@@ -16258,7 +18166,7 @@
                                     <m:sSub>
                                       <m:sSubPr>
                                         <m:ctrlPr>
-                                          <a:rPr lang="ru-RU" sz="1100" i="1">
+                                          <a:rPr lang="ru-RU" sz="1300" i="1">
                                             <a:effectLst/>
                                             <a:latin typeface="Cambria Math" panose="02040503050406030204" pitchFamily="18" charset="0"/>
                                             <a:ea typeface="Calibri" panose="020F0502020204030204" pitchFamily="34" charset="0"/>
@@ -16268,7 +18176,7 @@
                                       </m:sSubPr>
                                       <m:e>
                                         <m:r>
-                                          <a:rPr lang="en-US" sz="1100" i="1">
+                                          <a:rPr lang="en-US" sz="1300" i="1">
                                             <a:effectLst/>
                                             <a:latin typeface="Cambria Math" panose="02040503050406030204" pitchFamily="18" charset="0"/>
                                             <a:ea typeface="Calibri" panose="020F0502020204030204" pitchFamily="34" charset="0"/>
@@ -16279,7 +18187,7 @@
                                       </m:e>
                                       <m:sub>
                                         <m:r>
-                                          <a:rPr lang="ru-RU" sz="1100" i="1">
+                                          <a:rPr lang="ru-RU" sz="1300" i="1">
                                             <a:effectLst/>
                                             <a:latin typeface="Cambria Math" panose="02040503050406030204" pitchFamily="18" charset="0"/>
                                             <a:ea typeface="Calibri" panose="020F0502020204030204" pitchFamily="34" charset="0"/>
@@ -16290,7 +18198,7 @@
                                       </m:sub>
                                     </m:sSub>
                                     <m:r>
-                                      <a:rPr lang="ru-RU" sz="1100" i="1">
+                                      <a:rPr lang="ru-RU" sz="1300" i="1">
                                         <a:effectLst/>
                                         <a:latin typeface="Cambria Math" panose="02040503050406030204" pitchFamily="18" charset="0"/>
                                         <a:ea typeface="Calibri" panose="020F0502020204030204" pitchFamily="34" charset="0"/>
@@ -16301,7 +18209,7 @@
                                     <m:sSub>
                                       <m:sSubPr>
                                         <m:ctrlPr>
-                                          <a:rPr lang="ru-RU" sz="1100" i="1">
+                                          <a:rPr lang="ru-RU" sz="1300" i="1">
                                             <a:effectLst/>
                                             <a:latin typeface="Cambria Math" panose="02040503050406030204" pitchFamily="18" charset="0"/>
                                             <a:ea typeface="Calibri" panose="020F0502020204030204" pitchFamily="34" charset="0"/>
@@ -16311,7 +18219,7 @@
                                       </m:sSubPr>
                                       <m:e>
                                         <m:r>
-                                          <a:rPr lang="en-US" sz="1100" i="1">
+                                          <a:rPr lang="en-US" sz="1300" i="1">
                                             <a:effectLst/>
                                             <a:latin typeface="Cambria Math" panose="02040503050406030204" pitchFamily="18" charset="0"/>
                                             <a:ea typeface="Calibri" panose="020F0502020204030204" pitchFamily="34" charset="0"/>
@@ -16322,7 +18230,7 @@
                                       </m:e>
                                       <m:sub>
                                         <m:r>
-                                          <a:rPr lang="ru-RU" sz="1100" i="1">
+                                          <a:rPr lang="ru-RU" sz="1300" i="1">
                                             <a:effectLst/>
                                             <a:latin typeface="Cambria Math" panose="02040503050406030204" pitchFamily="18" charset="0"/>
                                             <a:ea typeface="Calibri" panose="020F0502020204030204" pitchFamily="34" charset="0"/>
@@ -16335,7 +18243,7 @@
                                   </m:e>
                                 </m:d>
                                 <m:r>
-                                  <a:rPr lang="ru-RU" sz="1100" i="1">
+                                  <a:rPr lang="ru-RU" sz="1300" i="1">
                                     <a:effectLst/>
                                     <a:latin typeface="Cambria Math" panose="02040503050406030204" pitchFamily="18" charset="0"/>
                                     <a:ea typeface="Calibri" panose="020F0502020204030204" pitchFamily="34" charset="0"/>
@@ -16346,7 +18254,7 @@
                                 <m:func>
                                   <m:funcPr>
                                     <m:ctrlPr>
-                                      <a:rPr lang="ru-RU" sz="1100" i="1">
+                                      <a:rPr lang="ru-RU" sz="1300" i="1">
                                         <a:effectLst/>
                                         <a:latin typeface="Cambria Math" panose="02040503050406030204" pitchFamily="18" charset="0"/>
                                         <a:ea typeface="Calibri" panose="020F0502020204030204" pitchFamily="34" charset="0"/>
@@ -16359,7 +18267,7 @@
                                       <m:rPr>
                                         <m:sty m:val="p"/>
                                       </m:rPr>
-                                      <a:rPr lang="ru-RU" sz="1100">
+                                      <a:rPr lang="ru-RU" sz="1300">
                                         <a:effectLst/>
                                         <a:latin typeface="Cambria Math" panose="02040503050406030204" pitchFamily="18" charset="0"/>
                                         <a:ea typeface="Calibri" panose="020F0502020204030204" pitchFamily="34" charset="0"/>
@@ -16372,7 +18280,7 @@
                                     <m:sSub>
                                       <m:sSubPr>
                                         <m:ctrlPr>
-                                          <a:rPr lang="ru-RU" sz="1100" i="1">
+                                          <a:rPr lang="ru-RU" sz="1300" i="1">
                                             <a:effectLst/>
                                             <a:latin typeface="Cambria Math" panose="02040503050406030204" pitchFamily="18" charset="0"/>
                                             <a:ea typeface="Calibri" panose="020F0502020204030204" pitchFamily="34" charset="0"/>
@@ -16382,7 +18290,7 @@
                                       </m:sSubPr>
                                       <m:e>
                                         <m:r>
-                                          <a:rPr lang="en-US" sz="1100" i="1">
+                                          <a:rPr lang="en-US" sz="1300" i="1">
                                             <a:effectLst/>
                                             <a:latin typeface="Cambria Math" panose="02040503050406030204" pitchFamily="18" charset="0"/>
                                             <a:ea typeface="Calibri" panose="020F0502020204030204" pitchFamily="34" charset="0"/>
@@ -16393,7 +18301,7 @@
                                       </m:e>
                                       <m:sub>
                                         <m:r>
-                                          <a:rPr lang="ru-RU" sz="1100" i="1">
+                                          <a:rPr lang="ru-RU" sz="1300" i="1">
                                             <a:effectLst/>
                                             <a:latin typeface="Cambria Math" panose="02040503050406030204" pitchFamily="18" charset="0"/>
                                             <a:ea typeface="Calibri" panose="020F0502020204030204" pitchFamily="34" charset="0"/>
@@ -16408,7 +18316,7 @@
                               </m:e>
                             </m:func>
                             <m:r>
-                              <a:rPr lang="en-US" sz="1100" i="1">
+                              <a:rPr lang="en-US" sz="1300" i="1">
                                 <a:effectLst/>
                                 <a:latin typeface="Cambria Math" panose="02040503050406030204" pitchFamily="18" charset="0"/>
                                 <a:ea typeface="Calibri" panose="020F0502020204030204" pitchFamily="34" charset="0"/>
@@ -16419,7 +18327,7 @@
                           </m:e>
                           <m:e>
                             <m:r>
-                              <a:rPr lang="en-US" sz="1100" i="1">
+                              <a:rPr lang="en-US" sz="1300" i="1">
                                 <a:effectLst/>
                                 <a:latin typeface="Cambria Math" panose="02040503050406030204" pitchFamily="18" charset="0"/>
                                 <a:ea typeface="Calibri" panose="020F0502020204030204" pitchFamily="34" charset="0"/>
@@ -16428,7 +18336,7 @@
                               <m:t>𝑦</m:t>
                             </m:r>
                             <m:r>
-                              <a:rPr lang="ru-RU" sz="1100" i="1">
+                              <a:rPr lang="ru-RU" sz="1300" i="1">
                                 <a:effectLst/>
                                 <a:latin typeface="Cambria Math" panose="02040503050406030204" pitchFamily="18" charset="0"/>
                                 <a:ea typeface="Calibri" panose="020F0502020204030204" pitchFamily="34" charset="0"/>
@@ -16439,7 +18347,7 @@
                             <m:sSub>
                               <m:sSubPr>
                                 <m:ctrlPr>
-                                  <a:rPr lang="ru-RU" sz="1100" i="1">
+                                  <a:rPr lang="ru-RU" sz="1300" i="1">
                                     <a:effectLst/>
                                     <a:latin typeface="Cambria Math" panose="02040503050406030204" pitchFamily="18" charset="0"/>
                                     <a:ea typeface="Calibri" panose="020F0502020204030204" pitchFamily="34" charset="0"/>
@@ -16449,7 +18357,7 @@
                               </m:sSubPr>
                               <m:e>
                                 <m:r>
-                                  <a:rPr lang="ru-RU" sz="1100" i="1">
+                                  <a:rPr lang="ru-RU" sz="1300" i="1">
                                     <a:effectLst/>
                                     <a:latin typeface="Cambria Math" panose="02040503050406030204" pitchFamily="18" charset="0"/>
                                     <a:ea typeface="Calibri" panose="020F0502020204030204" pitchFamily="34" charset="0"/>
@@ -16458,7 +18366,7 @@
                                   <m:t>(</m:t>
                                 </m:r>
                                 <m:r>
-                                  <a:rPr lang="en-US" sz="1100" i="1">
+                                  <a:rPr lang="en-US" sz="1300" i="1">
                                     <a:effectLst/>
                                     <a:latin typeface="Cambria Math" panose="02040503050406030204" pitchFamily="18" charset="0"/>
                                     <a:ea typeface="Calibri" panose="020F0502020204030204" pitchFamily="34" charset="0"/>
@@ -16469,7 +18377,7 @@
                               </m:e>
                               <m:sub>
                                 <m:r>
-                                  <a:rPr lang="ru-RU" sz="1100" i="1">
+                                  <a:rPr lang="ru-RU" sz="1300" i="1">
                                     <a:effectLst/>
                                     <a:latin typeface="Cambria Math" panose="02040503050406030204" pitchFamily="18" charset="0"/>
                                     <a:ea typeface="Calibri" panose="020F0502020204030204" pitchFamily="34" charset="0"/>
@@ -16482,7 +18390,7 @@
                             <m:func>
                               <m:funcPr>
                                 <m:ctrlPr>
-                                  <a:rPr lang="ru-RU" sz="1100" i="1">
+                                  <a:rPr lang="ru-RU" sz="1300" i="1">
                                     <a:effectLst/>
                                     <a:latin typeface="Cambria Math" panose="02040503050406030204" pitchFamily="18" charset="0"/>
                                     <a:ea typeface="Calibri" panose="020F0502020204030204" pitchFamily="34" charset="0"/>
@@ -16495,7 +18403,7 @@
                                   <m:rPr>
                                     <m:sty m:val="p"/>
                                   </m:rPr>
-                                  <a:rPr lang="en-US" sz="1100">
+                                  <a:rPr lang="en-US" sz="1300">
                                     <a:effectLst/>
                                     <a:latin typeface="Cambria Math" panose="02040503050406030204" pitchFamily="18" charset="0"/>
                                     <a:ea typeface="Calibri" panose="020F0502020204030204" pitchFamily="34" charset="0"/>
@@ -16508,7 +18416,7 @@
                                 <m:d>
                                   <m:dPr>
                                     <m:ctrlPr>
-                                      <a:rPr lang="ru-RU" sz="1100" i="1">
+                                      <a:rPr lang="ru-RU" sz="1300" i="1">
                                         <a:effectLst/>
                                         <a:latin typeface="Cambria Math" panose="02040503050406030204" pitchFamily="18" charset="0"/>
                                         <a:ea typeface="Calibri" panose="020F0502020204030204" pitchFamily="34" charset="0"/>
@@ -16520,7 +18428,7 @@
                                     <m:sSub>
                                       <m:sSubPr>
                                         <m:ctrlPr>
-                                          <a:rPr lang="ru-RU" sz="1100" i="1">
+                                          <a:rPr lang="ru-RU" sz="1300" i="1">
                                             <a:effectLst/>
                                             <a:latin typeface="Cambria Math" panose="02040503050406030204" pitchFamily="18" charset="0"/>
                                             <a:ea typeface="Calibri" panose="020F0502020204030204" pitchFamily="34" charset="0"/>
@@ -16530,7 +18438,7 @@
                                       </m:sSubPr>
                                       <m:e>
                                         <m:r>
-                                          <a:rPr lang="en-US" sz="1100" i="1">
+                                          <a:rPr lang="en-US" sz="1300" i="1">
                                             <a:effectLst/>
                                             <a:latin typeface="Cambria Math" panose="02040503050406030204" pitchFamily="18" charset="0"/>
                                             <a:ea typeface="Calibri" panose="020F0502020204030204" pitchFamily="34" charset="0"/>
@@ -16541,7 +18449,7 @@
                                       </m:e>
                                       <m:sub>
                                         <m:r>
-                                          <a:rPr lang="ru-RU" sz="1100" i="1">
+                                          <a:rPr lang="ru-RU" sz="1300" i="1">
                                             <a:effectLst/>
                                             <a:latin typeface="Cambria Math" panose="02040503050406030204" pitchFamily="18" charset="0"/>
                                             <a:ea typeface="Calibri" panose="020F0502020204030204" pitchFamily="34" charset="0"/>
@@ -16556,7 +18464,7 @@
                               </m:e>
                             </m:func>
                             <m:r>
-                              <a:rPr lang="ru-RU" sz="1100" i="1">
+                              <a:rPr lang="ru-RU" sz="1300" i="1">
                                 <a:effectLst/>
                                 <a:latin typeface="Cambria Math" panose="02040503050406030204" pitchFamily="18" charset="0"/>
                                 <a:ea typeface="Calibri" panose="020F0502020204030204" pitchFamily="34" charset="0"/>
@@ -16567,7 +18475,7 @@
                             <m:sSub>
                               <m:sSubPr>
                                 <m:ctrlPr>
-                                  <a:rPr lang="ru-RU" sz="1100" i="1">
+                                  <a:rPr lang="ru-RU" sz="1300" i="1">
                                     <a:effectLst/>
                                     <a:latin typeface="Cambria Math" panose="02040503050406030204" pitchFamily="18" charset="0"/>
                                     <a:ea typeface="Calibri" panose="020F0502020204030204" pitchFamily="34" charset="0"/>
@@ -16577,7 +18485,7 @@
                               </m:sSubPr>
                               <m:e>
                                 <m:r>
-                                  <a:rPr lang="en-US" sz="1100" i="1">
+                                  <a:rPr lang="en-US" sz="1300" i="1">
                                     <a:effectLst/>
                                     <a:latin typeface="Cambria Math" panose="02040503050406030204" pitchFamily="18" charset="0"/>
                                     <a:ea typeface="Calibri" panose="020F0502020204030204" pitchFamily="34" charset="0"/>
@@ -16588,7 +18496,7 @@
                               </m:e>
                               <m:sub>
                                 <m:r>
-                                  <a:rPr lang="ru-RU" sz="1100" i="1">
+                                  <a:rPr lang="ru-RU" sz="1300" i="1">
                                     <a:effectLst/>
                                     <a:latin typeface="Cambria Math" panose="02040503050406030204" pitchFamily="18" charset="0"/>
                                     <a:ea typeface="Calibri" panose="020F0502020204030204" pitchFamily="34" charset="0"/>
@@ -16601,7 +18509,7 @@
                             <m:func>
                               <m:funcPr>
                                 <m:ctrlPr>
-                                  <a:rPr lang="ru-RU" sz="1100" i="1">
+                                  <a:rPr lang="ru-RU" sz="1300" i="1">
                                     <a:effectLst/>
                                     <a:latin typeface="Cambria Math" panose="02040503050406030204" pitchFamily="18" charset="0"/>
                                     <a:ea typeface="Calibri" panose="020F0502020204030204" pitchFamily="34" charset="0"/>
@@ -16614,7 +18522,7 @@
                                   <m:rPr>
                                     <m:sty m:val="p"/>
                                   </m:rPr>
-                                  <a:rPr lang="en-US" sz="1100">
+                                  <a:rPr lang="en-US" sz="1300">
                                     <a:effectLst/>
                                     <a:latin typeface="Cambria Math" panose="02040503050406030204" pitchFamily="18" charset="0"/>
                                     <a:ea typeface="Calibri" panose="020F0502020204030204" pitchFamily="34" charset="0"/>
@@ -16627,7 +18535,7 @@
                                 <m:d>
                                   <m:dPr>
                                     <m:ctrlPr>
-                                      <a:rPr lang="ru-RU" sz="1100" i="1">
+                                      <a:rPr lang="ru-RU" sz="1300" i="1">
                                         <a:effectLst/>
                                         <a:latin typeface="Cambria Math" panose="02040503050406030204" pitchFamily="18" charset="0"/>
                                         <a:ea typeface="Calibri" panose="020F0502020204030204" pitchFamily="34" charset="0"/>
@@ -16639,7 +18547,7 @@
                                     <m:sSub>
                                       <m:sSubPr>
                                         <m:ctrlPr>
-                                          <a:rPr lang="ru-RU" sz="1100" i="1">
+                                          <a:rPr lang="ru-RU" sz="1300" i="1">
                                             <a:effectLst/>
                                             <a:latin typeface="Cambria Math" panose="02040503050406030204" pitchFamily="18" charset="0"/>
                                             <a:ea typeface="Calibri" panose="020F0502020204030204" pitchFamily="34" charset="0"/>
@@ -16649,7 +18557,7 @@
                                       </m:sSubPr>
                                       <m:e>
                                         <m:r>
-                                          <a:rPr lang="en-US" sz="1100" i="1">
+                                          <a:rPr lang="en-US" sz="1300" i="1">
                                             <a:effectLst/>
                                             <a:latin typeface="Cambria Math" panose="02040503050406030204" pitchFamily="18" charset="0"/>
                                             <a:ea typeface="Calibri" panose="020F0502020204030204" pitchFamily="34" charset="0"/>
@@ -16660,7 +18568,7 @@
                                       </m:e>
                                       <m:sub>
                                         <m:r>
-                                          <a:rPr lang="ru-RU" sz="1100" i="1">
+                                          <a:rPr lang="ru-RU" sz="1300" i="1">
                                             <a:effectLst/>
                                             <a:latin typeface="Cambria Math" panose="02040503050406030204" pitchFamily="18" charset="0"/>
                                             <a:ea typeface="Calibri" panose="020F0502020204030204" pitchFamily="34" charset="0"/>
@@ -16671,7 +18579,7 @@
                                       </m:sub>
                                     </m:sSub>
                                     <m:r>
-                                      <a:rPr lang="ru-RU" sz="1100" i="1">
+                                      <a:rPr lang="ru-RU" sz="1300" i="1">
                                         <a:effectLst/>
                                         <a:latin typeface="Cambria Math" panose="02040503050406030204" pitchFamily="18" charset="0"/>
                                         <a:ea typeface="Calibri" panose="020F0502020204030204" pitchFamily="34" charset="0"/>
@@ -16682,7 +18590,7 @@
                                     <m:sSub>
                                       <m:sSubPr>
                                         <m:ctrlPr>
-                                          <a:rPr lang="ru-RU" sz="1100" i="1">
+                                          <a:rPr lang="ru-RU" sz="1300" i="1">
                                             <a:effectLst/>
                                             <a:latin typeface="Cambria Math" panose="02040503050406030204" pitchFamily="18" charset="0"/>
                                             <a:ea typeface="Calibri" panose="020F0502020204030204" pitchFamily="34" charset="0"/>
@@ -16692,7 +18600,7 @@
                                       </m:sSubPr>
                                       <m:e>
                                         <m:r>
-                                          <a:rPr lang="en-US" sz="1100" i="1">
+                                          <a:rPr lang="en-US" sz="1300" i="1">
                                             <a:effectLst/>
                                             <a:latin typeface="Cambria Math" panose="02040503050406030204" pitchFamily="18" charset="0"/>
                                             <a:ea typeface="Calibri" panose="020F0502020204030204" pitchFamily="34" charset="0"/>
@@ -16703,7 +18611,7 @@
                                       </m:e>
                                       <m:sub>
                                         <m:r>
-                                          <a:rPr lang="ru-RU" sz="1100" i="1">
+                                          <a:rPr lang="ru-RU" sz="1300" i="1">
                                             <a:effectLst/>
                                             <a:latin typeface="Cambria Math" panose="02040503050406030204" pitchFamily="18" charset="0"/>
                                             <a:ea typeface="Calibri" panose="020F0502020204030204" pitchFamily="34" charset="0"/>
@@ -16716,7 +18624,7 @@
                                   </m:e>
                                 </m:d>
                                 <m:r>
-                                  <a:rPr lang="ru-RU" sz="1100" i="1">
+                                  <a:rPr lang="ru-RU" sz="1300" i="1">
                                     <a:effectLst/>
                                     <a:latin typeface="Cambria Math" panose="02040503050406030204" pitchFamily="18" charset="0"/>
                                     <a:ea typeface="Calibri" panose="020F0502020204030204" pitchFamily="34" charset="0"/>
@@ -16727,7 +18635,7 @@
                                 <m:func>
                                   <m:funcPr>
                                     <m:ctrlPr>
-                                      <a:rPr lang="ru-RU" sz="1100" i="1">
+                                      <a:rPr lang="ru-RU" sz="1300" i="1">
                                         <a:effectLst/>
                                         <a:latin typeface="Cambria Math" panose="02040503050406030204" pitchFamily="18" charset="0"/>
                                         <a:ea typeface="Calibri" panose="020F0502020204030204" pitchFamily="34" charset="0"/>
@@ -16737,7 +18645,7 @@
                                   </m:funcPr>
                                   <m:fName>
                                     <m:r>
-                                      <a:rPr lang="en-US" sz="1100" i="1">
+                                      <a:rPr lang="en-US" sz="1300" i="1">
                                         <a:effectLst/>
                                         <a:latin typeface="Cambria Math" panose="02040503050406030204" pitchFamily="18" charset="0"/>
                                         <a:ea typeface="Calibri" panose="020F0502020204030204" pitchFamily="34" charset="0"/>
@@ -16750,7 +18658,7 @@
                                     <m:sSub>
                                       <m:sSubPr>
                                         <m:ctrlPr>
-                                          <a:rPr lang="ru-RU" sz="1100" i="1">
+                                          <a:rPr lang="ru-RU" sz="1300" i="1">
                                             <a:effectLst/>
                                             <a:latin typeface="Cambria Math" panose="02040503050406030204" pitchFamily="18" charset="0"/>
                                             <a:ea typeface="Calibri" panose="020F0502020204030204" pitchFamily="34" charset="0"/>
@@ -16760,7 +18668,7 @@
                                       </m:sSubPr>
                                       <m:e>
                                         <m:r>
-                                          <a:rPr lang="en-US" sz="1100" i="1">
+                                          <a:rPr lang="en-US" sz="1300" i="1">
                                             <a:effectLst/>
                                             <a:latin typeface="Cambria Math" panose="02040503050406030204" pitchFamily="18" charset="0"/>
                                             <a:ea typeface="Calibri" panose="020F0502020204030204" pitchFamily="34" charset="0"/>
@@ -16771,7 +18679,7 @@
                                       </m:e>
                                       <m:sub>
                                         <m:r>
-                                          <a:rPr lang="ru-RU" sz="1100" i="1">
+                                          <a:rPr lang="ru-RU" sz="1300" i="1">
                                             <a:effectLst/>
                                             <a:latin typeface="Cambria Math" panose="02040503050406030204" pitchFamily="18" charset="0"/>
                                             <a:ea typeface="Calibri" panose="020F0502020204030204" pitchFamily="34" charset="0"/>
@@ -16788,7 +18696,7 @@
                           </m:e>
                           <m:e>
                             <m:r>
-                              <a:rPr lang="en-US" sz="1100" i="1">
+                              <a:rPr lang="en-US" sz="1300" i="1">
                                 <a:effectLst/>
                                 <a:latin typeface="Cambria Math" panose="02040503050406030204" pitchFamily="18" charset="0"/>
                                 <a:ea typeface="Calibri" panose="020F0502020204030204" pitchFamily="34" charset="0"/>
@@ -16797,7 +18705,7 @@
                               <m:t>𝑧</m:t>
                             </m:r>
                             <m:r>
-                              <a:rPr lang="ru-RU" sz="1100" i="1">
+                              <a:rPr lang="ru-RU" sz="1300" i="1">
                                 <a:effectLst/>
                                 <a:latin typeface="Cambria Math" panose="02040503050406030204" pitchFamily="18" charset="0"/>
                                 <a:ea typeface="Calibri" panose="020F0502020204030204" pitchFamily="34" charset="0"/>
@@ -16808,7 +18716,7 @@
                             <m:sSub>
                               <m:sSubPr>
                                 <m:ctrlPr>
-                                  <a:rPr lang="ru-RU" sz="1100" i="1">
+                                  <a:rPr lang="ru-RU" sz="1300" i="1">
                                     <a:effectLst/>
                                     <a:latin typeface="Cambria Math" panose="02040503050406030204" pitchFamily="18" charset="0"/>
                                     <a:ea typeface="Calibri" panose="020F0502020204030204" pitchFamily="34" charset="0"/>
@@ -16818,7 +18726,7 @@
                               </m:sSubPr>
                               <m:e>
                                 <m:r>
-                                  <a:rPr lang="en-US" sz="1100" i="1">
+                                  <a:rPr lang="en-US" sz="1300" i="1">
                                     <a:effectLst/>
                                     <a:latin typeface="Cambria Math" panose="02040503050406030204" pitchFamily="18" charset="0"/>
                                     <a:ea typeface="Calibri" panose="020F0502020204030204" pitchFamily="34" charset="0"/>
@@ -16829,7 +18737,7 @@
                               </m:e>
                               <m:sub>
                                 <m:r>
-                                  <a:rPr lang="ru-RU" sz="1100" i="1">
+                                  <a:rPr lang="ru-RU" sz="1300" i="1">
                                     <a:effectLst/>
                                     <a:latin typeface="Cambria Math" panose="02040503050406030204" pitchFamily="18" charset="0"/>
                                     <a:ea typeface="Calibri" panose="020F0502020204030204" pitchFamily="34" charset="0"/>
@@ -16842,7 +18750,7 @@
                             <m:func>
                               <m:funcPr>
                                 <m:ctrlPr>
-                                  <a:rPr lang="ru-RU" sz="1100" i="1">
+                                  <a:rPr lang="ru-RU" sz="1300" i="1">
                                     <a:effectLst/>
                                     <a:latin typeface="Cambria Math" panose="02040503050406030204" pitchFamily="18" charset="0"/>
                                     <a:ea typeface="Calibri" panose="020F0502020204030204" pitchFamily="34" charset="0"/>
@@ -16855,7 +18763,7 @@
                                   <m:rPr>
                                     <m:sty m:val="p"/>
                                   </m:rPr>
-                                  <a:rPr lang="en-US" sz="1100">
+                                  <a:rPr lang="en-US" sz="1300">
                                     <a:effectLst/>
                                     <a:latin typeface="Cambria Math" panose="02040503050406030204" pitchFamily="18" charset="0"/>
                                     <a:ea typeface="Calibri" panose="020F0502020204030204" pitchFamily="34" charset="0"/>
@@ -16868,7 +18776,7 @@
                                 <m:d>
                                   <m:dPr>
                                     <m:ctrlPr>
-                                      <a:rPr lang="ru-RU" sz="1100" i="1">
+                                      <a:rPr lang="ru-RU" sz="1300" i="1">
                                         <a:effectLst/>
                                         <a:latin typeface="Cambria Math" panose="02040503050406030204" pitchFamily="18" charset="0"/>
                                         <a:ea typeface="Calibri" panose="020F0502020204030204" pitchFamily="34" charset="0"/>
@@ -16880,7 +18788,7 @@
                                     <m:sSub>
                                       <m:sSubPr>
                                         <m:ctrlPr>
-                                          <a:rPr lang="ru-RU" sz="1100" i="1">
+                                          <a:rPr lang="ru-RU" sz="1300" i="1">
                                             <a:effectLst/>
                                             <a:latin typeface="Cambria Math" panose="02040503050406030204" pitchFamily="18" charset="0"/>
                                             <a:ea typeface="Calibri" panose="020F0502020204030204" pitchFamily="34" charset="0"/>
@@ -16890,7 +18798,7 @@
                                       </m:sSubPr>
                                       <m:e>
                                         <m:r>
-                                          <a:rPr lang="en-US" sz="1100" i="1">
+                                          <a:rPr lang="en-US" sz="1300" i="1">
                                             <a:effectLst/>
                                             <a:latin typeface="Cambria Math" panose="02040503050406030204" pitchFamily="18" charset="0"/>
                                             <a:ea typeface="Calibri" panose="020F0502020204030204" pitchFamily="34" charset="0"/>
@@ -16901,7 +18809,7 @@
                                       </m:e>
                                       <m:sub>
                                         <m:r>
-                                          <a:rPr lang="ru-RU" sz="1100" i="1">
+                                          <a:rPr lang="ru-RU" sz="1300" i="1">
                                             <a:effectLst/>
                                             <a:latin typeface="Cambria Math" panose="02040503050406030204" pitchFamily="18" charset="0"/>
                                             <a:ea typeface="Calibri" panose="020F0502020204030204" pitchFamily="34" charset="0"/>
@@ -16916,7 +18824,7 @@
                               </m:e>
                             </m:func>
                             <m:r>
-                              <a:rPr lang="ru-RU" sz="1100" i="1">
+                              <a:rPr lang="ru-RU" sz="1300" i="1">
                                 <a:effectLst/>
                                 <a:latin typeface="Cambria Math" panose="02040503050406030204" pitchFamily="18" charset="0"/>
                                 <a:ea typeface="Calibri" panose="020F0502020204030204" pitchFamily="34" charset="0"/>
@@ -16927,7 +18835,7 @@
                             <m:sSub>
                               <m:sSubPr>
                                 <m:ctrlPr>
-                                  <a:rPr lang="ru-RU" sz="1100" i="1">
+                                  <a:rPr lang="ru-RU" sz="1300" i="1">
                                     <a:effectLst/>
                                     <a:latin typeface="Cambria Math" panose="02040503050406030204" pitchFamily="18" charset="0"/>
                                     <a:ea typeface="Calibri" panose="020F0502020204030204" pitchFamily="34" charset="0"/>
@@ -16937,7 +18845,7 @@
                               </m:sSubPr>
                               <m:e>
                                 <m:r>
-                                  <a:rPr lang="en-US" sz="1100" i="1">
+                                  <a:rPr lang="en-US" sz="1300" i="1">
                                     <a:effectLst/>
                                     <a:latin typeface="Cambria Math" panose="02040503050406030204" pitchFamily="18" charset="0"/>
                                     <a:ea typeface="Calibri" panose="020F0502020204030204" pitchFamily="34" charset="0"/>
@@ -16948,7 +18856,7 @@
                               </m:e>
                               <m:sub>
                                 <m:r>
-                                  <a:rPr lang="ru-RU" sz="1100" i="1">
+                                  <a:rPr lang="ru-RU" sz="1300" i="1">
                                     <a:effectLst/>
                                     <a:latin typeface="Cambria Math" panose="02040503050406030204" pitchFamily="18" charset="0"/>
                                     <a:ea typeface="Calibri" panose="020F0502020204030204" pitchFamily="34" charset="0"/>
@@ -16961,7 +18869,7 @@
                             <m:func>
                               <m:funcPr>
                                 <m:ctrlPr>
-                                  <a:rPr lang="ru-RU" sz="1100" i="1">
+                                  <a:rPr lang="ru-RU" sz="1300" i="1">
                                     <a:effectLst/>
                                     <a:latin typeface="Cambria Math" panose="02040503050406030204" pitchFamily="18" charset="0"/>
                                     <a:ea typeface="Calibri" panose="020F0502020204030204" pitchFamily="34" charset="0"/>
@@ -16974,7 +18882,7 @@
                                   <m:rPr>
                                     <m:sty m:val="p"/>
                                   </m:rPr>
-                                  <a:rPr lang="en-US" sz="1100">
+                                  <a:rPr lang="en-US" sz="1300">
                                     <a:effectLst/>
                                     <a:latin typeface="Cambria Math" panose="02040503050406030204" pitchFamily="18" charset="0"/>
                                     <a:ea typeface="Calibri" panose="020F0502020204030204" pitchFamily="34" charset="0"/>
@@ -16987,7 +18895,7 @@
                                 <m:d>
                                   <m:dPr>
                                     <m:ctrlPr>
-                                      <a:rPr lang="ru-RU" sz="1100" i="1">
+                                      <a:rPr lang="ru-RU" sz="1300" i="1">
                                         <a:effectLst/>
                                         <a:latin typeface="Cambria Math" panose="02040503050406030204" pitchFamily="18" charset="0"/>
                                         <a:ea typeface="Calibri" panose="020F0502020204030204" pitchFamily="34" charset="0"/>
@@ -16999,7 +18907,7 @@
                                     <m:sSub>
                                       <m:sSubPr>
                                         <m:ctrlPr>
-                                          <a:rPr lang="ru-RU" sz="1100" i="1">
+                                          <a:rPr lang="ru-RU" sz="1300" i="1">
                                             <a:effectLst/>
                                             <a:latin typeface="Cambria Math" panose="02040503050406030204" pitchFamily="18" charset="0"/>
                                             <a:ea typeface="Calibri" panose="020F0502020204030204" pitchFamily="34" charset="0"/>
@@ -17009,7 +18917,7 @@
                                       </m:sSubPr>
                                       <m:e>
                                         <m:r>
-                                          <a:rPr lang="en-US" sz="1100" i="1">
+                                          <a:rPr lang="en-US" sz="1300" i="1">
                                             <a:effectLst/>
                                             <a:latin typeface="Cambria Math" panose="02040503050406030204" pitchFamily="18" charset="0"/>
                                             <a:ea typeface="Calibri" panose="020F0502020204030204" pitchFamily="34" charset="0"/>
@@ -17020,7 +18928,7 @@
                                       </m:e>
                                       <m:sub>
                                         <m:r>
-                                          <a:rPr lang="ru-RU" sz="1100" i="1">
+                                          <a:rPr lang="ru-RU" sz="1300" i="1">
                                             <a:effectLst/>
                                             <a:latin typeface="Cambria Math" panose="02040503050406030204" pitchFamily="18" charset="0"/>
                                             <a:ea typeface="Calibri" panose="020F0502020204030204" pitchFamily="34" charset="0"/>
@@ -17031,7 +18939,7 @@
                                       </m:sub>
                                     </m:sSub>
                                     <m:r>
-                                      <a:rPr lang="ru-RU" sz="1100" i="1">
+                                      <a:rPr lang="ru-RU" sz="1300" i="1">
                                         <a:effectLst/>
                                         <a:latin typeface="Cambria Math" panose="02040503050406030204" pitchFamily="18" charset="0"/>
                                         <a:ea typeface="Calibri" panose="020F0502020204030204" pitchFamily="34" charset="0"/>
@@ -17042,7 +18950,7 @@
                                     <m:sSub>
                                       <m:sSubPr>
                                         <m:ctrlPr>
-                                          <a:rPr lang="ru-RU" sz="1100" i="1">
+                                          <a:rPr lang="ru-RU" sz="1300" i="1">
                                             <a:effectLst/>
                                             <a:latin typeface="Cambria Math" panose="02040503050406030204" pitchFamily="18" charset="0"/>
                                             <a:ea typeface="Calibri" panose="020F0502020204030204" pitchFamily="34" charset="0"/>
@@ -17052,7 +18960,7 @@
                                       </m:sSubPr>
                                       <m:e>
                                         <m:r>
-                                          <a:rPr lang="en-US" sz="1100" i="1">
+                                          <a:rPr lang="en-US" sz="1300" i="1">
                                             <a:effectLst/>
                                             <a:latin typeface="Cambria Math" panose="02040503050406030204" pitchFamily="18" charset="0"/>
                                             <a:ea typeface="Calibri" panose="020F0502020204030204" pitchFamily="34" charset="0"/>
@@ -17063,7 +18971,7 @@
                                       </m:e>
                                       <m:sub>
                                         <m:r>
-                                          <a:rPr lang="ru-RU" sz="1100" i="1">
+                                          <a:rPr lang="ru-RU" sz="1300" i="1">
                                             <a:effectLst/>
                                             <a:latin typeface="Cambria Math" panose="02040503050406030204" pitchFamily="18" charset="0"/>
                                             <a:ea typeface="Calibri" panose="020F0502020204030204" pitchFamily="34" charset="0"/>
@@ -17084,194 +18992,7 @@
                   </m:oMath>
                 </a14:m>
                 <a:r>
-                  <a:rPr lang="ru-RU" sz="1100" dirty="0">
-                    <a:effectLst/>
-                    <a:latin typeface="Times New Roman" panose="02020603050405020304" pitchFamily="18" charset="0"/>
-                    <a:ea typeface="Times New Roman" panose="02020603050405020304" pitchFamily="18" charset="0"/>
-                    <a:cs typeface="Times New Roman" panose="02020603050405020304" pitchFamily="18" charset="0"/>
-                  </a:rPr>
-                  <a:t>, (1)</a:t>
-                </a:r>
-                <a:endParaRPr lang="ru-RU" sz="1100" dirty="0">
-                  <a:effectLst/>
-                  <a:latin typeface="Times New Roman" panose="02020603050405020304" pitchFamily="18" charset="0"/>
-                  <a:ea typeface="Calibri" panose="020F0502020204030204" pitchFamily="34" charset="0"/>
-                  <a:cs typeface="Times New Roman" panose="02020603050405020304" pitchFamily="18" charset="0"/>
-                </a:endParaRPr>
-              </a:p>
-              <a:p>
-                <a:pPr algn="just">
-                  <a:spcAft>
-                    <a:spcPts val="600"/>
-                  </a:spcAft>
-                </a:pPr>
-                <a:r>
-                  <a:rPr lang="ru-RU" sz="1100" dirty="0">
-                    <a:effectLst/>
-                    <a:latin typeface="Times New Roman" panose="02020603050405020304" pitchFamily="18" charset="0"/>
-                    <a:ea typeface="Calibri" panose="020F0502020204030204" pitchFamily="34" charset="0"/>
-                    <a:cs typeface="Times New Roman" panose="02020603050405020304" pitchFamily="18" charset="0"/>
-                  </a:rPr>
-                  <a:t>где </a:t>
-                </a:r>
-                <a:r>
-                  <a:rPr lang="en-US" sz="1100" dirty="0">
-                    <a:effectLst/>
-                    <a:latin typeface="Times New Roman" panose="02020603050405020304" pitchFamily="18" charset="0"/>
-                    <a:ea typeface="Calibri" panose="020F0502020204030204" pitchFamily="34" charset="0"/>
-                    <a:cs typeface="Times New Roman" panose="02020603050405020304" pitchFamily="18" charset="0"/>
-                  </a:rPr>
-                  <a:t>L</a:t>
-                </a:r>
-                <a:r>
-                  <a:rPr lang="ru-RU" sz="1100" baseline="-25000" dirty="0">
-                    <a:effectLst/>
-                    <a:latin typeface="Times New Roman" panose="02020603050405020304" pitchFamily="18" charset="0"/>
-                    <a:ea typeface="Calibri" panose="020F0502020204030204" pitchFamily="34" charset="0"/>
-                    <a:cs typeface="Times New Roman" panose="02020603050405020304" pitchFamily="18" charset="0"/>
-                  </a:rPr>
-                  <a:t>1 </a:t>
-                </a:r>
-                <a:r>
-                  <a:rPr lang="ru-RU" sz="1100" dirty="0">
-                    <a:effectLst/>
-                    <a:latin typeface="Times New Roman" panose="02020603050405020304" pitchFamily="18" charset="0"/>
-                    <a:ea typeface="Calibri" panose="020F0502020204030204" pitchFamily="34" charset="0"/>
-                    <a:cs typeface="Times New Roman" panose="02020603050405020304" pitchFamily="18" charset="0"/>
-                  </a:rPr>
-                  <a:t>и </a:t>
-                </a:r>
-                <a:r>
-                  <a:rPr lang="en-US" sz="1100" dirty="0">
-                    <a:effectLst/>
-                    <a:latin typeface="Times New Roman" panose="02020603050405020304" pitchFamily="18" charset="0"/>
-                    <a:ea typeface="Calibri" panose="020F0502020204030204" pitchFamily="34" charset="0"/>
-                    <a:cs typeface="Times New Roman" panose="02020603050405020304" pitchFamily="18" charset="0"/>
-                  </a:rPr>
-                  <a:t>L</a:t>
-                </a:r>
-                <a:r>
-                  <a:rPr lang="ru-RU" sz="1100" baseline="-25000" dirty="0">
-                    <a:effectLst/>
-                    <a:latin typeface="Times New Roman" panose="02020603050405020304" pitchFamily="18" charset="0"/>
-                    <a:ea typeface="Calibri" panose="020F0502020204030204" pitchFamily="34" charset="0"/>
-                    <a:cs typeface="Times New Roman" panose="02020603050405020304" pitchFamily="18" charset="0"/>
-                  </a:rPr>
-                  <a:t>2 </a:t>
-                </a:r>
-                <a:r>
-                  <a:rPr lang="ru-RU" sz="1100" dirty="0">
-                    <a:effectLst/>
-                    <a:latin typeface="Times New Roman" panose="02020603050405020304" pitchFamily="18" charset="0"/>
-                    <a:ea typeface="Calibri" panose="020F0502020204030204" pitchFamily="34" charset="0"/>
-                    <a:cs typeface="Times New Roman" panose="02020603050405020304" pitchFamily="18" charset="0"/>
-                  </a:rPr>
-                  <a:t>– длины сегментов руки, θ</a:t>
-                </a:r>
-                <a:r>
-                  <a:rPr lang="ru-RU" sz="1100" baseline="-25000" dirty="0">
-                    <a:effectLst/>
-                    <a:latin typeface="Times New Roman" panose="02020603050405020304" pitchFamily="18" charset="0"/>
-                    <a:ea typeface="Calibri" panose="020F0502020204030204" pitchFamily="34" charset="0"/>
-                    <a:cs typeface="Times New Roman" panose="02020603050405020304" pitchFamily="18" charset="0"/>
-                  </a:rPr>
-                  <a:t>1</a:t>
-                </a:r>
-                <a:r>
-                  <a:rPr lang="ru-RU" sz="1100" dirty="0">
-                    <a:effectLst/>
-                    <a:latin typeface="Times New Roman" panose="02020603050405020304" pitchFamily="18" charset="0"/>
-                    <a:ea typeface="Calibri" panose="020F0502020204030204" pitchFamily="34" charset="0"/>
-                    <a:cs typeface="Times New Roman" panose="02020603050405020304" pitchFamily="18" charset="0"/>
-                  </a:rPr>
-                  <a:t> и θ</a:t>
-                </a:r>
-                <a:r>
-                  <a:rPr lang="ru-RU" sz="1100" baseline="-25000" dirty="0">
-                    <a:effectLst/>
-                    <a:latin typeface="Times New Roman" panose="02020603050405020304" pitchFamily="18" charset="0"/>
-                    <a:ea typeface="Calibri" panose="020F0502020204030204" pitchFamily="34" charset="0"/>
-                    <a:cs typeface="Times New Roman" panose="02020603050405020304" pitchFamily="18" charset="0"/>
-                  </a:rPr>
-                  <a:t>2</a:t>
-                </a:r>
-                <a:r>
-                  <a:rPr lang="ru-RU" sz="1100" dirty="0">
-                    <a:effectLst/>
-                    <a:latin typeface="Times New Roman" panose="02020603050405020304" pitchFamily="18" charset="0"/>
-                    <a:ea typeface="Calibri" panose="020F0502020204030204" pitchFamily="34" charset="0"/>
-                    <a:cs typeface="Times New Roman" panose="02020603050405020304" pitchFamily="18" charset="0"/>
-                  </a:rPr>
-                  <a:t> – углы поворота суставов, θ</a:t>
-                </a:r>
-                <a:r>
-                  <a:rPr lang="ru-RU" sz="1100" baseline="-25000" dirty="0">
-                    <a:effectLst/>
-                    <a:latin typeface="Times New Roman" panose="02020603050405020304" pitchFamily="18" charset="0"/>
-                    <a:ea typeface="Calibri" panose="020F0502020204030204" pitchFamily="34" charset="0"/>
-                    <a:cs typeface="Times New Roman" panose="02020603050405020304" pitchFamily="18" charset="0"/>
-                  </a:rPr>
-                  <a:t>3</a:t>
-                </a:r>
-                <a:r>
-                  <a:rPr lang="ru-RU" sz="1100" dirty="0">
-                    <a:effectLst/>
-                    <a:latin typeface="Times New Roman" panose="02020603050405020304" pitchFamily="18" charset="0"/>
-                    <a:ea typeface="Calibri" panose="020F0502020204030204" pitchFamily="34" charset="0"/>
-                    <a:cs typeface="Times New Roman" panose="02020603050405020304" pitchFamily="18" charset="0"/>
-                  </a:rPr>
-                  <a:t> – угол вращения вокруг оси </a:t>
-                </a:r>
-                <a:r>
-                  <a:rPr lang="en-US" sz="1100" dirty="0">
-                    <a:effectLst/>
-                    <a:latin typeface="Times New Roman" panose="02020603050405020304" pitchFamily="18" charset="0"/>
-                    <a:ea typeface="Calibri" panose="020F0502020204030204" pitchFamily="34" charset="0"/>
-                    <a:cs typeface="Times New Roman" panose="02020603050405020304" pitchFamily="18" charset="0"/>
-                  </a:rPr>
-                  <a:t>Z</a:t>
-                </a:r>
-                <a:r>
-                  <a:rPr lang="ru-RU" sz="1100" dirty="0">
-                    <a:effectLst/>
-                    <a:latin typeface="Times New Roman" panose="02020603050405020304" pitchFamily="18" charset="0"/>
-                    <a:ea typeface="Calibri" panose="020F0502020204030204" pitchFamily="34" charset="0"/>
-                    <a:cs typeface="Times New Roman" panose="02020603050405020304" pitchFamily="18" charset="0"/>
-                  </a:rPr>
-                  <a:t>.</a:t>
-                </a:r>
-              </a:p>
-              <a:p>
-                <a:pPr algn="just"/>
-                <a:r>
-                  <a:rPr lang="ru-RU" sz="1400" dirty="0">
-                    <a:effectLst/>
-                    <a:latin typeface="Times New Roman" panose="02020603050405020304" pitchFamily="18" charset="0"/>
-                    <a:ea typeface="Times New Roman" panose="02020603050405020304" pitchFamily="18" charset="0"/>
-                    <a:cs typeface="Times New Roman" panose="02020603050405020304" pitchFamily="18" charset="0"/>
-                  </a:rPr>
-                  <a:t>2. Определить текущее положение конечного сустава (</a:t>
-                </a:r>
-                <a:r>
-                  <a:rPr lang="en-US" sz="1400" dirty="0" err="1">
-                    <a:effectLst/>
-                    <a:latin typeface="Times New Roman" panose="02020603050405020304" pitchFamily="18" charset="0"/>
-                    <a:ea typeface="Times New Roman" panose="02020603050405020304" pitchFamily="18" charset="0"/>
-                    <a:cs typeface="Times New Roman" panose="02020603050405020304" pitchFamily="18" charset="0"/>
-                  </a:rPr>
-                  <a:t>x</a:t>
-                </a:r>
-                <a:r>
-                  <a:rPr lang="en-US" sz="1400" baseline="-25000" dirty="0" err="1">
-                    <a:effectLst/>
-                    <a:latin typeface="Times New Roman" panose="02020603050405020304" pitchFamily="18" charset="0"/>
-                    <a:ea typeface="Times New Roman" panose="02020603050405020304" pitchFamily="18" charset="0"/>
-                    <a:cs typeface="Times New Roman" panose="02020603050405020304" pitchFamily="18" charset="0"/>
-                  </a:rPr>
-                  <a:t>curr</a:t>
-                </a:r>
-                <a:r>
-                  <a:rPr lang="ru-RU" sz="1400" dirty="0">
+                  <a:rPr lang="ru-RU" sz="1300" dirty="0">
                     <a:effectLst/>
                     <a:latin typeface="Times New Roman" panose="02020603050405020304" pitchFamily="18" charset="0"/>
                     <a:ea typeface="Times New Roman" panose="02020603050405020304" pitchFamily="18" charset="0"/>
@@ -17279,1203 +19000,7 @@
                   </a:rPr>
                   <a:t>, </a:t>
                 </a:r>
-                <a:r>
-                  <a:rPr lang="en-US" sz="1400" dirty="0" err="1">
-                    <a:effectLst/>
-                    <a:latin typeface="Times New Roman" panose="02020603050405020304" pitchFamily="18" charset="0"/>
-                    <a:ea typeface="Times New Roman" panose="02020603050405020304" pitchFamily="18" charset="0"/>
-                    <a:cs typeface="Times New Roman" panose="02020603050405020304" pitchFamily="18" charset="0"/>
-                  </a:rPr>
-                  <a:t>y</a:t>
-                </a:r>
-                <a:r>
-                  <a:rPr lang="en-US" sz="1400" baseline="-25000" dirty="0" err="1">
-                    <a:effectLst/>
-                    <a:latin typeface="Times New Roman" panose="02020603050405020304" pitchFamily="18" charset="0"/>
-                    <a:ea typeface="Times New Roman" panose="02020603050405020304" pitchFamily="18" charset="0"/>
-                    <a:cs typeface="Times New Roman" panose="02020603050405020304" pitchFamily="18" charset="0"/>
-                  </a:rPr>
-                  <a:t>curr</a:t>
-                </a:r>
-                <a:r>
-                  <a:rPr lang="ru-RU" sz="1400" dirty="0">
-                    <a:effectLst/>
-                    <a:latin typeface="Times New Roman" panose="02020603050405020304" pitchFamily="18" charset="0"/>
-                    <a:ea typeface="Times New Roman" panose="02020603050405020304" pitchFamily="18" charset="0"/>
-                    <a:cs typeface="Times New Roman" panose="02020603050405020304" pitchFamily="18" charset="0"/>
-                  </a:rPr>
-                  <a:t>,</a:t>
-                </a:r>
-                <a:r>
-                  <a:rPr lang="ru-RU" sz="1400" baseline="-25000" dirty="0">
-                    <a:effectLst/>
-                    <a:latin typeface="Times New Roman" panose="02020603050405020304" pitchFamily="18" charset="0"/>
-                    <a:ea typeface="Times New Roman" panose="02020603050405020304" pitchFamily="18" charset="0"/>
-                    <a:cs typeface="Times New Roman" panose="02020603050405020304" pitchFamily="18" charset="0"/>
-                  </a:rPr>
-                  <a:t> </a:t>
-                </a:r>
-                <a:r>
-                  <a:rPr lang="en-US" sz="1400" dirty="0" err="1">
-                    <a:effectLst/>
-                    <a:latin typeface="Times New Roman" panose="02020603050405020304" pitchFamily="18" charset="0"/>
-                    <a:ea typeface="Times New Roman" panose="02020603050405020304" pitchFamily="18" charset="0"/>
-                    <a:cs typeface="Times New Roman" panose="02020603050405020304" pitchFamily="18" charset="0"/>
-                  </a:rPr>
-                  <a:t>z</a:t>
-                </a:r>
-                <a:r>
-                  <a:rPr lang="en-US" sz="1400" baseline="-25000" dirty="0" err="1">
-                    <a:effectLst/>
-                    <a:latin typeface="Times New Roman" panose="02020603050405020304" pitchFamily="18" charset="0"/>
-                    <a:ea typeface="Times New Roman" panose="02020603050405020304" pitchFamily="18" charset="0"/>
-                    <a:cs typeface="Times New Roman" panose="02020603050405020304" pitchFamily="18" charset="0"/>
-                  </a:rPr>
-                  <a:t>curr</a:t>
-                </a:r>
-                <a:r>
-                  <a:rPr lang="ru-RU" sz="1400" dirty="0">
-                    <a:effectLst/>
-                    <a:latin typeface="Times New Roman" panose="02020603050405020304" pitchFamily="18" charset="0"/>
-                    <a:ea typeface="Times New Roman" panose="02020603050405020304" pitchFamily="18" charset="0"/>
-                    <a:cs typeface="Times New Roman" panose="02020603050405020304" pitchFamily="18" charset="0"/>
-                  </a:rPr>
-                  <a:t>) и </a:t>
-                </a:r>
-                <a:r>
-                  <a:rPr lang="ru-RU" sz="1400" dirty="0">
-                    <a:latin typeface="Times New Roman" panose="02020603050405020304" pitchFamily="18" charset="0"/>
-                    <a:ea typeface="Times New Roman" panose="02020603050405020304" pitchFamily="18" charset="0"/>
-                    <a:cs typeface="Times New Roman" panose="02020603050405020304" pitchFamily="18" charset="0"/>
-                  </a:rPr>
-                  <a:t>п</a:t>
-                </a:r>
-                <a:r>
-                  <a:rPr lang="ru-RU" sz="1400" dirty="0">
-                    <a:effectLst/>
-                    <a:latin typeface="Times New Roman" panose="02020603050405020304" pitchFamily="18" charset="0"/>
-                    <a:ea typeface="Times New Roman" panose="02020603050405020304" pitchFamily="18" charset="0"/>
-                    <a:cs typeface="Times New Roman" panose="02020603050405020304" pitchFamily="18" charset="0"/>
-                  </a:rPr>
-                  <a:t>озицию, к которой стремится конечный сустав – (</a:t>
-                </a:r>
-                <a:r>
-                  <a:rPr lang="en-US" sz="1400" dirty="0" err="1">
-                    <a:effectLst/>
-                    <a:latin typeface="Times New Roman" panose="02020603050405020304" pitchFamily="18" charset="0"/>
-                    <a:ea typeface="Times New Roman" panose="02020603050405020304" pitchFamily="18" charset="0"/>
-                    <a:cs typeface="Times New Roman" panose="02020603050405020304" pitchFamily="18" charset="0"/>
-                  </a:rPr>
-                  <a:t>x</a:t>
-                </a:r>
-                <a:r>
-                  <a:rPr lang="en-US" sz="1400" baseline="-25000" dirty="0" err="1">
-                    <a:effectLst/>
-                    <a:latin typeface="Times New Roman" panose="02020603050405020304" pitchFamily="18" charset="0"/>
-                    <a:ea typeface="Times New Roman" panose="02020603050405020304" pitchFamily="18" charset="0"/>
-                    <a:cs typeface="Times New Roman" panose="02020603050405020304" pitchFamily="18" charset="0"/>
-                  </a:rPr>
-                  <a:t>target</a:t>
-                </a:r>
-                <a:r>
-                  <a:rPr lang="ru-RU" sz="1400" dirty="0">
-                    <a:effectLst/>
-                    <a:latin typeface="Times New Roman" panose="02020603050405020304" pitchFamily="18" charset="0"/>
-                    <a:ea typeface="Times New Roman" panose="02020603050405020304" pitchFamily="18" charset="0"/>
-                    <a:cs typeface="Times New Roman" panose="02020603050405020304" pitchFamily="18" charset="0"/>
-                  </a:rPr>
-                  <a:t>, </a:t>
-                </a:r>
-                <a:r>
-                  <a:rPr lang="en-US" sz="1400" dirty="0" err="1">
-                    <a:effectLst/>
-                    <a:latin typeface="Times New Roman" panose="02020603050405020304" pitchFamily="18" charset="0"/>
-                    <a:ea typeface="Times New Roman" panose="02020603050405020304" pitchFamily="18" charset="0"/>
-                    <a:cs typeface="Times New Roman" panose="02020603050405020304" pitchFamily="18" charset="0"/>
-                  </a:rPr>
-                  <a:t>y</a:t>
-                </a:r>
-                <a:r>
-                  <a:rPr lang="en-US" sz="1400" baseline="-25000" dirty="0" err="1">
-                    <a:effectLst/>
-                    <a:latin typeface="Times New Roman" panose="02020603050405020304" pitchFamily="18" charset="0"/>
-                    <a:ea typeface="Times New Roman" panose="02020603050405020304" pitchFamily="18" charset="0"/>
-                    <a:cs typeface="Times New Roman" panose="02020603050405020304" pitchFamily="18" charset="0"/>
-                  </a:rPr>
-                  <a:t>target</a:t>
-                </a:r>
-                <a:r>
-                  <a:rPr lang="ru-RU" sz="1400" dirty="0">
-                    <a:effectLst/>
-                    <a:latin typeface="Times New Roman" panose="02020603050405020304" pitchFamily="18" charset="0"/>
-                    <a:ea typeface="Times New Roman" panose="02020603050405020304" pitchFamily="18" charset="0"/>
-                    <a:cs typeface="Times New Roman" panose="02020603050405020304" pitchFamily="18" charset="0"/>
-                  </a:rPr>
-                  <a:t>, </a:t>
-                </a:r>
-                <a:r>
-                  <a:rPr lang="en-US" sz="1400" dirty="0" err="1">
-                    <a:effectLst/>
-                    <a:latin typeface="Times New Roman" panose="02020603050405020304" pitchFamily="18" charset="0"/>
-                    <a:ea typeface="Times New Roman" panose="02020603050405020304" pitchFamily="18" charset="0"/>
-                    <a:cs typeface="Times New Roman" panose="02020603050405020304" pitchFamily="18" charset="0"/>
-                  </a:rPr>
-                  <a:t>z</a:t>
-                </a:r>
-                <a:r>
-                  <a:rPr lang="en-US" sz="1400" baseline="-25000" dirty="0" err="1">
-                    <a:effectLst/>
-                    <a:latin typeface="Times New Roman" panose="02020603050405020304" pitchFamily="18" charset="0"/>
-                    <a:ea typeface="Times New Roman" panose="02020603050405020304" pitchFamily="18" charset="0"/>
-                    <a:cs typeface="Times New Roman" panose="02020603050405020304" pitchFamily="18" charset="0"/>
-                  </a:rPr>
-                  <a:t>target</a:t>
-                </a:r>
-                <a:r>
-                  <a:rPr lang="ru-RU" sz="1400" dirty="0">
-                    <a:effectLst/>
-                    <a:latin typeface="Times New Roman" panose="02020603050405020304" pitchFamily="18" charset="0"/>
-                    <a:ea typeface="Times New Roman" panose="02020603050405020304" pitchFamily="18" charset="0"/>
-                    <a:cs typeface="Times New Roman" panose="02020603050405020304" pitchFamily="18" charset="0"/>
-                  </a:rPr>
-                  <a:t>).</a:t>
-                </a:r>
-                <a:endParaRPr lang="ru-RU" sz="1400" dirty="0">
-                  <a:effectLst/>
-                  <a:latin typeface="Times New Roman" panose="02020603050405020304" pitchFamily="18" charset="0"/>
-                  <a:ea typeface="Calibri" panose="020F0502020204030204" pitchFamily="34" charset="0"/>
-                  <a:cs typeface="Times New Roman" panose="02020603050405020304" pitchFamily="18" charset="0"/>
-                </a:endParaRPr>
-              </a:p>
-              <a:p>
-                <a:pPr algn="just"/>
-                <a:r>
-                  <a:rPr lang="ru-RU" sz="1400" dirty="0">
-                    <a:effectLst/>
-                    <a:latin typeface="Times New Roman" panose="02020603050405020304" pitchFamily="18" charset="0"/>
-                    <a:ea typeface="Times New Roman" panose="02020603050405020304" pitchFamily="18" charset="0"/>
-                    <a:cs typeface="Times New Roman" panose="02020603050405020304" pitchFamily="18" charset="0"/>
-                  </a:rPr>
-                  <a:t>3. Составить матрицу Якоби, которая описывает, как изменение углов θ</a:t>
-                </a:r>
-                <a:r>
-                  <a:rPr lang="ru-RU" sz="1400" baseline="-25000" dirty="0">
-                    <a:effectLst/>
-                    <a:latin typeface="Times New Roman" panose="02020603050405020304" pitchFamily="18" charset="0"/>
-                    <a:ea typeface="Times New Roman" panose="02020603050405020304" pitchFamily="18" charset="0"/>
-                    <a:cs typeface="Times New Roman" panose="02020603050405020304" pitchFamily="18" charset="0"/>
-                  </a:rPr>
-                  <a:t>1</a:t>
-                </a:r>
-                <a:r>
-                  <a:rPr lang="ru-RU" sz="1400" dirty="0">
-                    <a:effectLst/>
-                    <a:latin typeface="Times New Roman" panose="02020603050405020304" pitchFamily="18" charset="0"/>
-                    <a:ea typeface="Times New Roman" panose="02020603050405020304" pitchFamily="18" charset="0"/>
-                    <a:cs typeface="Times New Roman" panose="02020603050405020304" pitchFamily="18" charset="0"/>
-                  </a:rPr>
-                  <a:t>, θ</a:t>
-                </a:r>
-                <a:r>
-                  <a:rPr lang="ru-RU" sz="1400" baseline="-25000" dirty="0">
-                    <a:effectLst/>
-                    <a:latin typeface="Times New Roman" panose="02020603050405020304" pitchFamily="18" charset="0"/>
-                    <a:ea typeface="Times New Roman" panose="02020603050405020304" pitchFamily="18" charset="0"/>
-                    <a:cs typeface="Times New Roman" panose="02020603050405020304" pitchFamily="18" charset="0"/>
-                  </a:rPr>
-                  <a:t>2</a:t>
-                </a:r>
-                <a:r>
-                  <a:rPr lang="ru-RU" sz="1400" dirty="0">
-                    <a:effectLst/>
-                    <a:latin typeface="Times New Roman" panose="02020603050405020304" pitchFamily="18" charset="0"/>
-                    <a:ea typeface="Times New Roman" panose="02020603050405020304" pitchFamily="18" charset="0"/>
-                    <a:cs typeface="Times New Roman" panose="02020603050405020304" pitchFamily="18" charset="0"/>
-                  </a:rPr>
-                  <a:t> и θ</a:t>
-                </a:r>
-                <a:r>
-                  <a:rPr lang="ru-RU" sz="1400" baseline="-25000" dirty="0">
-                    <a:effectLst/>
-                    <a:latin typeface="Times New Roman" panose="02020603050405020304" pitchFamily="18" charset="0"/>
-                    <a:ea typeface="Times New Roman" panose="02020603050405020304" pitchFamily="18" charset="0"/>
-                    <a:cs typeface="Times New Roman" panose="02020603050405020304" pitchFamily="18" charset="0"/>
-                  </a:rPr>
-                  <a:t>3</a:t>
-                </a:r>
-                <a:r>
-                  <a:rPr lang="ru-RU" sz="1400" dirty="0">
-                    <a:effectLst/>
-                    <a:latin typeface="Times New Roman" panose="02020603050405020304" pitchFamily="18" charset="0"/>
-                    <a:ea typeface="Times New Roman" panose="02020603050405020304" pitchFamily="18" charset="0"/>
-                    <a:cs typeface="Times New Roman" panose="02020603050405020304" pitchFamily="18" charset="0"/>
-                  </a:rPr>
-                  <a:t> влияет на изменение положения конца манипулятора:</a:t>
-                </a:r>
-                <a:endParaRPr lang="ru-RU" sz="1400" dirty="0">
-                  <a:effectLst/>
-                  <a:latin typeface="Times New Roman" panose="02020603050405020304" pitchFamily="18" charset="0"/>
-                  <a:ea typeface="Calibri" panose="020F0502020204030204" pitchFamily="34" charset="0"/>
-                  <a:cs typeface="Times New Roman" panose="02020603050405020304" pitchFamily="18" charset="0"/>
-                </a:endParaRPr>
-              </a:p>
-              <a:p>
-                <a:pPr algn="just">
-                  <a:spcBef>
-                    <a:spcPts val="1200"/>
-                  </a:spcBef>
-                </a:pPr>
-                <a14:m>
-                  <m:oMathPara xmlns:m="http://schemas.openxmlformats.org/officeDocument/2006/math">
-                    <m:oMathParaPr>
-                      <m:jc m:val="centerGroup"/>
-                    </m:oMathParaPr>
-                    <m:oMath xmlns:m="http://schemas.openxmlformats.org/officeDocument/2006/math">
-                      <m:r>
-                        <a:rPr lang="ru-RU" sz="1100" i="1">
-                          <a:effectLst/>
-                          <a:latin typeface="Cambria Math" panose="02040503050406030204" pitchFamily="18" charset="0"/>
-                          <a:ea typeface="Times New Roman" panose="02020603050405020304" pitchFamily="18" charset="0"/>
-                          <a:cs typeface="Times New Roman" panose="02020603050405020304" pitchFamily="18" charset="0"/>
-                        </a:rPr>
-                        <m:t>𝐽</m:t>
-                      </m:r>
-                      <m:d>
-                        <m:dPr>
-                          <m:ctrlPr>
-                            <a:rPr lang="ru-RU" sz="1100" i="1">
-                              <a:effectLst/>
-                              <a:latin typeface="Cambria Math" panose="02040503050406030204" pitchFamily="18" charset="0"/>
-                              <a:ea typeface="Times New Roman" panose="02020603050405020304" pitchFamily="18" charset="0"/>
-                              <a:cs typeface="Times New Roman" panose="02020603050405020304" pitchFamily="18" charset="0"/>
-                            </a:rPr>
-                          </m:ctrlPr>
-                        </m:dPr>
-                        <m:e>
-                          <m:sSub>
-                            <m:sSubPr>
-                              <m:ctrlPr>
-                                <a:rPr lang="ru-RU" sz="1100" i="1">
-                                  <a:effectLst/>
-                                  <a:latin typeface="Cambria Math" panose="02040503050406030204" pitchFamily="18" charset="0"/>
-                                  <a:ea typeface="Times New Roman" panose="02020603050405020304" pitchFamily="18" charset="0"/>
-                                  <a:cs typeface="Times New Roman" panose="02020603050405020304" pitchFamily="18" charset="0"/>
-                                </a:rPr>
-                              </m:ctrlPr>
-                            </m:sSubPr>
-                            <m:e>
-                              <m:r>
-                                <m:rPr>
-                                  <m:sty m:val="p"/>
-                                </m:rPr>
-                                <a:rPr lang="ru-RU" sz="1100">
-                                  <a:effectLst/>
-                                  <a:latin typeface="Cambria Math" panose="02040503050406030204" pitchFamily="18" charset="0"/>
-                                  <a:ea typeface="Times New Roman" panose="02020603050405020304" pitchFamily="18" charset="0"/>
-                                  <a:cs typeface="Times New Roman" panose="02020603050405020304" pitchFamily="18" charset="0"/>
-                                </a:rPr>
-                                <m:t>θ</m:t>
-                              </m:r>
-                            </m:e>
-                            <m:sub>
-                              <m:r>
-                                <a:rPr lang="en-US" sz="1100" i="1">
-                                  <a:effectLst/>
-                                  <a:latin typeface="Cambria Math" panose="02040503050406030204" pitchFamily="18" charset="0"/>
-                                  <a:ea typeface="Times New Roman" panose="02020603050405020304" pitchFamily="18" charset="0"/>
-                                  <a:cs typeface="Times New Roman" panose="02020603050405020304" pitchFamily="18" charset="0"/>
-                                </a:rPr>
-                                <m:t>1</m:t>
-                              </m:r>
-                            </m:sub>
-                          </m:sSub>
-                          <m:r>
-                            <a:rPr lang="en-US" sz="1100" i="1">
-                              <a:effectLst/>
-                              <a:latin typeface="Cambria Math" panose="02040503050406030204" pitchFamily="18" charset="0"/>
-                              <a:ea typeface="Times New Roman" panose="02020603050405020304" pitchFamily="18" charset="0"/>
-                              <a:cs typeface="Times New Roman" panose="02020603050405020304" pitchFamily="18" charset="0"/>
-                            </a:rPr>
-                            <m:t>, </m:t>
-                          </m:r>
-                          <m:sSub>
-                            <m:sSubPr>
-                              <m:ctrlPr>
-                                <a:rPr lang="ru-RU" sz="1100" i="1">
-                                  <a:effectLst/>
-                                  <a:latin typeface="Cambria Math" panose="02040503050406030204" pitchFamily="18" charset="0"/>
-                                  <a:ea typeface="Times New Roman" panose="02020603050405020304" pitchFamily="18" charset="0"/>
-                                  <a:cs typeface="Times New Roman" panose="02020603050405020304" pitchFamily="18" charset="0"/>
-                                </a:rPr>
-                              </m:ctrlPr>
-                            </m:sSubPr>
-                            <m:e>
-                              <m:r>
-                                <m:rPr>
-                                  <m:sty m:val="p"/>
-                                </m:rPr>
-                                <a:rPr lang="ru-RU" sz="1100">
-                                  <a:effectLst/>
-                                  <a:latin typeface="Cambria Math" panose="02040503050406030204" pitchFamily="18" charset="0"/>
-                                  <a:ea typeface="Times New Roman" panose="02020603050405020304" pitchFamily="18" charset="0"/>
-                                  <a:cs typeface="Times New Roman" panose="02020603050405020304" pitchFamily="18" charset="0"/>
-                                </a:rPr>
-                                <m:t>θ</m:t>
-                              </m:r>
-                            </m:e>
-                            <m:sub>
-                              <m:r>
-                                <a:rPr lang="en-US" sz="1100" i="1">
-                                  <a:effectLst/>
-                                  <a:latin typeface="Cambria Math" panose="02040503050406030204" pitchFamily="18" charset="0"/>
-                                  <a:ea typeface="Times New Roman" panose="02020603050405020304" pitchFamily="18" charset="0"/>
-                                  <a:cs typeface="Times New Roman" panose="02020603050405020304" pitchFamily="18" charset="0"/>
-                                </a:rPr>
-                                <m:t>2</m:t>
-                              </m:r>
-                            </m:sub>
-                          </m:sSub>
-                          <m:r>
-                            <a:rPr lang="en-US" sz="1100" i="1">
-                              <a:effectLst/>
-                              <a:latin typeface="Cambria Math" panose="02040503050406030204" pitchFamily="18" charset="0"/>
-                              <a:ea typeface="Times New Roman" panose="02020603050405020304" pitchFamily="18" charset="0"/>
-                              <a:cs typeface="Times New Roman" panose="02020603050405020304" pitchFamily="18" charset="0"/>
-                            </a:rPr>
-                            <m:t>,</m:t>
-                          </m:r>
-                          <m:sSub>
-                            <m:sSubPr>
-                              <m:ctrlPr>
-                                <a:rPr lang="ru-RU" sz="1100" i="1">
-                                  <a:effectLst/>
-                                  <a:latin typeface="Cambria Math" panose="02040503050406030204" pitchFamily="18" charset="0"/>
-                                  <a:ea typeface="Times New Roman" panose="02020603050405020304" pitchFamily="18" charset="0"/>
-                                  <a:cs typeface="Times New Roman" panose="02020603050405020304" pitchFamily="18" charset="0"/>
-                                </a:rPr>
-                              </m:ctrlPr>
-                            </m:sSubPr>
-                            <m:e>
-                              <m:r>
-                                <m:rPr>
-                                  <m:sty m:val="p"/>
-                                </m:rPr>
-                                <a:rPr lang="ru-RU" sz="1100">
-                                  <a:effectLst/>
-                                  <a:latin typeface="Cambria Math" panose="02040503050406030204" pitchFamily="18" charset="0"/>
-                                  <a:ea typeface="Times New Roman" panose="02020603050405020304" pitchFamily="18" charset="0"/>
-                                  <a:cs typeface="Times New Roman" panose="02020603050405020304" pitchFamily="18" charset="0"/>
-                                </a:rPr>
-                                <m:t>θ</m:t>
-                              </m:r>
-                            </m:e>
-                            <m:sub>
-                              <m:r>
-                                <a:rPr lang="en-US" sz="1100" i="1">
-                                  <a:effectLst/>
-                                  <a:latin typeface="Cambria Math" panose="02040503050406030204" pitchFamily="18" charset="0"/>
-                                  <a:ea typeface="Times New Roman" panose="02020603050405020304" pitchFamily="18" charset="0"/>
-                                  <a:cs typeface="Times New Roman" panose="02020603050405020304" pitchFamily="18" charset="0"/>
-                                </a:rPr>
-                                <m:t>3</m:t>
-                              </m:r>
-                            </m:sub>
-                          </m:sSub>
-                        </m:e>
-                      </m:d>
-                      <m:r>
-                        <a:rPr lang="en-US" sz="1100" i="1">
-                          <a:effectLst/>
-                          <a:latin typeface="Cambria Math" panose="02040503050406030204" pitchFamily="18" charset="0"/>
-                          <a:ea typeface="Times New Roman" panose="02020603050405020304" pitchFamily="18" charset="0"/>
-                          <a:cs typeface="Times New Roman" panose="02020603050405020304" pitchFamily="18" charset="0"/>
-                        </a:rPr>
-                        <m:t>= </m:t>
-                      </m:r>
-                      <m:d>
-                        <m:dPr>
-                          <m:begChr m:val="["/>
-                          <m:endChr m:val="]"/>
-                          <m:ctrlPr>
-                            <a:rPr lang="ru-RU" sz="1100" i="1">
-                              <a:effectLst/>
-                              <a:latin typeface="Cambria Math" panose="02040503050406030204" pitchFamily="18" charset="0"/>
-                              <a:ea typeface="Times New Roman" panose="02020603050405020304" pitchFamily="18" charset="0"/>
-                              <a:cs typeface="Times New Roman" panose="02020603050405020304" pitchFamily="18" charset="0"/>
-                            </a:rPr>
-                          </m:ctrlPr>
-                        </m:dPr>
-                        <m:e>
-                          <m:m>
-                            <m:mPr>
-                              <m:mcs>
-                                <m:mc>
-                                  <m:mcPr>
-                                    <m:count m:val="3"/>
-                                    <m:mcJc m:val="center"/>
-                                  </m:mcPr>
-                                </m:mc>
-                              </m:mcs>
-                              <m:ctrlPr>
-                                <a:rPr lang="ru-RU" sz="1100" i="1">
-                                  <a:effectLst/>
-                                  <a:latin typeface="Cambria Math" panose="02040503050406030204" pitchFamily="18" charset="0"/>
-                                  <a:ea typeface="Times New Roman" panose="02020603050405020304" pitchFamily="18" charset="0"/>
-                                  <a:cs typeface="Times New Roman" panose="02020603050405020304" pitchFamily="18" charset="0"/>
-                                </a:rPr>
-                              </m:ctrlPr>
-                            </m:mPr>
-                            <m:mr>
-                              <m:e>
-                                <m:f>
-                                  <m:fPr>
-                                    <m:ctrlPr>
-                                      <a:rPr lang="ru-RU" sz="1100" i="1">
-                                        <a:effectLst/>
-                                        <a:latin typeface="Cambria Math" panose="02040503050406030204" pitchFamily="18" charset="0"/>
-                                        <a:ea typeface="Times New Roman" panose="02020603050405020304" pitchFamily="18" charset="0"/>
-                                        <a:cs typeface="Times New Roman" panose="02020603050405020304" pitchFamily="18" charset="0"/>
-                                      </a:rPr>
-                                    </m:ctrlPr>
-                                  </m:fPr>
-                                  <m:num>
-                                    <m:r>
-                                      <a:rPr lang="en-US" sz="1100" i="1">
-                                        <a:effectLst/>
-                                        <a:latin typeface="Cambria Math" panose="02040503050406030204" pitchFamily="18" charset="0"/>
-                                        <a:ea typeface="Times New Roman" panose="02020603050405020304" pitchFamily="18" charset="0"/>
-                                        <a:cs typeface="Times New Roman" panose="02020603050405020304" pitchFamily="18" charset="0"/>
-                                      </a:rPr>
-                                      <m:t>𝜕</m:t>
-                                    </m:r>
-                                    <m:r>
-                                      <a:rPr lang="en-US" sz="1100" i="1">
-                                        <a:effectLst/>
-                                        <a:latin typeface="Cambria Math" panose="02040503050406030204" pitchFamily="18" charset="0"/>
-                                        <a:ea typeface="Times New Roman" panose="02020603050405020304" pitchFamily="18" charset="0"/>
-                                        <a:cs typeface="Times New Roman" panose="02020603050405020304" pitchFamily="18" charset="0"/>
-                                      </a:rPr>
-                                      <m:t>𝑥</m:t>
-                                    </m:r>
-                                  </m:num>
-                                  <m:den>
-                                    <m:r>
-                                      <a:rPr lang="en-US" sz="1100" i="1">
-                                        <a:effectLst/>
-                                        <a:latin typeface="Cambria Math" panose="02040503050406030204" pitchFamily="18" charset="0"/>
-                                        <a:ea typeface="Times New Roman" panose="02020603050405020304" pitchFamily="18" charset="0"/>
-                                        <a:cs typeface="Times New Roman" panose="02020603050405020304" pitchFamily="18" charset="0"/>
-                                      </a:rPr>
-                                      <m:t>𝜕</m:t>
-                                    </m:r>
-                                    <m:sSub>
-                                      <m:sSubPr>
-                                        <m:ctrlPr>
-                                          <a:rPr lang="ru-RU" sz="1100" i="1">
-                                            <a:effectLst/>
-                                            <a:latin typeface="Cambria Math" panose="02040503050406030204" pitchFamily="18" charset="0"/>
-                                            <a:ea typeface="Times New Roman" panose="02020603050405020304" pitchFamily="18" charset="0"/>
-                                            <a:cs typeface="Times New Roman" panose="02020603050405020304" pitchFamily="18" charset="0"/>
-                                          </a:rPr>
-                                        </m:ctrlPr>
-                                      </m:sSubPr>
-                                      <m:e>
-                                        <m:r>
-                                          <m:rPr>
-                                            <m:sty m:val="p"/>
-                                          </m:rPr>
-                                          <a:rPr lang="ru-RU" sz="1100">
-                                            <a:effectLst/>
-                                            <a:latin typeface="Cambria Math" panose="02040503050406030204" pitchFamily="18" charset="0"/>
-                                            <a:ea typeface="Times New Roman" panose="02020603050405020304" pitchFamily="18" charset="0"/>
-                                            <a:cs typeface="Times New Roman" panose="02020603050405020304" pitchFamily="18" charset="0"/>
-                                          </a:rPr>
-                                          <m:t>θ</m:t>
-                                        </m:r>
-                                      </m:e>
-                                      <m:sub>
-                                        <m:r>
-                                          <a:rPr lang="ru-RU" sz="1100" i="1">
-                                            <a:effectLst/>
-                                            <a:latin typeface="Cambria Math" panose="02040503050406030204" pitchFamily="18" charset="0"/>
-                                            <a:ea typeface="Times New Roman" panose="02020603050405020304" pitchFamily="18" charset="0"/>
-                                            <a:cs typeface="Times New Roman" panose="02020603050405020304" pitchFamily="18" charset="0"/>
-                                          </a:rPr>
-                                          <m:t>1</m:t>
-                                        </m:r>
-                                      </m:sub>
-                                    </m:sSub>
-                                  </m:den>
-                                </m:f>
-                              </m:e>
-                              <m:e>
-                                <m:f>
-                                  <m:fPr>
-                                    <m:ctrlPr>
-                                      <a:rPr lang="ru-RU" sz="1100" i="1">
-                                        <a:effectLst/>
-                                        <a:latin typeface="Cambria Math" panose="02040503050406030204" pitchFamily="18" charset="0"/>
-                                        <a:ea typeface="Times New Roman" panose="02020603050405020304" pitchFamily="18" charset="0"/>
-                                        <a:cs typeface="Times New Roman" panose="02020603050405020304" pitchFamily="18" charset="0"/>
-                                      </a:rPr>
-                                    </m:ctrlPr>
-                                  </m:fPr>
-                                  <m:num>
-                                    <m:r>
-                                      <a:rPr lang="en-US" sz="1100" i="1">
-                                        <a:effectLst/>
-                                        <a:latin typeface="Cambria Math" panose="02040503050406030204" pitchFamily="18" charset="0"/>
-                                        <a:ea typeface="Times New Roman" panose="02020603050405020304" pitchFamily="18" charset="0"/>
-                                        <a:cs typeface="Times New Roman" panose="02020603050405020304" pitchFamily="18" charset="0"/>
-                                      </a:rPr>
-                                      <m:t>𝜕</m:t>
-                                    </m:r>
-                                    <m:r>
-                                      <a:rPr lang="en-US" sz="1100" i="1">
-                                        <a:effectLst/>
-                                        <a:latin typeface="Cambria Math" panose="02040503050406030204" pitchFamily="18" charset="0"/>
-                                        <a:ea typeface="Times New Roman" panose="02020603050405020304" pitchFamily="18" charset="0"/>
-                                        <a:cs typeface="Times New Roman" panose="02020603050405020304" pitchFamily="18" charset="0"/>
-                                      </a:rPr>
-                                      <m:t>𝑥</m:t>
-                                    </m:r>
-                                  </m:num>
-                                  <m:den>
-                                    <m:r>
-                                      <a:rPr lang="en-US" sz="1100" i="1">
-                                        <a:effectLst/>
-                                        <a:latin typeface="Cambria Math" panose="02040503050406030204" pitchFamily="18" charset="0"/>
-                                        <a:ea typeface="Times New Roman" panose="02020603050405020304" pitchFamily="18" charset="0"/>
-                                        <a:cs typeface="Times New Roman" panose="02020603050405020304" pitchFamily="18" charset="0"/>
-                                      </a:rPr>
-                                      <m:t>𝜕</m:t>
-                                    </m:r>
-                                    <m:sSub>
-                                      <m:sSubPr>
-                                        <m:ctrlPr>
-                                          <a:rPr lang="ru-RU" sz="1100" i="1">
-                                            <a:effectLst/>
-                                            <a:latin typeface="Cambria Math" panose="02040503050406030204" pitchFamily="18" charset="0"/>
-                                            <a:ea typeface="Times New Roman" panose="02020603050405020304" pitchFamily="18" charset="0"/>
-                                            <a:cs typeface="Times New Roman" panose="02020603050405020304" pitchFamily="18" charset="0"/>
-                                          </a:rPr>
-                                        </m:ctrlPr>
-                                      </m:sSubPr>
-                                      <m:e>
-                                        <m:r>
-                                          <m:rPr>
-                                            <m:sty m:val="p"/>
-                                          </m:rPr>
-                                          <a:rPr lang="ru-RU" sz="1100">
-                                            <a:effectLst/>
-                                            <a:latin typeface="Cambria Math" panose="02040503050406030204" pitchFamily="18" charset="0"/>
-                                            <a:ea typeface="Times New Roman" panose="02020603050405020304" pitchFamily="18" charset="0"/>
-                                            <a:cs typeface="Times New Roman" panose="02020603050405020304" pitchFamily="18" charset="0"/>
-                                          </a:rPr>
-                                          <m:t>θ</m:t>
-                                        </m:r>
-                                      </m:e>
-                                      <m:sub>
-                                        <m:r>
-                                          <a:rPr lang="ru-RU" sz="1100" i="1">
-                                            <a:effectLst/>
-                                            <a:latin typeface="Cambria Math" panose="02040503050406030204" pitchFamily="18" charset="0"/>
-                                            <a:ea typeface="Times New Roman" panose="02020603050405020304" pitchFamily="18" charset="0"/>
-                                            <a:cs typeface="Times New Roman" panose="02020603050405020304" pitchFamily="18" charset="0"/>
-                                          </a:rPr>
-                                          <m:t>2</m:t>
-                                        </m:r>
-                                      </m:sub>
-                                    </m:sSub>
-                                  </m:den>
-                                </m:f>
-                              </m:e>
-                              <m:e>
-                                <m:f>
-                                  <m:fPr>
-                                    <m:ctrlPr>
-                                      <a:rPr lang="ru-RU" sz="1100" i="1">
-                                        <a:effectLst/>
-                                        <a:latin typeface="Cambria Math" panose="02040503050406030204" pitchFamily="18" charset="0"/>
-                                        <a:ea typeface="Times New Roman" panose="02020603050405020304" pitchFamily="18" charset="0"/>
-                                        <a:cs typeface="Times New Roman" panose="02020603050405020304" pitchFamily="18" charset="0"/>
-                                      </a:rPr>
-                                    </m:ctrlPr>
-                                  </m:fPr>
-                                  <m:num>
-                                    <m:r>
-                                      <a:rPr lang="en-US" sz="1100" i="1">
-                                        <a:effectLst/>
-                                        <a:latin typeface="Cambria Math" panose="02040503050406030204" pitchFamily="18" charset="0"/>
-                                        <a:ea typeface="Times New Roman" panose="02020603050405020304" pitchFamily="18" charset="0"/>
-                                        <a:cs typeface="Times New Roman" panose="02020603050405020304" pitchFamily="18" charset="0"/>
-                                      </a:rPr>
-                                      <m:t>𝜕</m:t>
-                                    </m:r>
-                                    <m:r>
-                                      <a:rPr lang="en-US" sz="1100" i="1">
-                                        <a:effectLst/>
-                                        <a:latin typeface="Cambria Math" panose="02040503050406030204" pitchFamily="18" charset="0"/>
-                                        <a:ea typeface="Times New Roman" panose="02020603050405020304" pitchFamily="18" charset="0"/>
-                                        <a:cs typeface="Times New Roman" panose="02020603050405020304" pitchFamily="18" charset="0"/>
-                                      </a:rPr>
-                                      <m:t>𝑥</m:t>
-                                    </m:r>
-                                  </m:num>
-                                  <m:den>
-                                    <m:r>
-                                      <a:rPr lang="en-US" sz="1100" i="1">
-                                        <a:effectLst/>
-                                        <a:latin typeface="Cambria Math" panose="02040503050406030204" pitchFamily="18" charset="0"/>
-                                        <a:ea typeface="Times New Roman" panose="02020603050405020304" pitchFamily="18" charset="0"/>
-                                        <a:cs typeface="Times New Roman" panose="02020603050405020304" pitchFamily="18" charset="0"/>
-                                      </a:rPr>
-                                      <m:t>𝜕</m:t>
-                                    </m:r>
-                                    <m:sSub>
-                                      <m:sSubPr>
-                                        <m:ctrlPr>
-                                          <a:rPr lang="ru-RU" sz="1100" i="1">
-                                            <a:effectLst/>
-                                            <a:latin typeface="Cambria Math" panose="02040503050406030204" pitchFamily="18" charset="0"/>
-                                            <a:ea typeface="Times New Roman" panose="02020603050405020304" pitchFamily="18" charset="0"/>
-                                            <a:cs typeface="Times New Roman" panose="02020603050405020304" pitchFamily="18" charset="0"/>
-                                          </a:rPr>
-                                        </m:ctrlPr>
-                                      </m:sSubPr>
-                                      <m:e>
-                                        <m:r>
-                                          <m:rPr>
-                                            <m:sty m:val="p"/>
-                                          </m:rPr>
-                                          <a:rPr lang="ru-RU" sz="1100">
-                                            <a:effectLst/>
-                                            <a:latin typeface="Cambria Math" panose="02040503050406030204" pitchFamily="18" charset="0"/>
-                                            <a:ea typeface="Times New Roman" panose="02020603050405020304" pitchFamily="18" charset="0"/>
-                                            <a:cs typeface="Times New Roman" panose="02020603050405020304" pitchFamily="18" charset="0"/>
-                                          </a:rPr>
-                                          <m:t>θ</m:t>
-                                        </m:r>
-                                      </m:e>
-                                      <m:sub>
-                                        <m:r>
-                                          <a:rPr lang="ru-RU" sz="1100" i="1">
-                                            <a:effectLst/>
-                                            <a:latin typeface="Cambria Math" panose="02040503050406030204" pitchFamily="18" charset="0"/>
-                                            <a:ea typeface="Times New Roman" panose="02020603050405020304" pitchFamily="18" charset="0"/>
-                                            <a:cs typeface="Times New Roman" panose="02020603050405020304" pitchFamily="18" charset="0"/>
-                                          </a:rPr>
-                                          <m:t>3</m:t>
-                                        </m:r>
-                                      </m:sub>
-                                    </m:sSub>
-                                  </m:den>
-                                </m:f>
-                              </m:e>
-                            </m:mr>
-                            <m:mr>
-                              <m:e>
-                                <m:f>
-                                  <m:fPr>
-                                    <m:ctrlPr>
-                                      <a:rPr lang="ru-RU" sz="1100" i="1">
-                                        <a:effectLst/>
-                                        <a:latin typeface="Cambria Math" panose="02040503050406030204" pitchFamily="18" charset="0"/>
-                                        <a:ea typeface="Times New Roman" panose="02020603050405020304" pitchFamily="18" charset="0"/>
-                                        <a:cs typeface="Times New Roman" panose="02020603050405020304" pitchFamily="18" charset="0"/>
-                                      </a:rPr>
-                                    </m:ctrlPr>
-                                  </m:fPr>
-                                  <m:num>
-                                    <m:r>
-                                      <a:rPr lang="en-US" sz="1100" i="1">
-                                        <a:effectLst/>
-                                        <a:latin typeface="Cambria Math" panose="02040503050406030204" pitchFamily="18" charset="0"/>
-                                        <a:ea typeface="Times New Roman" panose="02020603050405020304" pitchFamily="18" charset="0"/>
-                                        <a:cs typeface="Times New Roman" panose="02020603050405020304" pitchFamily="18" charset="0"/>
-                                      </a:rPr>
-                                      <m:t>𝜕</m:t>
-                                    </m:r>
-                                    <m:r>
-                                      <a:rPr lang="en-US" sz="1100" i="1">
-                                        <a:effectLst/>
-                                        <a:latin typeface="Cambria Math" panose="02040503050406030204" pitchFamily="18" charset="0"/>
-                                        <a:ea typeface="Times New Roman" panose="02020603050405020304" pitchFamily="18" charset="0"/>
-                                        <a:cs typeface="Times New Roman" panose="02020603050405020304" pitchFamily="18" charset="0"/>
-                                      </a:rPr>
-                                      <m:t>𝑦</m:t>
-                                    </m:r>
-                                  </m:num>
-                                  <m:den>
-                                    <m:r>
-                                      <a:rPr lang="en-US" sz="1100" i="1">
-                                        <a:effectLst/>
-                                        <a:latin typeface="Cambria Math" panose="02040503050406030204" pitchFamily="18" charset="0"/>
-                                        <a:ea typeface="Times New Roman" panose="02020603050405020304" pitchFamily="18" charset="0"/>
-                                        <a:cs typeface="Times New Roman" panose="02020603050405020304" pitchFamily="18" charset="0"/>
-                                      </a:rPr>
-                                      <m:t>𝜕</m:t>
-                                    </m:r>
-                                    <m:sSub>
-                                      <m:sSubPr>
-                                        <m:ctrlPr>
-                                          <a:rPr lang="ru-RU" sz="1100" i="1">
-                                            <a:effectLst/>
-                                            <a:latin typeface="Cambria Math" panose="02040503050406030204" pitchFamily="18" charset="0"/>
-                                            <a:ea typeface="Times New Roman" panose="02020603050405020304" pitchFamily="18" charset="0"/>
-                                            <a:cs typeface="Times New Roman" panose="02020603050405020304" pitchFamily="18" charset="0"/>
-                                          </a:rPr>
-                                        </m:ctrlPr>
-                                      </m:sSubPr>
-                                      <m:e>
-                                        <m:r>
-                                          <m:rPr>
-                                            <m:sty m:val="p"/>
-                                          </m:rPr>
-                                          <a:rPr lang="ru-RU" sz="1100">
-                                            <a:effectLst/>
-                                            <a:latin typeface="Cambria Math" panose="02040503050406030204" pitchFamily="18" charset="0"/>
-                                            <a:ea typeface="Times New Roman" panose="02020603050405020304" pitchFamily="18" charset="0"/>
-                                            <a:cs typeface="Times New Roman" panose="02020603050405020304" pitchFamily="18" charset="0"/>
-                                          </a:rPr>
-                                          <m:t>θ</m:t>
-                                        </m:r>
-                                      </m:e>
-                                      <m:sub>
-                                        <m:r>
-                                          <a:rPr lang="ru-RU" sz="1100" i="1">
-                                            <a:effectLst/>
-                                            <a:latin typeface="Cambria Math" panose="02040503050406030204" pitchFamily="18" charset="0"/>
-                                            <a:ea typeface="Times New Roman" panose="02020603050405020304" pitchFamily="18" charset="0"/>
-                                            <a:cs typeface="Times New Roman" panose="02020603050405020304" pitchFamily="18" charset="0"/>
-                                          </a:rPr>
-                                          <m:t>1</m:t>
-                                        </m:r>
-                                      </m:sub>
-                                    </m:sSub>
-                                  </m:den>
-                                </m:f>
-                              </m:e>
-                              <m:e>
-                                <m:f>
-                                  <m:fPr>
-                                    <m:ctrlPr>
-                                      <a:rPr lang="ru-RU" sz="1100" i="1">
-                                        <a:effectLst/>
-                                        <a:latin typeface="Cambria Math" panose="02040503050406030204" pitchFamily="18" charset="0"/>
-                                        <a:ea typeface="Times New Roman" panose="02020603050405020304" pitchFamily="18" charset="0"/>
-                                        <a:cs typeface="Times New Roman" panose="02020603050405020304" pitchFamily="18" charset="0"/>
-                                      </a:rPr>
-                                    </m:ctrlPr>
-                                  </m:fPr>
-                                  <m:num>
-                                    <m:r>
-                                      <a:rPr lang="en-US" sz="1100" i="1">
-                                        <a:effectLst/>
-                                        <a:latin typeface="Cambria Math" panose="02040503050406030204" pitchFamily="18" charset="0"/>
-                                        <a:ea typeface="Times New Roman" panose="02020603050405020304" pitchFamily="18" charset="0"/>
-                                        <a:cs typeface="Times New Roman" panose="02020603050405020304" pitchFamily="18" charset="0"/>
-                                      </a:rPr>
-                                      <m:t>𝜕</m:t>
-                                    </m:r>
-                                    <m:r>
-                                      <a:rPr lang="en-US" sz="1100" i="1">
-                                        <a:effectLst/>
-                                        <a:latin typeface="Cambria Math" panose="02040503050406030204" pitchFamily="18" charset="0"/>
-                                        <a:ea typeface="Times New Roman" panose="02020603050405020304" pitchFamily="18" charset="0"/>
-                                        <a:cs typeface="Times New Roman" panose="02020603050405020304" pitchFamily="18" charset="0"/>
-                                      </a:rPr>
-                                      <m:t>𝑦</m:t>
-                                    </m:r>
-                                  </m:num>
-                                  <m:den>
-                                    <m:r>
-                                      <a:rPr lang="en-US" sz="1100" i="1">
-                                        <a:effectLst/>
-                                        <a:latin typeface="Cambria Math" panose="02040503050406030204" pitchFamily="18" charset="0"/>
-                                        <a:ea typeface="Times New Roman" panose="02020603050405020304" pitchFamily="18" charset="0"/>
-                                        <a:cs typeface="Times New Roman" panose="02020603050405020304" pitchFamily="18" charset="0"/>
-                                      </a:rPr>
-                                      <m:t>𝜕</m:t>
-                                    </m:r>
-                                    <m:sSub>
-                                      <m:sSubPr>
-                                        <m:ctrlPr>
-                                          <a:rPr lang="ru-RU" sz="1100" i="1">
-                                            <a:effectLst/>
-                                            <a:latin typeface="Cambria Math" panose="02040503050406030204" pitchFamily="18" charset="0"/>
-                                            <a:ea typeface="Times New Roman" panose="02020603050405020304" pitchFamily="18" charset="0"/>
-                                            <a:cs typeface="Times New Roman" panose="02020603050405020304" pitchFamily="18" charset="0"/>
-                                          </a:rPr>
-                                        </m:ctrlPr>
-                                      </m:sSubPr>
-                                      <m:e>
-                                        <m:r>
-                                          <m:rPr>
-                                            <m:sty m:val="p"/>
-                                          </m:rPr>
-                                          <a:rPr lang="ru-RU" sz="1100">
-                                            <a:effectLst/>
-                                            <a:latin typeface="Cambria Math" panose="02040503050406030204" pitchFamily="18" charset="0"/>
-                                            <a:ea typeface="Times New Roman" panose="02020603050405020304" pitchFamily="18" charset="0"/>
-                                            <a:cs typeface="Times New Roman" panose="02020603050405020304" pitchFamily="18" charset="0"/>
-                                          </a:rPr>
-                                          <m:t>θ</m:t>
-                                        </m:r>
-                                      </m:e>
-                                      <m:sub>
-                                        <m:r>
-                                          <a:rPr lang="ru-RU" sz="1100" i="1">
-                                            <a:effectLst/>
-                                            <a:latin typeface="Cambria Math" panose="02040503050406030204" pitchFamily="18" charset="0"/>
-                                            <a:ea typeface="Times New Roman" panose="02020603050405020304" pitchFamily="18" charset="0"/>
-                                            <a:cs typeface="Times New Roman" panose="02020603050405020304" pitchFamily="18" charset="0"/>
-                                          </a:rPr>
-                                          <m:t>2</m:t>
-                                        </m:r>
-                                      </m:sub>
-                                    </m:sSub>
-                                  </m:den>
-                                </m:f>
-                              </m:e>
-                              <m:e>
-                                <m:f>
-                                  <m:fPr>
-                                    <m:ctrlPr>
-                                      <a:rPr lang="ru-RU" sz="1100" i="1">
-                                        <a:effectLst/>
-                                        <a:latin typeface="Cambria Math" panose="02040503050406030204" pitchFamily="18" charset="0"/>
-                                        <a:ea typeface="Times New Roman" panose="02020603050405020304" pitchFamily="18" charset="0"/>
-                                        <a:cs typeface="Times New Roman" panose="02020603050405020304" pitchFamily="18" charset="0"/>
-                                      </a:rPr>
-                                    </m:ctrlPr>
-                                  </m:fPr>
-                                  <m:num>
-                                    <m:r>
-                                      <a:rPr lang="en-US" sz="1100" i="1">
-                                        <a:effectLst/>
-                                        <a:latin typeface="Cambria Math" panose="02040503050406030204" pitchFamily="18" charset="0"/>
-                                        <a:ea typeface="Times New Roman" panose="02020603050405020304" pitchFamily="18" charset="0"/>
-                                        <a:cs typeface="Times New Roman" panose="02020603050405020304" pitchFamily="18" charset="0"/>
-                                      </a:rPr>
-                                      <m:t>𝜕</m:t>
-                                    </m:r>
-                                    <m:r>
-                                      <a:rPr lang="en-US" sz="1100" i="1">
-                                        <a:effectLst/>
-                                        <a:latin typeface="Cambria Math" panose="02040503050406030204" pitchFamily="18" charset="0"/>
-                                        <a:ea typeface="Times New Roman" panose="02020603050405020304" pitchFamily="18" charset="0"/>
-                                        <a:cs typeface="Times New Roman" panose="02020603050405020304" pitchFamily="18" charset="0"/>
-                                      </a:rPr>
-                                      <m:t>𝑦</m:t>
-                                    </m:r>
-                                  </m:num>
-                                  <m:den>
-                                    <m:r>
-                                      <a:rPr lang="en-US" sz="1100" i="1">
-                                        <a:effectLst/>
-                                        <a:latin typeface="Cambria Math" panose="02040503050406030204" pitchFamily="18" charset="0"/>
-                                        <a:ea typeface="Times New Roman" panose="02020603050405020304" pitchFamily="18" charset="0"/>
-                                        <a:cs typeface="Times New Roman" panose="02020603050405020304" pitchFamily="18" charset="0"/>
-                                      </a:rPr>
-                                      <m:t>𝜕</m:t>
-                                    </m:r>
-                                    <m:sSub>
-                                      <m:sSubPr>
-                                        <m:ctrlPr>
-                                          <a:rPr lang="ru-RU" sz="1100" i="1">
-                                            <a:effectLst/>
-                                            <a:latin typeface="Cambria Math" panose="02040503050406030204" pitchFamily="18" charset="0"/>
-                                            <a:ea typeface="Times New Roman" panose="02020603050405020304" pitchFamily="18" charset="0"/>
-                                            <a:cs typeface="Times New Roman" panose="02020603050405020304" pitchFamily="18" charset="0"/>
-                                          </a:rPr>
-                                        </m:ctrlPr>
-                                      </m:sSubPr>
-                                      <m:e>
-                                        <m:r>
-                                          <m:rPr>
-                                            <m:sty m:val="p"/>
-                                          </m:rPr>
-                                          <a:rPr lang="ru-RU" sz="1100">
-                                            <a:effectLst/>
-                                            <a:latin typeface="Cambria Math" panose="02040503050406030204" pitchFamily="18" charset="0"/>
-                                            <a:ea typeface="Times New Roman" panose="02020603050405020304" pitchFamily="18" charset="0"/>
-                                            <a:cs typeface="Times New Roman" panose="02020603050405020304" pitchFamily="18" charset="0"/>
-                                          </a:rPr>
-                                          <m:t>θ</m:t>
-                                        </m:r>
-                                      </m:e>
-                                      <m:sub>
-                                        <m:r>
-                                          <a:rPr lang="ru-RU" sz="1100" i="1">
-                                            <a:effectLst/>
-                                            <a:latin typeface="Cambria Math" panose="02040503050406030204" pitchFamily="18" charset="0"/>
-                                            <a:ea typeface="Times New Roman" panose="02020603050405020304" pitchFamily="18" charset="0"/>
-                                            <a:cs typeface="Times New Roman" panose="02020603050405020304" pitchFamily="18" charset="0"/>
-                                          </a:rPr>
-                                          <m:t>3</m:t>
-                                        </m:r>
-                                      </m:sub>
-                                    </m:sSub>
-                                  </m:den>
-                                </m:f>
-                              </m:e>
-                            </m:mr>
-                            <m:mr>
-                              <m:e>
-                                <m:f>
-                                  <m:fPr>
-                                    <m:ctrlPr>
-                                      <a:rPr lang="ru-RU" sz="1100" i="1">
-                                        <a:effectLst/>
-                                        <a:latin typeface="Cambria Math" panose="02040503050406030204" pitchFamily="18" charset="0"/>
-                                        <a:ea typeface="Times New Roman" panose="02020603050405020304" pitchFamily="18" charset="0"/>
-                                        <a:cs typeface="Times New Roman" panose="02020603050405020304" pitchFamily="18" charset="0"/>
-                                      </a:rPr>
-                                    </m:ctrlPr>
-                                  </m:fPr>
-                                  <m:num>
-                                    <m:r>
-                                      <a:rPr lang="en-US" sz="1100" i="1">
-                                        <a:effectLst/>
-                                        <a:latin typeface="Cambria Math" panose="02040503050406030204" pitchFamily="18" charset="0"/>
-                                        <a:ea typeface="Times New Roman" panose="02020603050405020304" pitchFamily="18" charset="0"/>
-                                        <a:cs typeface="Times New Roman" panose="02020603050405020304" pitchFamily="18" charset="0"/>
-                                      </a:rPr>
-                                      <m:t>𝜕</m:t>
-                                    </m:r>
-                                    <m:r>
-                                      <a:rPr lang="en-US" sz="1100" i="1">
-                                        <a:effectLst/>
-                                        <a:latin typeface="Cambria Math" panose="02040503050406030204" pitchFamily="18" charset="0"/>
-                                        <a:ea typeface="Times New Roman" panose="02020603050405020304" pitchFamily="18" charset="0"/>
-                                        <a:cs typeface="Times New Roman" panose="02020603050405020304" pitchFamily="18" charset="0"/>
-                                      </a:rPr>
-                                      <m:t>𝑧</m:t>
-                                    </m:r>
-                                  </m:num>
-                                  <m:den>
-                                    <m:r>
-                                      <a:rPr lang="en-US" sz="1100" i="1">
-                                        <a:effectLst/>
-                                        <a:latin typeface="Cambria Math" panose="02040503050406030204" pitchFamily="18" charset="0"/>
-                                        <a:ea typeface="Times New Roman" panose="02020603050405020304" pitchFamily="18" charset="0"/>
-                                        <a:cs typeface="Times New Roman" panose="02020603050405020304" pitchFamily="18" charset="0"/>
-                                      </a:rPr>
-                                      <m:t>𝜕</m:t>
-                                    </m:r>
-                                    <m:sSub>
-                                      <m:sSubPr>
-                                        <m:ctrlPr>
-                                          <a:rPr lang="ru-RU" sz="1100" i="1">
-                                            <a:effectLst/>
-                                            <a:latin typeface="Cambria Math" panose="02040503050406030204" pitchFamily="18" charset="0"/>
-                                            <a:ea typeface="Times New Roman" panose="02020603050405020304" pitchFamily="18" charset="0"/>
-                                            <a:cs typeface="Times New Roman" panose="02020603050405020304" pitchFamily="18" charset="0"/>
-                                          </a:rPr>
-                                        </m:ctrlPr>
-                                      </m:sSubPr>
-                                      <m:e>
-                                        <m:r>
-                                          <m:rPr>
-                                            <m:sty m:val="p"/>
-                                          </m:rPr>
-                                          <a:rPr lang="ru-RU" sz="1100">
-                                            <a:effectLst/>
-                                            <a:latin typeface="Cambria Math" panose="02040503050406030204" pitchFamily="18" charset="0"/>
-                                            <a:ea typeface="Times New Roman" panose="02020603050405020304" pitchFamily="18" charset="0"/>
-                                            <a:cs typeface="Times New Roman" panose="02020603050405020304" pitchFamily="18" charset="0"/>
-                                          </a:rPr>
-                                          <m:t>θ</m:t>
-                                        </m:r>
-                                      </m:e>
-                                      <m:sub>
-                                        <m:r>
-                                          <a:rPr lang="ru-RU" sz="1100" i="1">
-                                            <a:effectLst/>
-                                            <a:latin typeface="Cambria Math" panose="02040503050406030204" pitchFamily="18" charset="0"/>
-                                            <a:ea typeface="Times New Roman" panose="02020603050405020304" pitchFamily="18" charset="0"/>
-                                            <a:cs typeface="Times New Roman" panose="02020603050405020304" pitchFamily="18" charset="0"/>
-                                          </a:rPr>
-                                          <m:t>1</m:t>
-                                        </m:r>
-                                      </m:sub>
-                                    </m:sSub>
-                                  </m:den>
-                                </m:f>
-                              </m:e>
-                              <m:e>
-                                <m:f>
-                                  <m:fPr>
-                                    <m:ctrlPr>
-                                      <a:rPr lang="ru-RU" sz="1100" i="1">
-                                        <a:effectLst/>
-                                        <a:latin typeface="Cambria Math" panose="02040503050406030204" pitchFamily="18" charset="0"/>
-                                        <a:ea typeface="Times New Roman" panose="02020603050405020304" pitchFamily="18" charset="0"/>
-                                        <a:cs typeface="Times New Roman" panose="02020603050405020304" pitchFamily="18" charset="0"/>
-                                      </a:rPr>
-                                    </m:ctrlPr>
-                                  </m:fPr>
-                                  <m:num>
-                                    <m:r>
-                                      <a:rPr lang="en-US" sz="1100" i="1">
-                                        <a:effectLst/>
-                                        <a:latin typeface="Cambria Math" panose="02040503050406030204" pitchFamily="18" charset="0"/>
-                                        <a:ea typeface="Times New Roman" panose="02020603050405020304" pitchFamily="18" charset="0"/>
-                                        <a:cs typeface="Times New Roman" panose="02020603050405020304" pitchFamily="18" charset="0"/>
-                                      </a:rPr>
-                                      <m:t>𝜕</m:t>
-                                    </m:r>
-                                    <m:r>
-                                      <a:rPr lang="en-US" sz="1100" i="1">
-                                        <a:effectLst/>
-                                        <a:latin typeface="Cambria Math" panose="02040503050406030204" pitchFamily="18" charset="0"/>
-                                        <a:ea typeface="Times New Roman" panose="02020603050405020304" pitchFamily="18" charset="0"/>
-                                        <a:cs typeface="Times New Roman" panose="02020603050405020304" pitchFamily="18" charset="0"/>
-                                      </a:rPr>
-                                      <m:t>𝑧</m:t>
-                                    </m:r>
-                                  </m:num>
-                                  <m:den>
-                                    <m:r>
-                                      <a:rPr lang="en-US" sz="1100" i="1">
-                                        <a:effectLst/>
-                                        <a:latin typeface="Cambria Math" panose="02040503050406030204" pitchFamily="18" charset="0"/>
-                                        <a:ea typeface="Times New Roman" panose="02020603050405020304" pitchFamily="18" charset="0"/>
-                                        <a:cs typeface="Times New Roman" panose="02020603050405020304" pitchFamily="18" charset="0"/>
-                                      </a:rPr>
-                                      <m:t>𝜕</m:t>
-                                    </m:r>
-                                    <m:sSub>
-                                      <m:sSubPr>
-                                        <m:ctrlPr>
-                                          <a:rPr lang="ru-RU" sz="1100" i="1">
-                                            <a:effectLst/>
-                                            <a:latin typeface="Cambria Math" panose="02040503050406030204" pitchFamily="18" charset="0"/>
-                                            <a:ea typeface="Times New Roman" panose="02020603050405020304" pitchFamily="18" charset="0"/>
-                                            <a:cs typeface="Times New Roman" panose="02020603050405020304" pitchFamily="18" charset="0"/>
-                                          </a:rPr>
-                                        </m:ctrlPr>
-                                      </m:sSubPr>
-                                      <m:e>
-                                        <m:r>
-                                          <m:rPr>
-                                            <m:sty m:val="p"/>
-                                          </m:rPr>
-                                          <a:rPr lang="ru-RU" sz="1100">
-                                            <a:effectLst/>
-                                            <a:latin typeface="Cambria Math" panose="02040503050406030204" pitchFamily="18" charset="0"/>
-                                            <a:ea typeface="Times New Roman" panose="02020603050405020304" pitchFamily="18" charset="0"/>
-                                            <a:cs typeface="Times New Roman" panose="02020603050405020304" pitchFamily="18" charset="0"/>
-                                          </a:rPr>
-                                          <m:t>θ</m:t>
-                                        </m:r>
-                                      </m:e>
-                                      <m:sub>
-                                        <m:r>
-                                          <a:rPr lang="ru-RU" sz="1100" i="1">
-                                            <a:effectLst/>
-                                            <a:latin typeface="Cambria Math" panose="02040503050406030204" pitchFamily="18" charset="0"/>
-                                            <a:ea typeface="Times New Roman" panose="02020603050405020304" pitchFamily="18" charset="0"/>
-                                            <a:cs typeface="Times New Roman" panose="02020603050405020304" pitchFamily="18" charset="0"/>
-                                          </a:rPr>
-                                          <m:t>2</m:t>
-                                        </m:r>
-                                      </m:sub>
-                                    </m:sSub>
-                                  </m:den>
-                                </m:f>
-                              </m:e>
-                              <m:e>
-                                <m:f>
-                                  <m:fPr>
-                                    <m:ctrlPr>
-                                      <a:rPr lang="ru-RU" sz="1100" i="1">
-                                        <a:effectLst/>
-                                        <a:latin typeface="Cambria Math" panose="02040503050406030204" pitchFamily="18" charset="0"/>
-                                        <a:ea typeface="Times New Roman" panose="02020603050405020304" pitchFamily="18" charset="0"/>
-                                        <a:cs typeface="Times New Roman" panose="02020603050405020304" pitchFamily="18" charset="0"/>
-                                      </a:rPr>
-                                    </m:ctrlPr>
-                                  </m:fPr>
-                                  <m:num>
-                                    <m:r>
-                                      <a:rPr lang="en-US" sz="1100" i="1">
-                                        <a:effectLst/>
-                                        <a:latin typeface="Cambria Math" panose="02040503050406030204" pitchFamily="18" charset="0"/>
-                                        <a:ea typeface="Times New Roman" panose="02020603050405020304" pitchFamily="18" charset="0"/>
-                                        <a:cs typeface="Times New Roman" panose="02020603050405020304" pitchFamily="18" charset="0"/>
-                                      </a:rPr>
-                                      <m:t>𝜕</m:t>
-                                    </m:r>
-                                    <m:r>
-                                      <a:rPr lang="en-US" sz="1100" i="1">
-                                        <a:effectLst/>
-                                        <a:latin typeface="Cambria Math" panose="02040503050406030204" pitchFamily="18" charset="0"/>
-                                        <a:ea typeface="Times New Roman" panose="02020603050405020304" pitchFamily="18" charset="0"/>
-                                        <a:cs typeface="Times New Roman" panose="02020603050405020304" pitchFamily="18" charset="0"/>
-                                      </a:rPr>
-                                      <m:t>𝑧</m:t>
-                                    </m:r>
-                                  </m:num>
-                                  <m:den>
-                                    <m:r>
-                                      <a:rPr lang="en-US" sz="1100" i="1">
-                                        <a:effectLst/>
-                                        <a:latin typeface="Cambria Math" panose="02040503050406030204" pitchFamily="18" charset="0"/>
-                                        <a:ea typeface="Times New Roman" panose="02020603050405020304" pitchFamily="18" charset="0"/>
-                                        <a:cs typeface="Times New Roman" panose="02020603050405020304" pitchFamily="18" charset="0"/>
-                                      </a:rPr>
-                                      <m:t>𝜕</m:t>
-                                    </m:r>
-                                    <m:sSub>
-                                      <m:sSubPr>
-                                        <m:ctrlPr>
-                                          <a:rPr lang="ru-RU" sz="1100" i="1">
-                                            <a:effectLst/>
-                                            <a:latin typeface="Cambria Math" panose="02040503050406030204" pitchFamily="18" charset="0"/>
-                                            <a:ea typeface="Times New Roman" panose="02020603050405020304" pitchFamily="18" charset="0"/>
-                                            <a:cs typeface="Times New Roman" panose="02020603050405020304" pitchFamily="18" charset="0"/>
-                                          </a:rPr>
-                                        </m:ctrlPr>
-                                      </m:sSubPr>
-                                      <m:e>
-                                        <m:r>
-                                          <m:rPr>
-                                            <m:sty m:val="p"/>
-                                          </m:rPr>
-                                          <a:rPr lang="ru-RU" sz="1100">
-                                            <a:effectLst/>
-                                            <a:latin typeface="Cambria Math" panose="02040503050406030204" pitchFamily="18" charset="0"/>
-                                            <a:ea typeface="Times New Roman" panose="02020603050405020304" pitchFamily="18" charset="0"/>
-                                            <a:cs typeface="Times New Roman" panose="02020603050405020304" pitchFamily="18" charset="0"/>
-                                          </a:rPr>
-                                          <m:t>θ</m:t>
-                                        </m:r>
-                                      </m:e>
-                                      <m:sub>
-                                        <m:r>
-                                          <a:rPr lang="ru-RU" sz="1100" i="1">
-                                            <a:effectLst/>
-                                            <a:latin typeface="Cambria Math" panose="02040503050406030204" pitchFamily="18" charset="0"/>
-                                            <a:ea typeface="Times New Roman" panose="02020603050405020304" pitchFamily="18" charset="0"/>
-                                            <a:cs typeface="Times New Roman" panose="02020603050405020304" pitchFamily="18" charset="0"/>
-                                          </a:rPr>
-                                          <m:t>3</m:t>
-                                        </m:r>
-                                      </m:sub>
-                                    </m:sSub>
-                                  </m:den>
-                                </m:f>
-                              </m:e>
-                            </m:mr>
-                          </m:m>
-                        </m:e>
-                      </m:d>
-                    </m:oMath>
-                  </m:oMathPara>
-                </a14:m>
-                <a:endParaRPr lang="ru-RU" sz="1400" dirty="0">
+                <a:endParaRPr lang="ru-RU" sz="1300" dirty="0">
                   <a:effectLst/>
                   <a:latin typeface="Times New Roman" panose="02020603050405020304" pitchFamily="18" charset="0"/>
                   <a:ea typeface="Calibri" panose="020F0502020204030204" pitchFamily="34" charset="0"/>
@@ -18485,7 +19010,7 @@
             </p:txBody>
           </p:sp>
         </mc:Choice>
-        <mc:Fallback xmlns="">
+        <mc:Fallback>
           <p:sp>
             <p:nvSpPr>
               <p:cNvPr id="5" name="TextBox 4">
@@ -18502,8 +19027,8 @@
             </p:nvSpPr>
             <p:spPr>
               <a:xfrm>
-                <a:off x="343948" y="1388761"/>
-                <a:ext cx="6361339" cy="3142399"/>
+                <a:off x="505188" y="1258957"/>
+                <a:ext cx="5794944" cy="2652586"/>
               </a:xfrm>
               <a:prstGeom prst="rect">
                 <a:avLst/>
@@ -18511,7 +19036,7 @@
               <a:blipFill>
                 <a:blip r:embed="rId3"/>
                 <a:stretch>
-                  <a:fillRect l="-287" t="-388" r="-192"/>
+                  <a:fillRect l="-211" t="-230" r="-211"/>
                 </a:stretch>
               </a:blipFill>
             </p:spPr>
@@ -18559,8 +19084,8 @@
         </p:blipFill>
         <p:spPr bwMode="auto">
           <a:xfrm>
-            <a:off x="6705287" y="1258956"/>
-            <a:ext cx="2901443" cy="2398645"/>
+            <a:off x="430621" y="2596210"/>
+            <a:ext cx="2387935" cy="1974124"/>
           </a:xfrm>
           <a:prstGeom prst="rect">
             <a:avLst/>
@@ -18571,6 +19096,1211 @@
           </a:ln>
         </p:spPr>
       </p:pic>
+      <mc:AlternateContent xmlns:mc="http://schemas.openxmlformats.org/markup-compatibility/2006">
+        <mc:Choice xmlns:a14="http://schemas.microsoft.com/office/drawing/2010/main" Requires="a14">
+          <p:sp>
+            <p:nvSpPr>
+              <p:cNvPr id="8" name="TextBox 7">
+                <a:extLst>
+                  <a:ext uri="{FF2B5EF4-FFF2-40B4-BE49-F238E27FC236}">
+                    <a16:creationId xmlns:a16="http://schemas.microsoft.com/office/drawing/2014/main" id="{50C6F3E6-8F2E-3F77-348C-B5A507595936}"/>
+                  </a:ext>
+                </a:extLst>
+              </p:cNvPr>
+              <p:cNvSpPr txBox="1"/>
+              <p:nvPr/>
+            </p:nvSpPr>
+            <p:spPr>
+              <a:xfrm>
+                <a:off x="681036" y="4485516"/>
+                <a:ext cx="8714633" cy="2069349"/>
+              </a:xfrm>
+              <a:prstGeom prst="rect">
+                <a:avLst/>
+              </a:prstGeom>
+              <a:noFill/>
+            </p:spPr>
+            <p:txBody>
+              <a:bodyPr wrap="square">
+                <a:spAutoFit/>
+              </a:bodyPr>
+              <a:lstStyle/>
+              <a:p>
+                <a:pPr indent="180000" algn="just"/>
+                <a:endParaRPr lang="ru-RU" sz="1300" dirty="0">
+                  <a:effectLst/>
+                  <a:latin typeface="Times New Roman" panose="02020603050405020304" pitchFamily="18" charset="0"/>
+                  <a:ea typeface="Calibri" panose="020F0502020204030204" pitchFamily="34" charset="0"/>
+                  <a:cs typeface="Times New Roman" panose="02020603050405020304" pitchFamily="18" charset="0"/>
+                </a:endParaRPr>
+              </a:p>
+              <a:p>
+                <a:pPr algn="just">
+                  <a:spcAft>
+                    <a:spcPts val="600"/>
+                  </a:spcAft>
+                </a:pPr>
+                <a:r>
+                  <a:rPr lang="ru-RU" sz="1300" dirty="0">
+                    <a:effectLst/>
+                    <a:latin typeface="Times New Roman" panose="02020603050405020304" pitchFamily="18" charset="0"/>
+                    <a:ea typeface="Calibri" panose="020F0502020204030204" pitchFamily="34" charset="0"/>
+                    <a:cs typeface="Times New Roman" panose="02020603050405020304" pitchFamily="18" charset="0"/>
+                  </a:rPr>
+                  <a:t>где </a:t>
+                </a:r>
+                <a:r>
+                  <a:rPr lang="en-US" sz="1300" dirty="0">
+                    <a:effectLst/>
+                    <a:latin typeface="Times New Roman" panose="02020603050405020304" pitchFamily="18" charset="0"/>
+                    <a:ea typeface="Calibri" panose="020F0502020204030204" pitchFamily="34" charset="0"/>
+                    <a:cs typeface="Times New Roman" panose="02020603050405020304" pitchFamily="18" charset="0"/>
+                  </a:rPr>
+                  <a:t>L</a:t>
+                </a:r>
+                <a:r>
+                  <a:rPr lang="ru-RU" sz="1300" baseline="-25000" dirty="0">
+                    <a:effectLst/>
+                    <a:latin typeface="Times New Roman" panose="02020603050405020304" pitchFamily="18" charset="0"/>
+                    <a:ea typeface="Calibri" panose="020F0502020204030204" pitchFamily="34" charset="0"/>
+                    <a:cs typeface="Times New Roman" panose="02020603050405020304" pitchFamily="18" charset="0"/>
+                  </a:rPr>
+                  <a:t>1 </a:t>
+                </a:r>
+                <a:r>
+                  <a:rPr lang="ru-RU" sz="1300" dirty="0">
+                    <a:effectLst/>
+                    <a:latin typeface="Times New Roman" panose="02020603050405020304" pitchFamily="18" charset="0"/>
+                    <a:ea typeface="Calibri" panose="020F0502020204030204" pitchFamily="34" charset="0"/>
+                    <a:cs typeface="Times New Roman" panose="02020603050405020304" pitchFamily="18" charset="0"/>
+                  </a:rPr>
+                  <a:t>и </a:t>
+                </a:r>
+                <a:r>
+                  <a:rPr lang="en-US" sz="1300" dirty="0">
+                    <a:effectLst/>
+                    <a:latin typeface="Times New Roman" panose="02020603050405020304" pitchFamily="18" charset="0"/>
+                    <a:ea typeface="Calibri" panose="020F0502020204030204" pitchFamily="34" charset="0"/>
+                    <a:cs typeface="Times New Roman" panose="02020603050405020304" pitchFamily="18" charset="0"/>
+                  </a:rPr>
+                  <a:t>L</a:t>
+                </a:r>
+                <a:r>
+                  <a:rPr lang="ru-RU" sz="1300" baseline="-25000" dirty="0">
+                    <a:effectLst/>
+                    <a:latin typeface="Times New Roman" panose="02020603050405020304" pitchFamily="18" charset="0"/>
+                    <a:ea typeface="Calibri" panose="020F0502020204030204" pitchFamily="34" charset="0"/>
+                    <a:cs typeface="Times New Roman" panose="02020603050405020304" pitchFamily="18" charset="0"/>
+                  </a:rPr>
+                  <a:t>2 </a:t>
+                </a:r>
+                <a:r>
+                  <a:rPr lang="ru-RU" sz="1300" dirty="0">
+                    <a:effectLst/>
+                    <a:latin typeface="Times New Roman" panose="02020603050405020304" pitchFamily="18" charset="0"/>
+                    <a:ea typeface="Calibri" panose="020F0502020204030204" pitchFamily="34" charset="0"/>
+                    <a:cs typeface="Times New Roman" panose="02020603050405020304" pitchFamily="18" charset="0"/>
+                  </a:rPr>
+                  <a:t>– длины сегментов руки, θ</a:t>
+                </a:r>
+                <a:r>
+                  <a:rPr lang="ru-RU" sz="1300" baseline="-25000" dirty="0">
+                    <a:effectLst/>
+                    <a:latin typeface="Times New Roman" panose="02020603050405020304" pitchFamily="18" charset="0"/>
+                    <a:ea typeface="Calibri" panose="020F0502020204030204" pitchFamily="34" charset="0"/>
+                    <a:cs typeface="Times New Roman" panose="02020603050405020304" pitchFamily="18" charset="0"/>
+                  </a:rPr>
+                  <a:t>1</a:t>
+                </a:r>
+                <a:r>
+                  <a:rPr lang="ru-RU" sz="1300" dirty="0">
+                    <a:effectLst/>
+                    <a:latin typeface="Times New Roman" panose="02020603050405020304" pitchFamily="18" charset="0"/>
+                    <a:ea typeface="Calibri" panose="020F0502020204030204" pitchFamily="34" charset="0"/>
+                    <a:cs typeface="Times New Roman" panose="02020603050405020304" pitchFamily="18" charset="0"/>
+                  </a:rPr>
+                  <a:t> и θ</a:t>
+                </a:r>
+                <a:r>
+                  <a:rPr lang="ru-RU" sz="1300" baseline="-25000" dirty="0">
+                    <a:effectLst/>
+                    <a:latin typeface="Times New Roman" panose="02020603050405020304" pitchFamily="18" charset="0"/>
+                    <a:ea typeface="Calibri" panose="020F0502020204030204" pitchFamily="34" charset="0"/>
+                    <a:cs typeface="Times New Roman" panose="02020603050405020304" pitchFamily="18" charset="0"/>
+                  </a:rPr>
+                  <a:t>2</a:t>
+                </a:r>
+                <a:r>
+                  <a:rPr lang="ru-RU" sz="1300" dirty="0">
+                    <a:effectLst/>
+                    <a:latin typeface="Times New Roman" panose="02020603050405020304" pitchFamily="18" charset="0"/>
+                    <a:ea typeface="Calibri" panose="020F0502020204030204" pitchFamily="34" charset="0"/>
+                    <a:cs typeface="Times New Roman" panose="02020603050405020304" pitchFamily="18" charset="0"/>
+                  </a:rPr>
+                  <a:t> – углы поворота суставов, θ</a:t>
+                </a:r>
+                <a:r>
+                  <a:rPr lang="ru-RU" sz="1300" baseline="-25000" dirty="0">
+                    <a:effectLst/>
+                    <a:latin typeface="Times New Roman" panose="02020603050405020304" pitchFamily="18" charset="0"/>
+                    <a:ea typeface="Calibri" panose="020F0502020204030204" pitchFamily="34" charset="0"/>
+                    <a:cs typeface="Times New Roman" panose="02020603050405020304" pitchFamily="18" charset="0"/>
+                  </a:rPr>
+                  <a:t>3</a:t>
+                </a:r>
+                <a:r>
+                  <a:rPr lang="ru-RU" sz="1300" dirty="0">
+                    <a:effectLst/>
+                    <a:latin typeface="Times New Roman" panose="02020603050405020304" pitchFamily="18" charset="0"/>
+                    <a:ea typeface="Calibri" panose="020F0502020204030204" pitchFamily="34" charset="0"/>
+                    <a:cs typeface="Times New Roman" panose="02020603050405020304" pitchFamily="18" charset="0"/>
+                  </a:rPr>
+                  <a:t> – угол вращения вокруг оси </a:t>
+                </a:r>
+                <a:r>
+                  <a:rPr lang="en-US" sz="1300" dirty="0">
+                    <a:effectLst/>
+                    <a:latin typeface="Times New Roman" panose="02020603050405020304" pitchFamily="18" charset="0"/>
+                    <a:ea typeface="Calibri" panose="020F0502020204030204" pitchFamily="34" charset="0"/>
+                    <a:cs typeface="Times New Roman" panose="02020603050405020304" pitchFamily="18" charset="0"/>
+                  </a:rPr>
+                  <a:t>Z</a:t>
+                </a:r>
+                <a:r>
+                  <a:rPr lang="ru-RU" sz="1300" dirty="0">
+                    <a:effectLst/>
+                    <a:latin typeface="Times New Roman" panose="02020603050405020304" pitchFamily="18" charset="0"/>
+                    <a:ea typeface="Calibri" panose="020F0502020204030204" pitchFamily="34" charset="0"/>
+                    <a:cs typeface="Times New Roman" panose="02020603050405020304" pitchFamily="18" charset="0"/>
+                  </a:rPr>
+                  <a:t>.</a:t>
+                </a:r>
+              </a:p>
+              <a:p>
+                <a:pPr algn="just"/>
+                <a:r>
+                  <a:rPr lang="ru-RU" sz="1300" dirty="0">
+                    <a:effectLst/>
+                    <a:latin typeface="Times New Roman" panose="02020603050405020304" pitchFamily="18" charset="0"/>
+                    <a:ea typeface="Times New Roman" panose="02020603050405020304" pitchFamily="18" charset="0"/>
+                    <a:cs typeface="Times New Roman" panose="02020603050405020304" pitchFamily="18" charset="0"/>
+                  </a:rPr>
+                  <a:t>Матрица Якоби описывает связь между изменениями углов суставов и положением конечного сустава:</a:t>
+                </a:r>
+                <a:endParaRPr lang="ru-RU" sz="1300" i="1" dirty="0">
+                  <a:effectLst/>
+                  <a:latin typeface="Cambria Math" panose="02040503050406030204" pitchFamily="18" charset="0"/>
+                  <a:ea typeface="Times New Roman" panose="02020603050405020304" pitchFamily="18" charset="0"/>
+                  <a:cs typeface="Times New Roman" panose="02020603050405020304" pitchFamily="18" charset="0"/>
+                </a:endParaRPr>
+              </a:p>
+              <a:p>
+                <a:pPr algn="just"/>
+                <a14:m>
+                  <m:oMathPara xmlns:m="http://schemas.openxmlformats.org/officeDocument/2006/math">
+                    <m:oMathParaPr>
+                      <m:jc m:val="centerGroup"/>
+                    </m:oMathParaPr>
+                    <m:oMath xmlns:m="http://schemas.openxmlformats.org/officeDocument/2006/math">
+                      <m:r>
+                        <a:rPr lang="ru-RU" sz="1300" i="1">
+                          <a:effectLst/>
+                          <a:latin typeface="Cambria Math" panose="02040503050406030204" pitchFamily="18" charset="0"/>
+                          <a:ea typeface="Times New Roman" panose="02020603050405020304" pitchFamily="18" charset="0"/>
+                          <a:cs typeface="Times New Roman" panose="02020603050405020304" pitchFamily="18" charset="0"/>
+                        </a:rPr>
+                        <m:t>𝐽</m:t>
+                      </m:r>
+                      <m:d>
+                        <m:dPr>
+                          <m:ctrlPr>
+                            <a:rPr lang="ru-RU" sz="1300" i="1">
+                              <a:effectLst/>
+                              <a:latin typeface="Cambria Math" panose="02040503050406030204" pitchFamily="18" charset="0"/>
+                              <a:ea typeface="Times New Roman" panose="02020603050405020304" pitchFamily="18" charset="0"/>
+                              <a:cs typeface="Times New Roman" panose="02020603050405020304" pitchFamily="18" charset="0"/>
+                            </a:rPr>
+                          </m:ctrlPr>
+                        </m:dPr>
+                        <m:e>
+                          <m:sSub>
+                            <m:sSubPr>
+                              <m:ctrlPr>
+                                <a:rPr lang="ru-RU" sz="1300" i="1">
+                                  <a:effectLst/>
+                                  <a:latin typeface="Cambria Math" panose="02040503050406030204" pitchFamily="18" charset="0"/>
+                                  <a:ea typeface="Times New Roman" panose="02020603050405020304" pitchFamily="18" charset="0"/>
+                                  <a:cs typeface="Times New Roman" panose="02020603050405020304" pitchFamily="18" charset="0"/>
+                                </a:rPr>
+                              </m:ctrlPr>
+                            </m:sSubPr>
+                            <m:e>
+                              <m:r>
+                                <m:rPr>
+                                  <m:sty m:val="p"/>
+                                </m:rPr>
+                                <a:rPr lang="ru-RU" sz="1300">
+                                  <a:effectLst/>
+                                  <a:latin typeface="Cambria Math" panose="02040503050406030204" pitchFamily="18" charset="0"/>
+                                  <a:ea typeface="Times New Roman" panose="02020603050405020304" pitchFamily="18" charset="0"/>
+                                  <a:cs typeface="Times New Roman" panose="02020603050405020304" pitchFamily="18" charset="0"/>
+                                </a:rPr>
+                                <m:t>θ</m:t>
+                              </m:r>
+                            </m:e>
+                            <m:sub>
+                              <m:r>
+                                <a:rPr lang="en-US" sz="1300" i="1">
+                                  <a:effectLst/>
+                                  <a:latin typeface="Cambria Math" panose="02040503050406030204" pitchFamily="18" charset="0"/>
+                                  <a:ea typeface="Times New Roman" panose="02020603050405020304" pitchFamily="18" charset="0"/>
+                                  <a:cs typeface="Times New Roman" panose="02020603050405020304" pitchFamily="18" charset="0"/>
+                                </a:rPr>
+                                <m:t>1</m:t>
+                              </m:r>
+                            </m:sub>
+                          </m:sSub>
+                          <m:r>
+                            <a:rPr lang="en-US" sz="1300" i="1">
+                              <a:effectLst/>
+                              <a:latin typeface="Cambria Math" panose="02040503050406030204" pitchFamily="18" charset="0"/>
+                              <a:ea typeface="Times New Roman" panose="02020603050405020304" pitchFamily="18" charset="0"/>
+                              <a:cs typeface="Times New Roman" panose="02020603050405020304" pitchFamily="18" charset="0"/>
+                            </a:rPr>
+                            <m:t>, </m:t>
+                          </m:r>
+                          <m:sSub>
+                            <m:sSubPr>
+                              <m:ctrlPr>
+                                <a:rPr lang="ru-RU" sz="1300" i="1">
+                                  <a:effectLst/>
+                                  <a:latin typeface="Cambria Math" panose="02040503050406030204" pitchFamily="18" charset="0"/>
+                                  <a:ea typeface="Times New Roman" panose="02020603050405020304" pitchFamily="18" charset="0"/>
+                                  <a:cs typeface="Times New Roman" panose="02020603050405020304" pitchFamily="18" charset="0"/>
+                                </a:rPr>
+                              </m:ctrlPr>
+                            </m:sSubPr>
+                            <m:e>
+                              <m:r>
+                                <m:rPr>
+                                  <m:sty m:val="p"/>
+                                </m:rPr>
+                                <a:rPr lang="ru-RU" sz="1300">
+                                  <a:effectLst/>
+                                  <a:latin typeface="Cambria Math" panose="02040503050406030204" pitchFamily="18" charset="0"/>
+                                  <a:ea typeface="Times New Roman" panose="02020603050405020304" pitchFamily="18" charset="0"/>
+                                  <a:cs typeface="Times New Roman" panose="02020603050405020304" pitchFamily="18" charset="0"/>
+                                </a:rPr>
+                                <m:t>θ</m:t>
+                              </m:r>
+                            </m:e>
+                            <m:sub>
+                              <m:r>
+                                <a:rPr lang="en-US" sz="1300" i="1">
+                                  <a:effectLst/>
+                                  <a:latin typeface="Cambria Math" panose="02040503050406030204" pitchFamily="18" charset="0"/>
+                                  <a:ea typeface="Times New Roman" panose="02020603050405020304" pitchFamily="18" charset="0"/>
+                                  <a:cs typeface="Times New Roman" panose="02020603050405020304" pitchFamily="18" charset="0"/>
+                                </a:rPr>
+                                <m:t>2</m:t>
+                              </m:r>
+                            </m:sub>
+                          </m:sSub>
+                          <m:r>
+                            <a:rPr lang="en-US" sz="1300" i="1">
+                              <a:effectLst/>
+                              <a:latin typeface="Cambria Math" panose="02040503050406030204" pitchFamily="18" charset="0"/>
+                              <a:ea typeface="Times New Roman" panose="02020603050405020304" pitchFamily="18" charset="0"/>
+                              <a:cs typeface="Times New Roman" panose="02020603050405020304" pitchFamily="18" charset="0"/>
+                            </a:rPr>
+                            <m:t>,</m:t>
+                          </m:r>
+                          <m:sSub>
+                            <m:sSubPr>
+                              <m:ctrlPr>
+                                <a:rPr lang="ru-RU" sz="1300" i="1">
+                                  <a:effectLst/>
+                                  <a:latin typeface="Cambria Math" panose="02040503050406030204" pitchFamily="18" charset="0"/>
+                                  <a:ea typeface="Times New Roman" panose="02020603050405020304" pitchFamily="18" charset="0"/>
+                                  <a:cs typeface="Times New Roman" panose="02020603050405020304" pitchFamily="18" charset="0"/>
+                                </a:rPr>
+                              </m:ctrlPr>
+                            </m:sSubPr>
+                            <m:e>
+                              <m:r>
+                                <m:rPr>
+                                  <m:sty m:val="p"/>
+                                </m:rPr>
+                                <a:rPr lang="ru-RU" sz="1300">
+                                  <a:effectLst/>
+                                  <a:latin typeface="Cambria Math" panose="02040503050406030204" pitchFamily="18" charset="0"/>
+                                  <a:ea typeface="Times New Roman" panose="02020603050405020304" pitchFamily="18" charset="0"/>
+                                  <a:cs typeface="Times New Roman" panose="02020603050405020304" pitchFamily="18" charset="0"/>
+                                </a:rPr>
+                                <m:t>θ</m:t>
+                              </m:r>
+                            </m:e>
+                            <m:sub>
+                              <m:r>
+                                <a:rPr lang="en-US" sz="1300" i="1">
+                                  <a:effectLst/>
+                                  <a:latin typeface="Cambria Math" panose="02040503050406030204" pitchFamily="18" charset="0"/>
+                                  <a:ea typeface="Times New Roman" panose="02020603050405020304" pitchFamily="18" charset="0"/>
+                                  <a:cs typeface="Times New Roman" panose="02020603050405020304" pitchFamily="18" charset="0"/>
+                                </a:rPr>
+                                <m:t>3</m:t>
+                              </m:r>
+                            </m:sub>
+                          </m:sSub>
+                        </m:e>
+                      </m:d>
+                      <m:r>
+                        <a:rPr lang="en-US" sz="1300" i="1">
+                          <a:effectLst/>
+                          <a:latin typeface="Cambria Math" panose="02040503050406030204" pitchFamily="18" charset="0"/>
+                          <a:ea typeface="Times New Roman" panose="02020603050405020304" pitchFamily="18" charset="0"/>
+                          <a:cs typeface="Times New Roman" panose="02020603050405020304" pitchFamily="18" charset="0"/>
+                        </a:rPr>
+                        <m:t>= </m:t>
+                      </m:r>
+                      <m:d>
+                        <m:dPr>
+                          <m:begChr m:val="["/>
+                          <m:endChr m:val="]"/>
+                          <m:ctrlPr>
+                            <a:rPr lang="ru-RU" sz="1300" i="1">
+                              <a:effectLst/>
+                              <a:latin typeface="Cambria Math" panose="02040503050406030204" pitchFamily="18" charset="0"/>
+                              <a:ea typeface="Times New Roman" panose="02020603050405020304" pitchFamily="18" charset="0"/>
+                              <a:cs typeface="Times New Roman" panose="02020603050405020304" pitchFamily="18" charset="0"/>
+                            </a:rPr>
+                          </m:ctrlPr>
+                        </m:dPr>
+                        <m:e>
+                          <m:m>
+                            <m:mPr>
+                              <m:mcs>
+                                <m:mc>
+                                  <m:mcPr>
+                                    <m:count m:val="3"/>
+                                    <m:mcJc m:val="center"/>
+                                  </m:mcPr>
+                                </m:mc>
+                              </m:mcs>
+                              <m:ctrlPr>
+                                <a:rPr lang="ru-RU" sz="1300" i="1">
+                                  <a:effectLst/>
+                                  <a:latin typeface="Cambria Math" panose="02040503050406030204" pitchFamily="18" charset="0"/>
+                                  <a:ea typeface="Times New Roman" panose="02020603050405020304" pitchFamily="18" charset="0"/>
+                                  <a:cs typeface="Times New Roman" panose="02020603050405020304" pitchFamily="18" charset="0"/>
+                                </a:rPr>
+                              </m:ctrlPr>
+                            </m:mPr>
+                            <m:mr>
+                              <m:e>
+                                <m:f>
+                                  <m:fPr>
+                                    <m:ctrlPr>
+                                      <a:rPr lang="ru-RU" sz="1300" i="1">
+                                        <a:effectLst/>
+                                        <a:latin typeface="Cambria Math" panose="02040503050406030204" pitchFamily="18" charset="0"/>
+                                        <a:ea typeface="Times New Roman" panose="02020603050405020304" pitchFamily="18" charset="0"/>
+                                        <a:cs typeface="Times New Roman" panose="02020603050405020304" pitchFamily="18" charset="0"/>
+                                      </a:rPr>
+                                    </m:ctrlPr>
+                                  </m:fPr>
+                                  <m:num>
+                                    <m:r>
+                                      <a:rPr lang="en-US" sz="1300" i="1">
+                                        <a:effectLst/>
+                                        <a:latin typeface="Cambria Math" panose="02040503050406030204" pitchFamily="18" charset="0"/>
+                                        <a:ea typeface="Times New Roman" panose="02020603050405020304" pitchFamily="18" charset="0"/>
+                                        <a:cs typeface="Times New Roman" panose="02020603050405020304" pitchFamily="18" charset="0"/>
+                                      </a:rPr>
+                                      <m:t>𝜕</m:t>
+                                    </m:r>
+                                    <m:r>
+                                      <a:rPr lang="en-US" sz="1300" i="1">
+                                        <a:effectLst/>
+                                        <a:latin typeface="Cambria Math" panose="02040503050406030204" pitchFamily="18" charset="0"/>
+                                        <a:ea typeface="Times New Roman" panose="02020603050405020304" pitchFamily="18" charset="0"/>
+                                        <a:cs typeface="Times New Roman" panose="02020603050405020304" pitchFamily="18" charset="0"/>
+                                      </a:rPr>
+                                      <m:t>𝑥</m:t>
+                                    </m:r>
+                                  </m:num>
+                                  <m:den>
+                                    <m:r>
+                                      <a:rPr lang="en-US" sz="1300" i="1">
+                                        <a:effectLst/>
+                                        <a:latin typeface="Cambria Math" panose="02040503050406030204" pitchFamily="18" charset="0"/>
+                                        <a:ea typeface="Times New Roman" panose="02020603050405020304" pitchFamily="18" charset="0"/>
+                                        <a:cs typeface="Times New Roman" panose="02020603050405020304" pitchFamily="18" charset="0"/>
+                                      </a:rPr>
+                                      <m:t>𝜕</m:t>
+                                    </m:r>
+                                    <m:sSub>
+                                      <m:sSubPr>
+                                        <m:ctrlPr>
+                                          <a:rPr lang="ru-RU" sz="1300" i="1">
+                                            <a:effectLst/>
+                                            <a:latin typeface="Cambria Math" panose="02040503050406030204" pitchFamily="18" charset="0"/>
+                                            <a:ea typeface="Times New Roman" panose="02020603050405020304" pitchFamily="18" charset="0"/>
+                                            <a:cs typeface="Times New Roman" panose="02020603050405020304" pitchFamily="18" charset="0"/>
+                                          </a:rPr>
+                                        </m:ctrlPr>
+                                      </m:sSubPr>
+                                      <m:e>
+                                        <m:r>
+                                          <m:rPr>
+                                            <m:sty m:val="p"/>
+                                          </m:rPr>
+                                          <a:rPr lang="ru-RU" sz="1300">
+                                            <a:effectLst/>
+                                            <a:latin typeface="Cambria Math" panose="02040503050406030204" pitchFamily="18" charset="0"/>
+                                            <a:ea typeface="Times New Roman" panose="02020603050405020304" pitchFamily="18" charset="0"/>
+                                            <a:cs typeface="Times New Roman" panose="02020603050405020304" pitchFamily="18" charset="0"/>
+                                          </a:rPr>
+                                          <m:t>θ</m:t>
+                                        </m:r>
+                                      </m:e>
+                                      <m:sub>
+                                        <m:r>
+                                          <a:rPr lang="ru-RU" sz="1300" i="1">
+                                            <a:effectLst/>
+                                            <a:latin typeface="Cambria Math" panose="02040503050406030204" pitchFamily="18" charset="0"/>
+                                            <a:ea typeface="Times New Roman" panose="02020603050405020304" pitchFamily="18" charset="0"/>
+                                            <a:cs typeface="Times New Roman" panose="02020603050405020304" pitchFamily="18" charset="0"/>
+                                          </a:rPr>
+                                          <m:t>1</m:t>
+                                        </m:r>
+                                      </m:sub>
+                                    </m:sSub>
+                                  </m:den>
+                                </m:f>
+                              </m:e>
+                              <m:e>
+                                <m:f>
+                                  <m:fPr>
+                                    <m:ctrlPr>
+                                      <a:rPr lang="ru-RU" sz="1300" i="1">
+                                        <a:effectLst/>
+                                        <a:latin typeface="Cambria Math" panose="02040503050406030204" pitchFamily="18" charset="0"/>
+                                        <a:ea typeface="Times New Roman" panose="02020603050405020304" pitchFamily="18" charset="0"/>
+                                        <a:cs typeface="Times New Roman" panose="02020603050405020304" pitchFamily="18" charset="0"/>
+                                      </a:rPr>
+                                    </m:ctrlPr>
+                                  </m:fPr>
+                                  <m:num>
+                                    <m:r>
+                                      <a:rPr lang="en-US" sz="1300" i="1">
+                                        <a:effectLst/>
+                                        <a:latin typeface="Cambria Math" panose="02040503050406030204" pitchFamily="18" charset="0"/>
+                                        <a:ea typeface="Times New Roman" panose="02020603050405020304" pitchFamily="18" charset="0"/>
+                                        <a:cs typeface="Times New Roman" panose="02020603050405020304" pitchFamily="18" charset="0"/>
+                                      </a:rPr>
+                                      <m:t>𝜕</m:t>
+                                    </m:r>
+                                    <m:r>
+                                      <a:rPr lang="en-US" sz="1300" i="1">
+                                        <a:effectLst/>
+                                        <a:latin typeface="Cambria Math" panose="02040503050406030204" pitchFamily="18" charset="0"/>
+                                        <a:ea typeface="Times New Roman" panose="02020603050405020304" pitchFamily="18" charset="0"/>
+                                        <a:cs typeface="Times New Roman" panose="02020603050405020304" pitchFamily="18" charset="0"/>
+                                      </a:rPr>
+                                      <m:t>𝑥</m:t>
+                                    </m:r>
+                                  </m:num>
+                                  <m:den>
+                                    <m:r>
+                                      <a:rPr lang="en-US" sz="1300" i="1">
+                                        <a:effectLst/>
+                                        <a:latin typeface="Cambria Math" panose="02040503050406030204" pitchFamily="18" charset="0"/>
+                                        <a:ea typeface="Times New Roman" panose="02020603050405020304" pitchFamily="18" charset="0"/>
+                                        <a:cs typeface="Times New Roman" panose="02020603050405020304" pitchFamily="18" charset="0"/>
+                                      </a:rPr>
+                                      <m:t>𝜕</m:t>
+                                    </m:r>
+                                    <m:sSub>
+                                      <m:sSubPr>
+                                        <m:ctrlPr>
+                                          <a:rPr lang="ru-RU" sz="1300" i="1">
+                                            <a:effectLst/>
+                                            <a:latin typeface="Cambria Math" panose="02040503050406030204" pitchFamily="18" charset="0"/>
+                                            <a:ea typeface="Times New Roman" panose="02020603050405020304" pitchFamily="18" charset="0"/>
+                                            <a:cs typeface="Times New Roman" panose="02020603050405020304" pitchFamily="18" charset="0"/>
+                                          </a:rPr>
+                                        </m:ctrlPr>
+                                      </m:sSubPr>
+                                      <m:e>
+                                        <m:r>
+                                          <m:rPr>
+                                            <m:sty m:val="p"/>
+                                          </m:rPr>
+                                          <a:rPr lang="ru-RU" sz="1300">
+                                            <a:effectLst/>
+                                            <a:latin typeface="Cambria Math" panose="02040503050406030204" pitchFamily="18" charset="0"/>
+                                            <a:ea typeface="Times New Roman" panose="02020603050405020304" pitchFamily="18" charset="0"/>
+                                            <a:cs typeface="Times New Roman" panose="02020603050405020304" pitchFamily="18" charset="0"/>
+                                          </a:rPr>
+                                          <m:t>θ</m:t>
+                                        </m:r>
+                                      </m:e>
+                                      <m:sub>
+                                        <m:r>
+                                          <a:rPr lang="ru-RU" sz="1300" i="1">
+                                            <a:effectLst/>
+                                            <a:latin typeface="Cambria Math" panose="02040503050406030204" pitchFamily="18" charset="0"/>
+                                            <a:ea typeface="Times New Roman" panose="02020603050405020304" pitchFamily="18" charset="0"/>
+                                            <a:cs typeface="Times New Roman" panose="02020603050405020304" pitchFamily="18" charset="0"/>
+                                          </a:rPr>
+                                          <m:t>2</m:t>
+                                        </m:r>
+                                      </m:sub>
+                                    </m:sSub>
+                                  </m:den>
+                                </m:f>
+                              </m:e>
+                              <m:e>
+                                <m:f>
+                                  <m:fPr>
+                                    <m:ctrlPr>
+                                      <a:rPr lang="ru-RU" sz="1300" i="1">
+                                        <a:effectLst/>
+                                        <a:latin typeface="Cambria Math" panose="02040503050406030204" pitchFamily="18" charset="0"/>
+                                        <a:ea typeface="Times New Roman" panose="02020603050405020304" pitchFamily="18" charset="0"/>
+                                        <a:cs typeface="Times New Roman" panose="02020603050405020304" pitchFamily="18" charset="0"/>
+                                      </a:rPr>
+                                    </m:ctrlPr>
+                                  </m:fPr>
+                                  <m:num>
+                                    <m:r>
+                                      <a:rPr lang="en-US" sz="1300" i="1">
+                                        <a:effectLst/>
+                                        <a:latin typeface="Cambria Math" panose="02040503050406030204" pitchFamily="18" charset="0"/>
+                                        <a:ea typeface="Times New Roman" panose="02020603050405020304" pitchFamily="18" charset="0"/>
+                                        <a:cs typeface="Times New Roman" panose="02020603050405020304" pitchFamily="18" charset="0"/>
+                                      </a:rPr>
+                                      <m:t>𝜕</m:t>
+                                    </m:r>
+                                    <m:r>
+                                      <a:rPr lang="en-US" sz="1300" i="1">
+                                        <a:effectLst/>
+                                        <a:latin typeface="Cambria Math" panose="02040503050406030204" pitchFamily="18" charset="0"/>
+                                        <a:ea typeface="Times New Roman" panose="02020603050405020304" pitchFamily="18" charset="0"/>
+                                        <a:cs typeface="Times New Roman" panose="02020603050405020304" pitchFamily="18" charset="0"/>
+                                      </a:rPr>
+                                      <m:t>𝑥</m:t>
+                                    </m:r>
+                                  </m:num>
+                                  <m:den>
+                                    <m:r>
+                                      <a:rPr lang="en-US" sz="1300" i="1">
+                                        <a:effectLst/>
+                                        <a:latin typeface="Cambria Math" panose="02040503050406030204" pitchFamily="18" charset="0"/>
+                                        <a:ea typeface="Times New Roman" panose="02020603050405020304" pitchFamily="18" charset="0"/>
+                                        <a:cs typeface="Times New Roman" panose="02020603050405020304" pitchFamily="18" charset="0"/>
+                                      </a:rPr>
+                                      <m:t>𝜕</m:t>
+                                    </m:r>
+                                    <m:sSub>
+                                      <m:sSubPr>
+                                        <m:ctrlPr>
+                                          <a:rPr lang="ru-RU" sz="1300" i="1">
+                                            <a:effectLst/>
+                                            <a:latin typeface="Cambria Math" panose="02040503050406030204" pitchFamily="18" charset="0"/>
+                                            <a:ea typeface="Times New Roman" panose="02020603050405020304" pitchFamily="18" charset="0"/>
+                                            <a:cs typeface="Times New Roman" panose="02020603050405020304" pitchFamily="18" charset="0"/>
+                                          </a:rPr>
+                                        </m:ctrlPr>
+                                      </m:sSubPr>
+                                      <m:e>
+                                        <m:r>
+                                          <m:rPr>
+                                            <m:sty m:val="p"/>
+                                          </m:rPr>
+                                          <a:rPr lang="ru-RU" sz="1300">
+                                            <a:effectLst/>
+                                            <a:latin typeface="Cambria Math" panose="02040503050406030204" pitchFamily="18" charset="0"/>
+                                            <a:ea typeface="Times New Roman" panose="02020603050405020304" pitchFamily="18" charset="0"/>
+                                            <a:cs typeface="Times New Roman" panose="02020603050405020304" pitchFamily="18" charset="0"/>
+                                          </a:rPr>
+                                          <m:t>θ</m:t>
+                                        </m:r>
+                                      </m:e>
+                                      <m:sub>
+                                        <m:r>
+                                          <a:rPr lang="ru-RU" sz="1300" i="1">
+                                            <a:effectLst/>
+                                            <a:latin typeface="Cambria Math" panose="02040503050406030204" pitchFamily="18" charset="0"/>
+                                            <a:ea typeface="Times New Roman" panose="02020603050405020304" pitchFamily="18" charset="0"/>
+                                            <a:cs typeface="Times New Roman" panose="02020603050405020304" pitchFamily="18" charset="0"/>
+                                          </a:rPr>
+                                          <m:t>3</m:t>
+                                        </m:r>
+                                      </m:sub>
+                                    </m:sSub>
+                                  </m:den>
+                                </m:f>
+                              </m:e>
+                            </m:mr>
+                            <m:mr>
+                              <m:e>
+                                <m:f>
+                                  <m:fPr>
+                                    <m:ctrlPr>
+                                      <a:rPr lang="ru-RU" sz="1300" i="1">
+                                        <a:effectLst/>
+                                        <a:latin typeface="Cambria Math" panose="02040503050406030204" pitchFamily="18" charset="0"/>
+                                        <a:ea typeface="Times New Roman" panose="02020603050405020304" pitchFamily="18" charset="0"/>
+                                        <a:cs typeface="Times New Roman" panose="02020603050405020304" pitchFamily="18" charset="0"/>
+                                      </a:rPr>
+                                    </m:ctrlPr>
+                                  </m:fPr>
+                                  <m:num>
+                                    <m:r>
+                                      <a:rPr lang="en-US" sz="1300" i="1">
+                                        <a:effectLst/>
+                                        <a:latin typeface="Cambria Math" panose="02040503050406030204" pitchFamily="18" charset="0"/>
+                                        <a:ea typeface="Times New Roman" panose="02020603050405020304" pitchFamily="18" charset="0"/>
+                                        <a:cs typeface="Times New Roman" panose="02020603050405020304" pitchFamily="18" charset="0"/>
+                                      </a:rPr>
+                                      <m:t>𝜕</m:t>
+                                    </m:r>
+                                    <m:r>
+                                      <a:rPr lang="en-US" sz="1300" i="1">
+                                        <a:effectLst/>
+                                        <a:latin typeface="Cambria Math" panose="02040503050406030204" pitchFamily="18" charset="0"/>
+                                        <a:ea typeface="Times New Roman" panose="02020603050405020304" pitchFamily="18" charset="0"/>
+                                        <a:cs typeface="Times New Roman" panose="02020603050405020304" pitchFamily="18" charset="0"/>
+                                      </a:rPr>
+                                      <m:t>𝑦</m:t>
+                                    </m:r>
+                                  </m:num>
+                                  <m:den>
+                                    <m:r>
+                                      <a:rPr lang="en-US" sz="1300" i="1">
+                                        <a:effectLst/>
+                                        <a:latin typeface="Cambria Math" panose="02040503050406030204" pitchFamily="18" charset="0"/>
+                                        <a:ea typeface="Times New Roman" panose="02020603050405020304" pitchFamily="18" charset="0"/>
+                                        <a:cs typeface="Times New Roman" panose="02020603050405020304" pitchFamily="18" charset="0"/>
+                                      </a:rPr>
+                                      <m:t>𝜕</m:t>
+                                    </m:r>
+                                    <m:sSub>
+                                      <m:sSubPr>
+                                        <m:ctrlPr>
+                                          <a:rPr lang="ru-RU" sz="1300" i="1">
+                                            <a:effectLst/>
+                                            <a:latin typeface="Cambria Math" panose="02040503050406030204" pitchFamily="18" charset="0"/>
+                                            <a:ea typeface="Times New Roman" panose="02020603050405020304" pitchFamily="18" charset="0"/>
+                                            <a:cs typeface="Times New Roman" panose="02020603050405020304" pitchFamily="18" charset="0"/>
+                                          </a:rPr>
+                                        </m:ctrlPr>
+                                      </m:sSubPr>
+                                      <m:e>
+                                        <m:r>
+                                          <m:rPr>
+                                            <m:sty m:val="p"/>
+                                          </m:rPr>
+                                          <a:rPr lang="ru-RU" sz="1300">
+                                            <a:effectLst/>
+                                            <a:latin typeface="Cambria Math" panose="02040503050406030204" pitchFamily="18" charset="0"/>
+                                            <a:ea typeface="Times New Roman" panose="02020603050405020304" pitchFamily="18" charset="0"/>
+                                            <a:cs typeface="Times New Roman" panose="02020603050405020304" pitchFamily="18" charset="0"/>
+                                          </a:rPr>
+                                          <m:t>θ</m:t>
+                                        </m:r>
+                                      </m:e>
+                                      <m:sub>
+                                        <m:r>
+                                          <a:rPr lang="ru-RU" sz="1300" i="1">
+                                            <a:effectLst/>
+                                            <a:latin typeface="Cambria Math" panose="02040503050406030204" pitchFamily="18" charset="0"/>
+                                            <a:ea typeface="Times New Roman" panose="02020603050405020304" pitchFamily="18" charset="0"/>
+                                            <a:cs typeface="Times New Roman" panose="02020603050405020304" pitchFamily="18" charset="0"/>
+                                          </a:rPr>
+                                          <m:t>1</m:t>
+                                        </m:r>
+                                      </m:sub>
+                                    </m:sSub>
+                                  </m:den>
+                                </m:f>
+                              </m:e>
+                              <m:e>
+                                <m:f>
+                                  <m:fPr>
+                                    <m:ctrlPr>
+                                      <a:rPr lang="ru-RU" sz="1300" i="1">
+                                        <a:effectLst/>
+                                        <a:latin typeface="Cambria Math" panose="02040503050406030204" pitchFamily="18" charset="0"/>
+                                        <a:ea typeface="Times New Roman" panose="02020603050405020304" pitchFamily="18" charset="0"/>
+                                        <a:cs typeface="Times New Roman" panose="02020603050405020304" pitchFamily="18" charset="0"/>
+                                      </a:rPr>
+                                    </m:ctrlPr>
+                                  </m:fPr>
+                                  <m:num>
+                                    <m:r>
+                                      <a:rPr lang="en-US" sz="1300" i="1">
+                                        <a:effectLst/>
+                                        <a:latin typeface="Cambria Math" panose="02040503050406030204" pitchFamily="18" charset="0"/>
+                                        <a:ea typeface="Times New Roman" panose="02020603050405020304" pitchFamily="18" charset="0"/>
+                                        <a:cs typeface="Times New Roman" panose="02020603050405020304" pitchFamily="18" charset="0"/>
+                                      </a:rPr>
+                                      <m:t>𝜕</m:t>
+                                    </m:r>
+                                    <m:r>
+                                      <a:rPr lang="en-US" sz="1300" i="1">
+                                        <a:effectLst/>
+                                        <a:latin typeface="Cambria Math" panose="02040503050406030204" pitchFamily="18" charset="0"/>
+                                        <a:ea typeface="Times New Roman" panose="02020603050405020304" pitchFamily="18" charset="0"/>
+                                        <a:cs typeface="Times New Roman" panose="02020603050405020304" pitchFamily="18" charset="0"/>
+                                      </a:rPr>
+                                      <m:t>𝑦</m:t>
+                                    </m:r>
+                                  </m:num>
+                                  <m:den>
+                                    <m:r>
+                                      <a:rPr lang="en-US" sz="1300" i="1">
+                                        <a:effectLst/>
+                                        <a:latin typeface="Cambria Math" panose="02040503050406030204" pitchFamily="18" charset="0"/>
+                                        <a:ea typeface="Times New Roman" panose="02020603050405020304" pitchFamily="18" charset="0"/>
+                                        <a:cs typeface="Times New Roman" panose="02020603050405020304" pitchFamily="18" charset="0"/>
+                                      </a:rPr>
+                                      <m:t>𝜕</m:t>
+                                    </m:r>
+                                    <m:sSub>
+                                      <m:sSubPr>
+                                        <m:ctrlPr>
+                                          <a:rPr lang="ru-RU" sz="1300" i="1">
+                                            <a:effectLst/>
+                                            <a:latin typeface="Cambria Math" panose="02040503050406030204" pitchFamily="18" charset="0"/>
+                                            <a:ea typeface="Times New Roman" panose="02020603050405020304" pitchFamily="18" charset="0"/>
+                                            <a:cs typeface="Times New Roman" panose="02020603050405020304" pitchFamily="18" charset="0"/>
+                                          </a:rPr>
+                                        </m:ctrlPr>
+                                      </m:sSubPr>
+                                      <m:e>
+                                        <m:r>
+                                          <m:rPr>
+                                            <m:sty m:val="p"/>
+                                          </m:rPr>
+                                          <a:rPr lang="ru-RU" sz="1300">
+                                            <a:effectLst/>
+                                            <a:latin typeface="Cambria Math" panose="02040503050406030204" pitchFamily="18" charset="0"/>
+                                            <a:ea typeface="Times New Roman" panose="02020603050405020304" pitchFamily="18" charset="0"/>
+                                            <a:cs typeface="Times New Roman" panose="02020603050405020304" pitchFamily="18" charset="0"/>
+                                          </a:rPr>
+                                          <m:t>θ</m:t>
+                                        </m:r>
+                                      </m:e>
+                                      <m:sub>
+                                        <m:r>
+                                          <a:rPr lang="ru-RU" sz="1300" i="1">
+                                            <a:effectLst/>
+                                            <a:latin typeface="Cambria Math" panose="02040503050406030204" pitchFamily="18" charset="0"/>
+                                            <a:ea typeface="Times New Roman" panose="02020603050405020304" pitchFamily="18" charset="0"/>
+                                            <a:cs typeface="Times New Roman" panose="02020603050405020304" pitchFamily="18" charset="0"/>
+                                          </a:rPr>
+                                          <m:t>2</m:t>
+                                        </m:r>
+                                      </m:sub>
+                                    </m:sSub>
+                                  </m:den>
+                                </m:f>
+                              </m:e>
+                              <m:e>
+                                <m:f>
+                                  <m:fPr>
+                                    <m:ctrlPr>
+                                      <a:rPr lang="ru-RU" sz="1300" i="1">
+                                        <a:effectLst/>
+                                        <a:latin typeface="Cambria Math" panose="02040503050406030204" pitchFamily="18" charset="0"/>
+                                        <a:ea typeface="Times New Roman" panose="02020603050405020304" pitchFamily="18" charset="0"/>
+                                        <a:cs typeface="Times New Roman" panose="02020603050405020304" pitchFamily="18" charset="0"/>
+                                      </a:rPr>
+                                    </m:ctrlPr>
+                                  </m:fPr>
+                                  <m:num>
+                                    <m:r>
+                                      <a:rPr lang="en-US" sz="1300" i="1">
+                                        <a:effectLst/>
+                                        <a:latin typeface="Cambria Math" panose="02040503050406030204" pitchFamily="18" charset="0"/>
+                                        <a:ea typeface="Times New Roman" panose="02020603050405020304" pitchFamily="18" charset="0"/>
+                                        <a:cs typeface="Times New Roman" panose="02020603050405020304" pitchFamily="18" charset="0"/>
+                                      </a:rPr>
+                                      <m:t>𝜕</m:t>
+                                    </m:r>
+                                    <m:r>
+                                      <a:rPr lang="en-US" sz="1300" i="1">
+                                        <a:effectLst/>
+                                        <a:latin typeface="Cambria Math" panose="02040503050406030204" pitchFamily="18" charset="0"/>
+                                        <a:ea typeface="Times New Roman" panose="02020603050405020304" pitchFamily="18" charset="0"/>
+                                        <a:cs typeface="Times New Roman" panose="02020603050405020304" pitchFamily="18" charset="0"/>
+                                      </a:rPr>
+                                      <m:t>𝑦</m:t>
+                                    </m:r>
+                                  </m:num>
+                                  <m:den>
+                                    <m:r>
+                                      <a:rPr lang="en-US" sz="1300" i="1">
+                                        <a:effectLst/>
+                                        <a:latin typeface="Cambria Math" panose="02040503050406030204" pitchFamily="18" charset="0"/>
+                                        <a:ea typeface="Times New Roman" panose="02020603050405020304" pitchFamily="18" charset="0"/>
+                                        <a:cs typeface="Times New Roman" panose="02020603050405020304" pitchFamily="18" charset="0"/>
+                                      </a:rPr>
+                                      <m:t>𝜕</m:t>
+                                    </m:r>
+                                    <m:sSub>
+                                      <m:sSubPr>
+                                        <m:ctrlPr>
+                                          <a:rPr lang="ru-RU" sz="1300" i="1">
+                                            <a:effectLst/>
+                                            <a:latin typeface="Cambria Math" panose="02040503050406030204" pitchFamily="18" charset="0"/>
+                                            <a:ea typeface="Times New Roman" panose="02020603050405020304" pitchFamily="18" charset="0"/>
+                                            <a:cs typeface="Times New Roman" panose="02020603050405020304" pitchFamily="18" charset="0"/>
+                                          </a:rPr>
+                                        </m:ctrlPr>
+                                      </m:sSubPr>
+                                      <m:e>
+                                        <m:r>
+                                          <m:rPr>
+                                            <m:sty m:val="p"/>
+                                          </m:rPr>
+                                          <a:rPr lang="ru-RU" sz="1300">
+                                            <a:effectLst/>
+                                            <a:latin typeface="Cambria Math" panose="02040503050406030204" pitchFamily="18" charset="0"/>
+                                            <a:ea typeface="Times New Roman" panose="02020603050405020304" pitchFamily="18" charset="0"/>
+                                            <a:cs typeface="Times New Roman" panose="02020603050405020304" pitchFamily="18" charset="0"/>
+                                          </a:rPr>
+                                          <m:t>θ</m:t>
+                                        </m:r>
+                                      </m:e>
+                                      <m:sub>
+                                        <m:r>
+                                          <a:rPr lang="ru-RU" sz="1300" i="1">
+                                            <a:effectLst/>
+                                            <a:latin typeface="Cambria Math" panose="02040503050406030204" pitchFamily="18" charset="0"/>
+                                            <a:ea typeface="Times New Roman" panose="02020603050405020304" pitchFamily="18" charset="0"/>
+                                            <a:cs typeface="Times New Roman" panose="02020603050405020304" pitchFamily="18" charset="0"/>
+                                          </a:rPr>
+                                          <m:t>3</m:t>
+                                        </m:r>
+                                      </m:sub>
+                                    </m:sSub>
+                                  </m:den>
+                                </m:f>
+                              </m:e>
+                            </m:mr>
+                            <m:mr>
+                              <m:e>
+                                <m:f>
+                                  <m:fPr>
+                                    <m:ctrlPr>
+                                      <a:rPr lang="ru-RU" sz="1300" i="1">
+                                        <a:effectLst/>
+                                        <a:latin typeface="Cambria Math" panose="02040503050406030204" pitchFamily="18" charset="0"/>
+                                        <a:ea typeface="Times New Roman" panose="02020603050405020304" pitchFamily="18" charset="0"/>
+                                        <a:cs typeface="Times New Roman" panose="02020603050405020304" pitchFamily="18" charset="0"/>
+                                      </a:rPr>
+                                    </m:ctrlPr>
+                                  </m:fPr>
+                                  <m:num>
+                                    <m:r>
+                                      <a:rPr lang="en-US" sz="1300" i="1">
+                                        <a:effectLst/>
+                                        <a:latin typeface="Cambria Math" panose="02040503050406030204" pitchFamily="18" charset="0"/>
+                                        <a:ea typeface="Times New Roman" panose="02020603050405020304" pitchFamily="18" charset="0"/>
+                                        <a:cs typeface="Times New Roman" panose="02020603050405020304" pitchFamily="18" charset="0"/>
+                                      </a:rPr>
+                                      <m:t>𝜕</m:t>
+                                    </m:r>
+                                    <m:r>
+                                      <a:rPr lang="en-US" sz="1300" i="1">
+                                        <a:effectLst/>
+                                        <a:latin typeface="Cambria Math" panose="02040503050406030204" pitchFamily="18" charset="0"/>
+                                        <a:ea typeface="Times New Roman" panose="02020603050405020304" pitchFamily="18" charset="0"/>
+                                        <a:cs typeface="Times New Roman" panose="02020603050405020304" pitchFamily="18" charset="0"/>
+                                      </a:rPr>
+                                      <m:t>𝑧</m:t>
+                                    </m:r>
+                                  </m:num>
+                                  <m:den>
+                                    <m:r>
+                                      <a:rPr lang="en-US" sz="1300" i="1">
+                                        <a:effectLst/>
+                                        <a:latin typeface="Cambria Math" panose="02040503050406030204" pitchFamily="18" charset="0"/>
+                                        <a:ea typeface="Times New Roman" panose="02020603050405020304" pitchFamily="18" charset="0"/>
+                                        <a:cs typeface="Times New Roman" panose="02020603050405020304" pitchFamily="18" charset="0"/>
+                                      </a:rPr>
+                                      <m:t>𝜕</m:t>
+                                    </m:r>
+                                    <m:sSub>
+                                      <m:sSubPr>
+                                        <m:ctrlPr>
+                                          <a:rPr lang="ru-RU" sz="1300" i="1">
+                                            <a:effectLst/>
+                                            <a:latin typeface="Cambria Math" panose="02040503050406030204" pitchFamily="18" charset="0"/>
+                                            <a:ea typeface="Times New Roman" panose="02020603050405020304" pitchFamily="18" charset="0"/>
+                                            <a:cs typeface="Times New Roman" panose="02020603050405020304" pitchFamily="18" charset="0"/>
+                                          </a:rPr>
+                                        </m:ctrlPr>
+                                      </m:sSubPr>
+                                      <m:e>
+                                        <m:r>
+                                          <m:rPr>
+                                            <m:sty m:val="p"/>
+                                          </m:rPr>
+                                          <a:rPr lang="ru-RU" sz="1300">
+                                            <a:effectLst/>
+                                            <a:latin typeface="Cambria Math" panose="02040503050406030204" pitchFamily="18" charset="0"/>
+                                            <a:ea typeface="Times New Roman" panose="02020603050405020304" pitchFamily="18" charset="0"/>
+                                            <a:cs typeface="Times New Roman" panose="02020603050405020304" pitchFamily="18" charset="0"/>
+                                          </a:rPr>
+                                          <m:t>θ</m:t>
+                                        </m:r>
+                                      </m:e>
+                                      <m:sub>
+                                        <m:r>
+                                          <a:rPr lang="ru-RU" sz="1300" i="1">
+                                            <a:effectLst/>
+                                            <a:latin typeface="Cambria Math" panose="02040503050406030204" pitchFamily="18" charset="0"/>
+                                            <a:ea typeface="Times New Roman" panose="02020603050405020304" pitchFamily="18" charset="0"/>
+                                            <a:cs typeface="Times New Roman" panose="02020603050405020304" pitchFamily="18" charset="0"/>
+                                          </a:rPr>
+                                          <m:t>1</m:t>
+                                        </m:r>
+                                      </m:sub>
+                                    </m:sSub>
+                                  </m:den>
+                                </m:f>
+                              </m:e>
+                              <m:e>
+                                <m:f>
+                                  <m:fPr>
+                                    <m:ctrlPr>
+                                      <a:rPr lang="ru-RU" sz="1300" i="1">
+                                        <a:effectLst/>
+                                        <a:latin typeface="Cambria Math" panose="02040503050406030204" pitchFamily="18" charset="0"/>
+                                        <a:ea typeface="Times New Roman" panose="02020603050405020304" pitchFamily="18" charset="0"/>
+                                        <a:cs typeface="Times New Roman" panose="02020603050405020304" pitchFamily="18" charset="0"/>
+                                      </a:rPr>
+                                    </m:ctrlPr>
+                                  </m:fPr>
+                                  <m:num>
+                                    <m:r>
+                                      <a:rPr lang="en-US" sz="1300" i="1">
+                                        <a:effectLst/>
+                                        <a:latin typeface="Cambria Math" panose="02040503050406030204" pitchFamily="18" charset="0"/>
+                                        <a:ea typeface="Times New Roman" panose="02020603050405020304" pitchFamily="18" charset="0"/>
+                                        <a:cs typeface="Times New Roman" panose="02020603050405020304" pitchFamily="18" charset="0"/>
+                                      </a:rPr>
+                                      <m:t>𝜕</m:t>
+                                    </m:r>
+                                    <m:r>
+                                      <a:rPr lang="en-US" sz="1300" i="1">
+                                        <a:effectLst/>
+                                        <a:latin typeface="Cambria Math" panose="02040503050406030204" pitchFamily="18" charset="0"/>
+                                        <a:ea typeface="Times New Roman" panose="02020603050405020304" pitchFamily="18" charset="0"/>
+                                        <a:cs typeface="Times New Roman" panose="02020603050405020304" pitchFamily="18" charset="0"/>
+                                      </a:rPr>
+                                      <m:t>𝑧</m:t>
+                                    </m:r>
+                                  </m:num>
+                                  <m:den>
+                                    <m:r>
+                                      <a:rPr lang="en-US" sz="1300" i="1">
+                                        <a:effectLst/>
+                                        <a:latin typeface="Cambria Math" panose="02040503050406030204" pitchFamily="18" charset="0"/>
+                                        <a:ea typeface="Times New Roman" panose="02020603050405020304" pitchFamily="18" charset="0"/>
+                                        <a:cs typeface="Times New Roman" panose="02020603050405020304" pitchFamily="18" charset="0"/>
+                                      </a:rPr>
+                                      <m:t>𝜕</m:t>
+                                    </m:r>
+                                    <m:sSub>
+                                      <m:sSubPr>
+                                        <m:ctrlPr>
+                                          <a:rPr lang="ru-RU" sz="1300" i="1">
+                                            <a:effectLst/>
+                                            <a:latin typeface="Cambria Math" panose="02040503050406030204" pitchFamily="18" charset="0"/>
+                                            <a:ea typeface="Times New Roman" panose="02020603050405020304" pitchFamily="18" charset="0"/>
+                                            <a:cs typeface="Times New Roman" panose="02020603050405020304" pitchFamily="18" charset="0"/>
+                                          </a:rPr>
+                                        </m:ctrlPr>
+                                      </m:sSubPr>
+                                      <m:e>
+                                        <m:r>
+                                          <m:rPr>
+                                            <m:sty m:val="p"/>
+                                          </m:rPr>
+                                          <a:rPr lang="ru-RU" sz="1300">
+                                            <a:effectLst/>
+                                            <a:latin typeface="Cambria Math" panose="02040503050406030204" pitchFamily="18" charset="0"/>
+                                            <a:ea typeface="Times New Roman" panose="02020603050405020304" pitchFamily="18" charset="0"/>
+                                            <a:cs typeface="Times New Roman" panose="02020603050405020304" pitchFamily="18" charset="0"/>
+                                          </a:rPr>
+                                          <m:t>θ</m:t>
+                                        </m:r>
+                                      </m:e>
+                                      <m:sub>
+                                        <m:r>
+                                          <a:rPr lang="ru-RU" sz="1300" i="1">
+                                            <a:effectLst/>
+                                            <a:latin typeface="Cambria Math" panose="02040503050406030204" pitchFamily="18" charset="0"/>
+                                            <a:ea typeface="Times New Roman" panose="02020603050405020304" pitchFamily="18" charset="0"/>
+                                            <a:cs typeface="Times New Roman" panose="02020603050405020304" pitchFamily="18" charset="0"/>
+                                          </a:rPr>
+                                          <m:t>2</m:t>
+                                        </m:r>
+                                      </m:sub>
+                                    </m:sSub>
+                                  </m:den>
+                                </m:f>
+                              </m:e>
+                              <m:e>
+                                <m:f>
+                                  <m:fPr>
+                                    <m:ctrlPr>
+                                      <a:rPr lang="ru-RU" sz="1300" i="1">
+                                        <a:effectLst/>
+                                        <a:latin typeface="Cambria Math" panose="02040503050406030204" pitchFamily="18" charset="0"/>
+                                        <a:ea typeface="Times New Roman" panose="02020603050405020304" pitchFamily="18" charset="0"/>
+                                        <a:cs typeface="Times New Roman" panose="02020603050405020304" pitchFamily="18" charset="0"/>
+                                      </a:rPr>
+                                    </m:ctrlPr>
+                                  </m:fPr>
+                                  <m:num>
+                                    <m:r>
+                                      <a:rPr lang="en-US" sz="1300" i="1">
+                                        <a:effectLst/>
+                                        <a:latin typeface="Cambria Math" panose="02040503050406030204" pitchFamily="18" charset="0"/>
+                                        <a:ea typeface="Times New Roman" panose="02020603050405020304" pitchFamily="18" charset="0"/>
+                                        <a:cs typeface="Times New Roman" panose="02020603050405020304" pitchFamily="18" charset="0"/>
+                                      </a:rPr>
+                                      <m:t>𝜕</m:t>
+                                    </m:r>
+                                    <m:r>
+                                      <a:rPr lang="en-US" sz="1300" i="1">
+                                        <a:effectLst/>
+                                        <a:latin typeface="Cambria Math" panose="02040503050406030204" pitchFamily="18" charset="0"/>
+                                        <a:ea typeface="Times New Roman" panose="02020603050405020304" pitchFamily="18" charset="0"/>
+                                        <a:cs typeface="Times New Roman" panose="02020603050405020304" pitchFamily="18" charset="0"/>
+                                      </a:rPr>
+                                      <m:t>𝑧</m:t>
+                                    </m:r>
+                                  </m:num>
+                                  <m:den>
+                                    <m:r>
+                                      <a:rPr lang="en-US" sz="1300" i="1">
+                                        <a:effectLst/>
+                                        <a:latin typeface="Cambria Math" panose="02040503050406030204" pitchFamily="18" charset="0"/>
+                                        <a:ea typeface="Times New Roman" panose="02020603050405020304" pitchFamily="18" charset="0"/>
+                                        <a:cs typeface="Times New Roman" panose="02020603050405020304" pitchFamily="18" charset="0"/>
+                                      </a:rPr>
+                                      <m:t>𝜕</m:t>
+                                    </m:r>
+                                    <m:sSub>
+                                      <m:sSubPr>
+                                        <m:ctrlPr>
+                                          <a:rPr lang="ru-RU" sz="1300" i="1">
+                                            <a:effectLst/>
+                                            <a:latin typeface="Cambria Math" panose="02040503050406030204" pitchFamily="18" charset="0"/>
+                                            <a:ea typeface="Times New Roman" panose="02020603050405020304" pitchFamily="18" charset="0"/>
+                                            <a:cs typeface="Times New Roman" panose="02020603050405020304" pitchFamily="18" charset="0"/>
+                                          </a:rPr>
+                                        </m:ctrlPr>
+                                      </m:sSubPr>
+                                      <m:e>
+                                        <m:r>
+                                          <m:rPr>
+                                            <m:sty m:val="p"/>
+                                          </m:rPr>
+                                          <a:rPr lang="ru-RU" sz="1300">
+                                            <a:effectLst/>
+                                            <a:latin typeface="Cambria Math" panose="02040503050406030204" pitchFamily="18" charset="0"/>
+                                            <a:ea typeface="Times New Roman" panose="02020603050405020304" pitchFamily="18" charset="0"/>
+                                            <a:cs typeface="Times New Roman" panose="02020603050405020304" pitchFamily="18" charset="0"/>
+                                          </a:rPr>
+                                          <m:t>θ</m:t>
+                                        </m:r>
+                                      </m:e>
+                                      <m:sub>
+                                        <m:r>
+                                          <a:rPr lang="ru-RU" sz="1300" i="1">
+                                            <a:effectLst/>
+                                            <a:latin typeface="Cambria Math" panose="02040503050406030204" pitchFamily="18" charset="0"/>
+                                            <a:ea typeface="Times New Roman" panose="02020603050405020304" pitchFamily="18" charset="0"/>
+                                            <a:cs typeface="Times New Roman" panose="02020603050405020304" pitchFamily="18" charset="0"/>
+                                          </a:rPr>
+                                          <m:t>3</m:t>
+                                        </m:r>
+                                      </m:sub>
+                                    </m:sSub>
+                                  </m:den>
+                                </m:f>
+                              </m:e>
+                            </m:mr>
+                          </m:m>
+                        </m:e>
+                      </m:d>
+                    </m:oMath>
+                  </m:oMathPara>
+                </a14:m>
+                <a:endParaRPr lang="ru-RU" sz="1300" dirty="0">
+                  <a:effectLst/>
+                  <a:latin typeface="Times New Roman" panose="02020603050405020304" pitchFamily="18" charset="0"/>
+                  <a:ea typeface="Calibri" panose="020F0502020204030204" pitchFamily="34" charset="0"/>
+                  <a:cs typeface="Times New Roman" panose="02020603050405020304" pitchFamily="18" charset="0"/>
+                </a:endParaRPr>
+              </a:p>
+            </p:txBody>
+          </p:sp>
+        </mc:Choice>
+        <mc:Fallback>
+          <p:sp>
+            <p:nvSpPr>
+              <p:cNvPr id="8" name="TextBox 7">
+                <a:extLst>
+                  <a:ext uri="{FF2B5EF4-FFF2-40B4-BE49-F238E27FC236}">
+                    <a16:creationId xmlns:a16="http://schemas.microsoft.com/office/drawing/2014/main" id="{50C6F3E6-8F2E-3F77-348C-B5A507595936}"/>
+                  </a:ext>
+                </a:extLst>
+              </p:cNvPr>
+              <p:cNvSpPr txBox="1">
+                <a:spLocks noRot="1" noChangeAspect="1" noMove="1" noResize="1" noEditPoints="1" noAdjustHandles="1" noChangeArrowheads="1" noChangeShapeType="1" noTextEdit="1"/>
+              </p:cNvSpPr>
+              <p:nvPr/>
+            </p:nvSpPr>
+            <p:spPr>
+              <a:xfrm>
+                <a:off x="681036" y="4485516"/>
+                <a:ext cx="8714633" cy="2069349"/>
+              </a:xfrm>
+              <a:prstGeom prst="rect">
+                <a:avLst/>
+              </a:prstGeom>
+              <a:blipFill>
+                <a:blip r:embed="rId5"/>
+                <a:stretch>
+                  <a:fillRect l="-140"/>
+                </a:stretch>
+              </a:blipFill>
+            </p:spPr>
+            <p:txBody>
+              <a:bodyPr/>
+              <a:lstStyle/>
+              <a:p>
+                <a:r>
+                  <a:rPr lang="ru-RU">
+                    <a:noFill/>
+                  </a:rPr>
+                  <a:t> </a:t>
+                </a:r>
+              </a:p>
+            </p:txBody>
+          </p:sp>
+        </mc:Fallback>
+      </mc:AlternateContent>
     </p:spTree>
     <p:extLst>
       <p:ext uri="{BB962C8B-B14F-4D97-AF65-F5344CB8AC3E}">

--- a/Диссертация/Смотр 2 курс 2 семестр/Артамонова_презентация.pptx
+++ b/Диссертация/Смотр 2 курс 2 семестр/Артамонова_презентация.pptx
@@ -3565,7 +3565,7 @@
             <a:fld id="{7EA884AF-4C88-424D-ADB7-7848CE0D5563}" type="datetimeFigureOut">
               <a:rPr lang="ru-RU" smtClean="0"/>
               <a:pPr/>
-              <a:t>02.05.2025</a:t>
+              <a:t>29.05.2025</a:t>
             </a:fld>
             <a:endParaRPr lang="ru-RU"/>
           </a:p>
@@ -3935,7 +3935,7 @@
             <a:fld id="{38ED4DB7-AC7F-4A42-877D-9FD276944AEC}" type="datetime1">
               <a:rPr lang="ru-RU" smtClean="0"/>
               <a:pPr/>
-              <a:t>02.05.2025</a:t>
+              <a:t>29.05.2025</a:t>
             </a:fld>
             <a:endParaRPr lang="ru-RU"/>
           </a:p>
@@ -4139,7 +4139,7 @@
             <a:fld id="{EFA4A34B-65F3-406A-BC9E-C6FAF08B0E8B}" type="datetime1">
               <a:rPr lang="ru-RU" smtClean="0"/>
               <a:pPr/>
-              <a:t>02.05.2025</a:t>
+              <a:t>29.05.2025</a:t>
             </a:fld>
             <a:endParaRPr lang="ru-RU"/>
           </a:p>
@@ -4319,7 +4319,7 @@
             <a:fld id="{5BA1F008-62DC-4A23-BE89-996EF89291BF}" type="datetime1">
               <a:rPr lang="ru-RU" smtClean="0"/>
               <a:pPr/>
-              <a:t>02.05.2025</a:t>
+              <a:t>29.05.2025</a:t>
             </a:fld>
             <a:endParaRPr lang="ru-RU"/>
           </a:p>
@@ -4499,7 +4499,7 @@
             <a:fld id="{B3F6E369-3AF4-4F4F-905B-434A00AC4342}" type="datetime1">
               <a:rPr lang="ru-RU" smtClean="0"/>
               <a:pPr/>
-              <a:t>02.05.2025</a:t>
+              <a:t>29.05.2025</a:t>
             </a:fld>
             <a:endParaRPr lang="ru-RU"/>
           </a:p>
@@ -4746,7 +4746,7 @@
             <a:fld id="{463BB650-AFB8-4EB8-8969-2F959D8EAD4F}" type="datetime1">
               <a:rPr lang="ru-RU" smtClean="0"/>
               <a:pPr/>
-              <a:t>02.05.2025</a:t>
+              <a:t>29.05.2025</a:t>
             </a:fld>
             <a:endParaRPr lang="ru-RU"/>
           </a:p>
@@ -4977,7 +4977,7 @@
             <a:fld id="{79F2B9F4-0FDB-4F6F-8737-A82692AF2004}" type="datetime1">
               <a:rPr lang="ru-RU" smtClean="0"/>
               <a:pPr/>
-              <a:t>02.05.2025</a:t>
+              <a:t>29.05.2025</a:t>
             </a:fld>
             <a:endParaRPr lang="ru-RU"/>
           </a:p>
@@ -5343,7 +5343,7 @@
             <a:fld id="{B0ECDEB8-08B2-47E9-8D6E-8DF583962871}" type="datetime1">
               <a:rPr lang="ru-RU" smtClean="0"/>
               <a:pPr/>
-              <a:t>02.05.2025</a:t>
+              <a:t>29.05.2025</a:t>
             </a:fld>
             <a:endParaRPr lang="ru-RU"/>
           </a:p>
@@ -5462,7 +5462,7 @@
             <a:fld id="{0125CFBC-8A1E-4B88-8318-D1A46FE9274C}" type="datetime1">
               <a:rPr lang="ru-RU" smtClean="0"/>
               <a:pPr/>
-              <a:t>02.05.2025</a:t>
+              <a:t>29.05.2025</a:t>
             </a:fld>
             <a:endParaRPr lang="ru-RU"/>
           </a:p>
@@ -5559,7 +5559,7 @@
             <a:fld id="{387EE4BF-63A5-4437-AD9E-A7DB957F2D34}" type="datetime1">
               <a:rPr lang="ru-RU" smtClean="0"/>
               <a:pPr/>
-              <a:t>02.05.2025</a:t>
+              <a:t>29.05.2025</a:t>
             </a:fld>
             <a:endParaRPr lang="ru-RU"/>
           </a:p>
@@ -5836,7 +5836,7 @@
             <a:fld id="{A91547C4-783C-4D72-A274-36C5C4D4FDF8}" type="datetime1">
               <a:rPr lang="ru-RU" smtClean="0"/>
               <a:pPr/>
-              <a:t>02.05.2025</a:t>
+              <a:t>29.05.2025</a:t>
             </a:fld>
             <a:endParaRPr lang="ru-RU"/>
           </a:p>
@@ -6090,7 +6090,7 @@
             <a:fld id="{668A31C0-00A8-4167-8EC1-69433850E9EF}" type="datetime1">
               <a:rPr lang="ru-RU" smtClean="0"/>
               <a:pPr/>
-              <a:t>02.05.2025</a:t>
+              <a:t>29.05.2025</a:t>
             </a:fld>
             <a:endParaRPr lang="ru-RU"/>
           </a:p>
@@ -6303,7 +6303,7 @@
             <a:fld id="{72B28B62-43C0-48EE-AC9E-FDF4B84CC8ED}" type="datetime1">
               <a:rPr lang="ru-RU" smtClean="0"/>
               <a:pPr/>
-              <a:t>02.05.2025</a:t>
+              <a:t>29.05.2025</a:t>
             </a:fld>
             <a:endParaRPr lang="ru-RU"/>
           </a:p>
@@ -7424,7 +7424,7 @@
                 <a:latin typeface="Times New Roman" panose="02020603050405020304" pitchFamily="18" charset="0"/>
                 <a:cs typeface="Times New Roman" panose="02020603050405020304" pitchFamily="18" charset="0"/>
               </a:rPr>
-              <a:t>Оценка точности полученных результатов</a:t>
+              <a:t>Оценка точности модели и алгоритма движения человека</a:t>
             </a:r>
           </a:p>
         </p:txBody>
@@ -10022,7 +10022,7 @@
                 <a:latin typeface="Times New Roman" panose="02020603050405020304" pitchFamily="18" charset="0"/>
                 <a:cs typeface="Times New Roman" panose="02020603050405020304" pitchFamily="18" charset="0"/>
               </a:rPr>
-              <a:t>Выполнена реализация разработанной методики и алгоритма.</a:t>
+              <a:t>Выполнена реализация разработанной модели и алгоритма.</a:t>
             </a:r>
           </a:p>
           <a:p>
@@ -10701,7 +10701,7 @@
         </p:spPr>
         <p:txBody>
           <a:bodyPr>
-            <a:normAutofit fontScale="92500" lnSpcReduction="10000"/>
+            <a:normAutofit/>
           </a:bodyPr>
           <a:lstStyle/>
           <a:p>
@@ -10713,7 +10713,7 @@
                 <a:latin typeface="Times New Roman" panose="02020603050405020304" pitchFamily="18" charset="0"/>
                 <a:cs typeface="Times New Roman" panose="02020603050405020304" pitchFamily="18" charset="0"/>
               </a:rPr>
-              <a:t>Неустойчивость моделей при сингулярности в процессе движения.</a:t>
+              <a:t>Низкая точность моделирования движения антропоморфных структур</a:t>
             </a:r>
             <a:endParaRPr lang="ru-RU" u="sng" dirty="0">
               <a:latin typeface="Times New Roman" panose="02020603050405020304" pitchFamily="18" charset="0"/>
@@ -10742,7 +10742,7 @@
                 <a:latin typeface="Times New Roman" panose="02020603050405020304" pitchFamily="18" charset="0"/>
                 <a:cs typeface="Times New Roman" panose="02020603050405020304" pitchFamily="18" charset="0"/>
               </a:rPr>
-              <a:t>несовершенство математических моделей кинематических цепей при работе вблизи сингулярных точек;</a:t>
+              <a:t>несовершенство математических моделей кинематических цепей при работе вблизи точек сингулярности;</a:t>
             </a:r>
           </a:p>
           <a:p>
@@ -10755,33 +10755,7 @@
                 <a:latin typeface="Times New Roman" panose="02020603050405020304" pitchFamily="18" charset="0"/>
                 <a:cs typeface="Times New Roman" panose="02020603050405020304" pitchFamily="18" charset="0"/>
               </a:rPr>
-              <a:t>потеря ранга матрицы Якоби, приводящая к неустойчивости решения обратной задачи кинематики;</a:t>
-            </a:r>
-          </a:p>
-          <a:p>
-            <a:pPr>
-              <a:buFont typeface="Symbol" panose="05050102010706020507" pitchFamily="18" charset="2"/>
-              <a:buChar char="-"/>
-            </a:pPr>
-            <a:r>
-              <a:rPr lang="ru-RU" sz="2600" dirty="0">
-                <a:latin typeface="Times New Roman" panose="02020603050405020304" pitchFamily="18" charset="0"/>
-                <a:cs typeface="Times New Roman" panose="02020603050405020304" pitchFamily="18" charset="0"/>
-              </a:rPr>
-              <a:t>ограниченная устойчивость численных методов в условиях сингулярности;</a:t>
-            </a:r>
-          </a:p>
-          <a:p>
-            <a:pPr>
-              <a:buFont typeface="Symbol" panose="05050102010706020507" pitchFamily="18" charset="2"/>
-              <a:buChar char="-"/>
-            </a:pPr>
-            <a:r>
-              <a:rPr lang="ru-RU" sz="2600" dirty="0">
-                <a:latin typeface="Times New Roman" panose="02020603050405020304" pitchFamily="18" charset="0"/>
-                <a:cs typeface="Times New Roman" panose="02020603050405020304" pitchFamily="18" charset="0"/>
-              </a:rPr>
-              <a:t>недостаточная адаптивность существующих алгоритмов управления движением;</a:t>
+              <a:t>потеря ранга матрицы Якоби, приводящая к неустойчивости решения обратной задачи кинематики; </a:t>
             </a:r>
           </a:p>
           <a:p>
@@ -11014,7 +10988,7 @@
                 <a:latin typeface="Times New Roman" panose="02020603050405020304" pitchFamily="18" charset="0"/>
                 <a:cs typeface="Times New Roman" panose="02020603050405020304" pitchFamily="18" charset="0"/>
               </a:rPr>
-              <a:t>программная реализация разработанной методики и алгоритма;</a:t>
+              <a:t>программная реализация разработанной модели и алгоритма;</a:t>
             </a:r>
           </a:p>
           <a:p>
@@ -11027,7 +11001,7 @@
                 <a:latin typeface="Times New Roman" panose="02020603050405020304" pitchFamily="18" charset="0"/>
                 <a:cs typeface="Times New Roman" panose="02020603050405020304" pitchFamily="18" charset="0"/>
               </a:rPr>
-              <a:t>оценка точности полученных результатов.</a:t>
+              <a:t>оценка точности модели и алгоритма движения человека.</a:t>
             </a:r>
           </a:p>
         </p:txBody>
@@ -11193,7 +11167,7 @@
                 <a:latin typeface="Times New Roman" panose="02020603050405020304" pitchFamily="18" charset="0"/>
                 <a:cs typeface="Times New Roman" panose="02020603050405020304" pitchFamily="18" charset="0"/>
               </a:rPr>
-              <a:t>Оценка точности полученных результатов.</a:t>
+              <a:t>Оценка точности модели и алгоритма движения человека.</a:t>
             </a:r>
             <a:endParaRPr lang="ru-RU" dirty="0"/>
           </a:p>
@@ -17605,8 +17579,8 @@
           </a:p>
         </p:txBody>
       </p:sp>
-      <mc:AlternateContent xmlns:mc="http://schemas.openxmlformats.org/markup-compatibility/2006">
-        <mc:Choice xmlns:a14="http://schemas.microsoft.com/office/drawing/2010/main" Requires="a14">
+      <mc:AlternateContent xmlns:mc="http://schemas.openxmlformats.org/markup-compatibility/2006" xmlns:a14="http://schemas.microsoft.com/office/drawing/2010/main">
+        <mc:Choice Requires="a14">
           <p:sp>
             <p:nvSpPr>
               <p:cNvPr id="5" name="TextBox 4">
@@ -19010,7 +18984,7 @@
             </p:txBody>
           </p:sp>
         </mc:Choice>
-        <mc:Fallback>
+        <mc:Fallback xmlns="">
           <p:sp>
             <p:nvSpPr>
               <p:cNvPr id="5" name="TextBox 4">
@@ -19096,8 +19070,8 @@
           </a:ln>
         </p:spPr>
       </p:pic>
-      <mc:AlternateContent xmlns:mc="http://schemas.openxmlformats.org/markup-compatibility/2006">
-        <mc:Choice xmlns:a14="http://schemas.microsoft.com/office/drawing/2010/main" Requires="a14">
+      <mc:AlternateContent xmlns:mc="http://schemas.openxmlformats.org/markup-compatibility/2006" xmlns:a14="http://schemas.microsoft.com/office/drawing/2010/main">
+        <mc:Choice Requires="a14">
           <p:sp>
             <p:nvSpPr>
               <p:cNvPr id="8" name="TextBox 7">
@@ -20256,7 +20230,7 @@
             </p:txBody>
           </p:sp>
         </mc:Choice>
-        <mc:Fallback>
+        <mc:Fallback xmlns="">
           <p:sp>
             <p:nvSpPr>
               <p:cNvPr id="8" name="TextBox 7">

--- a/Диссертация/Смотр 2 курс 2 семестр/Артамонова_презентация.pptx
+++ b/Диссертация/Смотр 2 курс 2 семестр/Артамонова_презентация.pptx
@@ -3565,7 +3565,7 @@
             <a:fld id="{7EA884AF-4C88-424D-ADB7-7848CE0D5563}" type="datetimeFigureOut">
               <a:rPr lang="ru-RU" smtClean="0"/>
               <a:pPr/>
-              <a:t>29.05.2025</a:t>
+              <a:t>03.06.2025</a:t>
             </a:fld>
             <a:endParaRPr lang="ru-RU"/>
           </a:p>
@@ -3935,7 +3935,7 @@
             <a:fld id="{38ED4DB7-AC7F-4A42-877D-9FD276944AEC}" type="datetime1">
               <a:rPr lang="ru-RU" smtClean="0"/>
               <a:pPr/>
-              <a:t>29.05.2025</a:t>
+              <a:t>03.06.2025</a:t>
             </a:fld>
             <a:endParaRPr lang="ru-RU"/>
           </a:p>
@@ -4139,7 +4139,7 @@
             <a:fld id="{EFA4A34B-65F3-406A-BC9E-C6FAF08B0E8B}" type="datetime1">
               <a:rPr lang="ru-RU" smtClean="0"/>
               <a:pPr/>
-              <a:t>29.05.2025</a:t>
+              <a:t>03.06.2025</a:t>
             </a:fld>
             <a:endParaRPr lang="ru-RU"/>
           </a:p>
@@ -4319,7 +4319,7 @@
             <a:fld id="{5BA1F008-62DC-4A23-BE89-996EF89291BF}" type="datetime1">
               <a:rPr lang="ru-RU" smtClean="0"/>
               <a:pPr/>
-              <a:t>29.05.2025</a:t>
+              <a:t>03.06.2025</a:t>
             </a:fld>
             <a:endParaRPr lang="ru-RU"/>
           </a:p>
@@ -4499,7 +4499,7 @@
             <a:fld id="{B3F6E369-3AF4-4F4F-905B-434A00AC4342}" type="datetime1">
               <a:rPr lang="ru-RU" smtClean="0"/>
               <a:pPr/>
-              <a:t>29.05.2025</a:t>
+              <a:t>03.06.2025</a:t>
             </a:fld>
             <a:endParaRPr lang="ru-RU"/>
           </a:p>
@@ -4746,7 +4746,7 @@
             <a:fld id="{463BB650-AFB8-4EB8-8969-2F959D8EAD4F}" type="datetime1">
               <a:rPr lang="ru-RU" smtClean="0"/>
               <a:pPr/>
-              <a:t>29.05.2025</a:t>
+              <a:t>03.06.2025</a:t>
             </a:fld>
             <a:endParaRPr lang="ru-RU"/>
           </a:p>
@@ -4977,7 +4977,7 @@
             <a:fld id="{79F2B9F4-0FDB-4F6F-8737-A82692AF2004}" type="datetime1">
               <a:rPr lang="ru-RU" smtClean="0"/>
               <a:pPr/>
-              <a:t>29.05.2025</a:t>
+              <a:t>03.06.2025</a:t>
             </a:fld>
             <a:endParaRPr lang="ru-RU"/>
           </a:p>
@@ -5343,7 +5343,7 @@
             <a:fld id="{B0ECDEB8-08B2-47E9-8D6E-8DF583962871}" type="datetime1">
               <a:rPr lang="ru-RU" smtClean="0"/>
               <a:pPr/>
-              <a:t>29.05.2025</a:t>
+              <a:t>03.06.2025</a:t>
             </a:fld>
             <a:endParaRPr lang="ru-RU"/>
           </a:p>
@@ -5462,7 +5462,7 @@
             <a:fld id="{0125CFBC-8A1E-4B88-8318-D1A46FE9274C}" type="datetime1">
               <a:rPr lang="ru-RU" smtClean="0"/>
               <a:pPr/>
-              <a:t>29.05.2025</a:t>
+              <a:t>03.06.2025</a:t>
             </a:fld>
             <a:endParaRPr lang="ru-RU"/>
           </a:p>
@@ -5559,7 +5559,7 @@
             <a:fld id="{387EE4BF-63A5-4437-AD9E-A7DB957F2D34}" type="datetime1">
               <a:rPr lang="ru-RU" smtClean="0"/>
               <a:pPr/>
-              <a:t>29.05.2025</a:t>
+              <a:t>03.06.2025</a:t>
             </a:fld>
             <a:endParaRPr lang="ru-RU"/>
           </a:p>
@@ -5836,7 +5836,7 @@
             <a:fld id="{A91547C4-783C-4D72-A274-36C5C4D4FDF8}" type="datetime1">
               <a:rPr lang="ru-RU" smtClean="0"/>
               <a:pPr/>
-              <a:t>29.05.2025</a:t>
+              <a:t>03.06.2025</a:t>
             </a:fld>
             <a:endParaRPr lang="ru-RU"/>
           </a:p>
@@ -6090,7 +6090,7 @@
             <a:fld id="{668A31C0-00A8-4167-8EC1-69433850E9EF}" type="datetime1">
               <a:rPr lang="ru-RU" smtClean="0"/>
               <a:pPr/>
-              <a:t>29.05.2025</a:t>
+              <a:t>03.06.2025</a:t>
             </a:fld>
             <a:endParaRPr lang="ru-RU"/>
           </a:p>
@@ -6303,7 +6303,7 @@
             <a:fld id="{72B28B62-43C0-48EE-AC9E-FDF4B84CC8ED}" type="datetime1">
               <a:rPr lang="ru-RU" smtClean="0"/>
               <a:pPr/>
-              <a:t>29.05.2025</a:t>
+              <a:t>03.06.2025</a:t>
             </a:fld>
             <a:endParaRPr lang="ru-RU"/>
           </a:p>
@@ -7504,13 +7504,13 @@
           <p:nvPr>
             <p:extLst>
               <p:ext uri="{D42A27DB-BD31-4B8C-83A1-F6EECF244321}">
-                <p14:modId xmlns:p14="http://schemas.microsoft.com/office/powerpoint/2010/main" val="1336109540"/>
+                <p14:modId xmlns:p14="http://schemas.microsoft.com/office/powerpoint/2010/main" val="1223552227"/>
               </p:ext>
             </p:extLst>
           </p:nvPr>
         </p:nvGraphicFramePr>
         <p:xfrm>
-          <a:off x="5184090" y="2568147"/>
+          <a:off x="5184091" y="2442311"/>
           <a:ext cx="3624044" cy="1262253"/>
         </p:xfrm>
         <a:graphic>
@@ -8435,13 +8435,13 @@
           <p:nvPr>
             <p:extLst>
               <p:ext uri="{D42A27DB-BD31-4B8C-83A1-F6EECF244321}">
-                <p14:modId xmlns:p14="http://schemas.microsoft.com/office/powerpoint/2010/main" val="1389223555"/>
+                <p14:modId xmlns:p14="http://schemas.microsoft.com/office/powerpoint/2010/main" val="1264680298"/>
               </p:ext>
             </p:extLst>
           </p:nvPr>
         </p:nvGraphicFramePr>
         <p:xfrm>
-          <a:off x="5184090" y="4036578"/>
+          <a:off x="5184091" y="3910742"/>
           <a:ext cx="3548543" cy="1262253"/>
         </p:xfrm>
         <a:graphic>
@@ -9652,6 +9652,461 @@
           </a:p>
         </p:txBody>
       </p:sp>
+      <mc:AlternateContent xmlns:mc="http://schemas.openxmlformats.org/markup-compatibility/2006">
+        <mc:Choice xmlns:a14="http://schemas.microsoft.com/office/drawing/2010/main" Requires="a14">
+          <p:sp>
+            <p:nvSpPr>
+              <p:cNvPr id="11" name="TextBox 10">
+                <a:extLst>
+                  <a:ext uri="{FF2B5EF4-FFF2-40B4-BE49-F238E27FC236}">
+                    <a16:creationId xmlns:a16="http://schemas.microsoft.com/office/drawing/2014/main" id="{06016588-1EC1-3792-8C3B-16E402292122}"/>
+                  </a:ext>
+                </a:extLst>
+              </p:cNvPr>
+              <p:cNvSpPr txBox="1"/>
+              <p:nvPr/>
+            </p:nvSpPr>
+            <p:spPr>
+              <a:xfrm>
+                <a:off x="4953000" y="5249222"/>
+                <a:ext cx="2228851" cy="699359"/>
+              </a:xfrm>
+              <a:prstGeom prst="rect">
+                <a:avLst/>
+              </a:prstGeom>
+              <a:noFill/>
+            </p:spPr>
+            <p:txBody>
+              <a:bodyPr wrap="square">
+                <a:spAutoFit/>
+              </a:bodyPr>
+              <a:lstStyle/>
+              <a:p>
+                <a:pPr/>
+                <a14:m>
+                  <m:oMathPara xmlns:m="http://schemas.openxmlformats.org/officeDocument/2006/math">
+                    <m:oMathParaPr>
+                      <m:jc m:val="centerGroup"/>
+                    </m:oMathParaPr>
+                    <m:oMath xmlns:m="http://schemas.openxmlformats.org/officeDocument/2006/math">
+                      <m:r>
+                        <a:rPr lang="ru-RU" sz="1400" i="1" smtClean="0">
+                          <a:latin typeface="Cambria Math" panose="02040503050406030204" pitchFamily="18" charset="0"/>
+                        </a:rPr>
+                        <m:t>𝐻</m:t>
+                      </m:r>
+                      <m:d>
+                        <m:dPr>
+                          <m:ctrlPr>
+                            <a:rPr lang="ru-RU" sz="1400" i="1">
+                              <a:solidFill>
+                                <a:srgbClr val="836967"/>
+                              </a:solidFill>
+                              <a:latin typeface="Cambria Math" panose="02040503050406030204" pitchFamily="18" charset="0"/>
+                            </a:rPr>
+                          </m:ctrlPr>
+                        </m:dPr>
+                        <m:e>
+                          <m:r>
+                            <a:rPr lang="ru-RU" sz="1400" i="1">
+                              <a:latin typeface="Cambria Math" panose="02040503050406030204" pitchFamily="18" charset="0"/>
+                            </a:rPr>
+                            <m:t>𝑄</m:t>
+                          </m:r>
+                        </m:e>
+                      </m:d>
+                      <m:r>
+                        <a:rPr lang="ru-RU" sz="1400" i="0">
+                          <a:latin typeface="Cambria Math" panose="02040503050406030204" pitchFamily="18" charset="0"/>
+                        </a:rPr>
+                        <m:t>= </m:t>
+                      </m:r>
+                      <m:f>
+                        <m:fPr>
+                          <m:ctrlPr>
+                            <a:rPr lang="ru-RU" sz="1400" i="1">
+                              <a:solidFill>
+                                <a:srgbClr val="836967"/>
+                              </a:solidFill>
+                              <a:latin typeface="Cambria Math" panose="02040503050406030204" pitchFamily="18" charset="0"/>
+                            </a:rPr>
+                          </m:ctrlPr>
+                        </m:fPr>
+                        <m:num>
+                          <m:r>
+                            <a:rPr lang="ru-RU" sz="1400" i="0">
+                              <a:latin typeface="Cambria Math" panose="02040503050406030204" pitchFamily="18" charset="0"/>
+                            </a:rPr>
+                            <m:t>1</m:t>
+                          </m:r>
+                        </m:num>
+                        <m:den>
+                          <m:r>
+                            <a:rPr lang="ru-RU" sz="1400" i="1">
+                              <a:latin typeface="Cambria Math" panose="02040503050406030204" pitchFamily="18" charset="0"/>
+                            </a:rPr>
+                            <m:t>𝑄</m:t>
+                          </m:r>
+                        </m:den>
+                      </m:f>
+                      <m:r>
+                        <a:rPr lang="ru-RU" sz="1400" i="0">
+                          <a:latin typeface="Cambria Math" panose="02040503050406030204" pitchFamily="18" charset="0"/>
+                        </a:rPr>
+                        <m:t> </m:t>
+                      </m:r>
+                      <m:nary>
+                        <m:naryPr>
+                          <m:chr m:val="∑"/>
+                          <m:limLoc m:val="undOvr"/>
+                          <m:ctrlPr>
+                            <a:rPr lang="ru-RU" sz="1400" i="1">
+                              <a:latin typeface="Cambria Math" panose="02040503050406030204" pitchFamily="18" charset="0"/>
+                            </a:rPr>
+                          </m:ctrlPr>
+                        </m:naryPr>
+                        <m:sub>
+                          <m:r>
+                            <a:rPr lang="ru-RU" sz="1400" i="1">
+                              <a:latin typeface="Cambria Math" panose="02040503050406030204" pitchFamily="18" charset="0"/>
+                            </a:rPr>
+                            <m:t>𝑘</m:t>
+                          </m:r>
+                          <m:r>
+                            <a:rPr lang="ru-RU" sz="1400" i="0">
+                              <a:latin typeface="Cambria Math" panose="02040503050406030204" pitchFamily="18" charset="0"/>
+                            </a:rPr>
+                            <m:t>=1</m:t>
+                          </m:r>
+                        </m:sub>
+                        <m:sup>
+                          <m:r>
+                            <a:rPr lang="ru-RU" sz="1400" i="1">
+                              <a:latin typeface="Cambria Math" panose="02040503050406030204" pitchFamily="18" charset="0"/>
+                            </a:rPr>
+                            <m:t>𝑄</m:t>
+                          </m:r>
+                        </m:sup>
+                        <m:e>
+                          <m:r>
+                            <a:rPr lang="ru-RU" sz="1400" i="1">
+                              <a:latin typeface="Cambria Math" panose="02040503050406030204" pitchFamily="18" charset="0"/>
+                            </a:rPr>
+                            <m:t>h</m:t>
+                          </m:r>
+                          <m:d>
+                            <m:dPr>
+                              <m:ctrlPr>
+                                <a:rPr lang="ru-RU" sz="1400" i="1">
+                                  <a:latin typeface="Cambria Math" panose="02040503050406030204" pitchFamily="18" charset="0"/>
+                                </a:rPr>
+                              </m:ctrlPr>
+                            </m:dPr>
+                            <m:e>
+                              <m:sSub>
+                                <m:sSubPr>
+                                  <m:ctrlPr>
+                                    <a:rPr lang="ru-RU" sz="1400" i="1">
+                                      <a:solidFill>
+                                        <a:srgbClr val="836967"/>
+                                      </a:solidFill>
+                                      <a:latin typeface="Cambria Math" panose="02040503050406030204" pitchFamily="18" charset="0"/>
+                                    </a:rPr>
+                                  </m:ctrlPr>
+                                </m:sSubPr>
+                                <m:e>
+                                  <m:r>
+                                    <a:rPr lang="ru-RU" sz="1400" i="1">
+                                      <a:latin typeface="Cambria Math" panose="02040503050406030204" pitchFamily="18" charset="0"/>
+                                    </a:rPr>
+                                    <m:t>𝑞</m:t>
+                                  </m:r>
+                                </m:e>
+                                <m:sub>
+                                  <m:r>
+                                    <a:rPr lang="ru-RU" sz="1400" i="1">
+                                      <a:latin typeface="Cambria Math" panose="02040503050406030204" pitchFamily="18" charset="0"/>
+                                    </a:rPr>
+                                    <m:t>𝑘</m:t>
+                                  </m:r>
+                                </m:sub>
+                              </m:sSub>
+                            </m:e>
+                          </m:d>
+                        </m:e>
+                      </m:nary>
+                    </m:oMath>
+                  </m:oMathPara>
+                </a14:m>
+                <a:endParaRPr lang="ru-RU" sz="1600" dirty="0"/>
+              </a:p>
+            </p:txBody>
+          </p:sp>
+        </mc:Choice>
+        <mc:Fallback>
+          <p:sp>
+            <p:nvSpPr>
+              <p:cNvPr id="11" name="TextBox 10">
+                <a:extLst>
+                  <a:ext uri="{FF2B5EF4-FFF2-40B4-BE49-F238E27FC236}">
+                    <a16:creationId xmlns:a16="http://schemas.microsoft.com/office/drawing/2014/main" id="{06016588-1EC1-3792-8C3B-16E402292122}"/>
+                  </a:ext>
+                </a:extLst>
+              </p:cNvPr>
+              <p:cNvSpPr txBox="1">
+                <a:spLocks noRot="1" noChangeAspect="1" noMove="1" noResize="1" noEditPoints="1" noAdjustHandles="1" noChangeArrowheads="1" noChangeShapeType="1" noTextEdit="1"/>
+              </p:cNvSpPr>
+              <p:nvPr/>
+            </p:nvSpPr>
+            <p:spPr>
+              <a:xfrm>
+                <a:off x="4953000" y="5249222"/>
+                <a:ext cx="2228851" cy="699359"/>
+              </a:xfrm>
+              <a:prstGeom prst="rect">
+                <a:avLst/>
+              </a:prstGeom>
+              <a:blipFill>
+                <a:blip r:embed="rId3"/>
+                <a:stretch>
+                  <a:fillRect/>
+                </a:stretch>
+              </a:blipFill>
+            </p:spPr>
+            <p:txBody>
+              <a:bodyPr/>
+              <a:lstStyle/>
+              <a:p>
+                <a:r>
+                  <a:rPr lang="ru-RU">
+                    <a:noFill/>
+                  </a:rPr>
+                  <a:t> </a:t>
+                </a:r>
+              </a:p>
+            </p:txBody>
+          </p:sp>
+        </mc:Fallback>
+      </mc:AlternateContent>
+      <mc:AlternateContent xmlns:mc="http://schemas.openxmlformats.org/markup-compatibility/2006">
+        <mc:Choice xmlns:a14="http://schemas.microsoft.com/office/drawing/2010/main" Requires="a14">
+          <p:sp>
+            <p:nvSpPr>
+              <p:cNvPr id="13" name="TextBox 12">
+                <a:extLst>
+                  <a:ext uri="{FF2B5EF4-FFF2-40B4-BE49-F238E27FC236}">
+                    <a16:creationId xmlns:a16="http://schemas.microsoft.com/office/drawing/2014/main" id="{6A0113F0-9AAF-F968-ED92-192AD12D0897}"/>
+                  </a:ext>
+                </a:extLst>
+              </p:cNvPr>
+              <p:cNvSpPr txBox="1"/>
+              <p:nvPr/>
+            </p:nvSpPr>
+            <p:spPr>
+              <a:xfrm>
+                <a:off x="6772167" y="5240085"/>
+                <a:ext cx="2246457" cy="699359"/>
+              </a:xfrm>
+              <a:prstGeom prst="rect">
+                <a:avLst/>
+              </a:prstGeom>
+              <a:noFill/>
+            </p:spPr>
+            <p:txBody>
+              <a:bodyPr wrap="square">
+                <a:spAutoFit/>
+              </a:bodyPr>
+              <a:lstStyle/>
+              <a:p>
+                <a:pPr/>
+                <a14:m>
+                  <m:oMathPara xmlns:m="http://schemas.openxmlformats.org/officeDocument/2006/math">
+                    <m:oMathParaPr>
+                      <m:jc m:val="centerGroup"/>
+                    </m:oMathParaPr>
+                    <m:oMath xmlns:m="http://schemas.openxmlformats.org/officeDocument/2006/math">
+                      <m:r>
+                        <a:rPr lang="ru-RU" sz="1400" i="1" smtClean="0">
+                          <a:latin typeface="Cambria Math" panose="02040503050406030204" pitchFamily="18" charset="0"/>
+                        </a:rPr>
+                        <m:t>𝑉</m:t>
+                      </m:r>
+                      <m:d>
+                        <m:dPr>
+                          <m:ctrlPr>
+                            <a:rPr lang="ru-RU" sz="1400" i="1">
+                              <a:solidFill>
+                                <a:srgbClr val="836967"/>
+                              </a:solidFill>
+                              <a:latin typeface="Cambria Math" panose="02040503050406030204" pitchFamily="18" charset="0"/>
+                            </a:rPr>
+                          </m:ctrlPr>
+                        </m:dPr>
+                        <m:e>
+                          <m:r>
+                            <a:rPr lang="ru-RU" sz="1400" i="1">
+                              <a:latin typeface="Cambria Math" panose="02040503050406030204" pitchFamily="18" charset="0"/>
+                            </a:rPr>
+                            <m:t>𝑄</m:t>
+                          </m:r>
+                        </m:e>
+                      </m:d>
+                      <m:r>
+                        <a:rPr lang="ru-RU" sz="1400" i="0">
+                          <a:latin typeface="Cambria Math" panose="02040503050406030204" pitchFamily="18" charset="0"/>
+                        </a:rPr>
+                        <m:t>= </m:t>
+                      </m:r>
+                      <m:f>
+                        <m:fPr>
+                          <m:ctrlPr>
+                            <a:rPr lang="ru-RU" sz="1400" i="1">
+                              <a:solidFill>
+                                <a:srgbClr val="836967"/>
+                              </a:solidFill>
+                              <a:latin typeface="Cambria Math" panose="02040503050406030204" pitchFamily="18" charset="0"/>
+                            </a:rPr>
+                          </m:ctrlPr>
+                        </m:fPr>
+                        <m:num>
+                          <m:r>
+                            <a:rPr lang="ru-RU" sz="1400" i="0">
+                              <a:latin typeface="Cambria Math" panose="02040503050406030204" pitchFamily="18" charset="0"/>
+                            </a:rPr>
+                            <m:t>1</m:t>
+                          </m:r>
+                        </m:num>
+                        <m:den>
+                          <m:r>
+                            <a:rPr lang="ru-RU" sz="1400" i="1">
+                              <a:latin typeface="Cambria Math" panose="02040503050406030204" pitchFamily="18" charset="0"/>
+                            </a:rPr>
+                            <m:t>𝑄</m:t>
+                          </m:r>
+                        </m:den>
+                      </m:f>
+                      <m:r>
+                        <a:rPr lang="ru-RU" sz="1400" i="0">
+                          <a:latin typeface="Cambria Math" panose="02040503050406030204" pitchFamily="18" charset="0"/>
+                        </a:rPr>
+                        <m:t> </m:t>
+                      </m:r>
+                      <m:nary>
+                        <m:naryPr>
+                          <m:chr m:val="∑"/>
+                          <m:limLoc m:val="undOvr"/>
+                          <m:ctrlPr>
+                            <a:rPr lang="ru-RU" sz="1400" i="1">
+                              <a:latin typeface="Cambria Math" panose="02040503050406030204" pitchFamily="18" charset="0"/>
+                            </a:rPr>
+                          </m:ctrlPr>
+                        </m:naryPr>
+                        <m:sub>
+                          <m:r>
+                            <a:rPr lang="ru-RU" sz="1400" i="1">
+                              <a:latin typeface="Cambria Math" panose="02040503050406030204" pitchFamily="18" charset="0"/>
+                            </a:rPr>
+                            <m:t>𝑘</m:t>
+                          </m:r>
+                          <m:r>
+                            <a:rPr lang="ru-RU" sz="1400" i="0">
+                              <a:latin typeface="Cambria Math" panose="02040503050406030204" pitchFamily="18" charset="0"/>
+                            </a:rPr>
+                            <m:t>=1</m:t>
+                          </m:r>
+                        </m:sub>
+                        <m:sup>
+                          <m:r>
+                            <a:rPr lang="ru-RU" sz="1400" i="1">
+                              <a:latin typeface="Cambria Math" panose="02040503050406030204" pitchFamily="18" charset="0"/>
+                            </a:rPr>
+                            <m:t>𝑄</m:t>
+                          </m:r>
+                        </m:sup>
+                        <m:e>
+                          <m:sSub>
+                            <m:sSubPr>
+                              <m:ctrlPr>
+                                <a:rPr lang="ru-RU" sz="1400" i="1">
+                                  <a:solidFill>
+                                    <a:srgbClr val="836967"/>
+                                  </a:solidFill>
+                                  <a:latin typeface="Cambria Math" panose="02040503050406030204" pitchFamily="18" charset="0"/>
+                                </a:rPr>
+                              </m:ctrlPr>
+                            </m:sSubPr>
+                            <m:e>
+                              <m:r>
+                                <a:rPr lang="ru-RU" sz="1400" i="1">
+                                  <a:latin typeface="Cambria Math" panose="02040503050406030204" pitchFamily="18" charset="0"/>
+                                </a:rPr>
+                                <m:t>𝜆</m:t>
+                              </m:r>
+                            </m:e>
+                            <m:sub>
+                              <m:r>
+                                <a:rPr lang="ru-RU" sz="1400" i="1">
+                                  <a:latin typeface="Cambria Math" panose="02040503050406030204" pitchFamily="18" charset="0"/>
+                                </a:rPr>
+                                <m:t>𝑚𝑖𝑛</m:t>
+                              </m:r>
+                            </m:sub>
+                          </m:sSub>
+                        </m:e>
+                      </m:nary>
+                    </m:oMath>
+                  </m:oMathPara>
+                </a14:m>
+                <a:endParaRPr lang="ru-RU" sz="1400" dirty="0"/>
+              </a:p>
+            </p:txBody>
+          </p:sp>
+        </mc:Choice>
+        <mc:Fallback>
+          <p:sp>
+            <p:nvSpPr>
+              <p:cNvPr id="13" name="TextBox 12">
+                <a:extLst>
+                  <a:ext uri="{FF2B5EF4-FFF2-40B4-BE49-F238E27FC236}">
+                    <a16:creationId xmlns:a16="http://schemas.microsoft.com/office/drawing/2014/main" id="{6A0113F0-9AAF-F968-ED92-192AD12D0897}"/>
+                  </a:ext>
+                </a:extLst>
+              </p:cNvPr>
+              <p:cNvSpPr txBox="1">
+                <a:spLocks noRot="1" noChangeAspect="1" noMove="1" noResize="1" noEditPoints="1" noAdjustHandles="1" noChangeArrowheads="1" noChangeShapeType="1" noTextEdit="1"/>
+              </p:cNvSpPr>
+              <p:nvPr/>
+            </p:nvSpPr>
+            <p:spPr>
+              <a:xfrm>
+                <a:off x="6772167" y="5240085"/>
+                <a:ext cx="2246457" cy="699359"/>
+              </a:xfrm>
+              <a:prstGeom prst="rect">
+                <a:avLst/>
+              </a:prstGeom>
+              <a:blipFill>
+                <a:blip r:embed="rId4"/>
+                <a:stretch>
+                  <a:fillRect/>
+                </a:stretch>
+              </a:blipFill>
+            </p:spPr>
+            <p:txBody>
+              <a:bodyPr/>
+              <a:lstStyle/>
+              <a:p>
+                <a:r>
+                  <a:rPr lang="ru-RU">
+                    <a:noFill/>
+                  </a:rPr>
+                  <a:t> </a:t>
+                </a:r>
+              </a:p>
+            </p:txBody>
+          </p:sp>
+        </mc:Fallback>
+      </mc:AlternateContent>
     </p:spTree>
     <p:extLst>
       <p:ext uri="{BB962C8B-B14F-4D97-AF65-F5344CB8AC3E}">
@@ -10006,7 +10461,7 @@
                 <a:latin typeface="Times New Roman" panose="02020603050405020304" pitchFamily="18" charset="0"/>
                 <a:cs typeface="Times New Roman" panose="02020603050405020304" pitchFamily="18" charset="0"/>
               </a:rPr>
-              <a:t>Разработан алгоритм движения человека.</a:t>
+              <a:t>Разработан алгоритм моделирования движений человека.</a:t>
             </a:r>
           </a:p>
           <a:p>
@@ -10975,7 +11430,7 @@
                 <a:latin typeface="Times New Roman" panose="02020603050405020304" pitchFamily="18" charset="0"/>
                 <a:cs typeface="Times New Roman" panose="02020603050405020304" pitchFamily="18" charset="0"/>
               </a:rPr>
-              <a:t>разработка алгоритма движения человека;</a:t>
+              <a:t>разработка алгоритма моделирования движений человека;</a:t>
             </a:r>
           </a:p>
           <a:p>
@@ -11151,7 +11606,7 @@
                 <a:latin typeface="Times New Roman" panose="02020603050405020304" pitchFamily="18" charset="0"/>
                 <a:cs typeface="Times New Roman" panose="02020603050405020304" pitchFamily="18" charset="0"/>
               </a:rPr>
-              <a:t>Алгоритм движения человека. </a:t>
+              <a:t>Алгоритм моделирования движений человека. </a:t>
             </a:r>
           </a:p>
           <a:p>
